--- a/GroupD_ProjectPresentation .pptx
+++ b/GroupD_ProjectPresentation .pptx
@@ -5,55 +5,55 @@
     <p:sldMasterId id="2147483648" r:id="rId1"/>
   </p:sldMasterIdLst>
   <p:sldIdLst>
-    <p:sldId id="257" r:id="rId3"/>
-    <p:sldId id="258" r:id="rId4"/>
-    <p:sldId id="259" r:id="rId5"/>
-    <p:sldId id="261" r:id="rId6"/>
-    <p:sldId id="262" r:id="rId7"/>
-    <p:sldId id="264" r:id="rId8"/>
-    <p:sldId id="265" r:id="rId9"/>
-    <p:sldId id="298" r:id="rId10"/>
-    <p:sldId id="301" r:id="rId11"/>
-    <p:sldId id="300" r:id="rId12"/>
-    <p:sldId id="296" r:id="rId13"/>
-    <p:sldId id="297" r:id="rId14"/>
-    <p:sldId id="288" r:id="rId15"/>
-    <p:sldId id="289" r:id="rId16"/>
-    <p:sldId id="290" r:id="rId17"/>
-    <p:sldId id="299" r:id="rId18"/>
-    <p:sldId id="271" r:id="rId19"/>
-    <p:sldId id="266" r:id="rId20"/>
-    <p:sldId id="267" r:id="rId21"/>
-    <p:sldId id="268" r:id="rId22"/>
-    <p:sldId id="302" r:id="rId23"/>
-    <p:sldId id="303" r:id="rId24"/>
-    <p:sldId id="304" r:id="rId25"/>
-    <p:sldId id="305" r:id="rId26"/>
-    <p:sldId id="272" r:id="rId27"/>
-    <p:sldId id="277" r:id="rId28"/>
-    <p:sldId id="307" r:id="rId29"/>
-    <p:sldId id="273" r:id="rId30"/>
-    <p:sldId id="279" r:id="rId31"/>
-    <p:sldId id="306" r:id="rId32"/>
-    <p:sldId id="274" r:id="rId33"/>
-    <p:sldId id="283" r:id="rId34"/>
-    <p:sldId id="286" r:id="rId35"/>
-    <p:sldId id="275" r:id="rId36"/>
-    <p:sldId id="284" r:id="rId37"/>
-    <p:sldId id="287" r:id="rId38"/>
-    <p:sldId id="276" r:id="rId39"/>
-    <p:sldId id="281" r:id="rId40"/>
-    <p:sldId id="282" r:id="rId41"/>
-    <p:sldId id="308" r:id="rId42"/>
-    <p:sldId id="292" r:id="rId43"/>
-    <p:sldId id="293" r:id="rId44"/>
-    <p:sldId id="294" r:id="rId45"/>
-    <p:sldId id="295" r:id="rId46"/>
-    <p:sldId id="309" r:id="rId47"/>
-    <p:sldId id="310" r:id="rId48"/>
-    <p:sldId id="311" r:id="rId49"/>
-    <p:sldId id="340" r:id="rId50"/>
-    <p:sldId id="341" r:id="rId51"/>
+    <p:sldId id="257" r:id="rId2"/>
+    <p:sldId id="258" r:id="rId3"/>
+    <p:sldId id="259" r:id="rId4"/>
+    <p:sldId id="261" r:id="rId5"/>
+    <p:sldId id="262" r:id="rId6"/>
+    <p:sldId id="264" r:id="rId7"/>
+    <p:sldId id="265" r:id="rId8"/>
+    <p:sldId id="298" r:id="rId9"/>
+    <p:sldId id="301" r:id="rId10"/>
+    <p:sldId id="300" r:id="rId11"/>
+    <p:sldId id="296" r:id="rId12"/>
+    <p:sldId id="297" r:id="rId13"/>
+    <p:sldId id="288" r:id="rId14"/>
+    <p:sldId id="289" r:id="rId15"/>
+    <p:sldId id="290" r:id="rId16"/>
+    <p:sldId id="299" r:id="rId17"/>
+    <p:sldId id="271" r:id="rId18"/>
+    <p:sldId id="266" r:id="rId19"/>
+    <p:sldId id="267" r:id="rId20"/>
+    <p:sldId id="268" r:id="rId21"/>
+    <p:sldId id="302" r:id="rId22"/>
+    <p:sldId id="303" r:id="rId23"/>
+    <p:sldId id="304" r:id="rId24"/>
+    <p:sldId id="305" r:id="rId25"/>
+    <p:sldId id="272" r:id="rId26"/>
+    <p:sldId id="277" r:id="rId27"/>
+    <p:sldId id="307" r:id="rId28"/>
+    <p:sldId id="273" r:id="rId29"/>
+    <p:sldId id="279" r:id="rId30"/>
+    <p:sldId id="306" r:id="rId31"/>
+    <p:sldId id="274" r:id="rId32"/>
+    <p:sldId id="283" r:id="rId33"/>
+    <p:sldId id="286" r:id="rId34"/>
+    <p:sldId id="275" r:id="rId35"/>
+    <p:sldId id="284" r:id="rId36"/>
+    <p:sldId id="287" r:id="rId37"/>
+    <p:sldId id="276" r:id="rId38"/>
+    <p:sldId id="281" r:id="rId39"/>
+    <p:sldId id="282" r:id="rId40"/>
+    <p:sldId id="308" r:id="rId41"/>
+    <p:sldId id="292" r:id="rId42"/>
+    <p:sldId id="293" r:id="rId43"/>
+    <p:sldId id="294" r:id="rId44"/>
+    <p:sldId id="295" r:id="rId45"/>
+    <p:sldId id="309" r:id="rId46"/>
+    <p:sldId id="310" r:id="rId47"/>
+    <p:sldId id="311" r:id="rId48"/>
+    <p:sldId id="340" r:id="rId49"/>
+    <p:sldId id="341" r:id="rId50"/>
   </p:sldIdLst>
   <p:sldSz cx="12192000" cy="6858000"/>
   <p:notesSz cx="6858000" cy="9144000"/>
@@ -152,11 +152,16 @@
       </a:defRPr>
     </a:lvl9pPr>
   </p:defaultTextStyle>
+  <p:extLst>
+    <p:ext uri="{EFAFB233-063F-42B5-8137-9DF3F51BA10A}">
+      <p15:sldGuideLst xmlns:p15="http://schemas.microsoft.com/office/powerpoint/2012/main"/>
+    </p:ext>
+  </p:extLst>
 </p:presentation>
 </file>
 
 <file path=ppt/slideLayouts/slideLayout1.xml><?xml version="1.0" encoding="utf-8"?>
-<p:sldLayout xmlns:a="http://schemas.openxmlformats.org/drawingml/2006/main" xmlns:r="http://schemas.openxmlformats.org/officeDocument/2006/relationships" xmlns:p="http://schemas.openxmlformats.org/presentationml/2006/main" type="title" preserve="1" showMasterSp="0">
+<p:sldLayout xmlns:a="http://schemas.openxmlformats.org/drawingml/2006/main" xmlns:r="http://schemas.openxmlformats.org/officeDocument/2006/relationships" xmlns:p="http://schemas.openxmlformats.org/presentationml/2006/main" showMasterSp="0" type="title" preserve="1">
   <p:cSld name="Title Slide">
     <p:spTree>
       <p:nvGrpSpPr>
@@ -361,6 +366,7 @@
           <a:p>
             <a:fld id="{95232F20-8D4C-4FF7-ADC1-A97AC17BD314}" type="slidenum">
               <a:rPr lang="ja-JP" altLang="en-US"/>
+              <a:t>‹#›</a:t>
             </a:fld>
             <a:endParaRPr lang="en-US" altLang="ja-JP"/>
           </a:p>
@@ -396,7 +402,6 @@
               <a:rPr lang="en-US" altLang="ja-JP"/>
               <a:t>Click to edit Master subtitle style</a:t>
             </a:r>
-            <a:endParaRPr lang="en-US" altLang="ja-JP"/>
           </a:p>
         </p:txBody>
       </p:sp>
@@ -431,7 +436,6 @@
               <a:rPr lang="en-US" altLang="ja-JP"/>
               <a:t>Click to edit Master title style</a:t>
             </a:r>
-            <a:endParaRPr lang="en-US" altLang="ja-JP"/>
           </a:p>
         </p:txBody>
       </p:sp>
@@ -506,7 +510,6 @@
               <a:rPr lang="en-US"/>
               <a:t>Click to edit Master text styles</a:t>
             </a:r>
-            <a:endParaRPr lang="en-US"/>
           </a:p>
           <a:p>
             <a:pPr lvl="1"/>
@@ -514,7 +517,6 @@
               <a:rPr lang="en-US"/>
               <a:t>Second level</a:t>
             </a:r>
-            <a:endParaRPr lang="en-US"/>
           </a:p>
           <a:p>
             <a:pPr lvl="2"/>
@@ -522,7 +524,6 @@
               <a:rPr lang="en-US"/>
               <a:t>Third level</a:t>
             </a:r>
-            <a:endParaRPr lang="en-US"/>
           </a:p>
           <a:p>
             <a:pPr lvl="3"/>
@@ -530,7 +531,6 @@
               <a:rPr lang="en-US"/>
               <a:t>Fourth level</a:t>
             </a:r>
-            <a:endParaRPr lang="en-US"/>
           </a:p>
           <a:p>
             <a:pPr lvl="4"/>
@@ -617,6 +617,7 @@
           <a:p>
             <a:fld id="{E6B1DEAD-7992-420D-B87A-30322BA01843}" type="slidenum">
               <a:rPr lang="ja-JP" altLang="en-US"/>
+              <a:t>‹#›</a:t>
             </a:fld>
             <a:endParaRPr lang="en-US" altLang="ja-JP"/>
           </a:p>
@@ -703,7 +704,6 @@
               <a:rPr lang="en-US"/>
               <a:t>Click to edit Master text styles</a:t>
             </a:r>
-            <a:endParaRPr lang="en-US"/>
           </a:p>
           <a:p>
             <a:pPr lvl="1"/>
@@ -711,7 +711,6 @@
               <a:rPr lang="en-US"/>
               <a:t>Second level</a:t>
             </a:r>
-            <a:endParaRPr lang="en-US"/>
           </a:p>
           <a:p>
             <a:pPr lvl="2"/>
@@ -719,7 +718,6 @@
               <a:rPr lang="en-US"/>
               <a:t>Third level</a:t>
             </a:r>
-            <a:endParaRPr lang="en-US"/>
           </a:p>
           <a:p>
             <a:pPr lvl="3"/>
@@ -727,7 +725,6 @@
               <a:rPr lang="en-US"/>
               <a:t>Fourth level</a:t>
             </a:r>
-            <a:endParaRPr lang="en-US"/>
           </a:p>
           <a:p>
             <a:pPr lvl="4"/>
@@ -814,6 +811,7 @@
           <a:p>
             <a:fld id="{04D34B5C-7F3E-425E-ADF3-038868261E82}" type="slidenum">
               <a:rPr lang="ja-JP" altLang="en-US"/>
+              <a:t>‹#›</a:t>
             </a:fld>
             <a:endParaRPr lang="en-US" altLang="ja-JP"/>
           </a:p>
@@ -890,7 +888,6 @@
               <a:rPr lang="en-US"/>
               <a:t>Click to edit Master text styles</a:t>
             </a:r>
-            <a:endParaRPr lang="en-US"/>
           </a:p>
           <a:p>
             <a:pPr lvl="1"/>
@@ -898,7 +895,6 @@
               <a:rPr lang="en-US"/>
               <a:t>Second level</a:t>
             </a:r>
-            <a:endParaRPr lang="en-US"/>
           </a:p>
           <a:p>
             <a:pPr lvl="2"/>
@@ -906,7 +902,6 @@
               <a:rPr lang="en-US"/>
               <a:t>Third level</a:t>
             </a:r>
-            <a:endParaRPr lang="en-US"/>
           </a:p>
           <a:p>
             <a:pPr lvl="3"/>
@@ -914,7 +909,6 @@
               <a:rPr lang="en-US"/>
               <a:t>Fourth level</a:t>
             </a:r>
-            <a:endParaRPr lang="en-US"/>
           </a:p>
           <a:p>
             <a:pPr lvl="4"/>
@@ -1001,6 +995,7 @@
           <a:p>
             <a:fld id="{A4BAB868-1E00-44C6-B1AB-DFCC5F9865BA}" type="slidenum">
               <a:rPr lang="ja-JP" altLang="en-US"/>
+              <a:t>‹#›</a:t>
             </a:fld>
             <a:endParaRPr lang="en-US" altLang="ja-JP"/>
           </a:p>
@@ -1128,7 +1123,6 @@
               <a:rPr lang="en-US"/>
               <a:t>Click to edit Master text styles</a:t>
             </a:r>
-            <a:endParaRPr lang="en-US"/>
           </a:p>
         </p:txBody>
       </p:sp>
@@ -1207,6 +1201,7 @@
           <a:p>
             <a:fld id="{55A9038B-FC62-430B-ABCA-52AB400C562E}" type="slidenum">
               <a:rPr lang="ja-JP" altLang="en-US"/>
+              <a:t>‹#›</a:t>
             </a:fld>
             <a:endParaRPr lang="en-US" altLang="ja-JP"/>
           </a:p>
@@ -1316,7 +1311,6 @@
               <a:rPr lang="en-US"/>
               <a:t>Click to edit Master text styles</a:t>
             </a:r>
-            <a:endParaRPr lang="en-US"/>
           </a:p>
           <a:p>
             <a:pPr lvl="1"/>
@@ -1324,7 +1318,6 @@
               <a:rPr lang="en-US"/>
               <a:t>Second level</a:t>
             </a:r>
-            <a:endParaRPr lang="en-US"/>
           </a:p>
           <a:p>
             <a:pPr lvl="2"/>
@@ -1332,7 +1325,6 @@
               <a:rPr lang="en-US"/>
               <a:t>Third level</a:t>
             </a:r>
-            <a:endParaRPr lang="en-US"/>
           </a:p>
           <a:p>
             <a:pPr lvl="3"/>
@@ -1340,7 +1332,6 @@
               <a:rPr lang="en-US"/>
               <a:t>Fourth level</a:t>
             </a:r>
-            <a:endParaRPr lang="en-US"/>
           </a:p>
           <a:p>
             <a:pPr lvl="4"/>
@@ -1405,7 +1396,6 @@
               <a:rPr lang="en-US"/>
               <a:t>Click to edit Master text styles</a:t>
             </a:r>
-            <a:endParaRPr lang="en-US"/>
           </a:p>
           <a:p>
             <a:pPr lvl="1"/>
@@ -1413,7 +1403,6 @@
               <a:rPr lang="en-US"/>
               <a:t>Second level</a:t>
             </a:r>
-            <a:endParaRPr lang="en-US"/>
           </a:p>
           <a:p>
             <a:pPr lvl="2"/>
@@ -1421,7 +1410,6 @@
               <a:rPr lang="en-US"/>
               <a:t>Third level</a:t>
             </a:r>
-            <a:endParaRPr lang="en-US"/>
           </a:p>
           <a:p>
             <a:pPr lvl="3"/>
@@ -1429,7 +1417,6 @@
               <a:rPr lang="en-US"/>
               <a:t>Fourth level</a:t>
             </a:r>
-            <a:endParaRPr lang="en-US"/>
           </a:p>
           <a:p>
             <a:pPr lvl="4"/>
@@ -1516,6 +1503,7 @@
           <a:p>
             <a:fld id="{C6195CBF-EE0B-4DF9-B750-9D88F27AD928}" type="slidenum">
               <a:rPr lang="ja-JP" altLang="en-US"/>
+              <a:t>‹#›</a:t>
             </a:fld>
             <a:endParaRPr lang="en-US" altLang="ja-JP"/>
           </a:p>
@@ -1643,7 +1631,6 @@
               <a:rPr lang="en-US"/>
               <a:t>Click to edit Master text styles</a:t>
             </a:r>
-            <a:endParaRPr lang="en-US"/>
           </a:p>
         </p:txBody>
       </p:sp>
@@ -1700,7 +1687,6 @@
               <a:rPr lang="en-US"/>
               <a:t>Click to edit Master text styles</a:t>
             </a:r>
-            <a:endParaRPr lang="en-US"/>
           </a:p>
           <a:p>
             <a:pPr lvl="1"/>
@@ -1708,7 +1694,6 @@
               <a:rPr lang="en-US"/>
               <a:t>Second level</a:t>
             </a:r>
-            <a:endParaRPr lang="en-US"/>
           </a:p>
           <a:p>
             <a:pPr lvl="2"/>
@@ -1716,7 +1701,6 @@
               <a:rPr lang="en-US"/>
               <a:t>Third level</a:t>
             </a:r>
-            <a:endParaRPr lang="en-US"/>
           </a:p>
           <a:p>
             <a:pPr lvl="3"/>
@@ -1724,7 +1708,6 @@
               <a:rPr lang="en-US"/>
               <a:t>Fourth level</a:t>
             </a:r>
-            <a:endParaRPr lang="en-US"/>
           </a:p>
           <a:p>
             <a:pPr lvl="4"/>
@@ -1798,7 +1781,6 @@
               <a:rPr lang="en-US"/>
               <a:t>Click to edit Master text styles</a:t>
             </a:r>
-            <a:endParaRPr lang="en-US"/>
           </a:p>
         </p:txBody>
       </p:sp>
@@ -1855,7 +1837,6 @@
               <a:rPr lang="en-US"/>
               <a:t>Click to edit Master text styles</a:t>
             </a:r>
-            <a:endParaRPr lang="en-US"/>
           </a:p>
           <a:p>
             <a:pPr lvl="1"/>
@@ -1863,7 +1844,6 @@
               <a:rPr lang="en-US"/>
               <a:t>Second level</a:t>
             </a:r>
-            <a:endParaRPr lang="en-US"/>
           </a:p>
           <a:p>
             <a:pPr lvl="2"/>
@@ -1871,7 +1851,6 @@
               <a:rPr lang="en-US"/>
               <a:t>Third level</a:t>
             </a:r>
-            <a:endParaRPr lang="en-US"/>
           </a:p>
           <a:p>
             <a:pPr lvl="3"/>
@@ -1879,7 +1858,6 @@
               <a:rPr lang="en-US"/>
               <a:t>Fourth level</a:t>
             </a:r>
-            <a:endParaRPr lang="en-US"/>
           </a:p>
           <a:p>
             <a:pPr lvl="4"/>
@@ -1966,6 +1944,7 @@
           <a:p>
             <a:fld id="{52BBF39D-ED5C-4FEE-8FC6-1B1A39BD3660}" type="slidenum">
               <a:rPr lang="ja-JP" altLang="en-US"/>
+              <a:t>‹#›</a:t>
             </a:fld>
             <a:endParaRPr lang="en-US" altLang="ja-JP"/>
           </a:p>
@@ -2097,6 +2076,7 @@
           <a:p>
             <a:fld id="{37FD599C-677F-4B2D-863C-EFEC37F35933}" type="slidenum">
               <a:rPr lang="ja-JP" altLang="en-US"/>
+              <a:t>‹#›</a:t>
             </a:fld>
             <a:endParaRPr lang="en-US" altLang="ja-JP"/>
           </a:p>
@@ -2205,6 +2185,7 @@
           <a:p>
             <a:fld id="{672F6B94-B843-496F-BFD6-5ED1A58B620C}" type="slidenum">
               <a:rPr lang="ja-JP" altLang="en-US"/>
+              <a:t>‹#›</a:t>
             </a:fld>
             <a:endParaRPr lang="en-US" altLang="ja-JP"/>
           </a:p>
@@ -2323,7 +2304,6 @@
               <a:rPr lang="en-US"/>
               <a:t>Click to edit Master text styles</a:t>
             </a:r>
-            <a:endParaRPr lang="en-US"/>
           </a:p>
           <a:p>
             <a:pPr lvl="1"/>
@@ -2331,7 +2311,6 @@
               <a:rPr lang="en-US"/>
               <a:t>Second level</a:t>
             </a:r>
-            <a:endParaRPr lang="en-US"/>
           </a:p>
           <a:p>
             <a:pPr lvl="2"/>
@@ -2339,7 +2318,6 @@
               <a:rPr lang="en-US"/>
               <a:t>Third level</a:t>
             </a:r>
-            <a:endParaRPr lang="en-US"/>
           </a:p>
           <a:p>
             <a:pPr lvl="3"/>
@@ -2347,7 +2325,6 @@
               <a:rPr lang="en-US"/>
               <a:t>Fourth level</a:t>
             </a:r>
-            <a:endParaRPr lang="en-US"/>
           </a:p>
           <a:p>
             <a:pPr lvl="4"/>
@@ -2421,7 +2398,6 @@
               <a:rPr lang="en-US"/>
               <a:t>Click to edit Master text styles</a:t>
             </a:r>
-            <a:endParaRPr lang="en-US"/>
           </a:p>
         </p:txBody>
       </p:sp>
@@ -2500,6 +2476,7 @@
           <a:p>
             <a:fld id="{FCB87EBA-444C-4109-96D4-2F266CF6C88F}" type="slidenum">
               <a:rPr lang="ja-JP" altLang="en-US"/>
+              <a:t>‹#›</a:t>
             </a:fld>
             <a:endParaRPr lang="en-US" altLang="ja-JP"/>
           </a:p>
@@ -2688,7 +2665,6 @@
               <a:rPr lang="en-US"/>
               <a:t>Click to edit Master text styles</a:t>
             </a:r>
-            <a:endParaRPr lang="en-US"/>
           </a:p>
         </p:txBody>
       </p:sp>
@@ -2767,6 +2743,7 @@
           <a:p>
             <a:fld id="{98DAC2A1-4CF9-4B24-A3D3-7DE7BAC9C17A}" type="slidenum">
               <a:rPr lang="ja-JP" altLang="en-US"/>
+              <a:t>‹#›</a:t>
             </a:fld>
             <a:endParaRPr lang="en-US" altLang="ja-JP"/>
           </a:p>
@@ -2817,7 +2794,7 @@
           <p:nvPr userDrawn="1"/>
         </p:nvPicPr>
         <p:blipFill>
-          <a:blip r:embed="rId12"/>
+          <a:blip r:embed="rId13"/>
           <a:srcRect/>
           <a:stretch>
             <a:fillRect/>
@@ -2843,7 +2820,7 @@
           <p:nvPr/>
         </p:nvPicPr>
         <p:blipFill>
-          <a:blip r:embed="rId13"/>
+          <a:blip r:embed="rId14"/>
           <a:srcRect/>
           <a:stretch>
             <a:fillRect/>
@@ -2929,7 +2906,6 @@
               <a:rPr lang="en-US" altLang="ja-JP"/>
               <a:t>Click to edit Master text styles</a:t>
             </a:r>
-            <a:endParaRPr lang="en-US" altLang="ja-JP"/>
           </a:p>
           <a:p>
             <a:pPr lvl="1"/>
@@ -2937,7 +2913,6 @@
               <a:rPr lang="en-US" altLang="ja-JP"/>
               <a:t>Second level</a:t>
             </a:r>
-            <a:endParaRPr lang="en-US" altLang="ja-JP"/>
           </a:p>
           <a:p>
             <a:pPr lvl="2"/>
@@ -2945,7 +2920,6 @@
               <a:rPr lang="en-US" altLang="ja-JP"/>
               <a:t>Third level</a:t>
             </a:r>
-            <a:endParaRPr lang="en-US" altLang="ja-JP"/>
           </a:p>
           <a:p>
             <a:pPr lvl="3"/>
@@ -2953,7 +2927,6 @@
               <a:rPr lang="en-US" altLang="ja-JP"/>
               <a:t>Fourth level</a:t>
             </a:r>
-            <a:endParaRPr lang="en-US" altLang="ja-JP"/>
           </a:p>
           <a:p>
             <a:pPr lvl="4"/>
@@ -2961,7 +2934,6 @@
               <a:rPr lang="en-US" altLang="ja-JP"/>
               <a:t>Fifth level</a:t>
             </a:r>
-            <a:endParaRPr lang="en-US" altLang="ja-JP"/>
           </a:p>
         </p:txBody>
       </p:sp>
@@ -3082,6 +3054,7 @@
           <a:p>
             <a:fld id="{B11B43A2-5F84-46DB-BF79-78890F90E6E9}" type="slidenum">
               <a:rPr lang="ja-JP" altLang="en-US"/>
+              <a:t>‹#›</a:t>
             </a:fld>
             <a:endParaRPr lang="en-US" altLang="ja-JP"/>
           </a:p>
@@ -3156,7 +3129,6 @@
               <a:rPr lang="en-US" altLang="ja-JP"/>
               <a:t>Click to edit Master title style</a:t>
             </a:r>
-            <a:endParaRPr lang="en-US" altLang="ja-JP"/>
           </a:p>
         </p:txBody>
       </p:sp>
@@ -3169,7 +3141,7 @@
           <p:nvPr userDrawn="1"/>
         </p:nvPicPr>
         <p:blipFill>
-          <a:blip r:embed="rId14">
+          <a:blip r:embed="rId15">
             <a:clrChange>
               <a:clrFrom>
                 <a:srgbClr val="FFFFFF"/>
@@ -3792,6 +3764,7 @@
                 <a:latin typeface="Tahoma" panose="020B0604030504040204" pitchFamily="34" charset="0"/>
                 <a:ea typeface="MS PGothic" pitchFamily="50" charset="-128"/>
               </a:rPr>
+              <a:t>1</a:t>
             </a:fld>
             <a:endParaRPr lang="en-US" altLang="ja-JP" dirty="0">
               <a:solidFill>
@@ -3822,7 +3795,6 @@
               <a:rPr lang="en-CA" dirty="0"/>
               <a:t>1. Business Case</a:t>
             </a:r>
-            <a:endParaRPr lang="en-CA" dirty="0"/>
           </a:p>
         </p:txBody>
       </p:sp>
@@ -3874,10 +3846,6 @@
               </a:rPr>
               <a:t>for their pet’s health-checkup. Pet-owners, amidst their busy schedule, await a website that can assist them in addressing their pet’s well-being requirements.</a:t>
             </a:r>
-            <a:endParaRPr lang="en-US" sz="2400" dirty="0">
-              <a:latin typeface="Times New Roman" panose="02020503050405090304" pitchFamily="18" charset="0"/>
-              <a:cs typeface="Times New Roman" panose="02020503050405090304" pitchFamily="18" charset="0"/>
-            </a:endParaRPr>
           </a:p>
           <a:p>
             <a:pPr marL="285750" indent="-285750">
@@ -3894,10 +3862,6 @@
               </a:rPr>
               <a:t>Currently, pet-owners do not have any centralized repository to store their pet’s health statistics. Maintenance of these records would open a plethora of opportunities for business as we can automate certain processes that expedite an animal’s treatment.</a:t>
             </a:r>
-            <a:endParaRPr lang="en-US" sz="2400" dirty="0">
-              <a:latin typeface="Times New Roman" panose="02020503050405090304" pitchFamily="18" charset="0"/>
-              <a:cs typeface="Times New Roman" panose="02020503050405090304" pitchFamily="18" charset="0"/>
-            </a:endParaRPr>
           </a:p>
           <a:p>
             <a:pPr marL="285750" indent="-285750">
@@ -3914,10 +3878,6 @@
               </a:rPr>
               <a:t>These records can be shared globally, helping veterinarians around the world to diagnose diseases based on the similarity of symptoms found in the same breeds in another part of the world.</a:t>
             </a:r>
-            <a:endParaRPr lang="en-US" sz="2400" dirty="0">
-              <a:latin typeface="Times New Roman" panose="02020503050405090304" pitchFamily="18" charset="0"/>
-              <a:cs typeface="Times New Roman" panose="02020503050405090304" pitchFamily="18" charset="0"/>
-            </a:endParaRPr>
           </a:p>
         </p:txBody>
       </p:sp>
@@ -4012,6 +3972,7 @@
           <a:p>
             <a:fld id="{A4BAB868-1E00-44C6-B1AB-DFCC5F9865BA}" type="slidenum">
               <a:rPr lang="ja-JP" altLang="en-US" smtClean="0"/>
+              <a:t>10</a:t>
             </a:fld>
             <a:endParaRPr lang="en-US" altLang="ja-JP" dirty="0"/>
           </a:p>
@@ -4026,7 +3987,7 @@
           <p:nvPr/>
         </p:nvPicPr>
         <p:blipFill>
-          <a:blip r:embed="rId1"/>
+          <a:blip r:embed="rId2"/>
           <a:stretch>
             <a:fillRect/>
           </a:stretch>
@@ -4132,6 +4093,7 @@
           <a:p>
             <a:fld id="{A4BAB868-1E00-44C6-B1AB-DFCC5F9865BA}" type="slidenum">
               <a:rPr lang="ja-JP" altLang="en-US" smtClean="0"/>
+              <a:t>11</a:t>
             </a:fld>
             <a:endParaRPr lang="en-US" altLang="ja-JP" dirty="0"/>
           </a:p>
@@ -4146,7 +4108,7 @@
           <p:nvPr/>
         </p:nvPicPr>
         <p:blipFill>
-          <a:blip r:embed="rId1"/>
+          <a:blip r:embed="rId2"/>
           <a:stretch>
             <a:fillRect/>
           </a:stretch>
@@ -4252,6 +4214,7 @@
           <a:p>
             <a:fld id="{A4BAB868-1E00-44C6-B1AB-DFCC5F9865BA}" type="slidenum">
               <a:rPr lang="ja-JP" altLang="en-US" smtClean="0"/>
+              <a:t>12</a:t>
             </a:fld>
             <a:endParaRPr lang="en-US" altLang="ja-JP" dirty="0"/>
           </a:p>
@@ -4266,7 +4229,7 @@
           <p:nvPr/>
         </p:nvPicPr>
         <p:blipFill>
-          <a:blip r:embed="rId1"/>
+          <a:blip r:embed="rId2"/>
           <a:stretch>
             <a:fillRect/>
           </a:stretch>
@@ -4574,6 +4537,7 @@
           <a:p>
             <a:fld id="{A4BAB868-1E00-44C6-B1AB-DFCC5F9865BA}" type="slidenum">
               <a:rPr lang="ja-JP" altLang="en-US" smtClean="0"/>
+              <a:t>13</a:t>
             </a:fld>
             <a:endParaRPr lang="en-US" altLang="ja-JP"/>
           </a:p>
@@ -4664,16 +4628,6 @@
               </a:rPr>
               <a:t>Appointment Agent</a:t>
             </a:r>
-            <a:endParaRPr lang="en-US" sz="1800" b="1" i="1" dirty="0">
-              <a:solidFill>
-                <a:srgbClr val="D60093"/>
-              </a:solidFill>
-              <a:effectLst>
-                <a:outerShdw blurRad="38100" dist="38100" dir="2700000" algn="tl">
-                  <a:srgbClr val="C0C0C0"/>
-                </a:outerShdw>
-              </a:effectLst>
-            </a:endParaRPr>
           </a:p>
           <a:p>
             <a:pPr marL="0" lvl="0" indent="0">
@@ -4790,12 +4744,6 @@
               </a:rPr>
               <a:t> agent to signal the sending of SMS and Email notifying the pet-owner. </a:t>
             </a:r>
-            <a:endParaRPr lang="en-US" sz="1800" dirty="0">
-              <a:effectLst/>
-              <a:latin typeface="Calibri" panose="020F0502020204030204" pitchFamily="34" charset="0"/>
-              <a:ea typeface="Calibri" panose="020F0502020204030204" pitchFamily="34" charset="0"/>
-              <a:cs typeface="Times New Roman" panose="02020503050405090304" pitchFamily="18" charset="0"/>
-            </a:endParaRPr>
           </a:p>
           <a:p>
             <a:pPr>
@@ -4815,12 +4763,6 @@
               </a:rPr>
               <a:t>This agent communicates with the video agent to share a video link for use during the online consultation.</a:t>
             </a:r>
-            <a:endParaRPr lang="en-US" sz="1800" dirty="0">
-              <a:effectLst/>
-              <a:latin typeface="Calibri" panose="020F0502020204030204" pitchFamily="34" charset="0"/>
-              <a:ea typeface="Calibri" panose="020F0502020204030204" pitchFamily="34" charset="0"/>
-              <a:cs typeface="Times New Roman" panose="02020503050405090304" pitchFamily="18" charset="0"/>
-            </a:endParaRPr>
           </a:p>
           <a:p>
             <a:pPr>
@@ -4891,6 +4833,7 @@
           <a:p>
             <a:fld id="{A4BAB868-1E00-44C6-B1AB-DFCC5F9865BA}" type="slidenum">
               <a:rPr lang="ja-JP" altLang="en-US" smtClean="0"/>
+              <a:t>14</a:t>
             </a:fld>
             <a:endParaRPr lang="en-US" altLang="ja-JP"/>
           </a:p>
@@ -4998,6 +4941,7 @@
                 <a:latin typeface="Tahoma" panose="020B0604030504040204" pitchFamily="34" charset="0"/>
                 <a:ea typeface="MS PGothic" pitchFamily="50" charset="-128"/>
               </a:rPr>
+              <a:t>15</a:t>
             </a:fld>
             <a:endParaRPr lang="en-US" altLang="ja-JP">
               <a:solidFill>
@@ -5028,7 +4972,6 @@
               <a:rPr lang="en-CA" dirty="0"/>
               <a:t>Agent Description (cont’d)</a:t>
             </a:r>
-            <a:endParaRPr lang="en-CA" dirty="0"/>
           </a:p>
         </p:txBody>
       </p:sp>
@@ -5072,16 +5015,6 @@
               </a:rPr>
               <a:t>Reminder(SMS + Email) Agent</a:t>
             </a:r>
-            <a:endParaRPr lang="en-US" sz="2000" b="1" i="1" dirty="0">
-              <a:solidFill>
-                <a:srgbClr val="D60093"/>
-              </a:solidFill>
-              <a:effectLst>
-                <a:outerShdw blurRad="38100" dist="38100" dir="2700000" algn="tl">
-                  <a:srgbClr val="C0C0C0"/>
-                </a:outerShdw>
-              </a:effectLst>
-            </a:endParaRPr>
           </a:p>
           <a:p>
             <a:pPr>
@@ -5114,7 +5047,6 @@
               <a:rPr lang="en-CA" sz="1700" dirty="0"/>
               <a:t>The Notification Agent communicates with the Clinic Agent at the time of booking an appointment, the Reminder Agent would be sending automated SMS messages and E-mail notifications to the user on his/her registered e-mail account and mobile number. </a:t>
             </a:r>
-            <a:endParaRPr lang="en-CA" sz="1700" dirty="0"/>
           </a:p>
           <a:p>
             <a:pPr>
@@ -5128,7 +5060,6 @@
               <a:rPr lang="en-CA" sz="1700" dirty="0"/>
               <a:t>Instead of a receptionist logging in every time to trigger a reminder, the Agent by itself sends the message at regular intervals as chosen by the user.</a:t>
             </a:r>
-            <a:endParaRPr lang="en-CA" sz="1700" dirty="0"/>
           </a:p>
           <a:p>
             <a:pPr>
@@ -5142,7 +5073,6 @@
               <a:rPr lang="en-CA" sz="1700" dirty="0"/>
               <a:t>In case the appointment is cancelled or updated, the Reminder Agent also intelligently updates the text message and sends an updated notification to the user. </a:t>
             </a:r>
-            <a:endParaRPr lang="en-CA" sz="1700" dirty="0"/>
           </a:p>
           <a:p>
             <a:pPr>
@@ -5156,7 +5086,6 @@
               <a:rPr lang="en-CA" sz="1700" dirty="0"/>
               <a:t>Once the appointment is complete, the Reminder Agent directly accesses the database to update the alerting mechanism for that particular appointment. </a:t>
             </a:r>
-            <a:endParaRPr lang="en-CA" sz="1700" dirty="0"/>
           </a:p>
           <a:p>
             <a:pPr>
@@ -5170,7 +5099,6 @@
               <a:rPr lang="en-CA" sz="1700" dirty="0"/>
               <a:t>In order to check if the registered email/phone number is valid, the Reminder Agent will trigger an acknowledgement  message at the time of booking the appointment. Subsequently, the other reminder messages will be forwarded in due course.</a:t>
             </a:r>
-            <a:endParaRPr lang="en-CA" sz="1700" dirty="0"/>
           </a:p>
           <a:p>
             <a:pPr>
@@ -5184,7 +5112,6 @@
               <a:rPr lang="en-CA" sz="1700" dirty="0"/>
               <a:t>The Agent also triggers a notification once the report has been generated, based upon the feedback from the veterinarian. In this case, it will await signal from the Template Agent.</a:t>
             </a:r>
-            <a:endParaRPr lang="en-CA" sz="1700" dirty="0"/>
           </a:p>
         </p:txBody>
       </p:sp>
@@ -5235,7 +5162,6 @@
               <a:rPr lang="en-CA" dirty="0"/>
               <a:t>Agent Description (cont’d)</a:t>
             </a:r>
-            <a:endParaRPr lang="en-CA" dirty="0"/>
           </a:p>
         </p:txBody>
       </p:sp>
@@ -5275,37 +5201,24 @@
               </a:rPr>
               <a:t>Feedback(+PDF) Agent</a:t>
             </a:r>
-            <a:endParaRPr lang="en-US" sz="2400" b="1" i="1" dirty="0">
-              <a:solidFill>
-                <a:srgbClr val="D60093"/>
-              </a:solidFill>
-              <a:effectLst>
-                <a:outerShdw blurRad="38100" dist="38100" dir="2700000" algn="tl">
-                  <a:srgbClr val="C0C0C0"/>
-                </a:outerShdw>
-              </a:effectLst>
-            </a:endParaRPr>
           </a:p>
           <a:p>
             <a:r>
               <a:rPr lang="en-US" sz="2400" dirty="0"/>
               <a:t>The Template Agent provides the doctor with letter reports. Depending upon the video interaction between the doctor and the patient, the doctor can select and use the in-built template to document their diagnosis.</a:t>
             </a:r>
-            <a:endParaRPr lang="en-US" sz="2400" dirty="0"/>
           </a:p>
           <a:p>
             <a:r>
               <a:rPr lang="en-US" sz="2400" dirty="0"/>
               <a:t>The Template Agent communicates with the Clinic System Agent after the video interaction between the client and doctor is complete. </a:t>
             </a:r>
-            <a:endParaRPr lang="en-US" sz="2400" dirty="0"/>
           </a:p>
           <a:p>
             <a:r>
               <a:rPr lang="en-US" sz="2400" dirty="0"/>
               <a:t>If the Template Agent receives a request from the Clinic System Agent, the doctor is requested to input their feedback through mail. </a:t>
             </a:r>
-            <a:endParaRPr lang="en-US" sz="2400" dirty="0"/>
           </a:p>
           <a:p>
             <a:r>
@@ -5356,6 +5269,7 @@
           <a:p>
             <a:fld id="{A4BAB868-1E00-44C6-B1AB-DFCC5F9865BA}" type="slidenum">
               <a:rPr lang="ja-JP" altLang="en-US" smtClean="0"/>
+              <a:t>16</a:t>
             </a:fld>
             <a:endParaRPr lang="en-US" altLang="ja-JP" dirty="0"/>
           </a:p>
@@ -5408,7 +5322,6 @@
               <a:rPr lang="en-CA" dirty="0"/>
               <a:t>Agent Description (cont’d)</a:t>
             </a:r>
-            <a:endParaRPr lang="en-CA" dirty="0"/>
           </a:p>
         </p:txBody>
       </p:sp>
@@ -5448,16 +5361,6 @@
               </a:rPr>
               <a:t>Video link Agent</a:t>
             </a:r>
-            <a:endParaRPr lang="en-US" sz="2400" b="1" i="1" dirty="0">
-              <a:solidFill>
-                <a:srgbClr val="D60093"/>
-              </a:solidFill>
-              <a:effectLst>
-                <a:outerShdw blurRad="38100" dist="38100" dir="2700000" algn="tl">
-                  <a:srgbClr val="C0C0C0"/>
-                </a:outerShdw>
-              </a:effectLst>
-            </a:endParaRPr>
           </a:p>
           <a:p>
             <a:pPr>
@@ -5468,7 +5371,6 @@
               <a:rPr lang="en-US" sz="2200" dirty="0"/>
               <a:t>The video link agent is responsible to generate a video link at the time of the appointment of the patient and send it to the registered email id as well as the registered mobile number of the patient.</a:t>
             </a:r>
-            <a:endParaRPr lang="en-US" sz="2200" dirty="0"/>
           </a:p>
           <a:p>
             <a:pPr>
@@ -5479,7 +5381,6 @@
               <a:rPr lang="en-US" sz="2200" dirty="0"/>
               <a:t>The video agent directly communicates with the clinic system agent and creates the links according to the time slots selected by the patients.</a:t>
             </a:r>
-            <a:endParaRPr lang="en-US" sz="2200" dirty="0"/>
           </a:p>
           <a:p>
             <a:pPr>
@@ -5490,7 +5391,6 @@
               <a:rPr lang="en-US" sz="2200" dirty="0"/>
               <a:t>To facilitate the video-based interaction between the doctor and patient, the system will use existing video conferencing platforms (ZOOM, Google Meet, etc.)</a:t>
             </a:r>
-            <a:endParaRPr lang="en-US" sz="2200" dirty="0"/>
           </a:p>
           <a:p>
             <a:pPr>
@@ -5501,7 +5401,6 @@
               <a:rPr lang="en-US" sz="2200" dirty="0"/>
               <a:t>Patients will be able to join the meeting at their scheduled appointment time and the link will expire in 60 minutes which is the maximum time for consultation.</a:t>
             </a:r>
-            <a:endParaRPr lang="en-US" sz="2200" dirty="0"/>
           </a:p>
           <a:p>
             <a:pPr>
@@ -5556,6 +5455,7 @@
           <a:p>
             <a:fld id="{A4BAB868-1E00-44C6-B1AB-DFCC5F9865BA}" type="slidenum">
               <a:rPr lang="ja-JP" altLang="en-US" smtClean="0"/>
+              <a:t>17</a:t>
             </a:fld>
             <a:endParaRPr lang="en-US" altLang="ja-JP" dirty="0"/>
           </a:p>
@@ -5608,7 +5508,6 @@
               <a:rPr lang="en-CA" dirty="0"/>
               <a:t>10. Design: Agent Model</a:t>
             </a:r>
-            <a:endParaRPr lang="en-CA" dirty="0"/>
           </a:p>
         </p:txBody>
       </p:sp>
@@ -5652,6 +5551,7 @@
           <a:p>
             <a:fld id="{A4BAB868-1E00-44C6-B1AB-DFCC5F9865BA}" type="slidenum">
               <a:rPr lang="ja-JP" altLang="en-US" smtClean="0"/>
+              <a:t>18</a:t>
             </a:fld>
             <a:endParaRPr lang="en-US" altLang="ja-JP"/>
           </a:p>
@@ -5666,7 +5566,7 @@
           <p:nvPr/>
         </p:nvPicPr>
         <p:blipFill>
-          <a:blip r:embed="rId1"/>
+          <a:blip r:embed="rId2"/>
           <a:stretch>
             <a:fillRect/>
           </a:stretch>
@@ -5728,7 +5628,6 @@
               <a:rPr lang="en-CA" dirty="0"/>
               <a:t>11. Design: Service Model</a:t>
             </a:r>
-            <a:endParaRPr lang="en-CA" dirty="0"/>
           </a:p>
         </p:txBody>
       </p:sp>
@@ -5753,11 +5652,41 @@
                 <a:tableStyleId>{5C22544A-7EE6-4342-B048-85BDC9FD1C3A}</a:tableStyleId>
               </a:tblPr>
               <a:tblGrid>
-                <a:gridCol w="1484209"/>
-                <a:gridCol w="1365164"/>
-                <a:gridCol w="2204475"/>
-                <a:gridCol w="1888449"/>
-                <a:gridCol w="1861043"/>
+                <a:gridCol w="1484209">
+                  <a:extLst>
+                    <a:ext uri="{9D8B030D-6E8A-4147-A177-3AD203B41FA5}">
+                      <a16:colId xmlns:a16="http://schemas.microsoft.com/office/drawing/2014/main" val="20000"/>
+                    </a:ext>
+                  </a:extLst>
+                </a:gridCol>
+                <a:gridCol w="1365164">
+                  <a:extLst>
+                    <a:ext uri="{9D8B030D-6E8A-4147-A177-3AD203B41FA5}">
+                      <a16:colId xmlns:a16="http://schemas.microsoft.com/office/drawing/2014/main" val="20001"/>
+                    </a:ext>
+                  </a:extLst>
+                </a:gridCol>
+                <a:gridCol w="2204475">
+                  <a:extLst>
+                    <a:ext uri="{9D8B030D-6E8A-4147-A177-3AD203B41FA5}">
+                      <a16:colId xmlns:a16="http://schemas.microsoft.com/office/drawing/2014/main" val="20002"/>
+                    </a:ext>
+                  </a:extLst>
+                </a:gridCol>
+                <a:gridCol w="1888449">
+                  <a:extLst>
+                    <a:ext uri="{9D8B030D-6E8A-4147-A177-3AD203B41FA5}">
+                      <a16:colId xmlns:a16="http://schemas.microsoft.com/office/drawing/2014/main" val="20003"/>
+                    </a:ext>
+                  </a:extLst>
+                </a:gridCol>
+                <a:gridCol w="1861043">
+                  <a:extLst>
+                    <a:ext uri="{9D8B030D-6E8A-4147-A177-3AD203B41FA5}">
+                      <a16:colId xmlns:a16="http://schemas.microsoft.com/office/drawing/2014/main" val="20004"/>
+                    </a:ext>
+                  </a:extLst>
+                </a:gridCol>
               </a:tblGrid>
               <a:tr h="542910">
                 <a:tc>
@@ -5905,6 +5834,11 @@
                   </a:txBody>
                   <a:tcPr marL="68580" marR="68580" marT="0" marB="0"/>
                 </a:tc>
+                <a:extLst>
+                  <a:ext uri="{0D108BD9-81ED-4DB2-BD59-A6C34878D82A}">
+                    <a16:rowId xmlns:a16="http://schemas.microsoft.com/office/drawing/2014/main" val="10000"/>
+                  </a:ext>
+                </a:extLst>
               </a:tr>
               <a:tr h="942854">
                 <a:tc>
@@ -6052,6 +5986,11 @@
                   </a:txBody>
                   <a:tcPr marL="68580" marR="68580" marT="0" marB="0"/>
                 </a:tc>
+                <a:extLst>
+                  <a:ext uri="{0D108BD9-81ED-4DB2-BD59-A6C34878D82A}">
+                    <a16:rowId xmlns:a16="http://schemas.microsoft.com/office/drawing/2014/main" val="10001"/>
+                  </a:ext>
+                </a:extLst>
               </a:tr>
               <a:tr h="1063199">
                 <a:tc>
@@ -6199,6 +6138,11 @@
                   </a:txBody>
                   <a:tcPr marL="68580" marR="68580" marT="0" marB="0"/>
                 </a:tc>
+                <a:extLst>
+                  <a:ext uri="{0D108BD9-81ED-4DB2-BD59-A6C34878D82A}">
+                    <a16:rowId xmlns:a16="http://schemas.microsoft.com/office/drawing/2014/main" val="10002"/>
+                  </a:ext>
+                </a:extLst>
               </a:tr>
               <a:tr h="968189">
                 <a:tc>
@@ -6346,6 +6290,11 @@
                   </a:txBody>
                   <a:tcPr marL="68580" marR="68580" marT="0" marB="0"/>
                 </a:tc>
+                <a:extLst>
+                  <a:ext uri="{0D108BD9-81ED-4DB2-BD59-A6C34878D82A}">
+                    <a16:rowId xmlns:a16="http://schemas.microsoft.com/office/drawing/2014/main" val="10003"/>
+                  </a:ext>
+                </a:extLst>
               </a:tr>
             </a:tbl>
           </a:graphicData>
@@ -6391,6 +6340,7 @@
           <a:p>
             <a:fld id="{A4BAB868-1E00-44C6-B1AB-DFCC5F9865BA}" type="slidenum">
               <a:rPr lang="ja-JP" altLang="en-US" smtClean="0"/>
+              <a:t>19</a:t>
             </a:fld>
             <a:endParaRPr lang="en-US" altLang="ja-JP"/>
           </a:p>
@@ -6568,6 +6518,7 @@
                 <a:latin typeface="Tahoma" panose="020B0604030504040204" pitchFamily="34" charset="0"/>
                 <a:ea typeface="MS PGothic" pitchFamily="50" charset="-128"/>
               </a:rPr>
+              <a:t>2</a:t>
             </a:fld>
             <a:endParaRPr lang="en-US" altLang="ja-JP" dirty="0">
               <a:solidFill>
@@ -6598,7 +6549,6 @@
               <a:rPr lang="en-CA" dirty="0"/>
               <a:t>1. Business Case (cont’d)</a:t>
             </a:r>
-            <a:endParaRPr lang="en-CA" dirty="0"/>
           </a:p>
         </p:txBody>
       </p:sp>
@@ -6636,10 +6586,6 @@
               </a:rPr>
               <a:t>Pet-owners are dependent on calls from the veterinary clinic to schedule timely appointments that match their routine and visit in person to get their pets examined. There is no provision to avail these services from home.</a:t>
             </a:r>
-            <a:endParaRPr lang="en-US" sz="2400" dirty="0">
-              <a:latin typeface="Times New Roman" panose="02020503050405090304" pitchFamily="18" charset="0"/>
-              <a:cs typeface="Times New Roman" panose="02020503050405090304" pitchFamily="18" charset="0"/>
-            </a:endParaRPr>
           </a:p>
           <a:p>
             <a:pPr marL="285750" indent="-285750">
@@ -6656,10 +6602,6 @@
               </a:rPr>
               <a:t>Even after scheduling an appointment, owners might forget to update their schedule and visit the clinic on time. This could play a big role in ensuring timely treatment for the animals.</a:t>
             </a:r>
-            <a:endParaRPr lang="en-US" sz="2400" dirty="0">
-              <a:latin typeface="Times New Roman" panose="02020503050405090304" pitchFamily="18" charset="0"/>
-              <a:cs typeface="Times New Roman" panose="02020503050405090304" pitchFamily="18" charset="0"/>
-            </a:endParaRPr>
           </a:p>
           <a:p>
             <a:pPr marL="285750" indent="-285750">
@@ -6676,10 +6618,6 @@
               </a:rPr>
               <a:t>Vets currently have to spend a lot of time submitting reports for the animals they examine. Automating the process with a built-in template will maximize the time-utilization and efficiency of the clinic.</a:t>
             </a:r>
-            <a:endParaRPr lang="en-US" sz="2400" dirty="0">
-              <a:latin typeface="Times New Roman" panose="02020503050405090304" pitchFamily="18" charset="0"/>
-              <a:cs typeface="Times New Roman" panose="02020503050405090304" pitchFamily="18" charset="0"/>
-            </a:endParaRPr>
           </a:p>
           <a:p>
             <a:pPr marL="285750" indent="-285750">
@@ -6760,7 +6698,6 @@
               <a:rPr lang="en-CA" dirty="0"/>
               <a:t>12. Design: Acquaintance Model</a:t>
             </a:r>
-            <a:endParaRPr lang="en-CA" dirty="0"/>
           </a:p>
         </p:txBody>
       </p:sp>
@@ -6804,6 +6741,7 @@
           <a:p>
             <a:fld id="{A4BAB868-1E00-44C6-B1AB-DFCC5F9865BA}" type="slidenum">
               <a:rPr lang="ja-JP" altLang="en-US" smtClean="0"/>
+              <a:t>20</a:t>
             </a:fld>
             <a:endParaRPr lang="en-US" altLang="ja-JP"/>
           </a:p>
@@ -6818,7 +6756,7 @@
           <p:nvPr/>
         </p:nvPicPr>
         <p:blipFill>
-          <a:blip r:embed="rId1"/>
+          <a:blip r:embed="rId2"/>
           <a:stretch>
             <a:fillRect/>
           </a:stretch>
@@ -6940,7 +6878,6 @@
               <a:rPr lang="en-CA" dirty="0"/>
               <a:t>13. Agent Internal Architecture</a:t>
             </a:r>
-            <a:endParaRPr lang="en-CA" dirty="0"/>
           </a:p>
         </p:txBody>
       </p:sp>
@@ -6984,6 +6921,7 @@
           <a:p>
             <a:fld id="{A4BAB868-1E00-44C6-B1AB-DFCC5F9865BA}" type="slidenum">
               <a:rPr lang="ja-JP" altLang="en-US" smtClean="0"/>
+              <a:t>21</a:t>
             </a:fld>
             <a:endParaRPr lang="en-US" altLang="ja-JP"/>
           </a:p>
@@ -7345,17 +7283,6 @@
               </a:rPr>
               <a:t>Discovery</a:t>
             </a:r>
-            <a:endParaRPr kumimoji="1" lang="en-US" sz="2000" i="0" u="none" strike="noStrike" cap="none" normalizeH="0" baseline="0" dirty="0">
-              <a:ln>
-                <a:noFill/>
-              </a:ln>
-              <a:solidFill>
-                <a:schemeClr val="tx1"/>
-              </a:solidFill>
-              <a:effectLst/>
-              <a:latin typeface="Tahoma" panose="020B0604030504040204" pitchFamily="34" charset="0"/>
-              <a:ea typeface="MS PGothic" pitchFamily="50" charset="-128"/>
-            </a:endParaRPr>
           </a:p>
           <a:p>
             <a:pPr marL="0" marR="0" indent="0" algn="ctr" defTabSz="914400" rtl="0" eaLnBrk="1" fontAlgn="base" latinLnBrk="0" hangingPunct="1">
@@ -7586,17 +7513,6 @@
               </a:rPr>
               <a:t>Rest API/</a:t>
             </a:r>
-            <a:endParaRPr kumimoji="1" lang="en-US" sz="1600" i="0" u="none" strike="noStrike" cap="none" normalizeH="0" baseline="0" dirty="0">
-              <a:ln>
-                <a:noFill/>
-              </a:ln>
-              <a:solidFill>
-                <a:schemeClr val="tx1"/>
-              </a:solidFill>
-              <a:effectLst/>
-              <a:latin typeface="Tahoma" panose="020B0604030504040204" pitchFamily="34" charset="0"/>
-              <a:ea typeface="MS PGothic" pitchFamily="50" charset="-128"/>
-            </a:endParaRPr>
           </a:p>
           <a:p>
             <a:pPr marL="0" marR="0" indent="0" algn="l" defTabSz="914400" rtl="0" eaLnBrk="1" fontAlgn="base" latinLnBrk="0" hangingPunct="1">
@@ -7713,7 +7629,6 @@
               <a:rPr lang="en-CA" dirty="0"/>
               <a:t>Agent Internal Architecture(contd.)</a:t>
             </a:r>
-            <a:endParaRPr lang="en-CA" dirty="0"/>
           </a:p>
         </p:txBody>
       </p:sp>
@@ -7757,6 +7672,7 @@
           <a:p>
             <a:fld id="{A4BAB868-1E00-44C6-B1AB-DFCC5F9865BA}" type="slidenum">
               <a:rPr lang="ja-JP" altLang="en-US" smtClean="0"/>
+              <a:t>22</a:t>
             </a:fld>
             <a:endParaRPr lang="en-US" altLang="ja-JP"/>
           </a:p>
@@ -7801,12 +7717,6 @@
               </a:rPr>
               <a:t>:</a:t>
             </a:r>
-            <a:endParaRPr lang="en-US" dirty="0">
-              <a:solidFill>
-                <a:srgbClr val="000000"/>
-              </a:solidFill>
-              <a:latin typeface="TimesNewRomanPSMT" panose="02020503050405090304"/>
-            </a:endParaRPr>
           </a:p>
           <a:p>
             <a:pPr marL="285750" indent="-285750">
@@ -7846,12 +7756,6 @@
               </a:rPr>
               <a:t>component listens to a port for any incoming Agent requests from the E-Vet Clinic application.</a:t>
             </a:r>
-            <a:endParaRPr lang="en-US" sz="1600" dirty="0">
-              <a:solidFill>
-                <a:srgbClr val="000000"/>
-              </a:solidFill>
-              <a:latin typeface="TimesNewRomanPSMT" panose="02020503050405090304"/>
-            </a:endParaRPr>
           </a:p>
           <a:p>
             <a:pPr>
@@ -7879,12 +7783,6 @@
               </a:rPr>
               <a:t>Interpreter</a:t>
             </a:r>
-            <a:endParaRPr lang="en-US" b="1" dirty="0">
-              <a:solidFill>
-                <a:srgbClr val="000000"/>
-              </a:solidFill>
-              <a:latin typeface="TimesNewRomanPS-BoldMT" panose="02020503050405090304"/>
-            </a:endParaRPr>
           </a:p>
           <a:p>
             <a:pPr marL="285750" indent="-285750">
@@ -7906,12 +7804,6 @@
               </a:rPr>
               <a:t>The Interpreter parses and interprets the incoming Appointment class Objects. We assume that all agents have agreed on a Document Type Definition (DTD).</a:t>
             </a:r>
-            <a:endParaRPr lang="en-US" sz="1600" dirty="0">
-              <a:solidFill>
-                <a:srgbClr val="000000"/>
-              </a:solidFill>
-              <a:latin typeface="TimesNewRomanPSMT" panose="02020503050405090304"/>
-            </a:endParaRPr>
           </a:p>
           <a:p>
             <a:pPr>
@@ -7948,12 +7840,6 @@
               </a:rPr>
               <a:t>:</a:t>
             </a:r>
-            <a:endParaRPr lang="en-US" dirty="0">
-              <a:solidFill>
-                <a:srgbClr val="000000"/>
-              </a:solidFill>
-              <a:latin typeface="TimesNewRomanPSMT" panose="02020503050405090304"/>
-            </a:endParaRPr>
           </a:p>
           <a:p>
             <a:pPr marL="285750" indent="-285750">
@@ -7975,12 +7861,6 @@
               </a:rPr>
               <a:t>The Processor receives an Object as an input. It uses the Interpreter to parse the document, and calls the appropriate function to run a process. It looks up the agent from the Directory Facilitator(DF).</a:t>
             </a:r>
-            <a:endParaRPr lang="en-US" sz="1600" dirty="0">
-              <a:solidFill>
-                <a:srgbClr val="000000"/>
-              </a:solidFill>
-              <a:latin typeface="TimesNewRomanPSMT" panose="02020503050405090304"/>
-            </a:endParaRPr>
           </a:p>
           <a:p>
             <a:pPr>
@@ -8008,12 +7888,6 @@
               </a:rPr>
               <a:t>Discovery Agent:</a:t>
             </a:r>
-            <a:endParaRPr lang="en-US" b="1" dirty="0">
-              <a:solidFill>
-                <a:srgbClr val="000000"/>
-              </a:solidFill>
-              <a:latin typeface="TimesNewRomanPS-BoldMT" panose="02020503050405090304"/>
-            </a:endParaRPr>
           </a:p>
           <a:p>
             <a:pPr marL="285750" indent="-285750">
@@ -8107,7 +7981,6 @@
               <a:rPr lang="en-CA" dirty="0"/>
               <a:t>14. Technology Overview </a:t>
             </a:r>
-            <a:endParaRPr lang="en-CA" dirty="0"/>
           </a:p>
         </p:txBody>
       </p:sp>
@@ -8151,6 +8024,7 @@
           <a:p>
             <a:fld id="{A4BAB868-1E00-44C6-B1AB-DFCC5F9865BA}" type="slidenum">
               <a:rPr lang="ja-JP" altLang="en-US" smtClean="0"/>
+              <a:t>23</a:t>
             </a:fld>
             <a:endParaRPr lang="en-US" altLang="ja-JP"/>
           </a:p>
@@ -8191,16 +8065,6 @@
               </a:rPr>
               <a:t>Twilio SMS Services :-</a:t>
             </a:r>
-            <a:endParaRPr kumimoji="1" lang="en-US" sz="2000" b="1" i="1" dirty="0">
-              <a:solidFill>
-                <a:srgbClr val="D60093"/>
-              </a:solidFill>
-              <a:effectLst>
-                <a:outerShdw blurRad="38100" dist="38100" dir="2700000" algn="tl">
-                  <a:srgbClr val="C0C0C0"/>
-                </a:outerShdw>
-              </a:effectLst>
-            </a:endParaRPr>
           </a:p>
           <a:p>
             <a:endParaRPr lang="en-US" dirty="0"/>
@@ -8251,16 +8115,6 @@
               </a:rPr>
               <a:t>Technical Information</a:t>
             </a:r>
-            <a:endParaRPr kumimoji="1" lang="en-US" sz="1600" b="1" i="1" dirty="0">
-              <a:solidFill>
-                <a:srgbClr val="D60093"/>
-              </a:solidFill>
-              <a:effectLst>
-                <a:outerShdw blurRad="38100" dist="38100" dir="2700000" algn="tl">
-                  <a:srgbClr val="C0C0C0"/>
-                </a:outerShdw>
-              </a:effectLst>
-            </a:endParaRPr>
           </a:p>
           <a:p>
             <a:r>
@@ -8281,7 +8135,7 @@
             </a:r>
             <a:r>
               <a:rPr lang="en-US" dirty="0"/>
-              <a:t> and AUTH_TOKEN. We have to always make sure that the country code is added correctly for the </a:t>
+              <a:t> and AUTH_TOKEN. We must always make sure that the country code is added correctly for the </a:t>
             </a:r>
             <a:r>
               <a:rPr lang="en-US" dirty="0" err="1"/>
@@ -8291,7 +8145,6 @@
               <a:rPr lang="en-US" dirty="0"/>
               <a:t> number to send SMS.</a:t>
             </a:r>
-            <a:endParaRPr lang="en-US" dirty="0"/>
           </a:p>
           <a:p>
             <a:endParaRPr lang="en-IN" dirty="0"/>
@@ -8345,7 +8198,6 @@
               <a:rPr lang="en-CA" dirty="0"/>
               <a:t>Technology Overview(contd.)</a:t>
             </a:r>
-            <a:endParaRPr lang="en-CA" dirty="0"/>
           </a:p>
         </p:txBody>
       </p:sp>
@@ -8389,6 +8241,7 @@
           <a:p>
             <a:fld id="{A4BAB868-1E00-44C6-B1AB-DFCC5F9865BA}" type="slidenum">
               <a:rPr lang="ja-JP" altLang="en-US" smtClean="0"/>
+              <a:t>24</a:t>
             </a:fld>
             <a:endParaRPr lang="en-US" altLang="ja-JP"/>
           </a:p>
@@ -8403,7 +8256,7 @@
         <p:spPr>
           <a:xfrm>
             <a:off x="1489165" y="1506582"/>
-            <a:ext cx="9936480" cy="5046345"/>
+            <a:ext cx="9936480" cy="5324535"/>
           </a:xfrm>
           <a:prstGeom prst="rect">
             <a:avLst/>
@@ -8429,16 +8282,6 @@
               </a:rPr>
               <a:t>Video Link Agent :-</a:t>
             </a:r>
-            <a:endParaRPr kumimoji="1" lang="en-US" sz="2000" b="1" i="1" dirty="0">
-              <a:solidFill>
-                <a:srgbClr val="D60093"/>
-              </a:solidFill>
-              <a:effectLst>
-                <a:outerShdw blurRad="38100" dist="38100" dir="2700000" algn="tl">
-                  <a:srgbClr val="C0C0C0"/>
-                </a:outerShdw>
-              </a:effectLst>
-            </a:endParaRPr>
           </a:p>
           <a:p>
             <a:endParaRPr lang="en-US" dirty="0"/>
@@ -8489,16 +8332,6 @@
               </a:rPr>
               <a:t>Technical Information</a:t>
             </a:r>
-            <a:endParaRPr kumimoji="1" lang="en-US" sz="1600" b="1" i="1" dirty="0">
-              <a:solidFill>
-                <a:srgbClr val="D60093"/>
-              </a:solidFill>
-              <a:effectLst>
-                <a:outerShdw blurRad="38100" dist="38100" dir="2700000" algn="tl">
-                  <a:srgbClr val="C0C0C0"/>
-                </a:outerShdw>
-              </a:effectLst>
-            </a:endParaRPr>
           </a:p>
           <a:p>
             <a:endParaRPr lang="en-US" dirty="0"/>
@@ -8506,35 +8339,47 @@
           <a:p>
             <a:r>
               <a:rPr lang="en-US" dirty="0"/>
-              <a:t>The technical information describes the interface parameters</a:t>
+              <a:t>We have created a  client and a server stub and written a code for the  connection service using JDPC which connects to the SQL database . Zoom links table stores the meeting </a:t>
             </a:r>
-            <a:br>
-              <a:rPr lang="en-US" dirty="0"/>
-            </a:br>
+            <a:r>
+              <a:rPr lang="en-US" dirty="0" err="1"/>
+              <a:t>id,password</a:t>
+            </a:r>
             <a:r>
               <a:rPr lang="en-US" dirty="0"/>
-              <a:t>of the logic that drives the service. Technical information,</a:t>
+              <a:t> and </a:t>
             </a:r>
-            <a:br>
-              <a:rPr lang="en-US" dirty="0"/>
-            </a:br>
+            <a:r>
+              <a:rPr lang="en-US" dirty="0" err="1"/>
+              <a:t>url</a:t>
+            </a:r>
             <a:r>
               <a:rPr lang="en-US" dirty="0"/>
-              <a:t>such as the exact protocol that the service uses, the inputs</a:t>
+              <a:t> for every combination of username and surname provided. Connection is happening through soap on XML. Inputs are username and surname  and output is a list of zoom links pertaining to the input provided. The </a:t>
             </a:r>
-            <a:br>
-              <a:rPr lang="en-US" dirty="0"/>
-            </a:br>
+            <a:r>
+              <a:rPr lang="en-US" dirty="0" err="1"/>
+              <a:t>db</a:t>
+            </a:r>
             <a:r>
               <a:rPr lang="en-US" dirty="0"/>
-              <a:t>and outputs, and the encoding of messages, form a crucial</a:t>
+              <a:t> contains list of all </a:t>
             </a:r>
-            <a:br>
-              <a:rPr lang="en-US" dirty="0"/>
-            </a:br>
+            <a:r>
+              <a:rPr lang="en-US" dirty="0" err="1"/>
+              <a:t>urls</a:t>
+            </a:r>
             <a:r>
               <a:rPr lang="en-US" dirty="0"/>
-              <a:t>part in machine-to-machine conversation. </a:t>
+              <a:t> and the server  queries the inputs and returns a list of all the </a:t>
+            </a:r>
+            <a:r>
+              <a:rPr lang="en-US" dirty="0" err="1"/>
+              <a:t>urls</a:t>
+            </a:r>
+            <a:r>
+              <a:rPr lang="en-US" dirty="0"/>
+              <a:t> that pertain to the username and surname provided</a:t>
             </a:r>
             <a:br>
               <a:rPr lang="en-US" dirty="0"/>
@@ -8593,7 +8438,6 @@
               <a:rPr lang="en-CA" dirty="0"/>
               <a:t>9. Use Cases : Clinic Agent</a:t>
             </a:r>
-            <a:endParaRPr lang="en-CA" dirty="0"/>
           </a:p>
         </p:txBody>
       </p:sp>
@@ -8637,6 +8481,7 @@
           <a:p>
             <a:fld id="{A4BAB868-1E00-44C6-B1AB-DFCC5F9865BA}" type="slidenum">
               <a:rPr lang="ja-JP" altLang="en-US" smtClean="0"/>
+              <a:t>25</a:t>
             </a:fld>
             <a:endParaRPr lang="en-US" altLang="ja-JP"/>
           </a:p>
@@ -8651,7 +8496,7 @@
           <p:nvPr/>
         </p:nvPicPr>
         <p:blipFill>
-          <a:blip r:embed="rId1"/>
+          <a:blip r:embed="rId2"/>
           <a:stretch>
             <a:fillRect/>
           </a:stretch>
@@ -8757,6 +8602,7 @@
           <a:p>
             <a:fld id="{A4BAB868-1E00-44C6-B1AB-DFCC5F9865BA}" type="slidenum">
               <a:rPr lang="ja-JP" altLang="en-US" smtClean="0"/>
+              <a:t>26</a:t>
             </a:fld>
             <a:endParaRPr lang="en-US" altLang="ja-JP"/>
           </a:p>
@@ -8779,8 +8625,20 @@
             <a:tbl>
               <a:tblPr firstRow="1" firstCol="1" bandRow="1"/>
               <a:tblGrid>
-                <a:gridCol w="2294486"/>
-                <a:gridCol w="7411362"/>
+                <a:gridCol w="2294486">
+                  <a:extLst>
+                    <a:ext uri="{9D8B030D-6E8A-4147-A177-3AD203B41FA5}">
+                      <a16:colId xmlns:a16="http://schemas.microsoft.com/office/drawing/2014/main" val="20000"/>
+                    </a:ext>
+                  </a:extLst>
+                </a:gridCol>
+                <a:gridCol w="7411362">
+                  <a:extLst>
+                    <a:ext uri="{9D8B030D-6E8A-4147-A177-3AD203B41FA5}">
+                      <a16:colId xmlns:a16="http://schemas.microsoft.com/office/drawing/2014/main" val="20001"/>
+                    </a:ext>
+                  </a:extLst>
+                </a:gridCol>
               </a:tblGrid>
               <a:tr h="244207">
                 <a:tc>
@@ -8921,6 +8779,11 @@
                     </a:lnB>
                   </a:tcPr>
                 </a:tc>
+                <a:extLst>
+                  <a:ext uri="{0D108BD9-81ED-4DB2-BD59-A6C34878D82A}">
+                    <a16:rowId xmlns:a16="http://schemas.microsoft.com/office/drawing/2014/main" val="10000"/>
+                  </a:ext>
+                </a:extLst>
               </a:tr>
               <a:tr h="244207">
                 <a:tc>
@@ -9014,12 +8877,6 @@
                         </a:rPr>
                         <a:t>Successful Login for the User is necessary post registration</a:t>
                       </a:r>
-                      <a:endParaRPr lang="en-IN" sz="1100">
-                        <a:effectLst/>
-                        <a:latin typeface="Calibri" panose="020F0502020204030204" pitchFamily="34" charset="0"/>
-                        <a:ea typeface="Calibri" panose="020F0502020204030204" pitchFamily="34" charset="0"/>
-                        <a:cs typeface="Times New Roman" panose="02020503050405090304" pitchFamily="18" charset="0"/>
-                      </a:endParaRPr>
                     </a:p>
                   </a:txBody>
                   <a:tcPr marL="68580" marR="68580" marT="0" marB="0">
@@ -9061,6 +8918,11 @@
                     </a:lnB>
                   </a:tcPr>
                 </a:tc>
+                <a:extLst>
+                  <a:ext uri="{0D108BD9-81ED-4DB2-BD59-A6C34878D82A}">
+                    <a16:rowId xmlns:a16="http://schemas.microsoft.com/office/drawing/2014/main" val="10001"/>
+                  </a:ext>
+                </a:extLst>
               </a:tr>
               <a:tr h="244207">
                 <a:tc>
@@ -9154,12 +9016,6 @@
                         </a:rPr>
                         <a:t>Considering all Services work as expected, the actor can manage creation, Update and Deletion of appointments</a:t>
                       </a:r>
-                      <a:endParaRPr lang="en-IN" sz="1100">
-                        <a:effectLst/>
-                        <a:latin typeface="Calibri" panose="020F0502020204030204" pitchFamily="34" charset="0"/>
-                        <a:ea typeface="Calibri" panose="020F0502020204030204" pitchFamily="34" charset="0"/>
-                        <a:cs typeface="Times New Roman" panose="02020503050405090304" pitchFamily="18" charset="0"/>
-                      </a:endParaRPr>
                     </a:p>
                   </a:txBody>
                   <a:tcPr marL="68580" marR="68580" marT="0" marB="0">
@@ -9201,6 +9057,11 @@
                     </a:lnB>
                   </a:tcPr>
                 </a:tc>
+                <a:extLst>
+                  <a:ext uri="{0D108BD9-81ED-4DB2-BD59-A6C34878D82A}">
+                    <a16:rowId xmlns:a16="http://schemas.microsoft.com/office/drawing/2014/main" val="10002"/>
+                  </a:ext>
+                </a:extLst>
               </a:tr>
               <a:tr h="244207">
                 <a:tc>
@@ -9291,12 +9152,6 @@
                         </a:rPr>
                         <a:t> </a:t>
                       </a:r>
-                      <a:endParaRPr lang="en-IN" sz="1100">
-                        <a:effectLst/>
-                        <a:latin typeface="Calibri" panose="020F0502020204030204" pitchFamily="34" charset="0"/>
-                        <a:ea typeface="Calibri" panose="020F0502020204030204" pitchFamily="34" charset="0"/>
-                        <a:cs typeface="Times New Roman" panose="02020503050405090304" pitchFamily="18" charset="0"/>
-                      </a:endParaRPr>
                     </a:p>
                   </a:txBody>
                   <a:tcPr marL="68580" marR="68580" marT="0" marB="0">
@@ -9335,6 +9190,11 @@
                     </a:solidFill>
                   </a:tcPr>
                 </a:tc>
+                <a:extLst>
+                  <a:ext uri="{0D108BD9-81ED-4DB2-BD59-A6C34878D82A}">
+                    <a16:rowId xmlns:a16="http://schemas.microsoft.com/office/drawing/2014/main" val="10003"/>
+                  </a:ext>
+                </a:extLst>
               </a:tr>
               <a:tr h="244207">
                 <a:tc>
@@ -9359,12 +9219,6 @@
                         </a:rPr>
                         <a:t>1</a:t>
                       </a:r>
-                      <a:endParaRPr lang="en-IN" sz="1100">
-                        <a:effectLst/>
-                        <a:latin typeface="Calibri" panose="020F0502020204030204" pitchFamily="34" charset="0"/>
-                        <a:ea typeface="Calibri" panose="020F0502020204030204" pitchFamily="34" charset="0"/>
-                        <a:cs typeface="Times New Roman" panose="02020503050405090304" pitchFamily="18" charset="0"/>
-                      </a:endParaRPr>
                     </a:p>
                   </a:txBody>
                   <a:tcPr marL="68580" marR="68580" marT="0" marB="0">
@@ -9428,12 +9282,6 @@
                         </a:rPr>
                         <a:t>Actor logs in into the Clinic Portal by entering his/her username and password.</a:t>
                       </a:r>
-                      <a:endParaRPr lang="en-IN" sz="1100">
-                        <a:effectLst/>
-                        <a:latin typeface="Calibri" panose="020F0502020204030204" pitchFamily="34" charset="0"/>
-                        <a:ea typeface="Calibri" panose="020F0502020204030204" pitchFamily="34" charset="0"/>
-                        <a:cs typeface="Times New Roman" panose="02020503050405090304" pitchFamily="18" charset="0"/>
-                      </a:endParaRPr>
                     </a:p>
                   </a:txBody>
                   <a:tcPr marL="68580" marR="68580" marT="0" marB="0">
@@ -9475,6 +9323,11 @@
                     </a:lnB>
                   </a:tcPr>
                 </a:tc>
+                <a:extLst>
+                  <a:ext uri="{0D108BD9-81ED-4DB2-BD59-A6C34878D82A}">
+                    <a16:rowId xmlns:a16="http://schemas.microsoft.com/office/drawing/2014/main" val="10004"/>
+                  </a:ext>
+                </a:extLst>
               </a:tr>
               <a:tr h="400280">
                 <a:tc>
@@ -9499,12 +9352,6 @@
                         </a:rPr>
                         <a:t>2</a:t>
                       </a:r>
-                      <a:endParaRPr lang="en-IN" sz="1100">
-                        <a:effectLst/>
-                        <a:latin typeface="Calibri" panose="020F0502020204030204" pitchFamily="34" charset="0"/>
-                        <a:ea typeface="Calibri" panose="020F0502020204030204" pitchFamily="34" charset="0"/>
-                        <a:cs typeface="Times New Roman" panose="02020503050405090304" pitchFamily="18" charset="0"/>
-                      </a:endParaRPr>
                     </a:p>
                   </a:txBody>
                   <a:tcPr marL="68580" marR="68580" marT="0" marB="0">
@@ -9568,12 +9415,6 @@
                         </a:rPr>
                         <a:t>Actor Selects the option to create an appointment for a future date, and enters the relevant details (name, age, breed, criticality, etc.).</a:t>
                       </a:r>
-                      <a:endParaRPr lang="en-IN" sz="1100" dirty="0">
-                        <a:effectLst/>
-                        <a:latin typeface="Calibri" panose="020F0502020204030204" pitchFamily="34" charset="0"/>
-                        <a:ea typeface="Calibri" panose="020F0502020204030204" pitchFamily="34" charset="0"/>
-                        <a:cs typeface="Times New Roman" panose="02020503050405090304" pitchFamily="18" charset="0"/>
-                      </a:endParaRPr>
                     </a:p>
                   </a:txBody>
                   <a:tcPr marL="68580" marR="68580" marT="0" marB="0">
@@ -9615,6 +9456,11 @@
                     </a:lnB>
                   </a:tcPr>
                 </a:tc>
+                <a:extLst>
+                  <a:ext uri="{0D108BD9-81ED-4DB2-BD59-A6C34878D82A}">
+                    <a16:rowId xmlns:a16="http://schemas.microsoft.com/office/drawing/2014/main" val="10005"/>
+                  </a:ext>
+                </a:extLst>
               </a:tr>
               <a:tr h="244207">
                 <a:tc>
@@ -9639,12 +9485,6 @@
                         </a:rPr>
                         <a:t>3</a:t>
                       </a:r>
-                      <a:endParaRPr lang="en-IN" sz="1100">
-                        <a:effectLst/>
-                        <a:latin typeface="Calibri" panose="020F0502020204030204" pitchFamily="34" charset="0"/>
-                        <a:ea typeface="Calibri" panose="020F0502020204030204" pitchFamily="34" charset="0"/>
-                        <a:cs typeface="Times New Roman" panose="02020503050405090304" pitchFamily="18" charset="0"/>
-                      </a:endParaRPr>
                     </a:p>
                   </a:txBody>
                   <a:tcPr marL="68580" marR="68580" marT="0" marB="0">
@@ -9708,12 +9548,6 @@
                         </a:rPr>
                         <a:t>Clinic Agent receives the request and sends information to the Appointment Agent to book the slot.</a:t>
                       </a:r>
-                      <a:endParaRPr lang="en-IN" sz="1100">
-                        <a:effectLst/>
-                        <a:latin typeface="Calibri" panose="020F0502020204030204" pitchFamily="34" charset="0"/>
-                        <a:ea typeface="Calibri" panose="020F0502020204030204" pitchFamily="34" charset="0"/>
-                        <a:cs typeface="Times New Roman" panose="02020503050405090304" pitchFamily="18" charset="0"/>
-                      </a:endParaRPr>
                     </a:p>
                   </a:txBody>
                   <a:tcPr marL="68580" marR="68580" marT="0" marB="0">
@@ -9755,6 +9589,11 @@
                     </a:lnB>
                   </a:tcPr>
                 </a:tc>
+                <a:extLst>
+                  <a:ext uri="{0D108BD9-81ED-4DB2-BD59-A6C34878D82A}">
+                    <a16:rowId xmlns:a16="http://schemas.microsoft.com/office/drawing/2014/main" val="10006"/>
+                  </a:ext>
+                </a:extLst>
               </a:tr>
               <a:tr h="244207">
                 <a:tc>
@@ -9779,12 +9618,6 @@
                         </a:rPr>
                         <a:t>4</a:t>
                       </a:r>
-                      <a:endParaRPr lang="en-IN" sz="1100">
-                        <a:effectLst/>
-                        <a:latin typeface="Calibri" panose="020F0502020204030204" pitchFamily="34" charset="0"/>
-                        <a:ea typeface="Calibri" panose="020F0502020204030204" pitchFamily="34" charset="0"/>
-                        <a:cs typeface="Times New Roman" panose="02020503050405090304" pitchFamily="18" charset="0"/>
-                      </a:endParaRPr>
                     </a:p>
                   </a:txBody>
                   <a:tcPr marL="68580" marR="68580" marT="0" marB="0">
@@ -9848,12 +9681,6 @@
                         </a:rPr>
                         <a:t>Appointment Agent looks in the Database for available slots, and considers the nature of visit. </a:t>
                       </a:r>
-                      <a:endParaRPr lang="en-IN" sz="1100">
-                        <a:effectLst/>
-                        <a:latin typeface="Calibri" panose="020F0502020204030204" pitchFamily="34" charset="0"/>
-                        <a:ea typeface="Calibri" panose="020F0502020204030204" pitchFamily="34" charset="0"/>
-                        <a:cs typeface="Times New Roman" panose="02020503050405090304" pitchFamily="18" charset="0"/>
-                      </a:endParaRPr>
                     </a:p>
                   </a:txBody>
                   <a:tcPr marL="68580" marR="68580" marT="0" marB="0">
@@ -9895,6 +9722,11 @@
                     </a:lnB>
                   </a:tcPr>
                 </a:tc>
+                <a:extLst>
+                  <a:ext uri="{0D108BD9-81ED-4DB2-BD59-A6C34878D82A}">
+                    <a16:rowId xmlns:a16="http://schemas.microsoft.com/office/drawing/2014/main" val="10007"/>
+                  </a:ext>
+                </a:extLst>
               </a:tr>
               <a:tr h="488414">
                 <a:tc>
@@ -9919,12 +9751,6 @@
                         </a:rPr>
                         <a:t>5</a:t>
                       </a:r>
-                      <a:endParaRPr lang="en-IN" sz="1100">
-                        <a:effectLst/>
-                        <a:latin typeface="Calibri" panose="020F0502020204030204" pitchFamily="34" charset="0"/>
-                        <a:ea typeface="Calibri" panose="020F0502020204030204" pitchFamily="34" charset="0"/>
-                        <a:cs typeface="Times New Roman" panose="02020503050405090304" pitchFamily="18" charset="0"/>
-                      </a:endParaRPr>
                     </a:p>
                   </a:txBody>
                   <a:tcPr marL="68580" marR="68580" marT="0" marB="0">
@@ -9988,12 +9814,6 @@
                         </a:rPr>
                         <a:t>Once Appointment slot is fixed, it retrieves the Zoom video link for sharing with user through the VideoLink Agent and Notification Agent.</a:t>
                       </a:r>
-                      <a:endParaRPr lang="en-IN" sz="1100">
-                        <a:effectLst/>
-                        <a:latin typeface="Calibri" panose="020F0502020204030204" pitchFamily="34" charset="0"/>
-                        <a:ea typeface="Calibri" panose="020F0502020204030204" pitchFamily="34" charset="0"/>
-                        <a:cs typeface="Times New Roman" panose="02020503050405090304" pitchFamily="18" charset="0"/>
-                      </a:endParaRPr>
                     </a:p>
                   </a:txBody>
                   <a:tcPr marL="68580" marR="68580" marT="0" marB="0">
@@ -10035,6 +9855,11 @@
                     </a:lnB>
                   </a:tcPr>
                 </a:tc>
+                <a:extLst>
+                  <a:ext uri="{0D108BD9-81ED-4DB2-BD59-A6C34878D82A}">
+                    <a16:rowId xmlns:a16="http://schemas.microsoft.com/office/drawing/2014/main" val="10008"/>
+                  </a:ext>
+                </a:extLst>
               </a:tr>
               <a:tr h="244207">
                 <a:tc>
@@ -10059,12 +9884,6 @@
                         </a:rPr>
                         <a:t>6</a:t>
                       </a:r>
-                      <a:endParaRPr lang="en-IN" sz="1100">
-                        <a:effectLst/>
-                        <a:latin typeface="Calibri" panose="020F0502020204030204" pitchFamily="34" charset="0"/>
-                        <a:ea typeface="Calibri" panose="020F0502020204030204" pitchFamily="34" charset="0"/>
-                        <a:cs typeface="Times New Roman" panose="02020503050405090304" pitchFamily="18" charset="0"/>
-                      </a:endParaRPr>
                     </a:p>
                   </a:txBody>
                   <a:tcPr marL="68580" marR="68580" marT="0" marB="0">
@@ -10128,12 +9947,6 @@
                         </a:rPr>
                         <a:t>Clinic Agent then sends notification to the user about confirmation of appointment.</a:t>
                       </a:r>
-                      <a:endParaRPr lang="en-IN" sz="1100">
-                        <a:effectLst/>
-                        <a:latin typeface="Calibri" panose="020F0502020204030204" pitchFamily="34" charset="0"/>
-                        <a:ea typeface="Calibri" panose="020F0502020204030204" pitchFamily="34" charset="0"/>
-                        <a:cs typeface="Times New Roman" panose="02020503050405090304" pitchFamily="18" charset="0"/>
-                      </a:endParaRPr>
                     </a:p>
                   </a:txBody>
                   <a:tcPr marL="68580" marR="68580" marT="0" marB="0">
@@ -10175,6 +9988,11 @@
                     </a:lnB>
                   </a:tcPr>
                 </a:tc>
+                <a:extLst>
+                  <a:ext uri="{0D108BD9-81ED-4DB2-BD59-A6C34878D82A}">
+                    <a16:rowId xmlns:a16="http://schemas.microsoft.com/office/drawing/2014/main" val="10009"/>
+                  </a:ext>
+                </a:extLst>
               </a:tr>
               <a:tr h="488414">
                 <a:tc>
@@ -10199,12 +10017,6 @@
                         </a:rPr>
                         <a:t>7</a:t>
                       </a:r>
-                      <a:endParaRPr lang="en-IN" sz="1100" dirty="0">
-                        <a:effectLst/>
-                        <a:latin typeface="Calibri" panose="020F0502020204030204" pitchFamily="34" charset="0"/>
-                        <a:ea typeface="Calibri" panose="020F0502020204030204" pitchFamily="34" charset="0"/>
-                        <a:cs typeface="Times New Roman" panose="02020503050405090304" pitchFamily="18" charset="0"/>
-                      </a:endParaRPr>
                     </a:p>
                   </a:txBody>
                   <a:tcPr marL="68580" marR="68580" marT="0" marB="0">
@@ -10268,12 +10080,6 @@
                         </a:rPr>
                         <a:t>Actor can choose to update appointment and send a new time as per her/her choice. Clinic Agent calls the Database and removes the appointment booking and makes slot available.</a:t>
                       </a:r>
-                      <a:endParaRPr lang="en-IN" sz="1100">
-                        <a:effectLst/>
-                        <a:latin typeface="Calibri" panose="020F0502020204030204" pitchFamily="34" charset="0"/>
-                        <a:ea typeface="Calibri" panose="020F0502020204030204" pitchFamily="34" charset="0"/>
-                        <a:cs typeface="Times New Roman" panose="02020503050405090304" pitchFamily="18" charset="0"/>
-                      </a:endParaRPr>
                     </a:p>
                   </a:txBody>
                   <a:tcPr marL="68580" marR="68580" marT="0" marB="0">
@@ -10315,6 +10121,11 @@
                     </a:lnB>
                   </a:tcPr>
                 </a:tc>
+                <a:extLst>
+                  <a:ext uri="{0D108BD9-81ED-4DB2-BD59-A6C34878D82A}">
+                    <a16:rowId xmlns:a16="http://schemas.microsoft.com/office/drawing/2014/main" val="10010"/>
+                  </a:ext>
+                </a:extLst>
               </a:tr>
               <a:tr h="296393">
                 <a:tc>
@@ -10339,12 +10150,6 @@
                         </a:rPr>
                         <a:t>8</a:t>
                       </a:r>
-                      <a:endParaRPr lang="en-IN" sz="1100" dirty="0">
-                        <a:effectLst/>
-                        <a:latin typeface="Calibri" panose="020F0502020204030204" pitchFamily="34" charset="0"/>
-                        <a:ea typeface="Calibri" panose="020F0502020204030204" pitchFamily="34" charset="0"/>
-                        <a:cs typeface="Times New Roman" panose="02020503050405090304" pitchFamily="18" charset="0"/>
-                      </a:endParaRPr>
                     </a:p>
                   </a:txBody>
                   <a:tcPr marL="68580" marR="68580" marT="0" marB="0">
@@ -10408,12 +10213,6 @@
                         </a:rPr>
                         <a:t>For Updating of appointment, the slot in the Database is updated as per availability by the Clinic Agent.</a:t>
                       </a:r>
-                      <a:endParaRPr lang="en-IN" sz="1100" dirty="0">
-                        <a:effectLst/>
-                        <a:latin typeface="Calibri" panose="020F0502020204030204" pitchFamily="34" charset="0"/>
-                        <a:ea typeface="Calibri" panose="020F0502020204030204" pitchFamily="34" charset="0"/>
-                        <a:cs typeface="Times New Roman" panose="02020503050405090304" pitchFamily="18" charset="0"/>
-                      </a:endParaRPr>
                     </a:p>
                   </a:txBody>
                   <a:tcPr marL="68580" marR="68580" marT="0" marB="0">
@@ -10455,6 +10254,11 @@
                     </a:lnB>
                   </a:tcPr>
                 </a:tc>
+                <a:extLst>
+                  <a:ext uri="{0D108BD9-81ED-4DB2-BD59-A6C34878D82A}">
+                    <a16:rowId xmlns:a16="http://schemas.microsoft.com/office/drawing/2014/main" val="10011"/>
+                  </a:ext>
+                </a:extLst>
               </a:tr>
               <a:tr h="296393">
                 <a:tc>
@@ -10556,12 +10360,6 @@
                         </a:rPr>
                         <a:t>In both Steps 8 and 9 … Corresponding confirmation Notifications are sent to the user over email and SMS.</a:t>
                       </a:r>
-                      <a:endParaRPr lang="en-IN" sz="1100" dirty="0">
-                        <a:effectLst/>
-                        <a:latin typeface="Calibri" panose="020F0502020204030204" pitchFamily="34" charset="0"/>
-                        <a:ea typeface="Calibri" panose="020F0502020204030204" pitchFamily="34" charset="0"/>
-                        <a:cs typeface="Times New Roman" panose="02020503050405090304" pitchFamily="18" charset="0"/>
-                      </a:endParaRPr>
                     </a:p>
                   </a:txBody>
                   <a:tcPr marL="68580" marR="68580" marT="0" marB="0">
@@ -10603,6 +10401,11 @@
                     </a:lnB>
                   </a:tcPr>
                 </a:tc>
+                <a:extLst>
+                  <a:ext uri="{0D108BD9-81ED-4DB2-BD59-A6C34878D82A}">
+                    <a16:rowId xmlns:a16="http://schemas.microsoft.com/office/drawing/2014/main" val="10012"/>
+                  </a:ext>
+                </a:extLst>
               </a:tr>
             </a:tbl>
           </a:graphicData>
@@ -10706,11 +10509,41 @@
             <a:tbl>
               <a:tblPr/>
               <a:tblGrid>
-                <a:gridCol w="2695575"/>
-                <a:gridCol w="3329746"/>
-                <a:gridCol w="133319"/>
-                <a:gridCol w="131035"/>
-                <a:gridCol w="3594100"/>
+                <a:gridCol w="2695575">
+                  <a:extLst>
+                    <a:ext uri="{9D8B030D-6E8A-4147-A177-3AD203B41FA5}">
+                      <a16:colId xmlns:a16="http://schemas.microsoft.com/office/drawing/2014/main" val="20000"/>
+                    </a:ext>
+                  </a:extLst>
+                </a:gridCol>
+                <a:gridCol w="3329746">
+                  <a:extLst>
+                    <a:ext uri="{9D8B030D-6E8A-4147-A177-3AD203B41FA5}">
+                      <a16:colId xmlns:a16="http://schemas.microsoft.com/office/drawing/2014/main" val="20001"/>
+                    </a:ext>
+                  </a:extLst>
+                </a:gridCol>
+                <a:gridCol w="133319">
+                  <a:extLst>
+                    <a:ext uri="{9D8B030D-6E8A-4147-A177-3AD203B41FA5}">
+                      <a16:colId xmlns:a16="http://schemas.microsoft.com/office/drawing/2014/main" val="20002"/>
+                    </a:ext>
+                  </a:extLst>
+                </a:gridCol>
+                <a:gridCol w="131035">
+                  <a:extLst>
+                    <a:ext uri="{9D8B030D-6E8A-4147-A177-3AD203B41FA5}">
+                      <a16:colId xmlns:a16="http://schemas.microsoft.com/office/drawing/2014/main" val="20003"/>
+                    </a:ext>
+                  </a:extLst>
+                </a:gridCol>
+                <a:gridCol w="3594100">
+                  <a:extLst>
+                    <a:ext uri="{9D8B030D-6E8A-4147-A177-3AD203B41FA5}">
+                      <a16:colId xmlns:a16="http://schemas.microsoft.com/office/drawing/2014/main" val="20004"/>
+                    </a:ext>
+                  </a:extLst>
+                </a:gridCol>
               </a:tblGrid>
               <a:tr h="259059">
                 <a:tc>
@@ -10729,13 +10562,6 @@
                         </a:rPr>
                         <a:t>Exceptions</a:t>
                       </a:r>
-                      <a:endParaRPr lang="en-CA" sz="1100" b="1" i="0" u="none" strike="noStrike" dirty="0">
-                        <a:solidFill>
-                          <a:srgbClr val="000000"/>
-                        </a:solidFill>
-                        <a:effectLst/>
-                        <a:latin typeface="Calibri" panose="020F0502020204030204" pitchFamily="34" charset="0"/>
-                      </a:endParaRPr>
                     </a:p>
                   </a:txBody>
                   <a:tcPr marL="7620" marR="7620" marT="7620" marB="0" anchor="b">
@@ -10796,13 +10622,6 @@
                         </a:rPr>
                         <a:t> </a:t>
                       </a:r>
-                      <a:endParaRPr lang="en-CA" sz="1100" b="0" i="0" u="none" strike="noStrike" dirty="0">
-                        <a:solidFill>
-                          <a:srgbClr val="000000"/>
-                        </a:solidFill>
-                        <a:effectLst/>
-                        <a:latin typeface="Calibri" panose="020F0502020204030204" pitchFamily="34" charset="0"/>
-                      </a:endParaRPr>
                     </a:p>
                   </a:txBody>
                   <a:tcPr marL="7620" marR="7620" marT="7620" marB="0" anchor="b">
@@ -10848,6 +10667,13 @@
                   </a:tcPr>
                 </a:tc>
                 <a:tc hMerge="1">
+                  <a:txBody>
+                    <a:bodyPr/>
+                    <a:lstStyle/>
+                    <a:p>
+                      <a:endParaRPr lang="en-US"/>
+                    </a:p>
+                  </a:txBody>
                   <a:tcPr/>
                 </a:tc>
                 <a:tc gridSpan="2">
@@ -10866,13 +10692,6 @@
                         </a:rPr>
                         <a:t> </a:t>
                       </a:r>
-                      <a:endParaRPr lang="en-CA" sz="1100" b="0" i="0" u="none" strike="noStrike" dirty="0">
-                        <a:solidFill>
-                          <a:srgbClr val="000000"/>
-                        </a:solidFill>
-                        <a:effectLst/>
-                        <a:latin typeface="Calibri" panose="020F0502020204030204" pitchFamily="34" charset="0"/>
-                      </a:endParaRPr>
                     </a:p>
                   </a:txBody>
                   <a:tcPr marL="7620" marR="7620" marT="7620" marB="0" anchor="b">
@@ -10918,8 +10737,20 @@
                   </a:tcPr>
                 </a:tc>
                 <a:tc hMerge="1">
+                  <a:txBody>
+                    <a:bodyPr/>
+                    <a:lstStyle/>
+                    <a:p>
+                      <a:endParaRPr lang="en-US"/>
+                    </a:p>
+                  </a:txBody>
                   <a:tcPr/>
                 </a:tc>
+                <a:extLst>
+                  <a:ext uri="{0D108BD9-81ED-4DB2-BD59-A6C34878D82A}">
+                    <a16:rowId xmlns:a16="http://schemas.microsoft.com/office/drawing/2014/main" val="10000"/>
+                  </a:ext>
+                </a:extLst>
               </a:tr>
               <a:tr h="572134">
                 <a:tc>
@@ -10938,13 +10769,6 @@
                         </a:rPr>
                         <a:t>1a</a:t>
                       </a:r>
-                      <a:endParaRPr lang="en-CA" sz="1100" b="0" i="0" u="none" strike="noStrike" dirty="0">
-                        <a:solidFill>
-                          <a:srgbClr val="000000"/>
-                        </a:solidFill>
-                        <a:effectLst/>
-                        <a:latin typeface="Calibri" panose="020F0502020204030204" pitchFamily="34" charset="0"/>
-                      </a:endParaRPr>
                     </a:p>
                   </a:txBody>
                   <a:tcPr marL="7620" marR="7620" marT="7620" marB="0" anchor="ctr">
@@ -11002,13 +10826,6 @@
                         </a:rPr>
                         <a:t>System Not Accessible at this point</a:t>
                       </a:r>
-                      <a:endParaRPr lang="en-US" sz="1100" b="0" i="0" u="none" strike="noStrike" dirty="0">
-                        <a:solidFill>
-                          <a:srgbClr val="000000"/>
-                        </a:solidFill>
-                        <a:effectLst/>
-                        <a:latin typeface="Calibri" panose="020F0502020204030204" pitchFamily="34" charset="0"/>
-                      </a:endParaRPr>
                     </a:p>
                   </a:txBody>
                   <a:tcPr marL="7620" marR="7620" marT="7620" marB="0" anchor="ctr">
@@ -11051,6 +10868,13 @@
                   </a:tcPr>
                 </a:tc>
                 <a:tc hMerge="1">
+                  <a:txBody>
+                    <a:bodyPr/>
+                    <a:lstStyle/>
+                    <a:p>
+                      <a:endParaRPr lang="en-US"/>
+                    </a:p>
+                  </a:txBody>
                   <a:tcPr/>
                 </a:tc>
                 <a:tc gridSpan="2">
@@ -11089,13 +10913,6 @@
                         </a:rPr>
                         <a:t> is not accessible.</a:t>
                       </a:r>
-                      <a:endParaRPr lang="en-US" sz="1100" b="0" i="0" u="none" strike="noStrike" dirty="0">
-                        <a:solidFill>
-                          <a:srgbClr val="000000"/>
-                        </a:solidFill>
-                        <a:effectLst/>
-                        <a:latin typeface="Calibri" panose="020F0502020204030204" pitchFamily="34" charset="0"/>
-                      </a:endParaRPr>
                     </a:p>
                   </a:txBody>
                   <a:tcPr marL="7620" marR="7620" marT="7620" marB="0" anchor="ctr">
@@ -11138,8 +10955,20 @@
                   </a:tcPr>
                 </a:tc>
                 <a:tc hMerge="1">
+                  <a:txBody>
+                    <a:bodyPr/>
+                    <a:lstStyle/>
+                    <a:p>
+                      <a:endParaRPr lang="en-US"/>
+                    </a:p>
+                  </a:txBody>
                   <a:tcPr/>
                 </a:tc>
+                <a:extLst>
+                  <a:ext uri="{0D108BD9-81ED-4DB2-BD59-A6C34878D82A}">
+                    <a16:rowId xmlns:a16="http://schemas.microsoft.com/office/drawing/2014/main" val="10001"/>
+                  </a:ext>
+                </a:extLst>
               </a:tr>
               <a:tr h="582014">
                 <a:tc>
@@ -11158,13 +10987,6 @@
                         </a:rPr>
                         <a:t>3a</a:t>
                       </a:r>
-                      <a:endParaRPr lang="en-CA" sz="1100" b="0" i="0" u="none" strike="noStrike" dirty="0">
-                        <a:solidFill>
-                          <a:srgbClr val="000000"/>
-                        </a:solidFill>
-                        <a:effectLst/>
-                        <a:latin typeface="Calibri" panose="020F0502020204030204" pitchFamily="34" charset="0"/>
-                      </a:endParaRPr>
                     </a:p>
                   </a:txBody>
                   <a:tcPr marL="7620" marR="7620" marT="7620" marB="0" anchor="ctr">
@@ -11222,13 +11044,6 @@
                         </a:rPr>
                         <a:t>I/O exceptions</a:t>
                       </a:r>
-                      <a:endParaRPr lang="en-US" sz="1100" b="0" i="0" u="none" strike="noStrike" dirty="0">
-                        <a:solidFill>
-                          <a:srgbClr val="000000"/>
-                        </a:solidFill>
-                        <a:effectLst/>
-                        <a:latin typeface="Calibri" panose="020F0502020204030204" pitchFamily="34" charset="0"/>
-                      </a:endParaRPr>
                     </a:p>
                   </a:txBody>
                   <a:tcPr marL="7620" marR="7620" marT="7620" marB="0" anchor="ctr">
@@ -11271,6 +11086,13 @@
                   </a:tcPr>
                 </a:tc>
                 <a:tc hMerge="1">
+                  <a:txBody>
+                    <a:bodyPr/>
+                    <a:lstStyle/>
+                    <a:p>
+                      <a:endParaRPr lang="en-US"/>
+                    </a:p>
+                  </a:txBody>
                   <a:tcPr/>
                 </a:tc>
                 <a:tc gridSpan="2">
@@ -11289,13 +11111,6 @@
                         </a:rPr>
                         <a:t>Error Message is generated stating that input output functions is not reachable.</a:t>
                       </a:r>
-                      <a:endParaRPr lang="en-US" sz="1100" b="0" i="0" u="none" strike="noStrike" dirty="0">
-                        <a:solidFill>
-                          <a:srgbClr val="000000"/>
-                        </a:solidFill>
-                        <a:effectLst/>
-                        <a:latin typeface="Calibri" panose="020F0502020204030204" pitchFamily="34" charset="0"/>
-                      </a:endParaRPr>
                     </a:p>
                   </a:txBody>
                   <a:tcPr marL="7620" marR="7620" marT="7620" marB="0" anchor="ctr">
@@ -11338,8 +11153,20 @@
                   </a:tcPr>
                 </a:tc>
                 <a:tc hMerge="1">
+                  <a:txBody>
+                    <a:bodyPr/>
+                    <a:lstStyle/>
+                    <a:p>
+                      <a:endParaRPr lang="en-US"/>
+                    </a:p>
+                  </a:txBody>
                   <a:tcPr/>
                 </a:tc>
+                <a:extLst>
+                  <a:ext uri="{0D108BD9-81ED-4DB2-BD59-A6C34878D82A}">
+                    <a16:rowId xmlns:a16="http://schemas.microsoft.com/office/drawing/2014/main" val="10002"/>
+                  </a:ext>
+                </a:extLst>
               </a:tr>
               <a:tr h="582014">
                 <a:tc>
@@ -11358,13 +11185,6 @@
                         </a:rPr>
                         <a:t>6b </a:t>
                       </a:r>
-                      <a:endParaRPr lang="en-CA" sz="1100" b="0" i="0" u="none" strike="noStrike" dirty="0">
-                        <a:solidFill>
-                          <a:srgbClr val="000000"/>
-                        </a:solidFill>
-                        <a:effectLst/>
-                        <a:latin typeface="Calibri" panose="020F0502020204030204" pitchFamily="34" charset="0"/>
-                      </a:endParaRPr>
                     </a:p>
                   </a:txBody>
                   <a:tcPr marL="7620" marR="7620" marT="7620" marB="0" anchor="ctr">
@@ -11422,13 +11242,6 @@
                         </a:rPr>
                         <a:t>Unreadable and SQL Exception</a:t>
                       </a:r>
-                      <a:endParaRPr lang="en-US" sz="1100" b="0" i="0" u="none" strike="noStrike" dirty="0">
-                        <a:solidFill>
-                          <a:srgbClr val="000000"/>
-                        </a:solidFill>
-                        <a:effectLst/>
-                        <a:latin typeface="Calibri" panose="020F0502020204030204" pitchFamily="34" charset="0"/>
-                      </a:endParaRPr>
                     </a:p>
                   </a:txBody>
                   <a:tcPr marL="7620" marR="7620" marT="7620" marB="0" anchor="ctr">
@@ -11471,6 +11284,13 @@
                   </a:tcPr>
                 </a:tc>
                 <a:tc hMerge="1">
+                  <a:txBody>
+                    <a:bodyPr/>
+                    <a:lstStyle/>
+                    <a:p>
+                      <a:endParaRPr lang="en-US"/>
+                    </a:p>
+                  </a:txBody>
                   <a:tcPr/>
                 </a:tc>
                 <a:tc gridSpan="2">
@@ -11509,13 +11329,6 @@
                         </a:rPr>
                         <a:t> or any SQL database error.</a:t>
                       </a:r>
-                      <a:endParaRPr lang="en-US" sz="1100" b="0" i="0" u="none" strike="noStrike" dirty="0">
-                        <a:solidFill>
-                          <a:srgbClr val="000000"/>
-                        </a:solidFill>
-                        <a:effectLst/>
-                        <a:latin typeface="Calibri" panose="020F0502020204030204" pitchFamily="34" charset="0"/>
-                      </a:endParaRPr>
                     </a:p>
                   </a:txBody>
                   <a:tcPr marL="7620" marR="7620" marT="7620" marB="0" anchor="ctr">
@@ -11558,8 +11371,20 @@
                   </a:tcPr>
                 </a:tc>
                 <a:tc hMerge="1">
+                  <a:txBody>
+                    <a:bodyPr/>
+                    <a:lstStyle/>
+                    <a:p>
+                      <a:endParaRPr lang="en-US"/>
+                    </a:p>
+                  </a:txBody>
                   <a:tcPr/>
                 </a:tc>
+                <a:extLst>
+                  <a:ext uri="{0D108BD9-81ED-4DB2-BD59-A6C34878D82A}">
+                    <a16:rowId xmlns:a16="http://schemas.microsoft.com/office/drawing/2014/main" val="10003"/>
+                  </a:ext>
+                </a:extLst>
               </a:tr>
               <a:tr h="259059">
                 <a:tc>
@@ -11578,13 +11403,6 @@
                         </a:rPr>
                         <a:t>Relationships:</a:t>
                       </a:r>
-                      <a:endParaRPr lang="en-CA" sz="1100" b="1" i="0" u="none" strike="noStrike" dirty="0">
-                        <a:solidFill>
-                          <a:srgbClr val="000000"/>
-                        </a:solidFill>
-                        <a:effectLst/>
-                        <a:latin typeface="Calibri" panose="020F0502020204030204" pitchFamily="34" charset="0"/>
-                      </a:endParaRPr>
                     </a:p>
                   </a:txBody>
                   <a:tcPr marL="7620" marR="7620" marT="7620" marB="0" anchor="b">
@@ -11645,13 +11463,6 @@
                         </a:rPr>
                         <a:t> </a:t>
                       </a:r>
-                      <a:endParaRPr lang="en-CA" sz="1100" b="0" i="0" u="none" strike="noStrike" dirty="0">
-                        <a:solidFill>
-                          <a:srgbClr val="000000"/>
-                        </a:solidFill>
-                        <a:effectLst/>
-                        <a:latin typeface="Calibri" panose="020F0502020204030204" pitchFamily="34" charset="0"/>
-                      </a:endParaRPr>
                     </a:p>
                   </a:txBody>
                   <a:tcPr marL="7620" marR="7620" marT="7620" marB="0" anchor="b">
@@ -11697,6 +11508,13 @@
                   </a:tcPr>
                 </a:tc>
                 <a:tc hMerge="1">
+                  <a:txBody>
+                    <a:bodyPr/>
+                    <a:lstStyle/>
+                    <a:p>
+                      <a:endParaRPr lang="en-US"/>
+                    </a:p>
+                  </a:txBody>
                   <a:tcPr/>
                 </a:tc>
                 <a:tc gridSpan="2">
@@ -11715,13 +11533,6 @@
                         </a:rPr>
                         <a:t> </a:t>
                       </a:r>
-                      <a:endParaRPr lang="en-CA" sz="1100" b="0" i="0" u="none" strike="noStrike">
-                        <a:solidFill>
-                          <a:srgbClr val="000000"/>
-                        </a:solidFill>
-                        <a:effectLst/>
-                        <a:latin typeface="Calibri" panose="020F0502020204030204" pitchFamily="34" charset="0"/>
-                      </a:endParaRPr>
                     </a:p>
                   </a:txBody>
                   <a:tcPr marL="7620" marR="7620" marT="7620" marB="0" anchor="b">
@@ -11767,8 +11578,20 @@
                   </a:tcPr>
                 </a:tc>
                 <a:tc hMerge="1">
+                  <a:txBody>
+                    <a:bodyPr/>
+                    <a:lstStyle/>
+                    <a:p>
+                      <a:endParaRPr lang="en-US"/>
+                    </a:p>
+                  </a:txBody>
                   <a:tcPr/>
                 </a:tc>
+                <a:extLst>
+                  <a:ext uri="{0D108BD9-81ED-4DB2-BD59-A6C34878D82A}">
+                    <a16:rowId xmlns:a16="http://schemas.microsoft.com/office/drawing/2014/main" val="10004"/>
+                  </a:ext>
+                </a:extLst>
               </a:tr>
               <a:tr h="259059">
                 <a:tc>
@@ -11787,13 +11610,6 @@
                         </a:rPr>
                         <a:t>Initiating</a:t>
                       </a:r>
-                      <a:endParaRPr lang="en-CA" sz="1100" b="1" i="0" u="none" strike="noStrike" dirty="0">
-                        <a:solidFill>
-                          <a:srgbClr val="000000"/>
-                        </a:solidFill>
-                        <a:effectLst/>
-                        <a:latin typeface="Calibri" panose="020F0502020204030204" pitchFamily="34" charset="0"/>
-                      </a:endParaRPr>
                     </a:p>
                   </a:txBody>
                   <a:tcPr marL="7620" marR="7620" marT="7620" marB="0" anchor="b">
@@ -11851,13 +11667,6 @@
                         </a:rPr>
                         <a:t>Actor</a:t>
                       </a:r>
-                      <a:endParaRPr lang="en-CA" sz="1100" b="0" i="0" u="none" strike="noStrike" dirty="0">
-                        <a:solidFill>
-                          <a:srgbClr val="000000"/>
-                        </a:solidFill>
-                        <a:effectLst/>
-                        <a:latin typeface="Calibri" panose="020F0502020204030204" pitchFamily="34" charset="0"/>
-                      </a:endParaRPr>
                     </a:p>
                   </a:txBody>
                   <a:tcPr marL="7620" marR="7620" marT="7620" marB="0" anchor="b">
@@ -11954,6 +11763,13 @@
                   </a:tcPr>
                 </a:tc>
                 <a:tc hMerge="1">
+                  <a:txBody>
+                    <a:bodyPr/>
+                    <a:lstStyle/>
+                    <a:p>
+                      <a:endParaRPr lang="en-US"/>
+                    </a:p>
+                  </a:txBody>
                   <a:tcPr/>
                 </a:tc>
                 <a:tc>
@@ -12010,6 +11826,11 @@
                     </a:lnB>
                   </a:tcPr>
                 </a:tc>
+                <a:extLst>
+                  <a:ext uri="{0D108BD9-81ED-4DB2-BD59-A6C34878D82A}">
+                    <a16:rowId xmlns:a16="http://schemas.microsoft.com/office/drawing/2014/main" val="10005"/>
+                  </a:ext>
+                </a:extLst>
               </a:tr>
               <a:tr h="269853">
                 <a:tc>
@@ -12028,13 +11849,6 @@
                         </a:rPr>
                         <a:t>Collaborating</a:t>
                       </a:r>
-                      <a:endParaRPr lang="en-CA" sz="1100" b="1" i="0" u="none" strike="noStrike" dirty="0">
-                        <a:solidFill>
-                          <a:srgbClr val="000000"/>
-                        </a:solidFill>
-                        <a:effectLst/>
-                        <a:latin typeface="Calibri" panose="020F0502020204030204" pitchFamily="34" charset="0"/>
-                      </a:endParaRPr>
                     </a:p>
                   </a:txBody>
                   <a:tcPr marL="7620" marR="7620" marT="7620" marB="0" anchor="b">
@@ -12092,13 +11906,6 @@
                         </a:rPr>
                         <a:t>Notification Agent, Appointment agent</a:t>
                       </a:r>
-                      <a:endParaRPr lang="en-US" sz="1100" b="0" i="0" u="none" strike="noStrike" dirty="0">
-                        <a:solidFill>
-                          <a:srgbClr val="000000"/>
-                        </a:solidFill>
-                        <a:effectLst/>
-                        <a:latin typeface="Calibri" panose="020F0502020204030204" pitchFamily="34" charset="0"/>
-                      </a:endParaRPr>
                     </a:p>
                   </a:txBody>
                   <a:tcPr marL="7620" marR="7620" marT="7620" marB="0" anchor="b">
@@ -12210,13 +12017,6 @@
                         </a:rPr>
                         <a:t> </a:t>
                       </a:r>
-                      <a:endParaRPr lang="en-CA" sz="1100" b="0" i="0" u="none" strike="noStrike">
-                        <a:solidFill>
-                          <a:srgbClr val="000000"/>
-                        </a:solidFill>
-                        <a:effectLst/>
-                        <a:latin typeface="Calibri" panose="020F0502020204030204" pitchFamily="34" charset="0"/>
-                      </a:endParaRPr>
                     </a:p>
                   </a:txBody>
                   <a:tcPr marL="7620" marR="7620" marT="7620" marB="0" anchor="b">
@@ -12259,8 +12059,20 @@
                   </a:tcPr>
                 </a:tc>
                 <a:tc hMerge="1">
+                  <a:txBody>
+                    <a:bodyPr/>
+                    <a:lstStyle/>
+                    <a:p>
+                      <a:endParaRPr lang="en-US"/>
+                    </a:p>
+                  </a:txBody>
                   <a:tcPr/>
                 </a:tc>
+                <a:extLst>
+                  <a:ext uri="{0D108BD9-81ED-4DB2-BD59-A6C34878D82A}">
+                    <a16:rowId xmlns:a16="http://schemas.microsoft.com/office/drawing/2014/main" val="10006"/>
+                  </a:ext>
+                </a:extLst>
               </a:tr>
               <a:tr h="269853">
                 <a:tc gridSpan="5">
@@ -12279,13 +12091,6 @@
                         </a:rPr>
                         <a:t>Other Diagrams:</a:t>
                       </a:r>
-                      <a:endParaRPr lang="en-CA" sz="1100" b="1" i="0" u="none" strike="noStrike" dirty="0">
-                        <a:solidFill>
-                          <a:srgbClr val="000000"/>
-                        </a:solidFill>
-                        <a:effectLst/>
-                        <a:latin typeface="Calibri" panose="020F0502020204030204" pitchFamily="34" charset="0"/>
-                      </a:endParaRPr>
                     </a:p>
                   </a:txBody>
                   <a:tcPr marL="7620" marR="7620" marT="7620" marB="0" anchor="b">
@@ -12331,17 +12136,50 @@
                   </a:tcPr>
                 </a:tc>
                 <a:tc hMerge="1">
+                  <a:txBody>
+                    <a:bodyPr/>
+                    <a:lstStyle/>
+                    <a:p>
+                      <a:endParaRPr lang="en-US"/>
+                    </a:p>
+                  </a:txBody>
                   <a:tcPr/>
                 </a:tc>
                 <a:tc hMerge="1">
+                  <a:txBody>
+                    <a:bodyPr/>
+                    <a:lstStyle/>
+                    <a:p>
+                      <a:endParaRPr lang="en-US"/>
+                    </a:p>
+                  </a:txBody>
                   <a:tcPr/>
                 </a:tc>
                 <a:tc hMerge="1">
+                  <a:txBody>
+                    <a:bodyPr/>
+                    <a:lstStyle/>
+                    <a:p>
+                      <a:endParaRPr lang="en-US"/>
+                    </a:p>
+                  </a:txBody>
                   <a:tcPr/>
                 </a:tc>
                 <a:tc hMerge="1">
+                  <a:txBody>
+                    <a:bodyPr/>
+                    <a:lstStyle/>
+                    <a:p>
+                      <a:endParaRPr lang="en-US"/>
+                    </a:p>
+                  </a:txBody>
                   <a:tcPr/>
                 </a:tc>
+                <a:extLst>
+                  <a:ext uri="{0D108BD9-81ED-4DB2-BD59-A6C34878D82A}">
+                    <a16:rowId xmlns:a16="http://schemas.microsoft.com/office/drawing/2014/main" val="10007"/>
+                  </a:ext>
+                </a:extLst>
               </a:tr>
               <a:tr h="259059">
                 <a:tc>
@@ -12360,13 +12198,6 @@
                         </a:rPr>
                         <a:t>Data Requirements</a:t>
                       </a:r>
-                      <a:endParaRPr lang="en-CA" sz="1100" b="1" i="0" u="none" strike="noStrike" dirty="0">
-                        <a:solidFill>
-                          <a:srgbClr val="000000"/>
-                        </a:solidFill>
-                        <a:effectLst/>
-                        <a:latin typeface="Calibri" panose="020F0502020204030204" pitchFamily="34" charset="0"/>
-                      </a:endParaRPr>
                     </a:p>
                   </a:txBody>
                   <a:tcPr marL="7620" marR="7620" marT="7620" marB="0" anchor="b">
@@ -12427,13 +12258,6 @@
                         </a:rPr>
                         <a:t> </a:t>
                       </a:r>
-                      <a:endParaRPr lang="en-CA" sz="1100" b="0" i="0" u="none" strike="noStrike" dirty="0">
-                        <a:solidFill>
-                          <a:srgbClr val="000000"/>
-                        </a:solidFill>
-                        <a:effectLst/>
-                        <a:latin typeface="Calibri" panose="020F0502020204030204" pitchFamily="34" charset="0"/>
-                      </a:endParaRPr>
                     </a:p>
                   </a:txBody>
                   <a:tcPr marL="7620" marR="7620" marT="7620" marB="0" anchor="b">
@@ -12479,6 +12303,13 @@
                   </a:tcPr>
                 </a:tc>
                 <a:tc hMerge="1">
+                  <a:txBody>
+                    <a:bodyPr/>
+                    <a:lstStyle/>
+                    <a:p>
+                      <a:endParaRPr lang="en-US"/>
+                    </a:p>
+                  </a:txBody>
                   <a:tcPr/>
                 </a:tc>
                 <a:tc gridSpan="2">
@@ -12497,13 +12328,6 @@
                         </a:rPr>
                         <a:t> </a:t>
                       </a:r>
-                      <a:endParaRPr lang="en-CA" sz="1100" b="0" i="0" u="none" strike="noStrike" dirty="0">
-                        <a:solidFill>
-                          <a:srgbClr val="000000"/>
-                        </a:solidFill>
-                        <a:effectLst/>
-                        <a:latin typeface="Calibri" panose="020F0502020204030204" pitchFamily="34" charset="0"/>
-                      </a:endParaRPr>
                     </a:p>
                   </a:txBody>
                   <a:tcPr marL="7620" marR="7620" marT="7620" marB="0" anchor="b">
@@ -12549,8 +12373,20 @@
                   </a:tcPr>
                 </a:tc>
                 <a:tc hMerge="1">
+                  <a:txBody>
+                    <a:bodyPr/>
+                    <a:lstStyle/>
+                    <a:p>
+                      <a:endParaRPr lang="en-US"/>
+                    </a:p>
+                  </a:txBody>
                   <a:tcPr/>
                 </a:tc>
+                <a:extLst>
+                  <a:ext uri="{0D108BD9-81ED-4DB2-BD59-A6C34878D82A}">
+                    <a16:rowId xmlns:a16="http://schemas.microsoft.com/office/drawing/2014/main" val="10008"/>
+                  </a:ext>
+                </a:extLst>
               </a:tr>
               <a:tr h="259059">
                 <a:tc>
@@ -12569,13 +12405,6 @@
                         </a:rPr>
                         <a:t>Data Required : </a:t>
                       </a:r>
-                      <a:endParaRPr lang="en-CA" sz="1100" b="1" i="0" u="none" strike="noStrike" dirty="0">
-                        <a:solidFill>
-                          <a:srgbClr val="000000"/>
-                        </a:solidFill>
-                        <a:effectLst/>
-                        <a:latin typeface="Calibri" panose="020F0502020204030204" pitchFamily="34" charset="0"/>
-                      </a:endParaRPr>
                     </a:p>
                   </a:txBody>
                   <a:tcPr marL="7620" marR="7620" marT="7620" marB="0" anchor="b">
@@ -12627,13 +12456,6 @@
                         </a:rPr>
                         <a:t>Data Required for Notification Agent</a:t>
                       </a:r>
-                      <a:endParaRPr lang="en-US" sz="1100" b="1" i="0" u="none" strike="noStrike" dirty="0">
-                        <a:solidFill>
-                          <a:srgbClr val="000000"/>
-                        </a:solidFill>
-                        <a:effectLst/>
-                        <a:latin typeface="Calibri" panose="020F0502020204030204" pitchFamily="34" charset="0"/>
-                      </a:endParaRPr>
                     </a:p>
                   </a:txBody>
                   <a:tcPr marL="7620" marR="7620" marT="7620" marB="0" anchor="b">
@@ -12676,6 +12498,13 @@
                   </a:tcPr>
                 </a:tc>
                 <a:tc hMerge="1">
+                  <a:txBody>
+                    <a:bodyPr/>
+                    <a:lstStyle/>
+                    <a:p>
+                      <a:endParaRPr lang="en-US"/>
+                    </a:p>
+                  </a:txBody>
                   <a:tcPr/>
                 </a:tc>
                 <a:tc gridSpan="2">
@@ -12694,13 +12523,6 @@
                         </a:rPr>
                         <a:t> </a:t>
                       </a:r>
-                      <a:endParaRPr lang="en-CA" sz="1100" b="0" i="0" u="none" strike="noStrike">
-                        <a:solidFill>
-                          <a:srgbClr val="000000"/>
-                        </a:solidFill>
-                        <a:effectLst/>
-                        <a:latin typeface="Calibri" panose="020F0502020204030204" pitchFamily="34" charset="0"/>
-                      </a:endParaRPr>
                     </a:p>
                   </a:txBody>
                   <a:tcPr marL="7620" marR="7620" marT="7620" marB="0" anchor="b">
@@ -12743,8 +12565,20 @@
                   </a:tcPr>
                 </a:tc>
                 <a:tc hMerge="1">
+                  <a:txBody>
+                    <a:bodyPr/>
+                    <a:lstStyle/>
+                    <a:p>
+                      <a:endParaRPr lang="en-US"/>
+                    </a:p>
+                  </a:txBody>
                   <a:tcPr/>
                 </a:tc>
+                <a:extLst>
+                  <a:ext uri="{0D108BD9-81ED-4DB2-BD59-A6C34878D82A}">
+                    <a16:rowId xmlns:a16="http://schemas.microsoft.com/office/drawing/2014/main" val="10009"/>
+                  </a:ext>
+                </a:extLst>
               </a:tr>
               <a:tr h="259059">
                 <a:tc>
@@ -12763,13 +12597,6 @@
                         </a:rPr>
                         <a:t> </a:t>
                       </a:r>
-                      <a:endParaRPr lang="en-CA" sz="1100" b="0" i="0" u="none" strike="noStrike" dirty="0">
-                        <a:solidFill>
-                          <a:srgbClr val="000000"/>
-                        </a:solidFill>
-                        <a:effectLst/>
-                        <a:latin typeface="Calibri" panose="020F0502020204030204" pitchFamily="34" charset="0"/>
-                      </a:endParaRPr>
                     </a:p>
                   </a:txBody>
                   <a:tcPr marL="7620" marR="7620" marT="7620" marB="0" anchor="b">
@@ -12815,13 +12642,6 @@
                         </a:rPr>
                         <a:t>Pet information </a:t>
                       </a:r>
-                      <a:endParaRPr lang="en-CA" sz="1100" b="0" i="0" u="none" strike="noStrike" dirty="0">
-                        <a:solidFill>
-                          <a:srgbClr val="000000"/>
-                        </a:solidFill>
-                        <a:effectLst/>
-                        <a:latin typeface="Calibri" panose="020F0502020204030204" pitchFamily="34" charset="0"/>
-                      </a:endParaRPr>
                     </a:p>
                   </a:txBody>
                   <a:tcPr marL="7620" marR="7620" marT="7620" marB="0" anchor="b">
@@ -12864,14 +12684,40 @@
                   </a:tcPr>
                 </a:tc>
                 <a:tc hMerge="1">
+                  <a:txBody>
+                    <a:bodyPr/>
+                    <a:lstStyle/>
+                    <a:p>
+                      <a:endParaRPr lang="en-US"/>
+                    </a:p>
+                  </a:txBody>
                   <a:tcPr/>
                 </a:tc>
                 <a:tc hMerge="1">
+                  <a:txBody>
+                    <a:bodyPr/>
+                    <a:lstStyle/>
+                    <a:p>
+                      <a:endParaRPr lang="en-US"/>
+                    </a:p>
+                  </a:txBody>
                   <a:tcPr/>
                 </a:tc>
                 <a:tc hMerge="1">
+                  <a:txBody>
+                    <a:bodyPr/>
+                    <a:lstStyle/>
+                    <a:p>
+                      <a:endParaRPr lang="en-US"/>
+                    </a:p>
+                  </a:txBody>
                   <a:tcPr/>
                 </a:tc>
+                <a:extLst>
+                  <a:ext uri="{0D108BD9-81ED-4DB2-BD59-A6C34878D82A}">
+                    <a16:rowId xmlns:a16="http://schemas.microsoft.com/office/drawing/2014/main" val="10010"/>
+                  </a:ext>
+                </a:extLst>
               </a:tr>
               <a:tr h="259059">
                 <a:tc>
@@ -12890,13 +12736,6 @@
                         </a:rPr>
                         <a:t> </a:t>
                       </a:r>
-                      <a:endParaRPr lang="en-CA" sz="1100" b="0" i="0" u="none" strike="noStrike" dirty="0">
-                        <a:solidFill>
-                          <a:srgbClr val="000000"/>
-                        </a:solidFill>
-                        <a:effectLst/>
-                        <a:latin typeface="Calibri" panose="020F0502020204030204" pitchFamily="34" charset="0"/>
-                      </a:endParaRPr>
                     </a:p>
                   </a:txBody>
                   <a:tcPr marL="7620" marR="7620" marT="7620" marB="0" anchor="b">
@@ -12942,13 +12781,6 @@
                         </a:rPr>
                         <a:t>Appointment preferences </a:t>
                       </a:r>
-                      <a:endParaRPr lang="en-US" sz="1100" b="0" i="0" u="none" strike="noStrike" dirty="0">
-                        <a:solidFill>
-                          <a:srgbClr val="000000"/>
-                        </a:solidFill>
-                        <a:effectLst/>
-                        <a:latin typeface="Calibri" panose="020F0502020204030204" pitchFamily="34" charset="0"/>
-                      </a:endParaRPr>
                     </a:p>
                   </a:txBody>
                   <a:tcPr marL="7620" marR="7620" marT="7620" marB="0" anchor="b">
@@ -12991,14 +12823,40 @@
                   </a:tcPr>
                 </a:tc>
                 <a:tc hMerge="1">
+                  <a:txBody>
+                    <a:bodyPr/>
+                    <a:lstStyle/>
+                    <a:p>
+                      <a:endParaRPr lang="en-US"/>
+                    </a:p>
+                  </a:txBody>
                   <a:tcPr/>
                 </a:tc>
                 <a:tc hMerge="1">
+                  <a:txBody>
+                    <a:bodyPr/>
+                    <a:lstStyle/>
+                    <a:p>
+                      <a:endParaRPr lang="en-US"/>
+                    </a:p>
+                  </a:txBody>
                   <a:tcPr/>
                 </a:tc>
                 <a:tc hMerge="1">
+                  <a:txBody>
+                    <a:bodyPr/>
+                    <a:lstStyle/>
+                    <a:p>
+                      <a:endParaRPr lang="en-US"/>
+                    </a:p>
+                  </a:txBody>
                   <a:tcPr/>
                 </a:tc>
+                <a:extLst>
+                  <a:ext uri="{0D108BD9-81ED-4DB2-BD59-A6C34878D82A}">
+                    <a16:rowId xmlns:a16="http://schemas.microsoft.com/office/drawing/2014/main" val="10011"/>
+                  </a:ext>
+                </a:extLst>
               </a:tr>
               <a:tr h="269853">
                 <a:tc>
@@ -13017,13 +12875,6 @@
                         </a:rPr>
                         <a:t> </a:t>
                       </a:r>
-                      <a:endParaRPr lang="en-CA" sz="1100" b="0" i="0" u="none" strike="noStrike" dirty="0">
-                        <a:solidFill>
-                          <a:srgbClr val="000000"/>
-                        </a:solidFill>
-                        <a:effectLst/>
-                        <a:latin typeface="Calibri" panose="020F0502020204030204" pitchFamily="34" charset="0"/>
-                      </a:endParaRPr>
                     </a:p>
                   </a:txBody>
                   <a:tcPr marL="7620" marR="7620" marT="7620" marB="0" anchor="b">
@@ -13075,13 +12926,6 @@
                         </a:rPr>
                         <a:t>Client information </a:t>
                       </a:r>
-                      <a:endParaRPr lang="en-CA" sz="1100" b="0" i="0" u="none" strike="noStrike" dirty="0">
-                        <a:solidFill>
-                          <a:srgbClr val="000000"/>
-                        </a:solidFill>
-                        <a:effectLst/>
-                        <a:latin typeface="Calibri" panose="020F0502020204030204" pitchFamily="34" charset="0"/>
-                      </a:endParaRPr>
                     </a:p>
                   </a:txBody>
                   <a:tcPr marL="7620" marR="7620" marT="7620" marB="0" anchor="b">
@@ -13124,14 +12968,40 @@
                   </a:tcPr>
                 </a:tc>
                 <a:tc hMerge="1">
+                  <a:txBody>
+                    <a:bodyPr/>
+                    <a:lstStyle/>
+                    <a:p>
+                      <a:endParaRPr lang="en-US"/>
+                    </a:p>
+                  </a:txBody>
                   <a:tcPr/>
                 </a:tc>
                 <a:tc hMerge="1">
+                  <a:txBody>
+                    <a:bodyPr/>
+                    <a:lstStyle/>
+                    <a:p>
+                      <a:endParaRPr lang="en-US"/>
+                    </a:p>
+                  </a:txBody>
                   <a:tcPr/>
                 </a:tc>
                 <a:tc hMerge="1">
+                  <a:txBody>
+                    <a:bodyPr/>
+                    <a:lstStyle/>
+                    <a:p>
+                      <a:endParaRPr lang="en-US"/>
+                    </a:p>
+                  </a:txBody>
                   <a:tcPr/>
                 </a:tc>
+                <a:extLst>
+                  <a:ext uri="{0D108BD9-81ED-4DB2-BD59-A6C34878D82A}">
+                    <a16:rowId xmlns:a16="http://schemas.microsoft.com/office/drawing/2014/main" val="10012"/>
+                  </a:ext>
+                </a:extLst>
               </a:tr>
             </a:tbl>
           </a:graphicData>
@@ -13177,6 +13047,7 @@
           <a:p>
             <a:fld id="{A4BAB868-1E00-44C6-B1AB-DFCC5F9865BA}" type="slidenum">
               <a:rPr lang="ja-JP" altLang="en-US" smtClean="0"/>
+              <a:t>27</a:t>
             </a:fld>
             <a:endParaRPr lang="en-US" altLang="ja-JP"/>
           </a:p>
@@ -13257,7 +13128,6 @@
               <a:rPr lang="en-CA" dirty="0"/>
               <a:t>9. Use Cases : Appointment Agent</a:t>
             </a:r>
-            <a:endParaRPr lang="en-CA" dirty="0"/>
           </a:p>
         </p:txBody>
       </p:sp>
@@ -13301,6 +13171,7 @@
           <a:p>
             <a:fld id="{A4BAB868-1E00-44C6-B1AB-DFCC5F9865BA}" type="slidenum">
               <a:rPr lang="ja-JP" altLang="en-US" smtClean="0"/>
+              <a:t>28</a:t>
             </a:fld>
             <a:endParaRPr lang="en-US" altLang="ja-JP"/>
           </a:p>
@@ -13315,7 +13186,7 @@
           <p:nvPr/>
         </p:nvPicPr>
         <p:blipFill>
-          <a:blip r:embed="rId1"/>
+          <a:blip r:embed="rId2"/>
           <a:stretch>
             <a:fillRect/>
           </a:stretch>
@@ -13400,8 +13271,20 @@
             <a:tbl>
               <a:tblPr firstRow="1" firstCol="1" bandRow="1"/>
               <a:tblGrid>
-                <a:gridCol w="2163915"/>
-                <a:gridCol w="6989610"/>
+                <a:gridCol w="2163915">
+                  <a:extLst>
+                    <a:ext uri="{9D8B030D-6E8A-4147-A177-3AD203B41FA5}">
+                      <a16:colId xmlns:a16="http://schemas.microsoft.com/office/drawing/2014/main" val="20000"/>
+                    </a:ext>
+                  </a:extLst>
+                </a:gridCol>
+                <a:gridCol w="6989610">
+                  <a:extLst>
+                    <a:ext uri="{9D8B030D-6E8A-4147-A177-3AD203B41FA5}">
+                      <a16:colId xmlns:a16="http://schemas.microsoft.com/office/drawing/2014/main" val="20001"/>
+                    </a:ext>
+                  </a:extLst>
+                </a:gridCol>
               </a:tblGrid>
               <a:tr h="304075">
                 <a:tc>
@@ -13542,6 +13425,11 @@
                     </a:lnB>
                   </a:tcPr>
                 </a:tc>
+                <a:extLst>
+                  <a:ext uri="{0D108BD9-81ED-4DB2-BD59-A6C34878D82A}">
+                    <a16:rowId xmlns:a16="http://schemas.microsoft.com/office/drawing/2014/main" val="10000"/>
+                  </a:ext>
+                </a:extLst>
               </a:tr>
               <a:tr h="304075">
                 <a:tc>
@@ -13682,6 +13570,11 @@
                     </a:lnB>
                   </a:tcPr>
                 </a:tc>
+                <a:extLst>
+                  <a:ext uri="{0D108BD9-81ED-4DB2-BD59-A6C34878D82A}">
+                    <a16:rowId xmlns:a16="http://schemas.microsoft.com/office/drawing/2014/main" val="10001"/>
+                  </a:ext>
+                </a:extLst>
               </a:tr>
               <a:tr h="622231">
                 <a:tc>
@@ -13822,6 +13715,11 @@
                     </a:lnB>
                   </a:tcPr>
                 </a:tc>
+                <a:extLst>
+                  <a:ext uri="{0D108BD9-81ED-4DB2-BD59-A6C34878D82A}">
+                    <a16:rowId xmlns:a16="http://schemas.microsoft.com/office/drawing/2014/main" val="10002"/>
+                  </a:ext>
+                </a:extLst>
               </a:tr>
               <a:tr h="304075">
                 <a:tc>
@@ -13959,6 +13857,11 @@
                     </a:solidFill>
                   </a:tcPr>
                 </a:tc>
+                <a:extLst>
+                  <a:ext uri="{0D108BD9-81ED-4DB2-BD59-A6C34878D82A}">
+                    <a16:rowId xmlns:a16="http://schemas.microsoft.com/office/drawing/2014/main" val="10003"/>
+                  </a:ext>
+                </a:extLst>
               </a:tr>
               <a:tr h="304075">
                 <a:tc>
@@ -14099,6 +14002,11 @@
                     </a:lnB>
                   </a:tcPr>
                 </a:tc>
+                <a:extLst>
+                  <a:ext uri="{0D108BD9-81ED-4DB2-BD59-A6C34878D82A}">
+                    <a16:rowId xmlns:a16="http://schemas.microsoft.com/office/drawing/2014/main" val="10004"/>
+                  </a:ext>
+                </a:extLst>
               </a:tr>
               <a:tr h="622231">
                 <a:tc>
@@ -14239,6 +14147,11 @@
                     </a:lnB>
                   </a:tcPr>
                 </a:tc>
+                <a:extLst>
+                  <a:ext uri="{0D108BD9-81ED-4DB2-BD59-A6C34878D82A}">
+                    <a16:rowId xmlns:a16="http://schemas.microsoft.com/office/drawing/2014/main" val="10005"/>
+                  </a:ext>
+                </a:extLst>
               </a:tr>
               <a:tr h="622231">
                 <a:tc>
@@ -14379,6 +14292,11 @@
                     </a:lnB>
                   </a:tcPr>
                 </a:tc>
+                <a:extLst>
+                  <a:ext uri="{0D108BD9-81ED-4DB2-BD59-A6C34878D82A}">
+                    <a16:rowId xmlns:a16="http://schemas.microsoft.com/office/drawing/2014/main" val="10006"/>
+                  </a:ext>
+                </a:extLst>
               </a:tr>
               <a:tr h="622231">
                 <a:tc>
@@ -14519,6 +14437,11 @@
                     </a:lnB>
                   </a:tcPr>
                 </a:tc>
+                <a:extLst>
+                  <a:ext uri="{0D108BD9-81ED-4DB2-BD59-A6C34878D82A}">
+                    <a16:rowId xmlns:a16="http://schemas.microsoft.com/office/drawing/2014/main" val="10007"/>
+                  </a:ext>
+                </a:extLst>
               </a:tr>
             </a:tbl>
           </a:graphicData>
@@ -14564,6 +14487,7 @@
           <a:p>
             <a:fld id="{A4BAB868-1E00-44C6-B1AB-DFCC5F9865BA}" type="slidenum">
               <a:rPr lang="ja-JP" altLang="en-US" smtClean="0"/>
+              <a:t>29</a:t>
             </a:fld>
             <a:endParaRPr lang="en-US" altLang="ja-JP"/>
           </a:p>
@@ -14709,6 +14633,7 @@
                 <a:latin typeface="Tahoma" panose="020B0604030504040204" pitchFamily="34" charset="0"/>
                 <a:ea typeface="MS PGothic" pitchFamily="50" charset="-128"/>
               </a:rPr>
+              <a:t>3</a:t>
             </a:fld>
             <a:endParaRPr lang="en-US" altLang="ja-JP" dirty="0">
               <a:solidFill>
@@ -14739,7 +14664,6 @@
               <a:rPr lang="en-CA"/>
               <a:t>2. System Description</a:t>
             </a:r>
-            <a:endParaRPr lang="en-CA"/>
           </a:p>
         </p:txBody>
       </p:sp>
@@ -14786,7 +14710,6 @@
               <a:rPr lang="en-CA" sz="2600" dirty="0"/>
               <a:t> is a multi-agent system designed to render multiple functionalities to simplify the appointment booking process to the pet-owner(user) based on the owner’s preferences. </a:t>
             </a:r>
-            <a:endParaRPr lang="en-CA" sz="2600" dirty="0"/>
           </a:p>
           <a:p>
             <a:pPr>
@@ -14800,7 +14723,6 @@
               <a:rPr lang="en-CA" sz="2600" dirty="0"/>
               <a:t>The clinic package is composed of a Video Interaction system, a Reminder generator, and a utility to generate medical reports.</a:t>
             </a:r>
-            <a:endParaRPr lang="en-CA" sz="2600" dirty="0"/>
           </a:p>
           <a:p>
             <a:pPr>
@@ -14826,7 +14748,6 @@
               <a:rPr lang="en-CA" sz="2600" dirty="0"/>
               <a:t>application deals with a doctor’s multiple available schedules to find the optimum appointment window for the pet-owner, taking into consideration the related fees and severity of the symptoms. </a:t>
             </a:r>
-            <a:endParaRPr lang="en-CA" sz="2600" dirty="0"/>
           </a:p>
           <a:p>
             <a:pPr>
@@ -14840,7 +14761,6 @@
               <a:rPr lang="en-CA" sz="2600" dirty="0"/>
               <a:t>The application has to schedule the appointment and send regular reminders for the appointment dates to the pet-owner. It also generates a medical report based upon the doctor’s feedback and stores it for future references.</a:t>
             </a:r>
-            <a:endParaRPr lang="en-CA" sz="2600" dirty="0"/>
           </a:p>
         </p:txBody>
       </p:sp>
@@ -14914,9 +14834,27 @@
             <a:tbl>
               <a:tblPr/>
               <a:tblGrid>
-                <a:gridCol w="2695575"/>
-                <a:gridCol w="3463065"/>
-                <a:gridCol w="3725135"/>
+                <a:gridCol w="2695575">
+                  <a:extLst>
+                    <a:ext uri="{9D8B030D-6E8A-4147-A177-3AD203B41FA5}">
+                      <a16:colId xmlns:a16="http://schemas.microsoft.com/office/drawing/2014/main" val="20000"/>
+                    </a:ext>
+                  </a:extLst>
+                </a:gridCol>
+                <a:gridCol w="3463065">
+                  <a:extLst>
+                    <a:ext uri="{9D8B030D-6E8A-4147-A177-3AD203B41FA5}">
+                      <a16:colId xmlns:a16="http://schemas.microsoft.com/office/drawing/2014/main" val="20001"/>
+                    </a:ext>
+                  </a:extLst>
+                </a:gridCol>
+                <a:gridCol w="3725135">
+                  <a:extLst>
+                    <a:ext uri="{9D8B030D-6E8A-4147-A177-3AD203B41FA5}">
+                      <a16:colId xmlns:a16="http://schemas.microsoft.com/office/drawing/2014/main" val="20002"/>
+                    </a:ext>
+                  </a:extLst>
+                </a:gridCol>
               </a:tblGrid>
               <a:tr h="259059">
                 <a:tc>
@@ -14935,13 +14873,6 @@
                         </a:rPr>
                         <a:t>Exceptions</a:t>
                       </a:r>
-                      <a:endParaRPr lang="en-CA" sz="1100" b="1" i="0" u="none" strike="noStrike" dirty="0">
-                        <a:solidFill>
-                          <a:srgbClr val="000000"/>
-                        </a:solidFill>
-                        <a:effectLst/>
-                        <a:latin typeface="Calibri" panose="020F0502020204030204" pitchFamily="34" charset="0"/>
-                      </a:endParaRPr>
                     </a:p>
                   </a:txBody>
                   <a:tcPr marL="7620" marR="7620" marT="7620" marB="0" anchor="b">
@@ -14996,13 +14927,6 @@
                         </a:rPr>
                         <a:t> </a:t>
                       </a:r>
-                      <a:endParaRPr lang="en-CA" sz="1100" b="0" i="0" u="none" strike="noStrike">
-                        <a:solidFill>
-                          <a:srgbClr val="000000"/>
-                        </a:solidFill>
-                        <a:effectLst/>
-                        <a:latin typeface="Calibri" panose="020F0502020204030204" pitchFamily="34" charset="0"/>
-                      </a:endParaRPr>
                     </a:p>
                   </a:txBody>
                   <a:tcPr marL="7620" marR="7620" marT="7620" marB="0" anchor="b">
@@ -15045,13 +14969,6 @@
                         </a:rPr>
                         <a:t> </a:t>
                       </a:r>
-                      <a:endParaRPr lang="en-CA" sz="1100" b="0" i="0" u="none" strike="noStrike">
-                        <a:solidFill>
-                          <a:srgbClr val="000000"/>
-                        </a:solidFill>
-                        <a:effectLst/>
-                        <a:latin typeface="Calibri" panose="020F0502020204030204" pitchFamily="34" charset="0"/>
-                      </a:endParaRPr>
                     </a:p>
                   </a:txBody>
                   <a:tcPr marL="7620" marR="7620" marT="7620" marB="0" anchor="b">
@@ -15084,6 +15001,11 @@
                     </a:solidFill>
                   </a:tcPr>
                 </a:tc>
+                <a:extLst>
+                  <a:ext uri="{0D108BD9-81ED-4DB2-BD59-A6C34878D82A}">
+                    <a16:rowId xmlns:a16="http://schemas.microsoft.com/office/drawing/2014/main" val="10000"/>
+                  </a:ext>
+                </a:extLst>
               </a:tr>
               <a:tr h="572134">
                 <a:tc>
@@ -15102,13 +15024,6 @@
                         </a:rPr>
                         <a:t>1a</a:t>
                       </a:r>
-                      <a:endParaRPr lang="en-CA" sz="1100" b="0" i="0" u="none" strike="noStrike" dirty="0">
-                        <a:solidFill>
-                          <a:srgbClr val="000000"/>
-                        </a:solidFill>
-                        <a:effectLst/>
-                        <a:latin typeface="Calibri" panose="020F0502020204030204" pitchFamily="34" charset="0"/>
-                      </a:endParaRPr>
                     </a:p>
                   </a:txBody>
                   <a:tcPr marL="7620" marR="7620" marT="7620" marB="0" anchor="ctr">
@@ -15166,13 +15081,6 @@
                         </a:rPr>
                         <a:t>System Not Accessible at this point</a:t>
                       </a:r>
-                      <a:endParaRPr lang="en-US" sz="1100" b="0" i="0" u="none" strike="noStrike" dirty="0">
-                        <a:solidFill>
-                          <a:srgbClr val="000000"/>
-                        </a:solidFill>
-                        <a:effectLst/>
-                        <a:latin typeface="Calibri" panose="020F0502020204030204" pitchFamily="34" charset="0"/>
-                      </a:endParaRPr>
                     </a:p>
                   </a:txBody>
                   <a:tcPr marL="7620" marR="7620" marT="7620" marB="0" anchor="ctr">
@@ -15224,13 +15132,6 @@
                         </a:rPr>
                         <a:t>Error Message is generated stating that system is not accessible.</a:t>
                       </a:r>
-                      <a:endParaRPr lang="en-US" sz="1100" b="0" i="0" u="none" strike="noStrike" dirty="0">
-                        <a:solidFill>
-                          <a:srgbClr val="000000"/>
-                        </a:solidFill>
-                        <a:effectLst/>
-                        <a:latin typeface="Calibri" panose="020F0502020204030204" pitchFamily="34" charset="0"/>
-                      </a:endParaRPr>
                     </a:p>
                   </a:txBody>
                   <a:tcPr marL="7620" marR="7620" marT="7620" marB="0" anchor="ctr">
@@ -15266,6 +15167,11 @@
                     </a:lnB>
                   </a:tcPr>
                 </a:tc>
+                <a:extLst>
+                  <a:ext uri="{0D108BD9-81ED-4DB2-BD59-A6C34878D82A}">
+                    <a16:rowId xmlns:a16="http://schemas.microsoft.com/office/drawing/2014/main" val="10001"/>
+                  </a:ext>
+                </a:extLst>
               </a:tr>
               <a:tr h="582014">
                 <a:tc>
@@ -15284,13 +15190,6 @@
                         </a:rPr>
                         <a:t>3a</a:t>
                       </a:r>
-                      <a:endParaRPr lang="en-CA" sz="1100" b="0" i="0" u="none" strike="noStrike" dirty="0">
-                        <a:solidFill>
-                          <a:srgbClr val="000000"/>
-                        </a:solidFill>
-                        <a:effectLst/>
-                        <a:latin typeface="Calibri" panose="020F0502020204030204" pitchFamily="34" charset="0"/>
-                      </a:endParaRPr>
                     </a:p>
                   </a:txBody>
                   <a:tcPr marL="7620" marR="7620" marT="7620" marB="0" anchor="ctr">
@@ -15348,13 +15247,6 @@
                         </a:rPr>
                         <a:t>System cannot book an appointment</a:t>
                       </a:r>
-                      <a:endParaRPr lang="en-US" sz="1100" b="0" i="0" u="none" strike="noStrike" dirty="0">
-                        <a:solidFill>
-                          <a:srgbClr val="000000"/>
-                        </a:solidFill>
-                        <a:effectLst/>
-                        <a:latin typeface="Calibri" panose="020F0502020204030204" pitchFamily="34" charset="0"/>
-                      </a:endParaRPr>
                     </a:p>
                   </a:txBody>
                   <a:tcPr marL="7620" marR="7620" marT="7620" marB="0" anchor="ctr">
@@ -15412,13 +15304,6 @@
                         </a:rPr>
                         <a:t>Error Message is generated stating that appointment slots are not available.</a:t>
                       </a:r>
-                      <a:endParaRPr lang="en-US" sz="1100" b="0" i="0" u="none" strike="noStrike" dirty="0">
-                        <a:solidFill>
-                          <a:srgbClr val="000000"/>
-                        </a:solidFill>
-                        <a:effectLst/>
-                        <a:latin typeface="Calibri" panose="020F0502020204030204" pitchFamily="34" charset="0"/>
-                      </a:endParaRPr>
                     </a:p>
                   </a:txBody>
                   <a:tcPr marL="7620" marR="7620" marT="7620" marB="0" anchor="ctr">
@@ -15460,6 +15345,11 @@
                     </a:lnB>
                   </a:tcPr>
                 </a:tc>
+                <a:extLst>
+                  <a:ext uri="{0D108BD9-81ED-4DB2-BD59-A6C34878D82A}">
+                    <a16:rowId xmlns:a16="http://schemas.microsoft.com/office/drawing/2014/main" val="10002"/>
+                  </a:ext>
+                </a:extLst>
               </a:tr>
               <a:tr h="582014">
                 <a:tc>
@@ -15478,13 +15368,6 @@
                         </a:rPr>
                         <a:t>6b </a:t>
                       </a:r>
-                      <a:endParaRPr lang="en-CA" sz="1100" b="0" i="0" u="none" strike="noStrike" dirty="0">
-                        <a:solidFill>
-                          <a:srgbClr val="000000"/>
-                        </a:solidFill>
-                        <a:effectLst/>
-                        <a:latin typeface="Calibri" panose="020F0502020204030204" pitchFamily="34" charset="0"/>
-                      </a:endParaRPr>
                     </a:p>
                   </a:txBody>
                   <a:tcPr marL="7620" marR="7620" marT="7620" marB="0" anchor="ctr">
@@ -15542,13 +15425,6 @@
                         </a:rPr>
                         <a:t>Unreadable and SQL Exception</a:t>
                       </a:r>
-                      <a:endParaRPr lang="en-US" sz="1100" b="0" i="0" u="none" strike="noStrike" dirty="0">
-                        <a:solidFill>
-                          <a:srgbClr val="000000"/>
-                        </a:solidFill>
-                        <a:effectLst/>
-                        <a:latin typeface="Calibri" panose="020F0502020204030204" pitchFamily="34" charset="0"/>
-                      </a:endParaRPr>
                     </a:p>
                   </a:txBody>
                   <a:tcPr marL="7620" marR="7620" marT="7620" marB="0" anchor="ctr">
@@ -15606,13 +15482,6 @@
                         </a:rPr>
                         <a:t>Error Message is generated when the agent is unable to send SMS or any SQL database error.</a:t>
                       </a:r>
-                      <a:endParaRPr lang="en-US" sz="1100" b="0" i="0" u="none" strike="noStrike" dirty="0">
-                        <a:solidFill>
-                          <a:srgbClr val="000000"/>
-                        </a:solidFill>
-                        <a:effectLst/>
-                        <a:latin typeface="Calibri" panose="020F0502020204030204" pitchFamily="34" charset="0"/>
-                      </a:endParaRPr>
                     </a:p>
                   </a:txBody>
                   <a:tcPr marL="7620" marR="7620" marT="7620" marB="0" anchor="ctr">
@@ -15654,6 +15523,11 @@
                     </a:lnB>
                   </a:tcPr>
                 </a:tc>
+                <a:extLst>
+                  <a:ext uri="{0D108BD9-81ED-4DB2-BD59-A6C34878D82A}">
+                    <a16:rowId xmlns:a16="http://schemas.microsoft.com/office/drawing/2014/main" val="10003"/>
+                  </a:ext>
+                </a:extLst>
               </a:tr>
               <a:tr h="259059">
                 <a:tc>
@@ -15672,13 +15546,6 @@
                         </a:rPr>
                         <a:t>Relationships:</a:t>
                       </a:r>
-                      <a:endParaRPr lang="en-CA" sz="1100" b="1" i="0" u="none" strike="noStrike" dirty="0">
-                        <a:solidFill>
-                          <a:srgbClr val="000000"/>
-                        </a:solidFill>
-                        <a:effectLst/>
-                        <a:latin typeface="Calibri" panose="020F0502020204030204" pitchFamily="34" charset="0"/>
-                      </a:endParaRPr>
                     </a:p>
                   </a:txBody>
                   <a:tcPr marL="7620" marR="7620" marT="7620" marB="0" anchor="b">
@@ -15739,13 +15606,6 @@
                         </a:rPr>
                         <a:t> </a:t>
                       </a:r>
-                      <a:endParaRPr lang="en-CA" sz="1100" b="0" i="0" u="none" strike="noStrike" dirty="0">
-                        <a:solidFill>
-                          <a:srgbClr val="000000"/>
-                        </a:solidFill>
-                        <a:effectLst/>
-                        <a:latin typeface="Calibri" panose="020F0502020204030204" pitchFamily="34" charset="0"/>
-                      </a:endParaRPr>
                     </a:p>
                   </a:txBody>
                   <a:tcPr marL="7620" marR="7620" marT="7620" marB="0" anchor="b">
@@ -15806,13 +15666,6 @@
                         </a:rPr>
                         <a:t> </a:t>
                       </a:r>
-                      <a:endParaRPr lang="en-CA" sz="1100" b="0" i="0" u="none" strike="noStrike">
-                        <a:solidFill>
-                          <a:srgbClr val="000000"/>
-                        </a:solidFill>
-                        <a:effectLst/>
-                        <a:latin typeface="Calibri" panose="020F0502020204030204" pitchFamily="34" charset="0"/>
-                      </a:endParaRPr>
                     </a:p>
                   </a:txBody>
                   <a:tcPr marL="7620" marR="7620" marT="7620" marB="0" anchor="b">
@@ -15857,6 +15710,11 @@
                     </a:solidFill>
                   </a:tcPr>
                 </a:tc>
+                <a:extLst>
+                  <a:ext uri="{0D108BD9-81ED-4DB2-BD59-A6C34878D82A}">
+                    <a16:rowId xmlns:a16="http://schemas.microsoft.com/office/drawing/2014/main" val="10004"/>
+                  </a:ext>
+                </a:extLst>
               </a:tr>
               <a:tr h="259059">
                 <a:tc>
@@ -15875,13 +15733,6 @@
                         </a:rPr>
                         <a:t>Initiating</a:t>
                       </a:r>
-                      <a:endParaRPr lang="en-CA" sz="1100" b="1" i="0" u="none" strike="noStrike" dirty="0">
-                        <a:solidFill>
-                          <a:srgbClr val="000000"/>
-                        </a:solidFill>
-                        <a:effectLst/>
-                        <a:latin typeface="Calibri" panose="020F0502020204030204" pitchFamily="34" charset="0"/>
-                      </a:endParaRPr>
                     </a:p>
                   </a:txBody>
                   <a:tcPr marL="7620" marR="7620" marT="7620" marB="0" anchor="b">
@@ -15939,13 +15790,6 @@
                         </a:rPr>
                         <a:t>Clinic System Agent</a:t>
                       </a:r>
-                      <a:endParaRPr lang="en-CA" sz="1100" b="0" i="0" u="none" strike="noStrike" dirty="0">
-                        <a:solidFill>
-                          <a:srgbClr val="000000"/>
-                        </a:solidFill>
-                        <a:effectLst/>
-                        <a:latin typeface="Calibri" panose="020F0502020204030204" pitchFamily="34" charset="0"/>
-                      </a:endParaRPr>
                     </a:p>
                   </a:txBody>
                   <a:tcPr marL="7620" marR="7620" marT="7620" marB="0" anchor="b">
@@ -15988,8 +15832,20 @@
                   </a:tcPr>
                 </a:tc>
                 <a:tc hMerge="1">
+                  <a:txBody>
+                    <a:bodyPr/>
+                    <a:lstStyle/>
+                    <a:p>
+                      <a:endParaRPr lang="en-US"/>
+                    </a:p>
+                  </a:txBody>
                   <a:tcPr/>
                 </a:tc>
+                <a:extLst>
+                  <a:ext uri="{0D108BD9-81ED-4DB2-BD59-A6C34878D82A}">
+                    <a16:rowId xmlns:a16="http://schemas.microsoft.com/office/drawing/2014/main" val="10005"/>
+                  </a:ext>
+                </a:extLst>
               </a:tr>
               <a:tr h="269853">
                 <a:tc>
@@ -16008,13 +15864,6 @@
                         </a:rPr>
                         <a:t>Collaborating</a:t>
                       </a:r>
-                      <a:endParaRPr lang="en-CA" sz="1100" b="1" i="0" u="none" strike="noStrike" dirty="0">
-                        <a:solidFill>
-                          <a:srgbClr val="000000"/>
-                        </a:solidFill>
-                        <a:effectLst/>
-                        <a:latin typeface="Calibri" panose="020F0502020204030204" pitchFamily="34" charset="0"/>
-                      </a:endParaRPr>
                     </a:p>
                   </a:txBody>
                   <a:tcPr marL="7620" marR="7620" marT="7620" marB="0" anchor="b">
@@ -16072,13 +15921,6 @@
                         </a:rPr>
                         <a:t>Notification Agent, Clinic System Agent</a:t>
                       </a:r>
-                      <a:endParaRPr lang="en-US" sz="1100" b="0" i="0" u="none" strike="noStrike" dirty="0">
-                        <a:solidFill>
-                          <a:srgbClr val="000000"/>
-                        </a:solidFill>
-                        <a:effectLst/>
-                        <a:latin typeface="Calibri" panose="020F0502020204030204" pitchFamily="34" charset="0"/>
-                      </a:endParaRPr>
                     </a:p>
                   </a:txBody>
                   <a:tcPr marL="7620" marR="7620" marT="7620" marB="0" anchor="b">
@@ -16136,13 +15978,6 @@
                         </a:rPr>
                         <a:t> </a:t>
                       </a:r>
-                      <a:endParaRPr lang="en-CA" sz="1100" b="0" i="0" u="none" strike="noStrike">
-                        <a:solidFill>
-                          <a:srgbClr val="000000"/>
-                        </a:solidFill>
-                        <a:effectLst/>
-                        <a:latin typeface="Calibri" panose="020F0502020204030204" pitchFamily="34" charset="0"/>
-                      </a:endParaRPr>
                     </a:p>
                   </a:txBody>
                   <a:tcPr marL="7620" marR="7620" marT="7620" marB="0" anchor="b">
@@ -16184,6 +16019,11 @@
                     </a:lnB>
                   </a:tcPr>
                 </a:tc>
+                <a:extLst>
+                  <a:ext uri="{0D108BD9-81ED-4DB2-BD59-A6C34878D82A}">
+                    <a16:rowId xmlns:a16="http://schemas.microsoft.com/office/drawing/2014/main" val="10006"/>
+                  </a:ext>
+                </a:extLst>
               </a:tr>
               <a:tr h="269853">
                 <a:tc gridSpan="3">
@@ -16202,13 +16042,6 @@
                         </a:rPr>
                         <a:t>Other Diagrams:</a:t>
                       </a:r>
-                      <a:endParaRPr lang="en-CA" sz="1100" b="1" i="0" u="none" strike="noStrike" dirty="0">
-                        <a:solidFill>
-                          <a:srgbClr val="000000"/>
-                        </a:solidFill>
-                        <a:effectLst/>
-                        <a:latin typeface="Calibri" panose="020F0502020204030204" pitchFamily="34" charset="0"/>
-                      </a:endParaRPr>
                     </a:p>
                   </a:txBody>
                   <a:tcPr marL="7620" marR="7620" marT="7620" marB="0" anchor="b">
@@ -16254,11 +16087,30 @@
                   </a:tcPr>
                 </a:tc>
                 <a:tc hMerge="1">
+                  <a:txBody>
+                    <a:bodyPr/>
+                    <a:lstStyle/>
+                    <a:p>
+                      <a:endParaRPr lang="en-US"/>
+                    </a:p>
+                  </a:txBody>
                   <a:tcPr/>
                 </a:tc>
                 <a:tc hMerge="1">
+                  <a:txBody>
+                    <a:bodyPr/>
+                    <a:lstStyle/>
+                    <a:p>
+                      <a:endParaRPr lang="en-US"/>
+                    </a:p>
+                  </a:txBody>
                   <a:tcPr/>
                 </a:tc>
+                <a:extLst>
+                  <a:ext uri="{0D108BD9-81ED-4DB2-BD59-A6C34878D82A}">
+                    <a16:rowId xmlns:a16="http://schemas.microsoft.com/office/drawing/2014/main" val="10007"/>
+                  </a:ext>
+                </a:extLst>
               </a:tr>
               <a:tr h="259059">
                 <a:tc>
@@ -16277,13 +16129,6 @@
                         </a:rPr>
                         <a:t>Data Requirements</a:t>
                       </a:r>
-                      <a:endParaRPr lang="en-CA" sz="1100" b="1" i="0" u="none" strike="noStrike" dirty="0">
-                        <a:solidFill>
-                          <a:srgbClr val="000000"/>
-                        </a:solidFill>
-                        <a:effectLst/>
-                        <a:latin typeface="Calibri" panose="020F0502020204030204" pitchFamily="34" charset="0"/>
-                      </a:endParaRPr>
                     </a:p>
                   </a:txBody>
                   <a:tcPr marL="7620" marR="7620" marT="7620" marB="0" anchor="b">
@@ -16344,13 +16189,6 @@
                         </a:rPr>
                         <a:t> </a:t>
                       </a:r>
-                      <a:endParaRPr lang="en-CA" sz="1100" b="0" i="0" u="none" strike="noStrike" dirty="0">
-                        <a:solidFill>
-                          <a:srgbClr val="000000"/>
-                        </a:solidFill>
-                        <a:effectLst/>
-                        <a:latin typeface="Calibri" panose="020F0502020204030204" pitchFamily="34" charset="0"/>
-                      </a:endParaRPr>
                     </a:p>
                   </a:txBody>
                   <a:tcPr marL="7620" marR="7620" marT="7620" marB="0" anchor="b">
@@ -16411,13 +16249,6 @@
                         </a:rPr>
                         <a:t> </a:t>
                       </a:r>
-                      <a:endParaRPr lang="en-CA" sz="1100" b="0" i="0" u="none" strike="noStrike" dirty="0">
-                        <a:solidFill>
-                          <a:srgbClr val="000000"/>
-                        </a:solidFill>
-                        <a:effectLst/>
-                        <a:latin typeface="Calibri" panose="020F0502020204030204" pitchFamily="34" charset="0"/>
-                      </a:endParaRPr>
                     </a:p>
                   </a:txBody>
                   <a:tcPr marL="7620" marR="7620" marT="7620" marB="0" anchor="b">
@@ -16462,6 +16293,11 @@
                     </a:solidFill>
                   </a:tcPr>
                 </a:tc>
+                <a:extLst>
+                  <a:ext uri="{0D108BD9-81ED-4DB2-BD59-A6C34878D82A}">
+                    <a16:rowId xmlns:a16="http://schemas.microsoft.com/office/drawing/2014/main" val="10008"/>
+                  </a:ext>
+                </a:extLst>
               </a:tr>
               <a:tr h="259059">
                 <a:tc>
@@ -16480,13 +16316,6 @@
                         </a:rPr>
                         <a:t>Data Required : </a:t>
                       </a:r>
-                      <a:endParaRPr lang="en-CA" sz="1100" b="1" i="0" u="none" strike="noStrike" dirty="0">
-                        <a:solidFill>
-                          <a:srgbClr val="000000"/>
-                        </a:solidFill>
-                        <a:effectLst/>
-                        <a:latin typeface="Calibri" panose="020F0502020204030204" pitchFamily="34" charset="0"/>
-                      </a:endParaRPr>
                     </a:p>
                   </a:txBody>
                   <a:tcPr marL="7620" marR="7620" marT="7620" marB="0" anchor="b">
@@ -16538,13 +16367,6 @@
                         </a:rPr>
                         <a:t>Data Required for Notification Agent</a:t>
                       </a:r>
-                      <a:endParaRPr lang="en-US" sz="1100" b="1" i="0" u="none" strike="noStrike" dirty="0">
-                        <a:solidFill>
-                          <a:srgbClr val="000000"/>
-                        </a:solidFill>
-                        <a:effectLst/>
-                        <a:latin typeface="Calibri" panose="020F0502020204030204" pitchFamily="34" charset="0"/>
-                      </a:endParaRPr>
                     </a:p>
                   </a:txBody>
                   <a:tcPr marL="7620" marR="7620" marT="7620" marB="0" anchor="b">
@@ -16602,13 +16424,6 @@
                         </a:rPr>
                         <a:t> </a:t>
                       </a:r>
-                      <a:endParaRPr lang="en-CA" sz="1100" b="0" i="0" u="none" strike="noStrike" dirty="0">
-                        <a:solidFill>
-                          <a:srgbClr val="000000"/>
-                        </a:solidFill>
-                        <a:effectLst/>
-                        <a:latin typeface="Calibri" panose="020F0502020204030204" pitchFamily="34" charset="0"/>
-                      </a:endParaRPr>
                     </a:p>
                   </a:txBody>
                   <a:tcPr marL="7620" marR="7620" marT="7620" marB="0" anchor="b">
@@ -16650,6 +16465,11 @@
                     </a:lnB>
                   </a:tcPr>
                 </a:tc>
+                <a:extLst>
+                  <a:ext uri="{0D108BD9-81ED-4DB2-BD59-A6C34878D82A}">
+                    <a16:rowId xmlns:a16="http://schemas.microsoft.com/office/drawing/2014/main" val="10009"/>
+                  </a:ext>
+                </a:extLst>
               </a:tr>
               <a:tr h="259059">
                 <a:tc>
@@ -16668,13 +16488,6 @@
                         </a:rPr>
                         <a:t> </a:t>
                       </a:r>
-                      <a:endParaRPr lang="en-CA" sz="1100" b="0" i="0" u="none" strike="noStrike" dirty="0">
-                        <a:solidFill>
-                          <a:srgbClr val="000000"/>
-                        </a:solidFill>
-                        <a:effectLst/>
-                        <a:latin typeface="Calibri" panose="020F0502020204030204" pitchFamily="34" charset="0"/>
-                      </a:endParaRPr>
                     </a:p>
                   </a:txBody>
                   <a:tcPr marL="7620" marR="7620" marT="7620" marB="0" anchor="b">
@@ -16720,13 +16533,6 @@
                         </a:rPr>
                         <a:t>Pet information</a:t>
                       </a:r>
-                      <a:endParaRPr lang="en-CA" sz="1100" b="0" i="0" u="none" strike="noStrike" dirty="0">
-                        <a:solidFill>
-                          <a:srgbClr val="000000"/>
-                        </a:solidFill>
-                        <a:effectLst/>
-                        <a:latin typeface="Calibri" panose="020F0502020204030204" pitchFamily="34" charset="0"/>
-                      </a:endParaRPr>
                     </a:p>
                   </a:txBody>
                   <a:tcPr marL="7620" marR="7620" marT="7620" marB="0" anchor="b">
@@ -16769,8 +16575,20 @@
                   </a:tcPr>
                 </a:tc>
                 <a:tc hMerge="1">
+                  <a:txBody>
+                    <a:bodyPr/>
+                    <a:lstStyle/>
+                    <a:p>
+                      <a:endParaRPr lang="en-US"/>
+                    </a:p>
+                  </a:txBody>
                   <a:tcPr/>
                 </a:tc>
+                <a:extLst>
+                  <a:ext uri="{0D108BD9-81ED-4DB2-BD59-A6C34878D82A}">
+                    <a16:rowId xmlns:a16="http://schemas.microsoft.com/office/drawing/2014/main" val="10010"/>
+                  </a:ext>
+                </a:extLst>
               </a:tr>
               <a:tr h="259059">
                 <a:tc>
@@ -16789,13 +16607,6 @@
                         </a:rPr>
                         <a:t> </a:t>
                       </a:r>
-                      <a:endParaRPr lang="en-CA" sz="1100" b="0" i="0" u="none" strike="noStrike" dirty="0">
-                        <a:solidFill>
-                          <a:srgbClr val="000000"/>
-                        </a:solidFill>
-                        <a:effectLst/>
-                        <a:latin typeface="Calibri" panose="020F0502020204030204" pitchFamily="34" charset="0"/>
-                      </a:endParaRPr>
                     </a:p>
                   </a:txBody>
                   <a:tcPr marL="7620" marR="7620" marT="7620" marB="0" anchor="b">
@@ -16841,13 +16652,6 @@
                         </a:rPr>
                         <a:t>Appointment preferences</a:t>
                       </a:r>
-                      <a:endParaRPr lang="en-US" sz="1100" b="0" i="0" u="none" strike="noStrike" dirty="0">
-                        <a:solidFill>
-                          <a:srgbClr val="000000"/>
-                        </a:solidFill>
-                        <a:effectLst/>
-                        <a:latin typeface="Calibri" panose="020F0502020204030204" pitchFamily="34" charset="0"/>
-                      </a:endParaRPr>
                     </a:p>
                   </a:txBody>
                   <a:tcPr marL="7620" marR="7620" marT="7620" marB="0" anchor="b">
@@ -16943,6 +16747,11 @@
                     </a:lnB>
                   </a:tcPr>
                 </a:tc>
+                <a:extLst>
+                  <a:ext uri="{0D108BD9-81ED-4DB2-BD59-A6C34878D82A}">
+                    <a16:rowId xmlns:a16="http://schemas.microsoft.com/office/drawing/2014/main" val="10011"/>
+                  </a:ext>
+                </a:extLst>
               </a:tr>
               <a:tr h="269853">
                 <a:tc>
@@ -16961,13 +16770,6 @@
                         </a:rPr>
                         <a:t> </a:t>
                       </a:r>
-                      <a:endParaRPr lang="en-CA" sz="1100" b="0" i="0" u="none" strike="noStrike" dirty="0">
-                        <a:solidFill>
-                          <a:srgbClr val="000000"/>
-                        </a:solidFill>
-                        <a:effectLst/>
-                        <a:latin typeface="Calibri" panose="020F0502020204030204" pitchFamily="34" charset="0"/>
-                      </a:endParaRPr>
                     </a:p>
                   </a:txBody>
                   <a:tcPr marL="7620" marR="7620" marT="7620" marB="0" anchor="b">
@@ -17019,13 +16821,6 @@
                         </a:rPr>
                         <a:t>Client information</a:t>
                       </a:r>
-                      <a:endParaRPr lang="en-CA" sz="1100" b="0" i="0" u="none" strike="noStrike" dirty="0">
-                        <a:solidFill>
-                          <a:srgbClr val="000000"/>
-                        </a:solidFill>
-                        <a:effectLst/>
-                        <a:latin typeface="Calibri" panose="020F0502020204030204" pitchFamily="34" charset="0"/>
-                      </a:endParaRPr>
                     </a:p>
                   </a:txBody>
                   <a:tcPr marL="7620" marR="7620" marT="7620" marB="0" anchor="b">
@@ -17068,8 +16863,20 @@
                   </a:tcPr>
                 </a:tc>
                 <a:tc hMerge="1">
+                  <a:txBody>
+                    <a:bodyPr/>
+                    <a:lstStyle/>
+                    <a:p>
+                      <a:endParaRPr lang="en-US"/>
+                    </a:p>
+                  </a:txBody>
                   <a:tcPr/>
                 </a:tc>
+                <a:extLst>
+                  <a:ext uri="{0D108BD9-81ED-4DB2-BD59-A6C34878D82A}">
+                    <a16:rowId xmlns:a16="http://schemas.microsoft.com/office/drawing/2014/main" val="10012"/>
+                  </a:ext>
+                </a:extLst>
               </a:tr>
             </a:tbl>
           </a:graphicData>
@@ -17115,6 +16922,7 @@
           <a:p>
             <a:fld id="{A4BAB868-1E00-44C6-B1AB-DFCC5F9865BA}" type="slidenum">
               <a:rPr lang="ja-JP" altLang="en-US" smtClean="0"/>
+              <a:t>30</a:t>
             </a:fld>
             <a:endParaRPr lang="en-US" altLang="ja-JP"/>
           </a:p>
@@ -17195,7 +17003,6 @@
               <a:rPr lang="en-CA" dirty="0"/>
               <a:t>10. Use Cases : Video Link Agent</a:t>
             </a:r>
-            <a:endParaRPr lang="en-CA" dirty="0"/>
           </a:p>
         </p:txBody>
       </p:sp>
@@ -17216,6 +17023,7 @@
           <a:p>
             <a:fld id="{A4BAB868-1E00-44C6-B1AB-DFCC5F9865BA}" type="slidenum">
               <a:rPr lang="ja-JP" altLang="en-US" smtClean="0"/>
+              <a:t>31</a:t>
             </a:fld>
             <a:endParaRPr lang="en-US" altLang="ja-JP"/>
           </a:p>
@@ -17230,7 +17038,7 @@
           <p:nvPr/>
         </p:nvPicPr>
         <p:blipFill>
-          <a:blip r:embed="rId1"/>
+          <a:blip r:embed="rId2"/>
           <a:stretch>
             <a:fillRect/>
           </a:stretch>
@@ -17343,8 +17151,20 @@
             <a:tbl>
               <a:tblPr firstRow="1" firstCol="1" bandRow="1"/>
               <a:tblGrid>
-                <a:gridCol w="2163915"/>
-                <a:gridCol w="6989610"/>
+                <a:gridCol w="2163915">
+                  <a:extLst>
+                    <a:ext uri="{9D8B030D-6E8A-4147-A177-3AD203B41FA5}">
+                      <a16:colId xmlns:a16="http://schemas.microsoft.com/office/drawing/2014/main" val="20000"/>
+                    </a:ext>
+                  </a:extLst>
+                </a:gridCol>
+                <a:gridCol w="6989610">
+                  <a:extLst>
+                    <a:ext uri="{9D8B030D-6E8A-4147-A177-3AD203B41FA5}">
+                      <a16:colId xmlns:a16="http://schemas.microsoft.com/office/drawing/2014/main" val="20001"/>
+                    </a:ext>
+                  </a:extLst>
+                </a:gridCol>
               </a:tblGrid>
               <a:tr h="304075">
                 <a:tc>
@@ -17485,6 +17305,11 @@
                     </a:lnB>
                   </a:tcPr>
                 </a:tc>
+                <a:extLst>
+                  <a:ext uri="{0D108BD9-81ED-4DB2-BD59-A6C34878D82A}">
+                    <a16:rowId xmlns:a16="http://schemas.microsoft.com/office/drawing/2014/main" val="10000"/>
+                  </a:ext>
+                </a:extLst>
               </a:tr>
               <a:tr h="304075">
                 <a:tc>
@@ -17625,6 +17450,11 @@
                     </a:lnB>
                   </a:tcPr>
                 </a:tc>
+                <a:extLst>
+                  <a:ext uri="{0D108BD9-81ED-4DB2-BD59-A6C34878D82A}">
+                    <a16:rowId xmlns:a16="http://schemas.microsoft.com/office/drawing/2014/main" val="10001"/>
+                  </a:ext>
+                </a:extLst>
               </a:tr>
               <a:tr h="622231">
                 <a:tc>
@@ -17765,6 +17595,11 @@
                     </a:lnB>
                   </a:tcPr>
                 </a:tc>
+                <a:extLst>
+                  <a:ext uri="{0D108BD9-81ED-4DB2-BD59-A6C34878D82A}">
+                    <a16:rowId xmlns:a16="http://schemas.microsoft.com/office/drawing/2014/main" val="10002"/>
+                  </a:ext>
+                </a:extLst>
               </a:tr>
               <a:tr h="304075">
                 <a:tc>
@@ -17902,6 +17737,11 @@
                     </a:solidFill>
                   </a:tcPr>
                 </a:tc>
+                <a:extLst>
+                  <a:ext uri="{0D108BD9-81ED-4DB2-BD59-A6C34878D82A}">
+                    <a16:rowId xmlns:a16="http://schemas.microsoft.com/office/drawing/2014/main" val="10003"/>
+                  </a:ext>
+                </a:extLst>
               </a:tr>
               <a:tr h="304075">
                 <a:tc>
@@ -18042,6 +17882,11 @@
                     </a:lnB>
                   </a:tcPr>
                 </a:tc>
+                <a:extLst>
+                  <a:ext uri="{0D108BD9-81ED-4DB2-BD59-A6C34878D82A}">
+                    <a16:rowId xmlns:a16="http://schemas.microsoft.com/office/drawing/2014/main" val="10004"/>
+                  </a:ext>
+                </a:extLst>
               </a:tr>
               <a:tr h="622231">
                 <a:tc>
@@ -18182,6 +18027,11 @@
                     </a:lnB>
                   </a:tcPr>
                 </a:tc>
+                <a:extLst>
+                  <a:ext uri="{0D108BD9-81ED-4DB2-BD59-A6C34878D82A}">
+                    <a16:rowId xmlns:a16="http://schemas.microsoft.com/office/drawing/2014/main" val="10005"/>
+                  </a:ext>
+                </a:extLst>
               </a:tr>
               <a:tr h="622231">
                 <a:tc>
@@ -18322,6 +18172,11 @@
                     </a:lnB>
                   </a:tcPr>
                 </a:tc>
+                <a:extLst>
+                  <a:ext uri="{0D108BD9-81ED-4DB2-BD59-A6C34878D82A}">
+                    <a16:rowId xmlns:a16="http://schemas.microsoft.com/office/drawing/2014/main" val="10006"/>
+                  </a:ext>
+                </a:extLst>
               </a:tr>
               <a:tr h="622231">
                 <a:tc>
@@ -18462,6 +18317,11 @@
                     </a:lnB>
                   </a:tcPr>
                 </a:tc>
+                <a:extLst>
+                  <a:ext uri="{0D108BD9-81ED-4DB2-BD59-A6C34878D82A}">
+                    <a16:rowId xmlns:a16="http://schemas.microsoft.com/office/drawing/2014/main" val="10007"/>
+                  </a:ext>
+                </a:extLst>
               </a:tr>
             </a:tbl>
           </a:graphicData>
@@ -18507,6 +18367,7 @@
           <a:p>
             <a:fld id="{A4BAB868-1E00-44C6-B1AB-DFCC5F9865BA}" type="slidenum">
               <a:rPr lang="ja-JP" altLang="en-US" smtClean="0"/>
+              <a:t>32</a:t>
             </a:fld>
             <a:endParaRPr lang="en-US" altLang="ja-JP"/>
           </a:p>
@@ -18610,9 +18471,27 @@
             <a:tbl>
               <a:tblPr/>
               <a:tblGrid>
-                <a:gridCol w="1167765"/>
-                <a:gridCol w="3463065"/>
-                <a:gridCol w="3725135"/>
+                <a:gridCol w="1167765">
+                  <a:extLst>
+                    <a:ext uri="{9D8B030D-6E8A-4147-A177-3AD203B41FA5}">
+                      <a16:colId xmlns:a16="http://schemas.microsoft.com/office/drawing/2014/main" val="20000"/>
+                    </a:ext>
+                  </a:extLst>
+                </a:gridCol>
+                <a:gridCol w="3463065">
+                  <a:extLst>
+                    <a:ext uri="{9D8B030D-6E8A-4147-A177-3AD203B41FA5}">
+                      <a16:colId xmlns:a16="http://schemas.microsoft.com/office/drawing/2014/main" val="20001"/>
+                    </a:ext>
+                  </a:extLst>
+                </a:gridCol>
+                <a:gridCol w="3725135">
+                  <a:extLst>
+                    <a:ext uri="{9D8B030D-6E8A-4147-A177-3AD203B41FA5}">
+                      <a16:colId xmlns:a16="http://schemas.microsoft.com/office/drawing/2014/main" val="20002"/>
+                    </a:ext>
+                  </a:extLst>
+                </a:gridCol>
               </a:tblGrid>
               <a:tr h="223995">
                 <a:tc>
@@ -18631,13 +18510,6 @@
                         </a:rPr>
                         <a:t>Exceptions</a:t>
                       </a:r>
-                      <a:endParaRPr lang="en-CA" sz="1100" b="1" i="0" u="none" strike="noStrike" dirty="0">
-                        <a:solidFill>
-                          <a:srgbClr val="000000"/>
-                        </a:solidFill>
-                        <a:effectLst/>
-                        <a:latin typeface="Calibri" panose="020F0502020204030204" pitchFamily="34" charset="0"/>
-                      </a:endParaRPr>
                     </a:p>
                   </a:txBody>
                   <a:tcPr marL="7620" marR="7620" marT="7620" marB="0" anchor="b">
@@ -18698,13 +18570,6 @@
                         </a:rPr>
                         <a:t> </a:t>
                       </a:r>
-                      <a:endParaRPr lang="en-CA" sz="1100" b="0" i="0" u="none" strike="noStrike" dirty="0">
-                        <a:solidFill>
-                          <a:srgbClr val="000000"/>
-                        </a:solidFill>
-                        <a:effectLst/>
-                        <a:latin typeface="Calibri" panose="020F0502020204030204" pitchFamily="34" charset="0"/>
-                      </a:endParaRPr>
                     </a:p>
                   </a:txBody>
                   <a:tcPr marL="7620" marR="7620" marT="7620" marB="0" anchor="b">
@@ -18765,13 +18630,6 @@
                         </a:rPr>
                         <a:t> </a:t>
                       </a:r>
-                      <a:endParaRPr lang="en-CA" sz="1100" b="0" i="0" u="none" strike="noStrike" dirty="0">
-                        <a:solidFill>
-                          <a:srgbClr val="000000"/>
-                        </a:solidFill>
-                        <a:effectLst/>
-                        <a:latin typeface="Calibri" panose="020F0502020204030204" pitchFamily="34" charset="0"/>
-                      </a:endParaRPr>
                     </a:p>
                   </a:txBody>
                   <a:tcPr marL="7620" marR="7620" marT="7620" marB="0" anchor="b">
@@ -18816,6 +18674,11 @@
                     </a:solidFill>
                   </a:tcPr>
                 </a:tc>
+                <a:extLst>
+                  <a:ext uri="{0D108BD9-81ED-4DB2-BD59-A6C34878D82A}">
+                    <a16:rowId xmlns:a16="http://schemas.microsoft.com/office/drawing/2014/main" val="10000"/>
+                  </a:ext>
+                </a:extLst>
               </a:tr>
               <a:tr h="570309">
                 <a:tc>
@@ -18834,13 +18697,6 @@
                         </a:rPr>
                         <a:t>1a</a:t>
                       </a:r>
-                      <a:endParaRPr lang="en-CA" sz="1100" b="0" i="0" u="none" strike="noStrike" dirty="0">
-                        <a:solidFill>
-                          <a:srgbClr val="000000"/>
-                        </a:solidFill>
-                        <a:effectLst/>
-                        <a:latin typeface="Calibri" panose="020F0502020204030204" pitchFamily="34" charset="0"/>
-                      </a:endParaRPr>
                     </a:p>
                   </a:txBody>
                   <a:tcPr marL="7620" marR="7620" marT="7620" marB="0" anchor="ctr">
@@ -18898,13 +18754,6 @@
                         </a:rPr>
                         <a:t>System Not Accessible at this point</a:t>
                       </a:r>
-                      <a:endParaRPr lang="en-US" sz="1100" b="0" i="0" u="none" strike="noStrike" dirty="0">
-                        <a:solidFill>
-                          <a:srgbClr val="000000"/>
-                        </a:solidFill>
-                        <a:effectLst/>
-                        <a:latin typeface="Calibri" panose="020F0502020204030204" pitchFamily="34" charset="0"/>
-                      </a:endParaRPr>
                     </a:p>
                   </a:txBody>
                   <a:tcPr marL="7620" marR="7620" marT="7620" marB="0" anchor="ctr">
@@ -18962,13 +18811,6 @@
                         </a:rPr>
                         <a:t>Error Message is generated stating that system is not accessible.</a:t>
                       </a:r>
-                      <a:endParaRPr lang="en-US" sz="1100" b="0" i="0" u="none" strike="noStrike" dirty="0">
-                        <a:solidFill>
-                          <a:srgbClr val="000000"/>
-                        </a:solidFill>
-                        <a:effectLst/>
-                        <a:latin typeface="Calibri" panose="020F0502020204030204" pitchFamily="34" charset="0"/>
-                      </a:endParaRPr>
                     </a:p>
                   </a:txBody>
                   <a:tcPr marL="7620" marR="7620" marT="7620" marB="0" anchor="ctr">
@@ -19010,6 +18852,11 @@
                     </a:lnB>
                   </a:tcPr>
                 </a:tc>
+                <a:extLst>
+                  <a:ext uri="{0D108BD9-81ED-4DB2-BD59-A6C34878D82A}">
+                    <a16:rowId xmlns:a16="http://schemas.microsoft.com/office/drawing/2014/main" val="10001"/>
+                  </a:ext>
+                </a:extLst>
               </a:tr>
               <a:tr h="565011">
                 <a:tc>
@@ -19028,13 +18875,6 @@
                         </a:rPr>
                         <a:t>4a</a:t>
                       </a:r>
-                      <a:endParaRPr lang="en-CA" sz="1100" b="0" i="0" u="none" strike="noStrike" dirty="0">
-                        <a:solidFill>
-                          <a:srgbClr val="000000"/>
-                        </a:solidFill>
-                        <a:effectLst/>
-                        <a:latin typeface="Calibri" panose="020F0502020204030204" pitchFamily="34" charset="0"/>
-                      </a:endParaRPr>
                     </a:p>
                   </a:txBody>
                   <a:tcPr marL="7620" marR="7620" marT="7620" marB="0" anchor="ctr">
@@ -19092,13 +18932,6 @@
                         </a:rPr>
                         <a:t>User is not able to access the link Or link Broken</a:t>
                       </a:r>
-                      <a:endParaRPr lang="en-US" sz="1100" b="0" i="0" u="none" strike="noStrike" dirty="0">
-                        <a:solidFill>
-                          <a:srgbClr val="000000"/>
-                        </a:solidFill>
-                        <a:effectLst/>
-                        <a:latin typeface="Calibri" panose="020F0502020204030204" pitchFamily="34" charset="0"/>
-                      </a:endParaRPr>
                     </a:p>
                   </a:txBody>
                   <a:tcPr marL="7620" marR="7620" marT="7620" marB="0" anchor="ctr">
@@ -19156,13 +18989,6 @@
                         </a:rPr>
                         <a:t>Error Message is generated stating that user is unable to access or Link Broken.</a:t>
                       </a:r>
-                      <a:endParaRPr lang="en-US" sz="1100" b="0" i="0" u="none" strike="noStrike" dirty="0">
-                        <a:solidFill>
-                          <a:srgbClr val="000000"/>
-                        </a:solidFill>
-                        <a:effectLst/>
-                        <a:latin typeface="Calibri" panose="020F0502020204030204" pitchFamily="34" charset="0"/>
-                      </a:endParaRPr>
                     </a:p>
                   </a:txBody>
                   <a:tcPr marL="7620" marR="7620" marT="7620" marB="0" anchor="ctr">
@@ -19204,6 +19030,11 @@
                     </a:lnB>
                   </a:tcPr>
                 </a:tc>
+                <a:extLst>
+                  <a:ext uri="{0D108BD9-81ED-4DB2-BD59-A6C34878D82A}">
+                    <a16:rowId xmlns:a16="http://schemas.microsoft.com/office/drawing/2014/main" val="10002"/>
+                  </a:ext>
+                </a:extLst>
               </a:tr>
               <a:tr h="468659">
                 <a:tc>
@@ -19222,13 +19053,6 @@
                         </a:rPr>
                         <a:t>6a</a:t>
                       </a:r>
-                      <a:endParaRPr lang="en-CA" sz="1100" b="0" i="0" u="none" strike="noStrike" dirty="0">
-                        <a:solidFill>
-                          <a:srgbClr val="000000"/>
-                        </a:solidFill>
-                        <a:effectLst/>
-                        <a:latin typeface="Calibri" panose="020F0502020204030204" pitchFamily="34" charset="0"/>
-                      </a:endParaRPr>
                     </a:p>
                   </a:txBody>
                   <a:tcPr marL="7620" marR="7620" marT="7620" marB="0" anchor="ctr">
@@ -19286,13 +19110,6 @@
                         </a:rPr>
                         <a:t> </a:t>
                       </a:r>
-                      <a:endParaRPr lang="en-US" sz="1100" b="0" i="0" u="none" strike="noStrike" dirty="0">
-                        <a:solidFill>
-                          <a:srgbClr val="000000"/>
-                        </a:solidFill>
-                        <a:effectLst/>
-                        <a:latin typeface="Calibri" panose="020F0502020204030204" pitchFamily="34" charset="0"/>
-                      </a:endParaRPr>
                     </a:p>
                   </a:txBody>
                   <a:tcPr marL="7620" marR="7620" marT="7620" marB="0" anchor="ctr">
@@ -19388,6 +19205,11 @@
                     </a:lnB>
                   </a:tcPr>
                 </a:tc>
+                <a:extLst>
+                  <a:ext uri="{0D108BD9-81ED-4DB2-BD59-A6C34878D82A}">
+                    <a16:rowId xmlns:a16="http://schemas.microsoft.com/office/drawing/2014/main" val="10003"/>
+                  </a:ext>
+                </a:extLst>
               </a:tr>
               <a:tr h="223995">
                 <a:tc>
@@ -19406,13 +19228,6 @@
                         </a:rPr>
                         <a:t>Relationships:</a:t>
                       </a:r>
-                      <a:endParaRPr lang="en-CA" sz="1100" b="1" i="0" u="none" strike="noStrike" dirty="0">
-                        <a:solidFill>
-                          <a:srgbClr val="000000"/>
-                        </a:solidFill>
-                        <a:effectLst/>
-                        <a:latin typeface="Calibri" panose="020F0502020204030204" pitchFamily="34" charset="0"/>
-                      </a:endParaRPr>
                     </a:p>
                   </a:txBody>
                   <a:tcPr marL="7620" marR="7620" marT="7620" marB="0" anchor="b">
@@ -19473,13 +19288,6 @@
                         </a:rPr>
                         <a:t> </a:t>
                       </a:r>
-                      <a:endParaRPr lang="en-CA" sz="1100" b="0" i="0" u="none" strike="noStrike" dirty="0">
-                        <a:solidFill>
-                          <a:srgbClr val="000000"/>
-                        </a:solidFill>
-                        <a:effectLst/>
-                        <a:latin typeface="Calibri" panose="020F0502020204030204" pitchFamily="34" charset="0"/>
-                      </a:endParaRPr>
                     </a:p>
                   </a:txBody>
                   <a:tcPr marL="7620" marR="7620" marT="7620" marB="0" anchor="b">
@@ -19540,13 +19348,6 @@
                         </a:rPr>
                         <a:t> </a:t>
                       </a:r>
-                      <a:endParaRPr lang="en-CA" sz="1100" b="0" i="0" u="none" strike="noStrike" dirty="0">
-                        <a:solidFill>
-                          <a:srgbClr val="000000"/>
-                        </a:solidFill>
-                        <a:effectLst/>
-                        <a:latin typeface="Calibri" panose="020F0502020204030204" pitchFamily="34" charset="0"/>
-                      </a:endParaRPr>
                     </a:p>
                   </a:txBody>
                   <a:tcPr marL="7620" marR="7620" marT="7620" marB="0" anchor="b">
@@ -19591,6 +19392,11 @@
                     </a:solidFill>
                   </a:tcPr>
                 </a:tc>
+                <a:extLst>
+                  <a:ext uri="{0D108BD9-81ED-4DB2-BD59-A6C34878D82A}">
+                    <a16:rowId xmlns:a16="http://schemas.microsoft.com/office/drawing/2014/main" val="10004"/>
+                  </a:ext>
+                </a:extLst>
               </a:tr>
               <a:tr h="223995">
                 <a:tc>
@@ -19609,13 +19415,6 @@
                         </a:rPr>
                         <a:t>Initiating</a:t>
                       </a:r>
-                      <a:endParaRPr lang="en-CA" sz="1100" b="1" i="0" u="none" strike="noStrike" dirty="0">
-                        <a:solidFill>
-                          <a:srgbClr val="000000"/>
-                        </a:solidFill>
-                        <a:effectLst/>
-                        <a:latin typeface="Calibri" panose="020F0502020204030204" pitchFamily="34" charset="0"/>
-                      </a:endParaRPr>
                     </a:p>
                   </a:txBody>
                   <a:tcPr marL="7620" marR="7620" marT="7620" marB="0" anchor="b">
@@ -19673,13 +19472,6 @@
                         </a:rPr>
                         <a:t>Clinic System Agent</a:t>
                       </a:r>
-                      <a:endParaRPr lang="en-CA" sz="1100" b="0" i="0" u="none" strike="noStrike" dirty="0">
-                        <a:solidFill>
-                          <a:srgbClr val="000000"/>
-                        </a:solidFill>
-                        <a:effectLst/>
-                        <a:latin typeface="Calibri" panose="020F0502020204030204" pitchFamily="34" charset="0"/>
-                      </a:endParaRPr>
                     </a:p>
                   </a:txBody>
                   <a:tcPr marL="7620" marR="7620" marT="7620" marB="0" anchor="b">
@@ -19722,8 +19514,20 @@
                   </a:tcPr>
                 </a:tc>
                 <a:tc hMerge="1">
+                  <a:txBody>
+                    <a:bodyPr/>
+                    <a:lstStyle/>
+                    <a:p>
+                      <a:endParaRPr lang="en-US"/>
+                    </a:p>
+                  </a:txBody>
                   <a:tcPr/>
                 </a:tc>
+                <a:extLst>
+                  <a:ext uri="{0D108BD9-81ED-4DB2-BD59-A6C34878D82A}">
+                    <a16:rowId xmlns:a16="http://schemas.microsoft.com/office/drawing/2014/main" val="10005"/>
+                  </a:ext>
+                </a:extLst>
               </a:tr>
               <a:tr h="233328">
                 <a:tc>
@@ -19742,13 +19546,6 @@
                         </a:rPr>
                         <a:t>Collaborating</a:t>
                       </a:r>
-                      <a:endParaRPr lang="en-CA" sz="1100" b="1" i="0" u="none" strike="noStrike" dirty="0">
-                        <a:solidFill>
-                          <a:srgbClr val="000000"/>
-                        </a:solidFill>
-                        <a:effectLst/>
-                        <a:latin typeface="Calibri" panose="020F0502020204030204" pitchFamily="34" charset="0"/>
-                      </a:endParaRPr>
                     </a:p>
                   </a:txBody>
                   <a:tcPr marL="7620" marR="7620" marT="7620" marB="0" anchor="b">
@@ -19806,13 +19603,6 @@
                         </a:rPr>
                         <a:t>Appointment Agent, Clinic System Agent</a:t>
                       </a:r>
-                      <a:endParaRPr lang="en-US" sz="1100" b="0" i="0" u="none" strike="noStrike" dirty="0">
-                        <a:solidFill>
-                          <a:srgbClr val="000000"/>
-                        </a:solidFill>
-                        <a:effectLst/>
-                        <a:latin typeface="Calibri" panose="020F0502020204030204" pitchFamily="34" charset="0"/>
-                      </a:endParaRPr>
                     </a:p>
                   </a:txBody>
                   <a:tcPr marL="7620" marR="7620" marT="7620" marB="0" anchor="b">
@@ -19870,13 +19660,6 @@
                         </a:rPr>
                         <a:t> </a:t>
                       </a:r>
-                      <a:endParaRPr lang="en-CA" sz="1100" b="0" i="0" u="none" strike="noStrike">
-                        <a:solidFill>
-                          <a:srgbClr val="000000"/>
-                        </a:solidFill>
-                        <a:effectLst/>
-                        <a:latin typeface="Calibri" panose="020F0502020204030204" pitchFamily="34" charset="0"/>
-                      </a:endParaRPr>
                     </a:p>
                   </a:txBody>
                   <a:tcPr marL="7620" marR="7620" marT="7620" marB="0" anchor="b">
@@ -19918,6 +19701,11 @@
                     </a:lnB>
                   </a:tcPr>
                 </a:tc>
+                <a:extLst>
+                  <a:ext uri="{0D108BD9-81ED-4DB2-BD59-A6C34878D82A}">
+                    <a16:rowId xmlns:a16="http://schemas.microsoft.com/office/drawing/2014/main" val="10006"/>
+                  </a:ext>
+                </a:extLst>
               </a:tr>
               <a:tr h="233328">
                 <a:tc gridSpan="3">
@@ -19936,13 +19724,6 @@
                         </a:rPr>
                         <a:t>Other Diagrams:</a:t>
                       </a:r>
-                      <a:endParaRPr lang="en-CA" sz="1100" b="1" i="0" u="none" strike="noStrike" dirty="0">
-                        <a:solidFill>
-                          <a:srgbClr val="000000"/>
-                        </a:solidFill>
-                        <a:effectLst/>
-                        <a:latin typeface="Calibri" panose="020F0502020204030204" pitchFamily="34" charset="0"/>
-                      </a:endParaRPr>
                     </a:p>
                   </a:txBody>
                   <a:tcPr marL="7620" marR="7620" marT="7620" marB="0" anchor="b">
@@ -19988,11 +19769,30 @@
                   </a:tcPr>
                 </a:tc>
                 <a:tc hMerge="1">
+                  <a:txBody>
+                    <a:bodyPr/>
+                    <a:lstStyle/>
+                    <a:p>
+                      <a:endParaRPr lang="en-US"/>
+                    </a:p>
+                  </a:txBody>
                   <a:tcPr/>
                 </a:tc>
                 <a:tc hMerge="1">
+                  <a:txBody>
+                    <a:bodyPr/>
+                    <a:lstStyle/>
+                    <a:p>
+                      <a:endParaRPr lang="en-US"/>
+                    </a:p>
+                  </a:txBody>
                   <a:tcPr/>
                 </a:tc>
+                <a:extLst>
+                  <a:ext uri="{0D108BD9-81ED-4DB2-BD59-A6C34878D82A}">
+                    <a16:rowId xmlns:a16="http://schemas.microsoft.com/office/drawing/2014/main" val="10007"/>
+                  </a:ext>
+                </a:extLst>
               </a:tr>
               <a:tr h="223995">
                 <a:tc>
@@ -20011,13 +19811,6 @@
                         </a:rPr>
                         <a:t>Data Requirements</a:t>
                       </a:r>
-                      <a:endParaRPr lang="en-CA" sz="1100" b="1" i="0" u="none" strike="noStrike" dirty="0">
-                        <a:solidFill>
-                          <a:srgbClr val="000000"/>
-                        </a:solidFill>
-                        <a:effectLst/>
-                        <a:latin typeface="Calibri" panose="020F0502020204030204" pitchFamily="34" charset="0"/>
-                      </a:endParaRPr>
                     </a:p>
                   </a:txBody>
                   <a:tcPr marL="7620" marR="7620" marT="7620" marB="0" anchor="b">
@@ -20072,13 +19865,6 @@
                         </a:rPr>
                         <a:t> </a:t>
                       </a:r>
-                      <a:endParaRPr lang="en-CA" sz="1100" b="0" i="0" u="none" strike="noStrike" dirty="0">
-                        <a:solidFill>
-                          <a:srgbClr val="000000"/>
-                        </a:solidFill>
-                        <a:effectLst/>
-                        <a:latin typeface="Calibri" panose="020F0502020204030204" pitchFamily="34" charset="0"/>
-                      </a:endParaRPr>
                     </a:p>
                   </a:txBody>
                   <a:tcPr marL="7620" marR="7620" marT="7620" marB="0" anchor="b">
@@ -20139,13 +19925,6 @@
                         </a:rPr>
                         <a:t> </a:t>
                       </a:r>
-                      <a:endParaRPr lang="en-CA" sz="1100" b="0" i="0" u="none" strike="noStrike" dirty="0">
-                        <a:solidFill>
-                          <a:srgbClr val="000000"/>
-                        </a:solidFill>
-                        <a:effectLst/>
-                        <a:latin typeface="Calibri" panose="020F0502020204030204" pitchFamily="34" charset="0"/>
-                      </a:endParaRPr>
                     </a:p>
                   </a:txBody>
                   <a:tcPr marL="7620" marR="7620" marT="7620" marB="0" anchor="b">
@@ -20190,6 +19969,11 @@
                     </a:solidFill>
                   </a:tcPr>
                 </a:tc>
+                <a:extLst>
+                  <a:ext uri="{0D108BD9-81ED-4DB2-BD59-A6C34878D82A}">
+                    <a16:rowId xmlns:a16="http://schemas.microsoft.com/office/drawing/2014/main" val="10008"/>
+                  </a:ext>
+                </a:extLst>
               </a:tr>
               <a:tr h="223995">
                 <a:tc>
@@ -20208,13 +19992,6 @@
                         </a:rPr>
                         <a:t>Data Required : </a:t>
                       </a:r>
-                      <a:endParaRPr lang="en-CA" sz="1100" b="1" i="0" u="none" strike="noStrike" dirty="0">
-                        <a:solidFill>
-                          <a:srgbClr val="000000"/>
-                        </a:solidFill>
-                        <a:effectLst/>
-                        <a:latin typeface="Calibri" panose="020F0502020204030204" pitchFamily="34" charset="0"/>
-                      </a:endParaRPr>
                     </a:p>
                   </a:txBody>
                   <a:tcPr marL="7620" marR="7620" marT="7620" marB="0" anchor="b">
@@ -20260,13 +20037,6 @@
                         </a:rPr>
                         <a:t>Data Required for Video Link Agent</a:t>
                       </a:r>
-                      <a:endParaRPr lang="en-US" sz="1100" b="1" i="0" u="none" strike="noStrike" dirty="0">
-                        <a:solidFill>
-                          <a:srgbClr val="000000"/>
-                        </a:solidFill>
-                        <a:effectLst/>
-                        <a:latin typeface="Calibri" panose="020F0502020204030204" pitchFamily="34" charset="0"/>
-                      </a:endParaRPr>
                     </a:p>
                   </a:txBody>
                   <a:tcPr marL="7620" marR="7620" marT="7620" marB="0" anchor="b">
@@ -20324,13 +20094,6 @@
                         </a:rPr>
                         <a:t> </a:t>
                       </a:r>
-                      <a:endParaRPr lang="en-CA" sz="1100" b="0" i="0" u="none" strike="noStrike">
-                        <a:solidFill>
-                          <a:srgbClr val="000000"/>
-                        </a:solidFill>
-                        <a:effectLst/>
-                        <a:latin typeface="Calibri" panose="020F0502020204030204" pitchFamily="34" charset="0"/>
-                      </a:endParaRPr>
                     </a:p>
                   </a:txBody>
                   <a:tcPr marL="7620" marR="7620" marT="7620" marB="0" anchor="b">
@@ -20372,6 +20135,11 @@
                     </a:lnB>
                   </a:tcPr>
                 </a:tc>
+                <a:extLst>
+                  <a:ext uri="{0D108BD9-81ED-4DB2-BD59-A6C34878D82A}">
+                    <a16:rowId xmlns:a16="http://schemas.microsoft.com/office/drawing/2014/main" val="10009"/>
+                  </a:ext>
+                </a:extLst>
               </a:tr>
               <a:tr h="223995">
                 <a:tc>
@@ -20390,13 +20158,6 @@
                         </a:rPr>
                         <a:t> </a:t>
                       </a:r>
-                      <a:endParaRPr lang="en-CA" sz="1100" b="0" i="0" u="none" strike="noStrike" dirty="0">
-                        <a:solidFill>
-                          <a:srgbClr val="000000"/>
-                        </a:solidFill>
-                        <a:effectLst/>
-                        <a:latin typeface="Calibri" panose="020F0502020204030204" pitchFamily="34" charset="0"/>
-                      </a:endParaRPr>
                     </a:p>
                   </a:txBody>
                   <a:tcPr marL="7620" marR="7620" marT="7620" marB="0" anchor="b">
@@ -20442,13 +20203,6 @@
                         </a:rPr>
                         <a:t>Booked Appointment Details</a:t>
                       </a:r>
-                      <a:endParaRPr lang="en-CA" sz="1100" b="0" i="0" u="none" strike="noStrike" dirty="0">
-                        <a:solidFill>
-                          <a:srgbClr val="000000"/>
-                        </a:solidFill>
-                        <a:effectLst/>
-                        <a:latin typeface="Calibri" panose="020F0502020204030204" pitchFamily="34" charset="0"/>
-                      </a:endParaRPr>
                     </a:p>
                   </a:txBody>
                   <a:tcPr marL="7620" marR="7620" marT="7620" marB="0" anchor="b">
@@ -20491,8 +20245,20 @@
                   </a:tcPr>
                 </a:tc>
                 <a:tc hMerge="1">
+                  <a:txBody>
+                    <a:bodyPr/>
+                    <a:lstStyle/>
+                    <a:p>
+                      <a:endParaRPr lang="en-US"/>
+                    </a:p>
+                  </a:txBody>
                   <a:tcPr/>
                 </a:tc>
+                <a:extLst>
+                  <a:ext uri="{0D108BD9-81ED-4DB2-BD59-A6C34878D82A}">
+                    <a16:rowId xmlns:a16="http://schemas.microsoft.com/office/drawing/2014/main" val="10010"/>
+                  </a:ext>
+                </a:extLst>
               </a:tr>
               <a:tr h="223995">
                 <a:tc>
@@ -20511,13 +20277,6 @@
                         </a:rPr>
                         <a:t> </a:t>
                       </a:r>
-                      <a:endParaRPr lang="en-CA" sz="1100" b="0" i="0" u="none" strike="noStrike" dirty="0">
-                        <a:solidFill>
-                          <a:srgbClr val="000000"/>
-                        </a:solidFill>
-                        <a:effectLst/>
-                        <a:latin typeface="Calibri" panose="020F0502020204030204" pitchFamily="34" charset="0"/>
-                      </a:endParaRPr>
                     </a:p>
                   </a:txBody>
                   <a:tcPr marL="7620" marR="7620" marT="7620" marB="0" anchor="b">
@@ -20563,13 +20322,6 @@
                         </a:rPr>
                         <a:t>Email Address and Cell Phone Number of the user</a:t>
                       </a:r>
-                      <a:endParaRPr lang="en-US" sz="1100" b="0" i="0" u="none" strike="noStrike" dirty="0">
-                        <a:solidFill>
-                          <a:srgbClr val="000000"/>
-                        </a:solidFill>
-                        <a:effectLst/>
-                        <a:latin typeface="Calibri" panose="020F0502020204030204" pitchFamily="34" charset="0"/>
-                      </a:endParaRPr>
                     </a:p>
                   </a:txBody>
                   <a:tcPr marL="7620" marR="7620" marT="7620" marB="0" anchor="b">
@@ -20612,8 +20364,20 @@
                   </a:tcPr>
                 </a:tc>
                 <a:tc hMerge="1">
+                  <a:txBody>
+                    <a:bodyPr/>
+                    <a:lstStyle/>
+                    <a:p>
+                      <a:endParaRPr lang="en-US"/>
+                    </a:p>
+                  </a:txBody>
                   <a:tcPr/>
                 </a:tc>
+                <a:extLst>
+                  <a:ext uri="{0D108BD9-81ED-4DB2-BD59-A6C34878D82A}">
+                    <a16:rowId xmlns:a16="http://schemas.microsoft.com/office/drawing/2014/main" val="10011"/>
+                  </a:ext>
+                </a:extLst>
               </a:tr>
               <a:tr h="233328">
                 <a:tc>
@@ -20632,13 +20396,6 @@
                         </a:rPr>
                         <a:t> </a:t>
                       </a:r>
-                      <a:endParaRPr lang="en-CA" sz="1100" b="0" i="0" u="none" strike="noStrike" dirty="0">
-                        <a:solidFill>
-                          <a:srgbClr val="000000"/>
-                        </a:solidFill>
-                        <a:effectLst/>
-                        <a:latin typeface="Calibri" panose="020F0502020204030204" pitchFamily="34" charset="0"/>
-                      </a:endParaRPr>
                     </a:p>
                   </a:txBody>
                   <a:tcPr marL="7620" marR="7620" marT="7620" marB="0" anchor="b">
@@ -20729,8 +20486,20 @@
                   </a:tcPr>
                 </a:tc>
                 <a:tc hMerge="1">
+                  <a:txBody>
+                    <a:bodyPr/>
+                    <a:lstStyle/>
+                    <a:p>
+                      <a:endParaRPr lang="en-US"/>
+                    </a:p>
+                  </a:txBody>
                   <a:tcPr/>
                 </a:tc>
+                <a:extLst>
+                  <a:ext uri="{0D108BD9-81ED-4DB2-BD59-A6C34878D82A}">
+                    <a16:rowId xmlns:a16="http://schemas.microsoft.com/office/drawing/2014/main" val="10012"/>
+                  </a:ext>
+                </a:extLst>
               </a:tr>
             </a:tbl>
           </a:graphicData>
@@ -20776,6 +20545,7 @@
           <a:p>
             <a:fld id="{A4BAB868-1E00-44C6-B1AB-DFCC5F9865BA}" type="slidenum">
               <a:rPr lang="ja-JP" altLang="en-US" smtClean="0"/>
+              <a:t>33</a:t>
             </a:fld>
             <a:endParaRPr lang="en-US" altLang="ja-JP"/>
           </a:p>
@@ -20856,7 +20626,6 @@
               <a:rPr lang="en-CA" dirty="0"/>
               <a:t>11. Use Cases : PDF(Template) Agent</a:t>
             </a:r>
-            <a:endParaRPr lang="en-CA" dirty="0"/>
           </a:p>
         </p:txBody>
       </p:sp>
@@ -20900,6 +20669,7 @@
           <a:p>
             <a:fld id="{A4BAB868-1E00-44C6-B1AB-DFCC5F9865BA}" type="slidenum">
               <a:rPr lang="ja-JP" altLang="en-US" smtClean="0"/>
+              <a:t>34</a:t>
             </a:fld>
             <a:endParaRPr lang="en-US" altLang="ja-JP"/>
           </a:p>
@@ -20914,7 +20684,7 @@
           <p:nvPr/>
         </p:nvPicPr>
         <p:blipFill>
-          <a:blip r:embed="rId1"/>
+          <a:blip r:embed="rId2"/>
           <a:stretch>
             <a:fillRect/>
           </a:stretch>
@@ -20999,8 +20769,20 @@
             <a:tbl>
               <a:tblPr firstRow="1" firstCol="1" bandRow="1"/>
               <a:tblGrid>
-                <a:gridCol w="2163915"/>
-                <a:gridCol w="6989610"/>
+                <a:gridCol w="2163915">
+                  <a:extLst>
+                    <a:ext uri="{9D8B030D-6E8A-4147-A177-3AD203B41FA5}">
+                      <a16:colId xmlns:a16="http://schemas.microsoft.com/office/drawing/2014/main" val="20000"/>
+                    </a:ext>
+                  </a:extLst>
+                </a:gridCol>
+                <a:gridCol w="6989610">
+                  <a:extLst>
+                    <a:ext uri="{9D8B030D-6E8A-4147-A177-3AD203B41FA5}">
+                      <a16:colId xmlns:a16="http://schemas.microsoft.com/office/drawing/2014/main" val="20001"/>
+                    </a:ext>
+                  </a:extLst>
+                </a:gridCol>
               </a:tblGrid>
               <a:tr h="304075">
                 <a:tc>
@@ -21141,6 +20923,11 @@
                     </a:lnB>
                   </a:tcPr>
                 </a:tc>
+                <a:extLst>
+                  <a:ext uri="{0D108BD9-81ED-4DB2-BD59-A6C34878D82A}">
+                    <a16:rowId xmlns:a16="http://schemas.microsoft.com/office/drawing/2014/main" val="10000"/>
+                  </a:ext>
+                </a:extLst>
               </a:tr>
               <a:tr h="304075">
                 <a:tc>
@@ -21281,6 +21068,11 @@
                     </a:lnB>
                   </a:tcPr>
                 </a:tc>
+                <a:extLst>
+                  <a:ext uri="{0D108BD9-81ED-4DB2-BD59-A6C34878D82A}">
+                    <a16:rowId xmlns:a16="http://schemas.microsoft.com/office/drawing/2014/main" val="10001"/>
+                  </a:ext>
+                </a:extLst>
               </a:tr>
               <a:tr h="622231">
                 <a:tc>
@@ -21421,6 +21213,11 @@
                     </a:lnB>
                   </a:tcPr>
                 </a:tc>
+                <a:extLst>
+                  <a:ext uri="{0D108BD9-81ED-4DB2-BD59-A6C34878D82A}">
+                    <a16:rowId xmlns:a16="http://schemas.microsoft.com/office/drawing/2014/main" val="10002"/>
+                  </a:ext>
+                </a:extLst>
               </a:tr>
               <a:tr h="304075">
                 <a:tc>
@@ -21558,6 +21355,11 @@
                     </a:solidFill>
                   </a:tcPr>
                 </a:tc>
+                <a:extLst>
+                  <a:ext uri="{0D108BD9-81ED-4DB2-BD59-A6C34878D82A}">
+                    <a16:rowId xmlns:a16="http://schemas.microsoft.com/office/drawing/2014/main" val="10003"/>
+                  </a:ext>
+                </a:extLst>
               </a:tr>
               <a:tr h="304075">
                 <a:tc>
@@ -21698,6 +21500,11 @@
                     </a:lnB>
                   </a:tcPr>
                 </a:tc>
+                <a:extLst>
+                  <a:ext uri="{0D108BD9-81ED-4DB2-BD59-A6C34878D82A}">
+                    <a16:rowId xmlns:a16="http://schemas.microsoft.com/office/drawing/2014/main" val="10004"/>
+                  </a:ext>
+                </a:extLst>
               </a:tr>
               <a:tr h="356774">
                 <a:tc>
@@ -21838,6 +21645,11 @@
                     </a:lnB>
                   </a:tcPr>
                 </a:tc>
+                <a:extLst>
+                  <a:ext uri="{0D108BD9-81ED-4DB2-BD59-A6C34878D82A}">
+                    <a16:rowId xmlns:a16="http://schemas.microsoft.com/office/drawing/2014/main" val="10005"/>
+                  </a:ext>
+                </a:extLst>
               </a:tr>
               <a:tr h="622231">
                 <a:tc>
@@ -21931,12 +21743,6 @@
                         </a:rPr>
                         <a:t>The Doctor will request or select a specific type of template and will make the notes on the template regarding the diagnosis or the general discussion with the user.</a:t>
                       </a:r>
-                      <a:endParaRPr lang="en-CA" sz="1100" dirty="0">
-                        <a:effectLst/>
-                        <a:latin typeface="Calibri" panose="020F0502020204030204" pitchFamily="34" charset="0"/>
-                        <a:ea typeface="Calibri" panose="020F0502020204030204" pitchFamily="34" charset="0"/>
-                        <a:cs typeface="Times New Roman" panose="02020503050405090304" pitchFamily="18" charset="0"/>
-                      </a:endParaRPr>
                     </a:p>
                   </a:txBody>
                   <a:tcPr marL="68580" marR="68580" marT="0" marB="0">
@@ -21978,6 +21784,11 @@
                     </a:lnB>
                   </a:tcPr>
                 </a:tc>
+                <a:extLst>
+                  <a:ext uri="{0D108BD9-81ED-4DB2-BD59-A6C34878D82A}">
+                    <a16:rowId xmlns:a16="http://schemas.microsoft.com/office/drawing/2014/main" val="10006"/>
+                  </a:ext>
+                </a:extLst>
               </a:tr>
               <a:tr h="622231">
                 <a:tc>
@@ -22118,6 +21929,11 @@
                     </a:lnB>
                   </a:tcPr>
                 </a:tc>
+                <a:extLst>
+                  <a:ext uri="{0D108BD9-81ED-4DB2-BD59-A6C34878D82A}">
+                    <a16:rowId xmlns:a16="http://schemas.microsoft.com/office/drawing/2014/main" val="10007"/>
+                  </a:ext>
+                </a:extLst>
               </a:tr>
             </a:tbl>
           </a:graphicData>
@@ -22163,6 +21979,7 @@
           <a:p>
             <a:fld id="{A4BAB868-1E00-44C6-B1AB-DFCC5F9865BA}" type="slidenum">
               <a:rPr lang="ja-JP" altLang="en-US" smtClean="0"/>
+              <a:t>35</a:t>
             </a:fld>
             <a:endParaRPr lang="en-US" altLang="ja-JP"/>
           </a:p>
@@ -22270,9 +22087,27 @@
             <a:tbl>
               <a:tblPr/>
               <a:tblGrid>
-                <a:gridCol w="1167765"/>
-                <a:gridCol w="3463065"/>
-                <a:gridCol w="3725135"/>
+                <a:gridCol w="1167765">
+                  <a:extLst>
+                    <a:ext uri="{9D8B030D-6E8A-4147-A177-3AD203B41FA5}">
+                      <a16:colId xmlns:a16="http://schemas.microsoft.com/office/drawing/2014/main" val="20000"/>
+                    </a:ext>
+                  </a:extLst>
+                </a:gridCol>
+                <a:gridCol w="3463065">
+                  <a:extLst>
+                    <a:ext uri="{9D8B030D-6E8A-4147-A177-3AD203B41FA5}">
+                      <a16:colId xmlns:a16="http://schemas.microsoft.com/office/drawing/2014/main" val="20001"/>
+                    </a:ext>
+                  </a:extLst>
+                </a:gridCol>
+                <a:gridCol w="3725135">
+                  <a:extLst>
+                    <a:ext uri="{9D8B030D-6E8A-4147-A177-3AD203B41FA5}">
+                      <a16:colId xmlns:a16="http://schemas.microsoft.com/office/drawing/2014/main" val="20002"/>
+                    </a:ext>
+                  </a:extLst>
+                </a:gridCol>
               </a:tblGrid>
               <a:tr h="220661">
                 <a:tc>
@@ -22291,13 +22126,6 @@
                         </a:rPr>
                         <a:t>Exceptions</a:t>
                       </a:r>
-                      <a:endParaRPr lang="en-CA" sz="1100" b="1" i="0" u="none" strike="noStrike">
-                        <a:solidFill>
-                          <a:srgbClr val="000000"/>
-                        </a:solidFill>
-                        <a:effectLst/>
-                        <a:latin typeface="Calibri" panose="020F0502020204030204" pitchFamily="34" charset="0"/>
-                      </a:endParaRPr>
                     </a:p>
                   </a:txBody>
                   <a:tcPr marL="7620" marR="7620" marT="7620" marB="0" anchor="b">
@@ -22346,13 +22174,6 @@
                         </a:rPr>
                         <a:t> </a:t>
                       </a:r>
-                      <a:endParaRPr lang="en-CA" sz="1100" b="0" i="0" u="none" strike="noStrike">
-                        <a:solidFill>
-                          <a:srgbClr val="000000"/>
-                        </a:solidFill>
-                        <a:effectLst/>
-                        <a:latin typeface="Calibri" panose="020F0502020204030204" pitchFamily="34" charset="0"/>
-                      </a:endParaRPr>
                     </a:p>
                   </a:txBody>
                   <a:tcPr marL="7620" marR="7620" marT="7620" marB="0" anchor="b">
@@ -22395,13 +22216,6 @@
                         </a:rPr>
                         <a:t> </a:t>
                       </a:r>
-                      <a:endParaRPr lang="en-CA" sz="1100" b="0" i="0" u="none" strike="noStrike">
-                        <a:solidFill>
-                          <a:srgbClr val="000000"/>
-                        </a:solidFill>
-                        <a:effectLst/>
-                        <a:latin typeface="Calibri" panose="020F0502020204030204" pitchFamily="34" charset="0"/>
-                      </a:endParaRPr>
                     </a:p>
                   </a:txBody>
                   <a:tcPr marL="7620" marR="7620" marT="7620" marB="0" anchor="b">
@@ -22434,6 +22248,11 @@
                     </a:solidFill>
                   </a:tcPr>
                 </a:tc>
+                <a:extLst>
+                  <a:ext uri="{0D108BD9-81ED-4DB2-BD59-A6C34878D82A}">
+                    <a16:rowId xmlns:a16="http://schemas.microsoft.com/office/drawing/2014/main" val="10000"/>
+                  </a:ext>
+                </a:extLst>
               </a:tr>
               <a:tr h="679660">
                 <a:tc>
@@ -22452,13 +22271,6 @@
                         </a:rPr>
                         <a:t>1a</a:t>
                       </a:r>
-                      <a:endParaRPr lang="en-CA" sz="1100" b="0" i="0" u="none" strike="noStrike" dirty="0">
-                        <a:solidFill>
-                          <a:srgbClr val="000000"/>
-                        </a:solidFill>
-                        <a:effectLst/>
-                        <a:latin typeface="Calibri" panose="020F0502020204030204" pitchFamily="34" charset="0"/>
-                      </a:endParaRPr>
                     </a:p>
                   </a:txBody>
                   <a:tcPr marL="7620" marR="7620" marT="7620" marB="0" anchor="ctr">
@@ -22510,13 +22322,6 @@
                         </a:rPr>
                         <a:t>System Not Accessible at this point</a:t>
                       </a:r>
-                      <a:endParaRPr lang="en-US" sz="1100" b="0" i="0" u="none" strike="noStrike" dirty="0">
-                        <a:solidFill>
-                          <a:srgbClr val="000000"/>
-                        </a:solidFill>
-                        <a:effectLst/>
-                        <a:latin typeface="Calibri" panose="020F0502020204030204" pitchFamily="34" charset="0"/>
-                      </a:endParaRPr>
                     </a:p>
                   </a:txBody>
                   <a:tcPr marL="7620" marR="7620" marT="7620" marB="0" anchor="ctr">
@@ -22568,13 +22373,6 @@
                         </a:rPr>
                         <a:t>Error Message is generated stating that system is not accessible.</a:t>
                       </a:r>
-                      <a:endParaRPr lang="en-US" sz="1100" b="0" i="0" u="none" strike="noStrike" dirty="0">
-                        <a:solidFill>
-                          <a:srgbClr val="000000"/>
-                        </a:solidFill>
-                        <a:effectLst/>
-                        <a:latin typeface="Calibri" panose="020F0502020204030204" pitchFamily="34" charset="0"/>
-                      </a:endParaRPr>
                     </a:p>
                   </a:txBody>
                   <a:tcPr marL="7620" marR="7620" marT="7620" marB="0" anchor="ctr">
@@ -22610,6 +22408,11 @@
                     </a:lnB>
                   </a:tcPr>
                 </a:tc>
+                <a:extLst>
+                  <a:ext uri="{0D108BD9-81ED-4DB2-BD59-A6C34878D82A}">
+                    <a16:rowId xmlns:a16="http://schemas.microsoft.com/office/drawing/2014/main" val="10001"/>
+                  </a:ext>
+                </a:extLst>
               </a:tr>
               <a:tr h="410817">
                 <a:tc>
@@ -22628,13 +22431,6 @@
                         </a:rPr>
                         <a:t>5a</a:t>
                       </a:r>
-                      <a:endParaRPr lang="en-CA" sz="1100" b="0" i="0" u="none" strike="noStrike" dirty="0">
-                        <a:solidFill>
-                          <a:srgbClr val="000000"/>
-                        </a:solidFill>
-                        <a:effectLst/>
-                        <a:latin typeface="Calibri" panose="020F0502020204030204" pitchFamily="34" charset="0"/>
-                      </a:endParaRPr>
                     </a:p>
                   </a:txBody>
                   <a:tcPr marL="7620" marR="7620" marT="7620" marB="0" anchor="ctr">
@@ -22692,13 +22488,6 @@
                         </a:rPr>
                         <a:t>Not able to generate Template or Missing fields.</a:t>
                       </a:r>
-                      <a:endParaRPr lang="en-US" sz="1100" b="0" i="0" u="none" strike="noStrike" dirty="0">
-                        <a:solidFill>
-                          <a:srgbClr val="000000"/>
-                        </a:solidFill>
-                        <a:effectLst/>
-                        <a:latin typeface="Calibri" panose="020F0502020204030204" pitchFamily="34" charset="0"/>
-                      </a:endParaRPr>
                     </a:p>
                   </a:txBody>
                   <a:tcPr marL="7620" marR="7620" marT="7620" marB="0" anchor="ctr">
@@ -22756,13 +22545,6 @@
                         </a:rPr>
                         <a:t>Error message is generated regarding missing field of the template and not able to generate template </a:t>
                       </a:r>
-                      <a:endParaRPr lang="en-US" sz="1100" b="0" i="0" u="none" strike="noStrike" dirty="0">
-                        <a:solidFill>
-                          <a:srgbClr val="000000"/>
-                        </a:solidFill>
-                        <a:effectLst/>
-                        <a:latin typeface="Calibri" panose="020F0502020204030204" pitchFamily="34" charset="0"/>
-                      </a:endParaRPr>
                     </a:p>
                   </a:txBody>
                   <a:tcPr marL="7620" marR="7620" marT="7620" marB="0" anchor="ctr">
@@ -22804,6 +22586,11 @@
                     </a:lnB>
                   </a:tcPr>
                 </a:tc>
+                <a:extLst>
+                  <a:ext uri="{0D108BD9-81ED-4DB2-BD59-A6C34878D82A}">
+                    <a16:rowId xmlns:a16="http://schemas.microsoft.com/office/drawing/2014/main" val="10002"/>
+                  </a:ext>
+                </a:extLst>
               </a:tr>
               <a:tr h="437322">
                 <a:tc>
@@ -22822,13 +22609,6 @@
                         </a:rPr>
                         <a:t>6a</a:t>
                       </a:r>
-                      <a:endParaRPr lang="en-CA" sz="1100" b="0" i="0" u="none" strike="noStrike" dirty="0">
-                        <a:solidFill>
-                          <a:srgbClr val="000000"/>
-                        </a:solidFill>
-                        <a:effectLst/>
-                        <a:latin typeface="Calibri" panose="020F0502020204030204" pitchFamily="34" charset="0"/>
-                      </a:endParaRPr>
                     </a:p>
                   </a:txBody>
                   <a:tcPr marL="7620" marR="7620" marT="7620" marB="0" anchor="ctr">
@@ -22886,13 +22666,6 @@
                         </a:rPr>
                         <a:t>SQL Exceptions </a:t>
                       </a:r>
-                      <a:endParaRPr lang="en-US" sz="1100" b="0" i="0" u="none" strike="noStrike" dirty="0">
-                        <a:solidFill>
-                          <a:srgbClr val="000000"/>
-                        </a:solidFill>
-                        <a:effectLst/>
-                        <a:latin typeface="Calibri" panose="020F0502020204030204" pitchFamily="34" charset="0"/>
-                      </a:endParaRPr>
                     </a:p>
                   </a:txBody>
                   <a:tcPr marL="7620" marR="7620" marT="7620" marB="0" anchor="ctr">
@@ -22950,13 +22723,6 @@
                         </a:rPr>
                         <a:t>Error message will be generated with the SQL exception.</a:t>
                       </a:r>
-                      <a:endParaRPr lang="en-US" sz="1100" b="0" i="0" u="none" strike="noStrike" dirty="0">
-                        <a:solidFill>
-                          <a:srgbClr val="000000"/>
-                        </a:solidFill>
-                        <a:effectLst/>
-                        <a:latin typeface="Calibri" panose="020F0502020204030204" pitchFamily="34" charset="0"/>
-                      </a:endParaRPr>
                     </a:p>
                   </a:txBody>
                   <a:tcPr marL="7620" marR="7620" marT="7620" marB="0" anchor="ctr">
@@ -22998,6 +22764,11 @@
                     </a:lnB>
                   </a:tcPr>
                 </a:tc>
+                <a:extLst>
+                  <a:ext uri="{0D108BD9-81ED-4DB2-BD59-A6C34878D82A}">
+                    <a16:rowId xmlns:a16="http://schemas.microsoft.com/office/drawing/2014/main" val="10003"/>
+                  </a:ext>
+                </a:extLst>
               </a:tr>
               <a:tr h="220661">
                 <a:tc>
@@ -23016,13 +22787,6 @@
                         </a:rPr>
                         <a:t>Relationships:</a:t>
                       </a:r>
-                      <a:endParaRPr lang="en-CA" sz="1100" b="1" i="0" u="none" strike="noStrike" dirty="0">
-                        <a:solidFill>
-                          <a:srgbClr val="000000"/>
-                        </a:solidFill>
-                        <a:effectLst/>
-                        <a:latin typeface="Calibri" panose="020F0502020204030204" pitchFamily="34" charset="0"/>
-                      </a:endParaRPr>
                     </a:p>
                   </a:txBody>
                   <a:tcPr marL="7620" marR="7620" marT="7620" marB="0" anchor="b">
@@ -23083,13 +22847,6 @@
                         </a:rPr>
                         <a:t> </a:t>
                       </a:r>
-                      <a:endParaRPr lang="en-CA" sz="1100" b="0" i="0" u="none" strike="noStrike" dirty="0">
-                        <a:solidFill>
-                          <a:srgbClr val="000000"/>
-                        </a:solidFill>
-                        <a:effectLst/>
-                        <a:latin typeface="Calibri" panose="020F0502020204030204" pitchFamily="34" charset="0"/>
-                      </a:endParaRPr>
                     </a:p>
                   </a:txBody>
                   <a:tcPr marL="7620" marR="7620" marT="7620" marB="0" anchor="b">
@@ -23150,13 +22907,6 @@
                         </a:rPr>
                         <a:t> </a:t>
                       </a:r>
-                      <a:endParaRPr lang="en-CA" sz="1100" b="0" i="0" u="none" strike="noStrike">
-                        <a:solidFill>
-                          <a:srgbClr val="000000"/>
-                        </a:solidFill>
-                        <a:effectLst/>
-                        <a:latin typeface="Calibri" panose="020F0502020204030204" pitchFamily="34" charset="0"/>
-                      </a:endParaRPr>
                     </a:p>
                   </a:txBody>
                   <a:tcPr marL="7620" marR="7620" marT="7620" marB="0" anchor="b">
@@ -23201,6 +22951,11 @@
                     </a:solidFill>
                   </a:tcPr>
                 </a:tc>
+                <a:extLst>
+                  <a:ext uri="{0D108BD9-81ED-4DB2-BD59-A6C34878D82A}">
+                    <a16:rowId xmlns:a16="http://schemas.microsoft.com/office/drawing/2014/main" val="10004"/>
+                  </a:ext>
+                </a:extLst>
               </a:tr>
               <a:tr h="220661">
                 <a:tc>
@@ -23219,13 +22974,6 @@
                         </a:rPr>
                         <a:t>Initiating</a:t>
                       </a:r>
-                      <a:endParaRPr lang="en-CA" sz="1100" b="1" i="0" u="none" strike="noStrike" dirty="0">
-                        <a:solidFill>
-                          <a:srgbClr val="000000"/>
-                        </a:solidFill>
-                        <a:effectLst/>
-                        <a:latin typeface="Calibri" panose="020F0502020204030204" pitchFamily="34" charset="0"/>
-                      </a:endParaRPr>
                     </a:p>
                   </a:txBody>
                   <a:tcPr marL="7620" marR="7620" marT="7620" marB="0" anchor="b">
@@ -23283,13 +23031,6 @@
                         </a:rPr>
                         <a:t>Clinic System Agent</a:t>
                       </a:r>
-                      <a:endParaRPr lang="en-CA" sz="1100" b="0" i="0" u="none" strike="noStrike" dirty="0">
-                        <a:solidFill>
-                          <a:srgbClr val="000000"/>
-                        </a:solidFill>
-                        <a:effectLst/>
-                        <a:latin typeface="Calibri" panose="020F0502020204030204" pitchFamily="34" charset="0"/>
-                      </a:endParaRPr>
                     </a:p>
                   </a:txBody>
                   <a:tcPr marL="7620" marR="7620" marT="7620" marB="0" anchor="b">
@@ -23332,8 +23073,20 @@
                   </a:tcPr>
                 </a:tc>
                 <a:tc hMerge="1">
+                  <a:txBody>
+                    <a:bodyPr/>
+                    <a:lstStyle/>
+                    <a:p>
+                      <a:endParaRPr lang="en-US"/>
+                    </a:p>
+                  </a:txBody>
                   <a:tcPr/>
                 </a:tc>
+                <a:extLst>
+                  <a:ext uri="{0D108BD9-81ED-4DB2-BD59-A6C34878D82A}">
+                    <a16:rowId xmlns:a16="http://schemas.microsoft.com/office/drawing/2014/main" val="10005"/>
+                  </a:ext>
+                </a:extLst>
               </a:tr>
               <a:tr h="229855">
                 <a:tc>
@@ -23352,13 +23105,6 @@
                         </a:rPr>
                         <a:t>Collaborating</a:t>
                       </a:r>
-                      <a:endParaRPr lang="en-CA" sz="1100" b="1" i="0" u="none" strike="noStrike" dirty="0">
-                        <a:solidFill>
-                          <a:srgbClr val="000000"/>
-                        </a:solidFill>
-                        <a:effectLst/>
-                        <a:latin typeface="Calibri" panose="020F0502020204030204" pitchFamily="34" charset="0"/>
-                      </a:endParaRPr>
                     </a:p>
                   </a:txBody>
                   <a:tcPr marL="7620" marR="7620" marT="7620" marB="0" anchor="b">
@@ -23416,13 +23162,6 @@
                         </a:rPr>
                         <a:t>Video link agent, Clinic System Agent, Appointment agent</a:t>
                       </a:r>
-                      <a:endParaRPr lang="en-US" sz="1100" b="0" i="0" u="none" strike="noStrike" dirty="0">
-                        <a:solidFill>
-                          <a:srgbClr val="000000"/>
-                        </a:solidFill>
-                        <a:effectLst/>
-                        <a:latin typeface="Calibri" panose="020F0502020204030204" pitchFamily="34" charset="0"/>
-                      </a:endParaRPr>
                     </a:p>
                   </a:txBody>
                   <a:tcPr marL="7620" marR="7620" marT="7620" marB="0" anchor="b">
@@ -23480,13 +23219,6 @@
                         </a:rPr>
                         <a:t> </a:t>
                       </a:r>
-                      <a:endParaRPr lang="en-CA" sz="1100" b="0" i="0" u="none" strike="noStrike">
-                        <a:solidFill>
-                          <a:srgbClr val="000000"/>
-                        </a:solidFill>
-                        <a:effectLst/>
-                        <a:latin typeface="Calibri" panose="020F0502020204030204" pitchFamily="34" charset="0"/>
-                      </a:endParaRPr>
                     </a:p>
                   </a:txBody>
                   <a:tcPr marL="7620" marR="7620" marT="7620" marB="0" anchor="b">
@@ -23528,6 +23260,11 @@
                     </a:lnB>
                   </a:tcPr>
                 </a:tc>
+                <a:extLst>
+                  <a:ext uri="{0D108BD9-81ED-4DB2-BD59-A6C34878D82A}">
+                    <a16:rowId xmlns:a16="http://schemas.microsoft.com/office/drawing/2014/main" val="10006"/>
+                  </a:ext>
+                </a:extLst>
               </a:tr>
               <a:tr h="229855">
                 <a:tc gridSpan="3">
@@ -23546,13 +23283,6 @@
                         </a:rPr>
                         <a:t>Other Diagrams:</a:t>
                       </a:r>
-                      <a:endParaRPr lang="en-CA" sz="1100" b="1" i="0" u="none" strike="noStrike" dirty="0">
-                        <a:solidFill>
-                          <a:srgbClr val="000000"/>
-                        </a:solidFill>
-                        <a:effectLst/>
-                        <a:latin typeface="Calibri" panose="020F0502020204030204" pitchFamily="34" charset="0"/>
-                      </a:endParaRPr>
                     </a:p>
                   </a:txBody>
                   <a:tcPr marL="7620" marR="7620" marT="7620" marB="0" anchor="b">
@@ -23598,11 +23328,30 @@
                   </a:tcPr>
                 </a:tc>
                 <a:tc hMerge="1">
+                  <a:txBody>
+                    <a:bodyPr/>
+                    <a:lstStyle/>
+                    <a:p>
+                      <a:endParaRPr lang="en-US"/>
+                    </a:p>
+                  </a:txBody>
                   <a:tcPr/>
                 </a:tc>
                 <a:tc hMerge="1">
+                  <a:txBody>
+                    <a:bodyPr/>
+                    <a:lstStyle/>
+                    <a:p>
+                      <a:endParaRPr lang="en-US"/>
+                    </a:p>
+                  </a:txBody>
                   <a:tcPr/>
                 </a:tc>
+                <a:extLst>
+                  <a:ext uri="{0D108BD9-81ED-4DB2-BD59-A6C34878D82A}">
+                    <a16:rowId xmlns:a16="http://schemas.microsoft.com/office/drawing/2014/main" val="10007"/>
+                  </a:ext>
+                </a:extLst>
               </a:tr>
               <a:tr h="220661">
                 <a:tc>
@@ -23621,13 +23370,6 @@
                         </a:rPr>
                         <a:t>Data Requirements</a:t>
                       </a:r>
-                      <a:endParaRPr lang="en-CA" sz="1100" b="1" i="0" u="none" strike="noStrike" dirty="0">
-                        <a:solidFill>
-                          <a:srgbClr val="000000"/>
-                        </a:solidFill>
-                        <a:effectLst/>
-                        <a:latin typeface="Calibri" panose="020F0502020204030204" pitchFamily="34" charset="0"/>
-                      </a:endParaRPr>
                     </a:p>
                   </a:txBody>
                   <a:tcPr marL="7620" marR="7620" marT="7620" marB="0" anchor="b">
@@ -23682,13 +23424,6 @@
                         </a:rPr>
                         <a:t> </a:t>
                       </a:r>
-                      <a:endParaRPr lang="en-CA" sz="1100" b="0" i="0" u="none" strike="noStrike" dirty="0">
-                        <a:solidFill>
-                          <a:srgbClr val="000000"/>
-                        </a:solidFill>
-                        <a:effectLst/>
-                        <a:latin typeface="Calibri" panose="020F0502020204030204" pitchFamily="34" charset="0"/>
-                      </a:endParaRPr>
                     </a:p>
                   </a:txBody>
                   <a:tcPr marL="7620" marR="7620" marT="7620" marB="0" anchor="b">
@@ -23749,13 +23484,6 @@
                         </a:rPr>
                         <a:t> </a:t>
                       </a:r>
-                      <a:endParaRPr lang="en-CA" sz="1100" b="0" i="0" u="none" strike="noStrike" dirty="0">
-                        <a:solidFill>
-                          <a:srgbClr val="000000"/>
-                        </a:solidFill>
-                        <a:effectLst/>
-                        <a:latin typeface="Calibri" panose="020F0502020204030204" pitchFamily="34" charset="0"/>
-                      </a:endParaRPr>
                     </a:p>
                   </a:txBody>
                   <a:tcPr marL="7620" marR="7620" marT="7620" marB="0" anchor="b">
@@ -23800,6 +23528,11 @@
                     </a:solidFill>
                   </a:tcPr>
                 </a:tc>
+                <a:extLst>
+                  <a:ext uri="{0D108BD9-81ED-4DB2-BD59-A6C34878D82A}">
+                    <a16:rowId xmlns:a16="http://schemas.microsoft.com/office/drawing/2014/main" val="10008"/>
+                  </a:ext>
+                </a:extLst>
               </a:tr>
               <a:tr h="220661">
                 <a:tc>
@@ -23818,13 +23551,6 @@
                         </a:rPr>
                         <a:t>Data Required : </a:t>
                       </a:r>
-                      <a:endParaRPr lang="en-CA" sz="1100" b="1" i="0" u="none" strike="noStrike" dirty="0">
-                        <a:solidFill>
-                          <a:srgbClr val="000000"/>
-                        </a:solidFill>
-                        <a:effectLst/>
-                        <a:latin typeface="Calibri" panose="020F0502020204030204" pitchFamily="34" charset="0"/>
-                      </a:endParaRPr>
                     </a:p>
                   </a:txBody>
                   <a:tcPr marL="7620" marR="7620" marT="7620" marB="0" anchor="b">
@@ -23870,13 +23596,6 @@
                         </a:rPr>
                         <a:t>Data Required for Template Agent</a:t>
                       </a:r>
-                      <a:endParaRPr lang="en-US" sz="1100" b="1" i="0" u="none" strike="noStrike" dirty="0">
-                        <a:solidFill>
-                          <a:srgbClr val="000000"/>
-                        </a:solidFill>
-                        <a:effectLst/>
-                        <a:latin typeface="Calibri" panose="020F0502020204030204" pitchFamily="34" charset="0"/>
-                      </a:endParaRPr>
                     </a:p>
                   </a:txBody>
                   <a:tcPr marL="7620" marR="7620" marT="7620" marB="0" anchor="b">
@@ -23934,13 +23653,6 @@
                         </a:rPr>
                         <a:t> </a:t>
                       </a:r>
-                      <a:endParaRPr lang="en-CA" sz="1100" b="0" i="0" u="none" strike="noStrike">
-                        <a:solidFill>
-                          <a:srgbClr val="000000"/>
-                        </a:solidFill>
-                        <a:effectLst/>
-                        <a:latin typeface="Calibri" panose="020F0502020204030204" pitchFamily="34" charset="0"/>
-                      </a:endParaRPr>
                     </a:p>
                   </a:txBody>
                   <a:tcPr marL="7620" marR="7620" marT="7620" marB="0" anchor="b">
@@ -23982,6 +23694,11 @@
                     </a:lnB>
                   </a:tcPr>
                 </a:tc>
+                <a:extLst>
+                  <a:ext uri="{0D108BD9-81ED-4DB2-BD59-A6C34878D82A}">
+                    <a16:rowId xmlns:a16="http://schemas.microsoft.com/office/drawing/2014/main" val="10009"/>
+                  </a:ext>
+                </a:extLst>
               </a:tr>
               <a:tr h="220661">
                 <a:tc>
@@ -24000,13 +23717,6 @@
                         </a:rPr>
                         <a:t> </a:t>
                       </a:r>
-                      <a:endParaRPr lang="en-CA" sz="1100" b="0" i="0" u="none" strike="noStrike" dirty="0">
-                        <a:solidFill>
-                          <a:srgbClr val="000000"/>
-                        </a:solidFill>
-                        <a:effectLst/>
-                        <a:latin typeface="Calibri" panose="020F0502020204030204" pitchFamily="34" charset="0"/>
-                      </a:endParaRPr>
                     </a:p>
                   </a:txBody>
                   <a:tcPr marL="7620" marR="7620" marT="7620" marB="0" anchor="b">
@@ -24052,13 +23762,6 @@
                         </a:rPr>
                         <a:t>Booked Appointment details</a:t>
                       </a:r>
-                      <a:endParaRPr lang="en-CA" sz="1100" b="0" i="0" u="none" strike="noStrike" dirty="0">
-                        <a:solidFill>
-                          <a:srgbClr val="000000"/>
-                        </a:solidFill>
-                        <a:effectLst/>
-                        <a:latin typeface="Calibri" panose="020F0502020204030204" pitchFamily="34" charset="0"/>
-                      </a:endParaRPr>
                     </a:p>
                   </a:txBody>
                   <a:tcPr marL="7620" marR="7620" marT="7620" marB="0" anchor="b">
@@ -24101,8 +23804,20 @@
                   </a:tcPr>
                 </a:tc>
                 <a:tc hMerge="1">
+                  <a:txBody>
+                    <a:bodyPr/>
+                    <a:lstStyle/>
+                    <a:p>
+                      <a:endParaRPr lang="en-US"/>
+                    </a:p>
+                  </a:txBody>
                   <a:tcPr/>
                 </a:tc>
+                <a:extLst>
+                  <a:ext uri="{0D108BD9-81ED-4DB2-BD59-A6C34878D82A}">
+                    <a16:rowId xmlns:a16="http://schemas.microsoft.com/office/drawing/2014/main" val="10010"/>
+                  </a:ext>
+                </a:extLst>
               </a:tr>
               <a:tr h="220661">
                 <a:tc>
@@ -24121,13 +23836,6 @@
                         </a:rPr>
                         <a:t> </a:t>
                       </a:r>
-                      <a:endParaRPr lang="en-CA" sz="1100" b="0" i="0" u="none" strike="noStrike" dirty="0">
-                        <a:solidFill>
-                          <a:srgbClr val="000000"/>
-                        </a:solidFill>
-                        <a:effectLst/>
-                        <a:latin typeface="Calibri" panose="020F0502020204030204" pitchFamily="34" charset="0"/>
-                      </a:endParaRPr>
                     </a:p>
                   </a:txBody>
                   <a:tcPr marL="7620" marR="7620" marT="7620" marB="0" anchor="b">
@@ -24173,13 +23881,6 @@
                         </a:rPr>
                         <a:t>Email Address and Cell Phone Number of the user</a:t>
                       </a:r>
-                      <a:endParaRPr lang="en-US" sz="1100" b="0" i="0" u="none" strike="noStrike" dirty="0">
-                        <a:solidFill>
-                          <a:srgbClr val="000000"/>
-                        </a:solidFill>
-                        <a:effectLst/>
-                        <a:latin typeface="Calibri" panose="020F0502020204030204" pitchFamily="34" charset="0"/>
-                      </a:endParaRPr>
                     </a:p>
                   </a:txBody>
                   <a:tcPr marL="7620" marR="7620" marT="7620" marB="0" anchor="b">
@@ -24222,8 +23923,20 @@
                   </a:tcPr>
                 </a:tc>
                 <a:tc hMerge="1">
+                  <a:txBody>
+                    <a:bodyPr/>
+                    <a:lstStyle/>
+                    <a:p>
+                      <a:endParaRPr lang="en-US"/>
+                    </a:p>
+                  </a:txBody>
                   <a:tcPr/>
                 </a:tc>
+                <a:extLst>
+                  <a:ext uri="{0D108BD9-81ED-4DB2-BD59-A6C34878D82A}">
+                    <a16:rowId xmlns:a16="http://schemas.microsoft.com/office/drawing/2014/main" val="10011"/>
+                  </a:ext>
+                </a:extLst>
               </a:tr>
               <a:tr h="229855">
                 <a:tc>
@@ -24242,13 +23955,6 @@
                         </a:rPr>
                         <a:t> </a:t>
                       </a:r>
-                      <a:endParaRPr lang="en-CA" sz="1100" b="0" i="0" u="none" strike="noStrike" dirty="0">
-                        <a:solidFill>
-                          <a:srgbClr val="000000"/>
-                        </a:solidFill>
-                        <a:effectLst/>
-                        <a:latin typeface="Calibri" panose="020F0502020204030204" pitchFamily="34" charset="0"/>
-                      </a:endParaRPr>
                     </a:p>
                   </a:txBody>
                   <a:tcPr marL="7620" marR="7620" marT="7620" marB="0" anchor="b">
@@ -24339,8 +24045,20 @@
                   </a:tcPr>
                 </a:tc>
                 <a:tc hMerge="1">
+                  <a:txBody>
+                    <a:bodyPr/>
+                    <a:lstStyle/>
+                    <a:p>
+                      <a:endParaRPr lang="en-US"/>
+                    </a:p>
+                  </a:txBody>
                   <a:tcPr/>
                 </a:tc>
+                <a:extLst>
+                  <a:ext uri="{0D108BD9-81ED-4DB2-BD59-A6C34878D82A}">
+                    <a16:rowId xmlns:a16="http://schemas.microsoft.com/office/drawing/2014/main" val="10012"/>
+                  </a:ext>
+                </a:extLst>
               </a:tr>
             </a:tbl>
           </a:graphicData>
@@ -24386,6 +24104,7 @@
           <a:p>
             <a:fld id="{A4BAB868-1E00-44C6-B1AB-DFCC5F9865BA}" type="slidenum">
               <a:rPr lang="ja-JP" altLang="en-US" smtClean="0"/>
+              <a:t>36</a:t>
             </a:fld>
             <a:endParaRPr lang="en-US" altLang="ja-JP"/>
           </a:p>
@@ -24466,7 +24185,6 @@
               <a:rPr lang="en-CA" dirty="0"/>
               <a:t>11. Use Cases : Notification Agent</a:t>
             </a:r>
-            <a:endParaRPr lang="en-CA" dirty="0"/>
           </a:p>
         </p:txBody>
       </p:sp>
@@ -24510,6 +24228,7 @@
           <a:p>
             <a:fld id="{A4BAB868-1E00-44C6-B1AB-DFCC5F9865BA}" type="slidenum">
               <a:rPr lang="ja-JP" altLang="en-US" smtClean="0"/>
+              <a:t>37</a:t>
             </a:fld>
             <a:endParaRPr lang="en-US" altLang="ja-JP"/>
           </a:p>
@@ -24524,7 +24243,7 @@
           <p:nvPr/>
         </p:nvPicPr>
         <p:blipFill>
-          <a:blip r:embed="rId1"/>
+          <a:blip r:embed="rId2"/>
           <a:stretch>
             <a:fillRect/>
           </a:stretch>
@@ -24609,8 +24328,20 @@
             <a:tbl>
               <a:tblPr firstRow="1" firstCol="1" bandRow="1"/>
               <a:tblGrid>
-                <a:gridCol w="2260055"/>
-                <a:gridCol w="7299869"/>
+                <a:gridCol w="2260055">
+                  <a:extLst>
+                    <a:ext uri="{9D8B030D-6E8A-4147-A177-3AD203B41FA5}">
+                      <a16:colId xmlns:a16="http://schemas.microsoft.com/office/drawing/2014/main" val="20000"/>
+                    </a:ext>
+                  </a:extLst>
+                </a:gridCol>
+                <a:gridCol w="7299869">
+                  <a:extLst>
+                    <a:ext uri="{9D8B030D-6E8A-4147-A177-3AD203B41FA5}">
+                      <a16:colId xmlns:a16="http://schemas.microsoft.com/office/drawing/2014/main" val="20001"/>
+                    </a:ext>
+                  </a:extLst>
+                </a:gridCol>
               </a:tblGrid>
               <a:tr h="336433">
                 <a:tc>
@@ -24751,6 +24482,11 @@
                     </a:lnB>
                   </a:tcPr>
                 </a:tc>
+                <a:extLst>
+                  <a:ext uri="{0D108BD9-81ED-4DB2-BD59-A6C34878D82A}">
+                    <a16:rowId xmlns:a16="http://schemas.microsoft.com/office/drawing/2014/main" val="10000"/>
+                  </a:ext>
+                </a:extLst>
               </a:tr>
               <a:tr h="336433">
                 <a:tc>
@@ -24891,6 +24627,11 @@
                     </a:lnB>
                   </a:tcPr>
                 </a:tc>
+                <a:extLst>
+                  <a:ext uri="{0D108BD9-81ED-4DB2-BD59-A6C34878D82A}">
+                    <a16:rowId xmlns:a16="http://schemas.microsoft.com/office/drawing/2014/main" val="10001"/>
+                  </a:ext>
+                </a:extLst>
               </a:tr>
               <a:tr h="689368">
                 <a:tc>
@@ -25031,6 +24772,11 @@
                     </a:lnB>
                   </a:tcPr>
                 </a:tc>
+                <a:extLst>
+                  <a:ext uri="{0D108BD9-81ED-4DB2-BD59-A6C34878D82A}">
+                    <a16:rowId xmlns:a16="http://schemas.microsoft.com/office/drawing/2014/main" val="10002"/>
+                  </a:ext>
+                </a:extLst>
               </a:tr>
               <a:tr h="336433">
                 <a:tc>
@@ -25168,6 +24914,11 @@
                     </a:solidFill>
                   </a:tcPr>
                 </a:tc>
+                <a:extLst>
+                  <a:ext uri="{0D108BD9-81ED-4DB2-BD59-A6C34878D82A}">
+                    <a16:rowId xmlns:a16="http://schemas.microsoft.com/office/drawing/2014/main" val="10003"/>
+                  </a:ext>
+                </a:extLst>
               </a:tr>
               <a:tr h="506485">
                 <a:tc>
@@ -25308,6 +25059,11 @@
                     </a:lnB>
                   </a:tcPr>
                 </a:tc>
+                <a:extLst>
+                  <a:ext uri="{0D108BD9-81ED-4DB2-BD59-A6C34878D82A}">
+                    <a16:rowId xmlns:a16="http://schemas.microsoft.com/office/drawing/2014/main" val="10004"/>
+                  </a:ext>
+                </a:extLst>
               </a:tr>
               <a:tr h="689368">
                 <a:tc>
@@ -25448,6 +25204,11 @@
                     </a:lnB>
                   </a:tcPr>
                 </a:tc>
+                <a:extLst>
+                  <a:ext uri="{0D108BD9-81ED-4DB2-BD59-A6C34878D82A}">
+                    <a16:rowId xmlns:a16="http://schemas.microsoft.com/office/drawing/2014/main" val="10005"/>
+                  </a:ext>
+                </a:extLst>
               </a:tr>
               <a:tr h="689368">
                 <a:tc>
@@ -25588,6 +25349,11 @@
                     </a:lnB>
                   </a:tcPr>
                 </a:tc>
+                <a:extLst>
+                  <a:ext uri="{0D108BD9-81ED-4DB2-BD59-A6C34878D82A}">
+                    <a16:rowId xmlns:a16="http://schemas.microsoft.com/office/drawing/2014/main" val="10006"/>
+                  </a:ext>
+                </a:extLst>
               </a:tr>
               <a:tr h="673785">
                 <a:tc>
@@ -25728,6 +25494,11 @@
                     </a:lnB>
                   </a:tcPr>
                 </a:tc>
+                <a:extLst>
+                  <a:ext uri="{0D108BD9-81ED-4DB2-BD59-A6C34878D82A}">
+                    <a16:rowId xmlns:a16="http://schemas.microsoft.com/office/drawing/2014/main" val="10007"/>
+                  </a:ext>
+                </a:extLst>
               </a:tr>
             </a:tbl>
           </a:graphicData>
@@ -25773,6 +25544,7 @@
           <a:p>
             <a:fld id="{A4BAB868-1E00-44C6-B1AB-DFCC5F9865BA}" type="slidenum">
               <a:rPr lang="ja-JP" altLang="en-US" smtClean="0"/>
+              <a:t>38</a:t>
             </a:fld>
             <a:endParaRPr lang="en-US" altLang="ja-JP"/>
           </a:p>
@@ -25876,9 +25648,27 @@
             <a:tbl>
               <a:tblPr/>
               <a:tblGrid>
-                <a:gridCol w="2695575"/>
-                <a:gridCol w="3463065"/>
-                <a:gridCol w="3725135"/>
+                <a:gridCol w="2695575">
+                  <a:extLst>
+                    <a:ext uri="{9D8B030D-6E8A-4147-A177-3AD203B41FA5}">
+                      <a16:colId xmlns:a16="http://schemas.microsoft.com/office/drawing/2014/main" val="20000"/>
+                    </a:ext>
+                  </a:extLst>
+                </a:gridCol>
+                <a:gridCol w="3463065">
+                  <a:extLst>
+                    <a:ext uri="{9D8B030D-6E8A-4147-A177-3AD203B41FA5}">
+                      <a16:colId xmlns:a16="http://schemas.microsoft.com/office/drawing/2014/main" val="20001"/>
+                    </a:ext>
+                  </a:extLst>
+                </a:gridCol>
+                <a:gridCol w="3725135">
+                  <a:extLst>
+                    <a:ext uri="{9D8B030D-6E8A-4147-A177-3AD203B41FA5}">
+                      <a16:colId xmlns:a16="http://schemas.microsoft.com/office/drawing/2014/main" val="20002"/>
+                    </a:ext>
+                  </a:extLst>
+                </a:gridCol>
               </a:tblGrid>
               <a:tr h="259059">
                 <a:tc>
@@ -25897,13 +25687,6 @@
                         </a:rPr>
                         <a:t>Exceptions</a:t>
                       </a:r>
-                      <a:endParaRPr lang="en-CA" sz="1100" b="1" i="0" u="none" strike="noStrike" dirty="0">
-                        <a:solidFill>
-                          <a:srgbClr val="000000"/>
-                        </a:solidFill>
-                        <a:effectLst/>
-                        <a:latin typeface="Calibri" panose="020F0502020204030204" pitchFamily="34" charset="0"/>
-                      </a:endParaRPr>
                     </a:p>
                   </a:txBody>
                   <a:tcPr marL="7620" marR="7620" marT="7620" marB="0" anchor="b">
@@ -25964,13 +25747,6 @@
                         </a:rPr>
                         <a:t> </a:t>
                       </a:r>
-                      <a:endParaRPr lang="en-CA" sz="1100" b="0" i="0" u="none" strike="noStrike" dirty="0">
-                        <a:solidFill>
-                          <a:srgbClr val="000000"/>
-                        </a:solidFill>
-                        <a:effectLst/>
-                        <a:latin typeface="Calibri" panose="020F0502020204030204" pitchFamily="34" charset="0"/>
-                      </a:endParaRPr>
                     </a:p>
                   </a:txBody>
                   <a:tcPr marL="7620" marR="7620" marT="7620" marB="0" anchor="b">
@@ -26031,13 +25807,6 @@
                         </a:rPr>
                         <a:t> </a:t>
                       </a:r>
-                      <a:endParaRPr lang="en-CA" sz="1100" b="0" i="0" u="none" strike="noStrike" dirty="0">
-                        <a:solidFill>
-                          <a:srgbClr val="000000"/>
-                        </a:solidFill>
-                        <a:effectLst/>
-                        <a:latin typeface="Calibri" panose="020F0502020204030204" pitchFamily="34" charset="0"/>
-                      </a:endParaRPr>
                     </a:p>
                   </a:txBody>
                   <a:tcPr marL="7620" marR="7620" marT="7620" marB="0" anchor="b">
@@ -26082,6 +25851,11 @@
                     </a:solidFill>
                   </a:tcPr>
                 </a:tc>
+                <a:extLst>
+                  <a:ext uri="{0D108BD9-81ED-4DB2-BD59-A6C34878D82A}">
+                    <a16:rowId xmlns:a16="http://schemas.microsoft.com/office/drawing/2014/main" val="10000"/>
+                  </a:ext>
+                </a:extLst>
               </a:tr>
               <a:tr h="572134">
                 <a:tc>
@@ -26100,13 +25874,6 @@
                         </a:rPr>
                         <a:t>1a</a:t>
                       </a:r>
-                      <a:endParaRPr lang="en-CA" sz="1100" b="0" i="0" u="none" strike="noStrike" dirty="0">
-                        <a:solidFill>
-                          <a:srgbClr val="000000"/>
-                        </a:solidFill>
-                        <a:effectLst/>
-                        <a:latin typeface="Calibri" panose="020F0502020204030204" pitchFamily="34" charset="0"/>
-                      </a:endParaRPr>
                     </a:p>
                   </a:txBody>
                   <a:tcPr marL="7620" marR="7620" marT="7620" marB="0" anchor="ctr">
@@ -26164,13 +25931,6 @@
                         </a:rPr>
                         <a:t>System Not Accessible at this point</a:t>
                       </a:r>
-                      <a:endParaRPr lang="en-US" sz="1100" b="0" i="0" u="none" strike="noStrike" dirty="0">
-                        <a:solidFill>
-                          <a:srgbClr val="000000"/>
-                        </a:solidFill>
-                        <a:effectLst/>
-                        <a:latin typeface="Calibri" panose="020F0502020204030204" pitchFamily="34" charset="0"/>
-                      </a:endParaRPr>
                     </a:p>
                   </a:txBody>
                   <a:tcPr marL="7620" marR="7620" marT="7620" marB="0" anchor="ctr">
@@ -26248,13 +26008,6 @@
                         </a:rPr>
                         <a:t>is not accessible.</a:t>
                       </a:r>
-                      <a:endParaRPr lang="en-US" sz="1100" b="0" i="0" u="none" strike="noStrike" dirty="0">
-                        <a:solidFill>
-                          <a:srgbClr val="000000"/>
-                        </a:solidFill>
-                        <a:effectLst/>
-                        <a:latin typeface="Calibri" panose="020F0502020204030204" pitchFamily="34" charset="0"/>
-                      </a:endParaRPr>
                     </a:p>
                   </a:txBody>
                   <a:tcPr marL="7620" marR="7620" marT="7620" marB="0" anchor="ctr">
@@ -26296,6 +26049,11 @@
                     </a:lnB>
                   </a:tcPr>
                 </a:tc>
+                <a:extLst>
+                  <a:ext uri="{0D108BD9-81ED-4DB2-BD59-A6C34878D82A}">
+                    <a16:rowId xmlns:a16="http://schemas.microsoft.com/office/drawing/2014/main" val="10001"/>
+                  </a:ext>
+                </a:extLst>
               </a:tr>
               <a:tr h="582014">
                 <a:tc>
@@ -26314,13 +26072,6 @@
                         </a:rPr>
                         <a:t>3a</a:t>
                       </a:r>
-                      <a:endParaRPr lang="en-CA" sz="1100" b="0" i="0" u="none" strike="noStrike" dirty="0">
-                        <a:solidFill>
-                          <a:srgbClr val="000000"/>
-                        </a:solidFill>
-                        <a:effectLst/>
-                        <a:latin typeface="Calibri" panose="020F0502020204030204" pitchFamily="34" charset="0"/>
-                      </a:endParaRPr>
                     </a:p>
                   </a:txBody>
                   <a:tcPr marL="7620" marR="7620" marT="7620" marB="0" anchor="ctr">
@@ -26378,13 +26129,6 @@
                         </a:rPr>
                         <a:t>User not reachable at this point</a:t>
                       </a:r>
-                      <a:endParaRPr lang="en-US" sz="1100" b="0" i="0" u="none" strike="noStrike" dirty="0">
-                        <a:solidFill>
-                          <a:srgbClr val="000000"/>
-                        </a:solidFill>
-                        <a:effectLst/>
-                        <a:latin typeface="Calibri" panose="020F0502020204030204" pitchFamily="34" charset="0"/>
-                      </a:endParaRPr>
                     </a:p>
                   </a:txBody>
                   <a:tcPr marL="7620" marR="7620" marT="7620" marB="0" anchor="ctr">
@@ -26442,13 +26186,6 @@
                         </a:rPr>
                         <a:t>Error Message is generated stating that user is not reachable.</a:t>
                       </a:r>
-                      <a:endParaRPr lang="en-US" sz="1100" b="0" i="0" u="none" strike="noStrike">
-                        <a:solidFill>
-                          <a:srgbClr val="000000"/>
-                        </a:solidFill>
-                        <a:effectLst/>
-                        <a:latin typeface="Calibri" panose="020F0502020204030204" pitchFamily="34" charset="0"/>
-                      </a:endParaRPr>
                     </a:p>
                   </a:txBody>
                   <a:tcPr marL="7620" marR="7620" marT="7620" marB="0" anchor="ctr">
@@ -26490,6 +26227,11 @@
                     </a:lnB>
                   </a:tcPr>
                 </a:tc>
+                <a:extLst>
+                  <a:ext uri="{0D108BD9-81ED-4DB2-BD59-A6C34878D82A}">
+                    <a16:rowId xmlns:a16="http://schemas.microsoft.com/office/drawing/2014/main" val="10002"/>
+                  </a:ext>
+                </a:extLst>
               </a:tr>
               <a:tr h="582014">
                 <a:tc>
@@ -26508,13 +26250,6 @@
                         </a:rPr>
                         <a:t>6b </a:t>
                       </a:r>
-                      <a:endParaRPr lang="en-CA" sz="1100" b="0" i="0" u="none" strike="noStrike" dirty="0">
-                        <a:solidFill>
-                          <a:srgbClr val="000000"/>
-                        </a:solidFill>
-                        <a:effectLst/>
-                        <a:latin typeface="Calibri" panose="020F0502020204030204" pitchFamily="34" charset="0"/>
-                      </a:endParaRPr>
                     </a:p>
                   </a:txBody>
                   <a:tcPr marL="7620" marR="7620" marT="7620" marB="0" anchor="ctr">
@@ -26572,13 +26307,6 @@
                         </a:rPr>
                         <a:t>Unreadable and SQL Exception</a:t>
                       </a:r>
-                      <a:endParaRPr lang="en-US" sz="1100" b="0" i="0" u="none" strike="noStrike" dirty="0">
-                        <a:solidFill>
-                          <a:srgbClr val="000000"/>
-                        </a:solidFill>
-                        <a:effectLst/>
-                        <a:latin typeface="Calibri" panose="020F0502020204030204" pitchFamily="34" charset="0"/>
-                      </a:endParaRPr>
                     </a:p>
                   </a:txBody>
                   <a:tcPr marL="7620" marR="7620" marT="7620" marB="0" anchor="ctr">
@@ -26636,13 +26364,6 @@
                         </a:rPr>
                         <a:t>Error Message is generated when the agent is unable to send SMS or any SQL database error.</a:t>
                       </a:r>
-                      <a:endParaRPr lang="en-US" sz="1100" b="0" i="0" u="none" strike="noStrike" dirty="0">
-                        <a:solidFill>
-                          <a:srgbClr val="000000"/>
-                        </a:solidFill>
-                        <a:effectLst/>
-                        <a:latin typeface="Calibri" panose="020F0502020204030204" pitchFamily="34" charset="0"/>
-                      </a:endParaRPr>
                     </a:p>
                   </a:txBody>
                   <a:tcPr marL="7620" marR="7620" marT="7620" marB="0" anchor="ctr">
@@ -26684,6 +26405,11 @@
                     </a:lnB>
                   </a:tcPr>
                 </a:tc>
+                <a:extLst>
+                  <a:ext uri="{0D108BD9-81ED-4DB2-BD59-A6C34878D82A}">
+                    <a16:rowId xmlns:a16="http://schemas.microsoft.com/office/drawing/2014/main" val="10003"/>
+                  </a:ext>
+                </a:extLst>
               </a:tr>
               <a:tr h="259059">
                 <a:tc>
@@ -26702,13 +26428,6 @@
                         </a:rPr>
                         <a:t>Relationships:</a:t>
                       </a:r>
-                      <a:endParaRPr lang="en-CA" sz="1100" b="1" i="0" u="none" strike="noStrike" dirty="0">
-                        <a:solidFill>
-                          <a:srgbClr val="000000"/>
-                        </a:solidFill>
-                        <a:effectLst/>
-                        <a:latin typeface="Calibri" panose="020F0502020204030204" pitchFamily="34" charset="0"/>
-                      </a:endParaRPr>
                     </a:p>
                   </a:txBody>
                   <a:tcPr marL="7620" marR="7620" marT="7620" marB="0" anchor="b">
@@ -26769,13 +26488,6 @@
                         </a:rPr>
                         <a:t> </a:t>
                       </a:r>
-                      <a:endParaRPr lang="en-CA" sz="1100" b="0" i="0" u="none" strike="noStrike" dirty="0">
-                        <a:solidFill>
-                          <a:srgbClr val="000000"/>
-                        </a:solidFill>
-                        <a:effectLst/>
-                        <a:latin typeface="Calibri" panose="020F0502020204030204" pitchFamily="34" charset="0"/>
-                      </a:endParaRPr>
                     </a:p>
                   </a:txBody>
                   <a:tcPr marL="7620" marR="7620" marT="7620" marB="0" anchor="b">
@@ -26836,13 +26548,6 @@
                         </a:rPr>
                         <a:t> </a:t>
                       </a:r>
-                      <a:endParaRPr lang="en-CA" sz="1100" b="0" i="0" u="none" strike="noStrike">
-                        <a:solidFill>
-                          <a:srgbClr val="000000"/>
-                        </a:solidFill>
-                        <a:effectLst/>
-                        <a:latin typeface="Calibri" panose="020F0502020204030204" pitchFamily="34" charset="0"/>
-                      </a:endParaRPr>
                     </a:p>
                   </a:txBody>
                   <a:tcPr marL="7620" marR="7620" marT="7620" marB="0" anchor="b">
@@ -26887,6 +26592,11 @@
                     </a:solidFill>
                   </a:tcPr>
                 </a:tc>
+                <a:extLst>
+                  <a:ext uri="{0D108BD9-81ED-4DB2-BD59-A6C34878D82A}">
+                    <a16:rowId xmlns:a16="http://schemas.microsoft.com/office/drawing/2014/main" val="10004"/>
+                  </a:ext>
+                </a:extLst>
               </a:tr>
               <a:tr h="259059">
                 <a:tc>
@@ -26905,13 +26615,6 @@
                         </a:rPr>
                         <a:t>Initiating</a:t>
                       </a:r>
-                      <a:endParaRPr lang="en-CA" sz="1100" b="1" i="0" u="none" strike="noStrike" dirty="0">
-                        <a:solidFill>
-                          <a:srgbClr val="000000"/>
-                        </a:solidFill>
-                        <a:effectLst/>
-                        <a:latin typeface="Calibri" panose="020F0502020204030204" pitchFamily="34" charset="0"/>
-                      </a:endParaRPr>
                     </a:p>
                   </a:txBody>
                   <a:tcPr marL="7620" marR="7620" marT="7620" marB="0" anchor="b">
@@ -26969,13 +26672,6 @@
                         </a:rPr>
                         <a:t>Clinic System Agent</a:t>
                       </a:r>
-                      <a:endParaRPr lang="en-CA" sz="1100" b="0" i="0" u="none" strike="noStrike" dirty="0">
-                        <a:solidFill>
-                          <a:srgbClr val="000000"/>
-                        </a:solidFill>
-                        <a:effectLst/>
-                        <a:latin typeface="Calibri" panose="020F0502020204030204" pitchFamily="34" charset="0"/>
-                      </a:endParaRPr>
                     </a:p>
                   </a:txBody>
                   <a:tcPr marL="7620" marR="7620" marT="7620" marB="0" anchor="b">
@@ -27018,8 +26714,20 @@
                   </a:tcPr>
                 </a:tc>
                 <a:tc hMerge="1">
+                  <a:txBody>
+                    <a:bodyPr/>
+                    <a:lstStyle/>
+                    <a:p>
+                      <a:endParaRPr lang="en-US"/>
+                    </a:p>
+                  </a:txBody>
                   <a:tcPr/>
                 </a:tc>
+                <a:extLst>
+                  <a:ext uri="{0D108BD9-81ED-4DB2-BD59-A6C34878D82A}">
+                    <a16:rowId xmlns:a16="http://schemas.microsoft.com/office/drawing/2014/main" val="10005"/>
+                  </a:ext>
+                </a:extLst>
               </a:tr>
               <a:tr h="269853">
                 <a:tc>
@@ -27038,13 +26746,6 @@
                         </a:rPr>
                         <a:t>Collaborating</a:t>
                       </a:r>
-                      <a:endParaRPr lang="en-CA" sz="1100" b="1" i="0" u="none" strike="noStrike" dirty="0">
-                        <a:solidFill>
-                          <a:srgbClr val="000000"/>
-                        </a:solidFill>
-                        <a:effectLst/>
-                        <a:latin typeface="Calibri" panose="020F0502020204030204" pitchFamily="34" charset="0"/>
-                      </a:endParaRPr>
                     </a:p>
                   </a:txBody>
                   <a:tcPr marL="7620" marR="7620" marT="7620" marB="0" anchor="b">
@@ -27102,13 +26803,6 @@
                         </a:rPr>
                         <a:t>Video Link Agent, Clinic System Agent</a:t>
                       </a:r>
-                      <a:endParaRPr lang="en-US" sz="1100" b="0" i="0" u="none" strike="noStrike" dirty="0">
-                        <a:solidFill>
-                          <a:srgbClr val="000000"/>
-                        </a:solidFill>
-                        <a:effectLst/>
-                        <a:latin typeface="Calibri" panose="020F0502020204030204" pitchFamily="34" charset="0"/>
-                      </a:endParaRPr>
                     </a:p>
                   </a:txBody>
                   <a:tcPr marL="7620" marR="7620" marT="7620" marB="0" anchor="b">
@@ -27166,13 +26860,6 @@
                         </a:rPr>
                         <a:t> </a:t>
                       </a:r>
-                      <a:endParaRPr lang="en-CA" sz="1100" b="0" i="0" u="none" strike="noStrike">
-                        <a:solidFill>
-                          <a:srgbClr val="000000"/>
-                        </a:solidFill>
-                        <a:effectLst/>
-                        <a:latin typeface="Calibri" panose="020F0502020204030204" pitchFamily="34" charset="0"/>
-                      </a:endParaRPr>
                     </a:p>
                   </a:txBody>
                   <a:tcPr marL="7620" marR="7620" marT="7620" marB="0" anchor="b">
@@ -27214,6 +26901,11 @@
                     </a:lnB>
                   </a:tcPr>
                 </a:tc>
+                <a:extLst>
+                  <a:ext uri="{0D108BD9-81ED-4DB2-BD59-A6C34878D82A}">
+                    <a16:rowId xmlns:a16="http://schemas.microsoft.com/office/drawing/2014/main" val="10006"/>
+                  </a:ext>
+                </a:extLst>
               </a:tr>
               <a:tr h="269853">
                 <a:tc gridSpan="3">
@@ -27232,13 +26924,6 @@
                         </a:rPr>
                         <a:t>Other Diagrams:</a:t>
                       </a:r>
-                      <a:endParaRPr lang="en-CA" sz="1100" b="1" i="0" u="none" strike="noStrike" dirty="0">
-                        <a:solidFill>
-                          <a:srgbClr val="000000"/>
-                        </a:solidFill>
-                        <a:effectLst/>
-                        <a:latin typeface="Calibri" panose="020F0502020204030204" pitchFamily="34" charset="0"/>
-                      </a:endParaRPr>
                     </a:p>
                   </a:txBody>
                   <a:tcPr marL="7620" marR="7620" marT="7620" marB="0" anchor="b">
@@ -27284,11 +26969,30 @@
                   </a:tcPr>
                 </a:tc>
                 <a:tc hMerge="1">
+                  <a:txBody>
+                    <a:bodyPr/>
+                    <a:lstStyle/>
+                    <a:p>
+                      <a:endParaRPr lang="en-US"/>
+                    </a:p>
+                  </a:txBody>
                   <a:tcPr/>
                 </a:tc>
                 <a:tc hMerge="1">
+                  <a:txBody>
+                    <a:bodyPr/>
+                    <a:lstStyle/>
+                    <a:p>
+                      <a:endParaRPr lang="en-US"/>
+                    </a:p>
+                  </a:txBody>
                   <a:tcPr/>
                 </a:tc>
+                <a:extLst>
+                  <a:ext uri="{0D108BD9-81ED-4DB2-BD59-A6C34878D82A}">
+                    <a16:rowId xmlns:a16="http://schemas.microsoft.com/office/drawing/2014/main" val="10007"/>
+                  </a:ext>
+                </a:extLst>
               </a:tr>
               <a:tr h="259059">
                 <a:tc>
@@ -27307,13 +27011,6 @@
                         </a:rPr>
                         <a:t>Data Requirements</a:t>
                       </a:r>
-                      <a:endParaRPr lang="en-CA" sz="1100" b="1" i="0" u="none" strike="noStrike" dirty="0">
-                        <a:solidFill>
-                          <a:srgbClr val="000000"/>
-                        </a:solidFill>
-                        <a:effectLst/>
-                        <a:latin typeface="Calibri" panose="020F0502020204030204" pitchFamily="34" charset="0"/>
-                      </a:endParaRPr>
                     </a:p>
                   </a:txBody>
                   <a:tcPr marL="7620" marR="7620" marT="7620" marB="0" anchor="b">
@@ -27374,13 +27071,6 @@
                         </a:rPr>
                         <a:t> </a:t>
                       </a:r>
-                      <a:endParaRPr lang="en-CA" sz="1100" b="0" i="0" u="none" strike="noStrike" dirty="0">
-                        <a:solidFill>
-                          <a:srgbClr val="000000"/>
-                        </a:solidFill>
-                        <a:effectLst/>
-                        <a:latin typeface="Calibri" panose="020F0502020204030204" pitchFamily="34" charset="0"/>
-                      </a:endParaRPr>
                     </a:p>
                   </a:txBody>
                   <a:tcPr marL="7620" marR="7620" marT="7620" marB="0" anchor="b">
@@ -27441,13 +27131,6 @@
                         </a:rPr>
                         <a:t> </a:t>
                       </a:r>
-                      <a:endParaRPr lang="en-CA" sz="1100" b="0" i="0" u="none" strike="noStrike" dirty="0">
-                        <a:solidFill>
-                          <a:srgbClr val="000000"/>
-                        </a:solidFill>
-                        <a:effectLst/>
-                        <a:latin typeface="Calibri" panose="020F0502020204030204" pitchFamily="34" charset="0"/>
-                      </a:endParaRPr>
                     </a:p>
                   </a:txBody>
                   <a:tcPr marL="7620" marR="7620" marT="7620" marB="0" anchor="b">
@@ -27492,6 +27175,11 @@
                     </a:solidFill>
                   </a:tcPr>
                 </a:tc>
+                <a:extLst>
+                  <a:ext uri="{0D108BD9-81ED-4DB2-BD59-A6C34878D82A}">
+                    <a16:rowId xmlns:a16="http://schemas.microsoft.com/office/drawing/2014/main" val="10008"/>
+                  </a:ext>
+                </a:extLst>
               </a:tr>
               <a:tr h="259059">
                 <a:tc>
@@ -27510,13 +27198,6 @@
                         </a:rPr>
                         <a:t>Data Required : </a:t>
                       </a:r>
-                      <a:endParaRPr lang="en-CA" sz="1100" b="1" i="0" u="none" strike="noStrike" dirty="0">
-                        <a:solidFill>
-                          <a:srgbClr val="000000"/>
-                        </a:solidFill>
-                        <a:effectLst/>
-                        <a:latin typeface="Calibri" panose="020F0502020204030204" pitchFamily="34" charset="0"/>
-                      </a:endParaRPr>
                     </a:p>
                   </a:txBody>
                   <a:tcPr marL="7620" marR="7620" marT="7620" marB="0" anchor="b">
@@ -27568,13 +27249,6 @@
                         </a:rPr>
                         <a:t>Data Required for Notification Agent</a:t>
                       </a:r>
-                      <a:endParaRPr lang="en-US" sz="1100" b="1" i="0" u="none" strike="noStrike" dirty="0">
-                        <a:solidFill>
-                          <a:srgbClr val="000000"/>
-                        </a:solidFill>
-                        <a:effectLst/>
-                        <a:latin typeface="Calibri" panose="020F0502020204030204" pitchFamily="34" charset="0"/>
-                      </a:endParaRPr>
                     </a:p>
                   </a:txBody>
                   <a:tcPr marL="7620" marR="7620" marT="7620" marB="0" anchor="b">
@@ -27632,13 +27306,6 @@
                         </a:rPr>
                         <a:t> </a:t>
                       </a:r>
-                      <a:endParaRPr lang="en-CA" sz="1100" b="0" i="0" u="none" strike="noStrike" dirty="0">
-                        <a:solidFill>
-                          <a:srgbClr val="000000"/>
-                        </a:solidFill>
-                        <a:effectLst/>
-                        <a:latin typeface="Calibri" panose="020F0502020204030204" pitchFamily="34" charset="0"/>
-                      </a:endParaRPr>
                     </a:p>
                   </a:txBody>
                   <a:tcPr marL="7620" marR="7620" marT="7620" marB="0" anchor="b">
@@ -27680,6 +27347,11 @@
                     </a:lnB>
                   </a:tcPr>
                 </a:tc>
+                <a:extLst>
+                  <a:ext uri="{0D108BD9-81ED-4DB2-BD59-A6C34878D82A}">
+                    <a16:rowId xmlns:a16="http://schemas.microsoft.com/office/drawing/2014/main" val="10009"/>
+                  </a:ext>
+                </a:extLst>
               </a:tr>
               <a:tr h="259059">
                 <a:tc>
@@ -27698,13 +27370,6 @@
                         </a:rPr>
                         <a:t> </a:t>
                       </a:r>
-                      <a:endParaRPr lang="en-CA" sz="1100" b="0" i="0" u="none" strike="noStrike" dirty="0">
-                        <a:solidFill>
-                          <a:srgbClr val="000000"/>
-                        </a:solidFill>
-                        <a:effectLst/>
-                        <a:latin typeface="Calibri" panose="020F0502020204030204" pitchFamily="34" charset="0"/>
-                      </a:endParaRPr>
                     </a:p>
                   </a:txBody>
                   <a:tcPr marL="7620" marR="7620" marT="7620" marB="0" anchor="b">
@@ -27750,13 +27415,6 @@
                         </a:rPr>
                         <a:t>Video Link</a:t>
                       </a:r>
-                      <a:endParaRPr lang="en-CA" sz="1100" b="0" i="0" u="none" strike="noStrike" dirty="0">
-                        <a:solidFill>
-                          <a:srgbClr val="000000"/>
-                        </a:solidFill>
-                        <a:effectLst/>
-                        <a:latin typeface="Calibri" panose="020F0502020204030204" pitchFamily="34" charset="0"/>
-                      </a:endParaRPr>
                     </a:p>
                   </a:txBody>
                   <a:tcPr marL="7620" marR="7620" marT="7620" marB="0" anchor="b">
@@ -27852,6 +27510,11 @@
                     </a:lnB>
                   </a:tcPr>
                 </a:tc>
+                <a:extLst>
+                  <a:ext uri="{0D108BD9-81ED-4DB2-BD59-A6C34878D82A}">
+                    <a16:rowId xmlns:a16="http://schemas.microsoft.com/office/drawing/2014/main" val="10010"/>
+                  </a:ext>
+                </a:extLst>
               </a:tr>
               <a:tr h="259059">
                 <a:tc>
@@ -27870,13 +27533,6 @@
                         </a:rPr>
                         <a:t> </a:t>
                       </a:r>
-                      <a:endParaRPr lang="en-CA" sz="1100" b="0" i="0" u="none" strike="noStrike" dirty="0">
-                        <a:solidFill>
-                          <a:srgbClr val="000000"/>
-                        </a:solidFill>
-                        <a:effectLst/>
-                        <a:latin typeface="Calibri" panose="020F0502020204030204" pitchFamily="34" charset="0"/>
-                      </a:endParaRPr>
                     </a:p>
                   </a:txBody>
                   <a:tcPr marL="7620" marR="7620" marT="7620" marB="0" anchor="b">
@@ -27922,13 +27578,6 @@
                         </a:rPr>
                         <a:t>Email Address and Cell Phone Number of the user</a:t>
                       </a:r>
-                      <a:endParaRPr lang="en-US" sz="1100" b="0" i="0" u="none" strike="noStrike" dirty="0">
-                        <a:solidFill>
-                          <a:srgbClr val="000000"/>
-                        </a:solidFill>
-                        <a:effectLst/>
-                        <a:latin typeface="Calibri" panose="020F0502020204030204" pitchFamily="34" charset="0"/>
-                      </a:endParaRPr>
                     </a:p>
                   </a:txBody>
                   <a:tcPr marL="7620" marR="7620" marT="7620" marB="0" anchor="b">
@@ -28024,6 +27673,11 @@
                     </a:lnB>
                   </a:tcPr>
                 </a:tc>
+                <a:extLst>
+                  <a:ext uri="{0D108BD9-81ED-4DB2-BD59-A6C34878D82A}">
+                    <a16:rowId xmlns:a16="http://schemas.microsoft.com/office/drawing/2014/main" val="10011"/>
+                  </a:ext>
+                </a:extLst>
               </a:tr>
               <a:tr h="269853">
                 <a:tc>
@@ -28042,13 +27696,6 @@
                         </a:rPr>
                         <a:t> </a:t>
                       </a:r>
-                      <a:endParaRPr lang="en-CA" sz="1100" b="0" i="0" u="none" strike="noStrike" dirty="0">
-                        <a:solidFill>
-                          <a:srgbClr val="000000"/>
-                        </a:solidFill>
-                        <a:effectLst/>
-                        <a:latin typeface="Calibri" panose="020F0502020204030204" pitchFamily="34" charset="0"/>
-                      </a:endParaRPr>
                     </a:p>
                   </a:txBody>
                   <a:tcPr marL="7620" marR="7620" marT="7620" marB="0" anchor="b">
@@ -28100,13 +27747,6 @@
                         </a:rPr>
                         <a:t>Booked Appointment details</a:t>
                       </a:r>
-                      <a:endParaRPr lang="en-CA" sz="1100" b="0" i="0" u="none" strike="noStrike" dirty="0">
-                        <a:solidFill>
-                          <a:srgbClr val="000000"/>
-                        </a:solidFill>
-                        <a:effectLst/>
-                        <a:latin typeface="Calibri" panose="020F0502020204030204" pitchFamily="34" charset="0"/>
-                      </a:endParaRPr>
                     </a:p>
                   </a:txBody>
                   <a:tcPr marL="7620" marR="7620" marT="7620" marB="0" anchor="b">
@@ -28202,6 +27842,11 @@
                     </a:lnB>
                   </a:tcPr>
                 </a:tc>
+                <a:extLst>
+                  <a:ext uri="{0D108BD9-81ED-4DB2-BD59-A6C34878D82A}">
+                    <a16:rowId xmlns:a16="http://schemas.microsoft.com/office/drawing/2014/main" val="10012"/>
+                  </a:ext>
+                </a:extLst>
               </a:tr>
             </a:tbl>
           </a:graphicData>
@@ -28247,6 +27892,7 @@
           <a:p>
             <a:fld id="{A4BAB868-1E00-44C6-B1AB-DFCC5F9865BA}" type="slidenum">
               <a:rPr lang="ja-JP" altLang="en-US" smtClean="0"/>
+              <a:t>39</a:t>
             </a:fld>
             <a:endParaRPr lang="en-US" altLang="ja-JP"/>
           </a:p>
@@ -28327,7 +27973,6 @@
               <a:rPr lang="en-CA" dirty="0"/>
               <a:t>System Description (cont’d)</a:t>
             </a:r>
-            <a:endParaRPr lang="en-CA" dirty="0"/>
           </a:p>
         </p:txBody>
       </p:sp>
@@ -28342,7 +27987,7 @@
           </p:nvPr>
         </p:nvPicPr>
         <p:blipFill>
-          <a:blip r:embed="rId1"/>
+          <a:blip r:embed="rId2"/>
           <a:stretch>
             <a:fillRect/>
           </a:stretch>
@@ -28394,6 +28039,7 @@
           <a:p>
             <a:fld id="{A4BAB868-1E00-44C6-B1AB-DFCC5F9865BA}" type="slidenum">
               <a:rPr lang="ja-JP" altLang="en-US" smtClean="0"/>
+              <a:t>4</a:t>
             </a:fld>
             <a:endParaRPr lang="en-US" altLang="ja-JP"/>
           </a:p>
@@ -28446,7 +28092,6 @@
               <a:rPr lang="en-CA" dirty="0"/>
               <a:t>Class Diagram : Agents</a:t>
             </a:r>
-            <a:endParaRPr lang="en-CA" dirty="0"/>
           </a:p>
         </p:txBody>
       </p:sp>
@@ -28490,6 +28135,7 @@
           <a:p>
             <a:fld id="{A4BAB868-1E00-44C6-B1AB-DFCC5F9865BA}" type="slidenum">
               <a:rPr lang="ja-JP" altLang="en-US" smtClean="0"/>
+              <a:t>40</a:t>
             </a:fld>
             <a:endParaRPr lang="en-US" altLang="ja-JP"/>
           </a:p>
@@ -28504,7 +28150,7 @@
           <p:nvPr/>
         </p:nvPicPr>
         <p:blipFill>
-          <a:blip r:embed="rId1"/>
+          <a:blip r:embed="rId2"/>
           <a:stretch>
             <a:fillRect/>
           </a:stretch>
@@ -28566,7 +28212,6 @@
               <a:rPr lang="en-CA" dirty="0"/>
               <a:t>Data Specification : E-R Diagram</a:t>
             </a:r>
-            <a:endParaRPr lang="en-CA" dirty="0"/>
           </a:p>
         </p:txBody>
       </p:sp>
@@ -28610,6 +28255,7 @@
           <a:p>
             <a:fld id="{A4BAB868-1E00-44C6-B1AB-DFCC5F9865BA}" type="slidenum">
               <a:rPr lang="ja-JP" altLang="en-US" smtClean="0"/>
+              <a:t>41</a:t>
             </a:fld>
             <a:endParaRPr lang="en-US" altLang="ja-JP"/>
           </a:p>
@@ -28624,7 +28270,7 @@
           <p:nvPr/>
         </p:nvPicPr>
         <p:blipFill>
-          <a:blip r:embed="rId1"/>
+          <a:blip r:embed="rId2"/>
           <a:stretch>
             <a:fillRect/>
           </a:stretch>
@@ -28686,7 +28332,6 @@
               <a:rPr lang="en-CA" dirty="0"/>
               <a:t>Typical Data Definition</a:t>
             </a:r>
-            <a:endParaRPr lang="en-CA" dirty="0"/>
           </a:p>
         </p:txBody>
       </p:sp>
@@ -28730,6 +28375,7 @@
           <a:p>
             <a:fld id="{A4BAB868-1E00-44C6-B1AB-DFCC5F9865BA}" type="slidenum">
               <a:rPr lang="ja-JP" altLang="en-US" smtClean="0"/>
+              <a:t>42</a:t>
             </a:fld>
             <a:endParaRPr lang="en-US" altLang="ja-JP"/>
           </a:p>
@@ -28798,9 +28444,27 @@
             <a:tbl>
               <a:tblPr firstRow="1" firstCol="1" bandRow="1"/>
               <a:tblGrid>
-                <a:gridCol w="2791763"/>
-                <a:gridCol w="2792660"/>
-                <a:gridCol w="2792660"/>
+                <a:gridCol w="2791763">
+                  <a:extLst>
+                    <a:ext uri="{9D8B030D-6E8A-4147-A177-3AD203B41FA5}">
+                      <a16:colId xmlns:a16="http://schemas.microsoft.com/office/drawing/2014/main" val="20000"/>
+                    </a:ext>
+                  </a:extLst>
+                </a:gridCol>
+                <a:gridCol w="2792660">
+                  <a:extLst>
+                    <a:ext uri="{9D8B030D-6E8A-4147-A177-3AD203B41FA5}">
+                      <a16:colId xmlns:a16="http://schemas.microsoft.com/office/drawing/2014/main" val="20001"/>
+                    </a:ext>
+                  </a:extLst>
+                </a:gridCol>
+                <a:gridCol w="2792660">
+                  <a:extLst>
+                    <a:ext uri="{9D8B030D-6E8A-4147-A177-3AD203B41FA5}">
+                      <a16:colId xmlns:a16="http://schemas.microsoft.com/office/drawing/2014/main" val="20002"/>
+                    </a:ext>
+                  </a:extLst>
+                </a:gridCol>
               </a:tblGrid>
               <a:tr h="207422">
                 <a:tc>
@@ -29010,6 +28674,11 @@
                     </a:lnB>
                   </a:tcPr>
                 </a:tc>
+                <a:extLst>
+                  <a:ext uri="{0D108BD9-81ED-4DB2-BD59-A6C34878D82A}">
+                    <a16:rowId xmlns:a16="http://schemas.microsoft.com/office/drawing/2014/main" val="10000"/>
+                  </a:ext>
+                </a:extLst>
               </a:tr>
               <a:tr h="207422">
                 <a:tc>
@@ -29103,12 +28772,6 @@
                         </a:rPr>
                         <a:t>Appointment ID</a:t>
                       </a:r>
-                      <a:endParaRPr lang="en-CA" sz="1200">
-                        <a:effectLst/>
-                        <a:latin typeface="Calibri" panose="020F0502020204030204" pitchFamily="34" charset="0"/>
-                        <a:ea typeface="Calibri" panose="020F0502020204030204" pitchFamily="34" charset="0"/>
-                        <a:cs typeface="Times New Roman" panose="02020503050405090304" pitchFamily="18" charset="0"/>
-                      </a:endParaRPr>
                     </a:p>
                   </a:txBody>
                   <a:tcPr marL="68580" marR="68580" marT="0" marB="0">
@@ -29172,12 +28835,6 @@
                         </a:rPr>
                         <a:t>INT</a:t>
                       </a:r>
-                      <a:endParaRPr lang="en-CA" sz="1200">
-                        <a:effectLst/>
-                        <a:latin typeface="Calibri" panose="020F0502020204030204" pitchFamily="34" charset="0"/>
-                        <a:ea typeface="Calibri" panose="020F0502020204030204" pitchFamily="34" charset="0"/>
-                        <a:cs typeface="Times New Roman" panose="02020503050405090304" pitchFamily="18" charset="0"/>
-                      </a:endParaRPr>
                     </a:p>
                   </a:txBody>
                   <a:tcPr marL="68580" marR="68580" marT="0" marB="0">
@@ -29219,6 +28876,11 @@
                     </a:lnB>
                   </a:tcPr>
                 </a:tc>
+                <a:extLst>
+                  <a:ext uri="{0D108BD9-81ED-4DB2-BD59-A6C34878D82A}">
+                    <a16:rowId xmlns:a16="http://schemas.microsoft.com/office/drawing/2014/main" val="10001"/>
+                  </a:ext>
+                </a:extLst>
               </a:tr>
               <a:tr h="207422">
                 <a:tc>
@@ -29243,12 +28905,6 @@
                         </a:rPr>
                         <a:t>datetime</a:t>
                       </a:r>
-                      <a:endParaRPr lang="en-CA" sz="1200">
-                        <a:effectLst/>
-                        <a:latin typeface="Calibri" panose="020F0502020204030204" pitchFamily="34" charset="0"/>
-                        <a:ea typeface="Calibri" panose="020F0502020204030204" pitchFamily="34" charset="0"/>
-                        <a:cs typeface="Times New Roman" panose="02020503050405090304" pitchFamily="18" charset="0"/>
-                      </a:endParaRPr>
                     </a:p>
                   </a:txBody>
                   <a:tcPr marL="68580" marR="68580" marT="0" marB="0">
@@ -29312,12 +28968,6 @@
                         </a:rPr>
                         <a:t>Schedule of Appointment</a:t>
                       </a:r>
-                      <a:endParaRPr lang="en-CA" sz="1200">
-                        <a:effectLst/>
-                        <a:latin typeface="Calibri" panose="020F0502020204030204" pitchFamily="34" charset="0"/>
-                        <a:ea typeface="Calibri" panose="020F0502020204030204" pitchFamily="34" charset="0"/>
-                        <a:cs typeface="Times New Roman" panose="02020503050405090304" pitchFamily="18" charset="0"/>
-                      </a:endParaRPr>
                     </a:p>
                   </a:txBody>
                   <a:tcPr marL="68580" marR="68580" marT="0" marB="0">
@@ -29381,12 +29031,6 @@
                         </a:rPr>
                         <a:t>DATETIME(6)</a:t>
                       </a:r>
-                      <a:endParaRPr lang="en-CA" sz="1200">
-                        <a:effectLst/>
-                        <a:latin typeface="Calibri" panose="020F0502020204030204" pitchFamily="34" charset="0"/>
-                        <a:ea typeface="Calibri" panose="020F0502020204030204" pitchFamily="34" charset="0"/>
-                        <a:cs typeface="Times New Roman" panose="02020503050405090304" pitchFamily="18" charset="0"/>
-                      </a:endParaRPr>
                     </a:p>
                   </a:txBody>
                   <a:tcPr marL="68580" marR="68580" marT="0" marB="0">
@@ -29428,6 +29072,11 @@
                     </a:lnB>
                   </a:tcPr>
                 </a:tc>
+                <a:extLst>
+                  <a:ext uri="{0D108BD9-81ED-4DB2-BD59-A6C34878D82A}">
+                    <a16:rowId xmlns:a16="http://schemas.microsoft.com/office/drawing/2014/main" val="10002"/>
+                  </a:ext>
+                </a:extLst>
               </a:tr>
               <a:tr h="207422">
                 <a:tc>
@@ -29452,12 +29101,6 @@
                         </a:rPr>
                         <a:t>description</a:t>
                       </a:r>
-                      <a:endParaRPr lang="en-CA" sz="1200">
-                        <a:effectLst/>
-                        <a:latin typeface="Calibri" panose="020F0502020204030204" pitchFamily="34" charset="0"/>
-                        <a:ea typeface="Calibri" panose="020F0502020204030204" pitchFamily="34" charset="0"/>
-                        <a:cs typeface="Times New Roman" panose="02020503050405090304" pitchFamily="18" charset="0"/>
-                      </a:endParaRPr>
                     </a:p>
                   </a:txBody>
                   <a:tcPr marL="68580" marR="68580" marT="0" marB="0">
@@ -29521,12 +29164,6 @@
                         </a:rPr>
                         <a:t>Pet’s Description</a:t>
                       </a:r>
-                      <a:endParaRPr lang="en-CA" sz="1200">
-                        <a:effectLst/>
-                        <a:latin typeface="Calibri" panose="020F0502020204030204" pitchFamily="34" charset="0"/>
-                        <a:ea typeface="Calibri" panose="020F0502020204030204" pitchFamily="34" charset="0"/>
-                        <a:cs typeface="Times New Roman" panose="02020503050405090304" pitchFamily="18" charset="0"/>
-                      </a:endParaRPr>
                     </a:p>
                   </a:txBody>
                   <a:tcPr marL="68580" marR="68580" marT="0" marB="0">
@@ -29590,12 +29227,6 @@
                         </a:rPr>
                         <a:t>VARCHAR(255)</a:t>
                       </a:r>
-                      <a:endParaRPr lang="en-CA" sz="1200">
-                        <a:effectLst/>
-                        <a:latin typeface="Calibri" panose="020F0502020204030204" pitchFamily="34" charset="0"/>
-                        <a:ea typeface="Calibri" panose="020F0502020204030204" pitchFamily="34" charset="0"/>
-                        <a:cs typeface="Times New Roman" panose="02020503050405090304" pitchFamily="18" charset="0"/>
-                      </a:endParaRPr>
                     </a:p>
                   </a:txBody>
                   <a:tcPr marL="68580" marR="68580" marT="0" marB="0">
@@ -29637,6 +29268,11 @@
                     </a:lnB>
                   </a:tcPr>
                 </a:tc>
+                <a:extLst>
+                  <a:ext uri="{0D108BD9-81ED-4DB2-BD59-A6C34878D82A}">
+                    <a16:rowId xmlns:a16="http://schemas.microsoft.com/office/drawing/2014/main" val="10003"/>
+                  </a:ext>
+                </a:extLst>
               </a:tr>
               <a:tr h="207422">
                 <a:tc>
@@ -29661,12 +29297,6 @@
                         </a:rPr>
                         <a:t>notes</a:t>
                       </a:r>
-                      <a:endParaRPr lang="en-CA" sz="1200">
-                        <a:effectLst/>
-                        <a:latin typeface="Calibri" panose="020F0502020204030204" pitchFamily="34" charset="0"/>
-                        <a:ea typeface="Calibri" panose="020F0502020204030204" pitchFamily="34" charset="0"/>
-                        <a:cs typeface="Times New Roman" panose="02020503050405090304" pitchFamily="18" charset="0"/>
-                      </a:endParaRPr>
                     </a:p>
                   </a:txBody>
                   <a:tcPr marL="68580" marR="68580" marT="0" marB="0">
@@ -29730,12 +29360,6 @@
                         </a:rPr>
                         <a:t>Additional Notes</a:t>
                       </a:r>
-                      <a:endParaRPr lang="en-CA" sz="1200">
-                        <a:effectLst/>
-                        <a:latin typeface="Calibri" panose="020F0502020204030204" pitchFamily="34" charset="0"/>
-                        <a:ea typeface="Calibri" panose="020F0502020204030204" pitchFamily="34" charset="0"/>
-                        <a:cs typeface="Times New Roman" panose="02020503050405090304" pitchFamily="18" charset="0"/>
-                      </a:endParaRPr>
                     </a:p>
                   </a:txBody>
                   <a:tcPr marL="68580" marR="68580" marT="0" marB="0">
@@ -29799,12 +29423,6 @@
                         </a:rPr>
                         <a:t>VARCHAR(250)</a:t>
                       </a:r>
-                      <a:endParaRPr lang="en-CA" sz="1200">
-                        <a:effectLst/>
-                        <a:latin typeface="Calibri" panose="020F0502020204030204" pitchFamily="34" charset="0"/>
-                        <a:ea typeface="Calibri" panose="020F0502020204030204" pitchFamily="34" charset="0"/>
-                        <a:cs typeface="Times New Roman" panose="02020503050405090304" pitchFamily="18" charset="0"/>
-                      </a:endParaRPr>
                     </a:p>
                   </a:txBody>
                   <a:tcPr marL="68580" marR="68580" marT="0" marB="0">
@@ -29846,6 +29464,11 @@
                     </a:lnB>
                   </a:tcPr>
                 </a:tc>
+                <a:extLst>
+                  <a:ext uri="{0D108BD9-81ED-4DB2-BD59-A6C34878D82A}">
+                    <a16:rowId xmlns:a16="http://schemas.microsoft.com/office/drawing/2014/main" val="10004"/>
+                  </a:ext>
+                </a:extLst>
               </a:tr>
               <a:tr h="207422">
                 <a:tc>
@@ -29939,12 +29562,6 @@
                         </a:rPr>
                         <a:t>Pet Owner’s identification #</a:t>
                       </a:r>
-                      <a:endParaRPr lang="en-CA" sz="1200">
-                        <a:effectLst/>
-                        <a:latin typeface="Calibri" panose="020F0502020204030204" pitchFamily="34" charset="0"/>
-                        <a:ea typeface="Calibri" panose="020F0502020204030204" pitchFamily="34" charset="0"/>
-                        <a:cs typeface="Times New Roman" panose="02020503050405090304" pitchFamily="18" charset="0"/>
-                      </a:endParaRPr>
                     </a:p>
                   </a:txBody>
                   <a:tcPr marL="68580" marR="68580" marT="0" marB="0">
@@ -30008,12 +29625,6 @@
                         </a:rPr>
                         <a:t>BIGINT</a:t>
                       </a:r>
-                      <a:endParaRPr lang="en-CA" sz="1200">
-                        <a:effectLst/>
-                        <a:latin typeface="Calibri" panose="020F0502020204030204" pitchFamily="34" charset="0"/>
-                        <a:ea typeface="Calibri" panose="020F0502020204030204" pitchFamily="34" charset="0"/>
-                        <a:cs typeface="Times New Roman" panose="02020503050405090304" pitchFamily="18" charset="0"/>
-                      </a:endParaRPr>
                     </a:p>
                   </a:txBody>
                   <a:tcPr marL="68580" marR="68580" marT="0" marB="0">
@@ -30055,6 +29666,11 @@
                     </a:lnB>
                   </a:tcPr>
                 </a:tc>
+                <a:extLst>
+                  <a:ext uri="{0D108BD9-81ED-4DB2-BD59-A6C34878D82A}">
+                    <a16:rowId xmlns:a16="http://schemas.microsoft.com/office/drawing/2014/main" val="10005"/>
+                  </a:ext>
+                </a:extLst>
               </a:tr>
               <a:tr h="207422">
                 <a:tc>
@@ -30148,12 +29764,6 @@
                         </a:rPr>
                         <a:t>Doctor’s identification #</a:t>
                       </a:r>
-                      <a:endParaRPr lang="en-CA" sz="1200">
-                        <a:effectLst/>
-                        <a:latin typeface="Calibri" panose="020F0502020204030204" pitchFamily="34" charset="0"/>
-                        <a:ea typeface="Calibri" panose="020F0502020204030204" pitchFamily="34" charset="0"/>
-                        <a:cs typeface="Times New Roman" panose="02020503050405090304" pitchFamily="18" charset="0"/>
-                      </a:endParaRPr>
                     </a:p>
                   </a:txBody>
                   <a:tcPr marL="68580" marR="68580" marT="0" marB="0">
@@ -30217,12 +29827,6 @@
                         </a:rPr>
                         <a:t>VARCHAR(255)</a:t>
                       </a:r>
-                      <a:endParaRPr lang="en-CA" sz="1200">
-                        <a:effectLst/>
-                        <a:latin typeface="Calibri" panose="020F0502020204030204" pitchFamily="34" charset="0"/>
-                        <a:ea typeface="Calibri" panose="020F0502020204030204" pitchFamily="34" charset="0"/>
-                        <a:cs typeface="Times New Roman" panose="02020503050405090304" pitchFamily="18" charset="0"/>
-                      </a:endParaRPr>
                     </a:p>
                   </a:txBody>
                   <a:tcPr marL="68580" marR="68580" marT="0" marB="0">
@@ -30264,6 +29868,11 @@
                     </a:lnB>
                   </a:tcPr>
                 </a:tc>
+                <a:extLst>
+                  <a:ext uri="{0D108BD9-81ED-4DB2-BD59-A6C34878D82A}">
+                    <a16:rowId xmlns:a16="http://schemas.microsoft.com/office/drawing/2014/main" val="10006"/>
+                  </a:ext>
+                </a:extLst>
               </a:tr>
               <a:tr h="207422">
                 <a:tc>
@@ -30288,12 +29897,6 @@
                         </a:rPr>
                         <a:t>criticality</a:t>
                       </a:r>
-                      <a:endParaRPr lang="en-CA" sz="1200">
-                        <a:effectLst/>
-                        <a:latin typeface="Calibri" panose="020F0502020204030204" pitchFamily="34" charset="0"/>
-                        <a:ea typeface="Calibri" panose="020F0502020204030204" pitchFamily="34" charset="0"/>
-                        <a:cs typeface="Times New Roman" panose="02020503050405090304" pitchFamily="18" charset="0"/>
-                      </a:endParaRPr>
                     </a:p>
                   </a:txBody>
                   <a:tcPr marL="68580" marR="68580" marT="0" marB="0">
@@ -30357,12 +29960,6 @@
                         </a:rPr>
                         <a:t>If appointment is ‘URGENT’ or ‘REGULAR’</a:t>
                       </a:r>
-                      <a:endParaRPr lang="en-CA" sz="1200">
-                        <a:effectLst/>
-                        <a:latin typeface="Calibri" panose="020F0502020204030204" pitchFamily="34" charset="0"/>
-                        <a:ea typeface="Calibri" panose="020F0502020204030204" pitchFamily="34" charset="0"/>
-                        <a:cs typeface="Times New Roman" panose="02020503050405090304" pitchFamily="18" charset="0"/>
-                      </a:endParaRPr>
                     </a:p>
                   </a:txBody>
                   <a:tcPr marL="68580" marR="68580" marT="0" marB="0">
@@ -30426,12 +30023,6 @@
                         </a:rPr>
                         <a:t>VARCHAR(10)</a:t>
                       </a:r>
-                      <a:endParaRPr lang="en-CA" sz="1200">
-                        <a:effectLst/>
-                        <a:latin typeface="Calibri" panose="020F0502020204030204" pitchFamily="34" charset="0"/>
-                        <a:ea typeface="Calibri" panose="020F0502020204030204" pitchFamily="34" charset="0"/>
-                        <a:cs typeface="Times New Roman" panose="02020503050405090304" pitchFamily="18" charset="0"/>
-                      </a:endParaRPr>
                     </a:p>
                   </a:txBody>
                   <a:tcPr marL="68580" marR="68580" marT="0" marB="0">
@@ -30473,6 +30064,11 @@
                     </a:lnB>
                   </a:tcPr>
                 </a:tc>
+                <a:extLst>
+                  <a:ext uri="{0D108BD9-81ED-4DB2-BD59-A6C34878D82A}">
+                    <a16:rowId xmlns:a16="http://schemas.microsoft.com/office/drawing/2014/main" val="10007"/>
+                  </a:ext>
+                </a:extLst>
               </a:tr>
               <a:tr h="207422">
                 <a:tc>
@@ -30497,12 +30093,6 @@
                         </a:rPr>
                         <a:t>status</a:t>
                       </a:r>
-                      <a:endParaRPr lang="en-CA" sz="1200">
-                        <a:effectLst/>
-                        <a:latin typeface="Calibri" panose="020F0502020204030204" pitchFamily="34" charset="0"/>
-                        <a:ea typeface="Calibri" panose="020F0502020204030204" pitchFamily="34" charset="0"/>
-                        <a:cs typeface="Times New Roman" panose="02020503050405090304" pitchFamily="18" charset="0"/>
-                      </a:endParaRPr>
                     </a:p>
                   </a:txBody>
                   <a:tcPr marL="68580" marR="68580" marT="0" marB="0">
@@ -30566,12 +30156,6 @@
                         </a:rPr>
                         <a:t>Flag to check if appointment is booked</a:t>
                       </a:r>
-                      <a:endParaRPr lang="en-CA" sz="1200">
-                        <a:effectLst/>
-                        <a:latin typeface="Calibri" panose="020F0502020204030204" pitchFamily="34" charset="0"/>
-                        <a:ea typeface="Calibri" panose="020F0502020204030204" pitchFamily="34" charset="0"/>
-                        <a:cs typeface="Times New Roman" panose="02020503050405090304" pitchFamily="18" charset="0"/>
-                      </a:endParaRPr>
                     </a:p>
                   </a:txBody>
                   <a:tcPr marL="68580" marR="68580" marT="0" marB="0">
@@ -30635,12 +30219,6 @@
                         </a:rPr>
                         <a:t>VARCHAR(250)</a:t>
                       </a:r>
-                      <a:endParaRPr lang="en-CA" sz="1200">
-                        <a:effectLst/>
-                        <a:latin typeface="Calibri" panose="020F0502020204030204" pitchFamily="34" charset="0"/>
-                        <a:ea typeface="Calibri" panose="020F0502020204030204" pitchFamily="34" charset="0"/>
-                        <a:cs typeface="Times New Roman" panose="02020503050405090304" pitchFamily="18" charset="0"/>
-                      </a:endParaRPr>
                     </a:p>
                   </a:txBody>
                   <a:tcPr marL="68580" marR="68580" marT="0" marB="0">
@@ -30682,6 +30260,11 @@
                     </a:lnB>
                   </a:tcPr>
                 </a:tc>
+                <a:extLst>
+                  <a:ext uri="{0D108BD9-81ED-4DB2-BD59-A6C34878D82A}">
+                    <a16:rowId xmlns:a16="http://schemas.microsoft.com/office/drawing/2014/main" val="10008"/>
+                  </a:ext>
+                </a:extLst>
               </a:tr>
               <a:tr h="207422">
                 <a:tc>
@@ -30706,12 +30289,6 @@
                         </a:rPr>
                         <a:t>email</a:t>
                       </a:r>
-                      <a:endParaRPr lang="en-CA" sz="1200">
-                        <a:effectLst/>
-                        <a:latin typeface="Calibri" panose="020F0502020204030204" pitchFamily="34" charset="0"/>
-                        <a:ea typeface="Calibri" panose="020F0502020204030204" pitchFamily="34" charset="0"/>
-                        <a:cs typeface="Times New Roman" panose="02020503050405090304" pitchFamily="18" charset="0"/>
-                      </a:endParaRPr>
                     </a:p>
                   </a:txBody>
                   <a:tcPr marL="68580" marR="68580" marT="0" marB="0">
@@ -30775,12 +30352,6 @@
                         </a:rPr>
                         <a:t>Owner’s email</a:t>
                       </a:r>
-                      <a:endParaRPr lang="en-CA" sz="1200">
-                        <a:effectLst/>
-                        <a:latin typeface="Calibri" panose="020F0502020204030204" pitchFamily="34" charset="0"/>
-                        <a:ea typeface="Calibri" panose="020F0502020204030204" pitchFamily="34" charset="0"/>
-                        <a:cs typeface="Times New Roman" panose="02020503050405090304" pitchFamily="18" charset="0"/>
-                      </a:endParaRPr>
                     </a:p>
                   </a:txBody>
                   <a:tcPr marL="68580" marR="68580" marT="0" marB="0">
@@ -30844,12 +30415,6 @@
                         </a:rPr>
                         <a:t>VARCHAR(255)</a:t>
                       </a:r>
-                      <a:endParaRPr lang="en-CA" sz="1200">
-                        <a:effectLst/>
-                        <a:latin typeface="Calibri" panose="020F0502020204030204" pitchFamily="34" charset="0"/>
-                        <a:ea typeface="Calibri" panose="020F0502020204030204" pitchFamily="34" charset="0"/>
-                        <a:cs typeface="Times New Roman" panose="02020503050405090304" pitchFamily="18" charset="0"/>
-                      </a:endParaRPr>
                     </a:p>
                   </a:txBody>
                   <a:tcPr marL="68580" marR="68580" marT="0" marB="0">
@@ -30891,6 +30456,11 @@
                     </a:lnB>
                   </a:tcPr>
                 </a:tc>
+                <a:extLst>
+                  <a:ext uri="{0D108BD9-81ED-4DB2-BD59-A6C34878D82A}">
+                    <a16:rowId xmlns:a16="http://schemas.microsoft.com/office/drawing/2014/main" val="10009"/>
+                  </a:ext>
+                </a:extLst>
               </a:tr>
               <a:tr h="207422">
                 <a:tc>
@@ -30915,12 +30485,6 @@
                         </a:rPr>
                         <a:t>sms</a:t>
                       </a:r>
-                      <a:endParaRPr lang="en-CA" sz="1200">
-                        <a:effectLst/>
-                        <a:latin typeface="Calibri" panose="020F0502020204030204" pitchFamily="34" charset="0"/>
-                        <a:ea typeface="Calibri" panose="020F0502020204030204" pitchFamily="34" charset="0"/>
-                        <a:cs typeface="Times New Roman" panose="02020503050405090304" pitchFamily="18" charset="0"/>
-                      </a:endParaRPr>
                     </a:p>
                   </a:txBody>
                   <a:tcPr marL="68580" marR="68580" marT="0" marB="0">
@@ -30984,12 +30548,6 @@
                         </a:rPr>
                         <a:t>Owner’s sms</a:t>
                       </a:r>
-                      <a:endParaRPr lang="en-CA" sz="1200">
-                        <a:effectLst/>
-                        <a:latin typeface="Calibri" panose="020F0502020204030204" pitchFamily="34" charset="0"/>
-                        <a:ea typeface="Calibri" panose="020F0502020204030204" pitchFamily="34" charset="0"/>
-                        <a:cs typeface="Times New Roman" panose="02020503050405090304" pitchFamily="18" charset="0"/>
-                      </a:endParaRPr>
                     </a:p>
                   </a:txBody>
                   <a:tcPr marL="68580" marR="68580" marT="0" marB="0">
@@ -31053,12 +30611,6 @@
                         </a:rPr>
                         <a:t>VARCHAR(255)</a:t>
                       </a:r>
-                      <a:endParaRPr lang="en-CA" sz="1200">
-                        <a:effectLst/>
-                        <a:latin typeface="Calibri" panose="020F0502020204030204" pitchFamily="34" charset="0"/>
-                        <a:ea typeface="Calibri" panose="020F0502020204030204" pitchFamily="34" charset="0"/>
-                        <a:cs typeface="Times New Roman" panose="02020503050405090304" pitchFamily="18" charset="0"/>
-                      </a:endParaRPr>
                     </a:p>
                   </a:txBody>
                   <a:tcPr marL="68580" marR="68580" marT="0" marB="0">
@@ -31100,6 +30652,11 @@
                     </a:lnB>
                   </a:tcPr>
                 </a:tc>
+                <a:extLst>
+                  <a:ext uri="{0D108BD9-81ED-4DB2-BD59-A6C34878D82A}">
+                    <a16:rowId xmlns:a16="http://schemas.microsoft.com/office/drawing/2014/main" val="10010"/>
+                  </a:ext>
+                </a:extLst>
               </a:tr>
               <a:tr h="207422">
                 <a:tc>
@@ -31124,12 +30681,6 @@
                         </a:rPr>
                         <a:t>feedback</a:t>
                       </a:r>
-                      <a:endParaRPr lang="en-CA" sz="1200">
-                        <a:effectLst/>
-                        <a:latin typeface="Calibri" panose="020F0502020204030204" pitchFamily="34" charset="0"/>
-                        <a:ea typeface="Calibri" panose="020F0502020204030204" pitchFamily="34" charset="0"/>
-                        <a:cs typeface="Times New Roman" panose="02020503050405090304" pitchFamily="18" charset="0"/>
-                      </a:endParaRPr>
                     </a:p>
                   </a:txBody>
                   <a:tcPr marL="68580" marR="68580" marT="0" marB="0">
@@ -31193,12 +30744,6 @@
                         </a:rPr>
                         <a:t>Doctor’s feedback</a:t>
                       </a:r>
-                      <a:endParaRPr lang="en-CA" sz="1200">
-                        <a:effectLst/>
-                        <a:latin typeface="Calibri" panose="020F0502020204030204" pitchFamily="34" charset="0"/>
-                        <a:ea typeface="Calibri" panose="020F0502020204030204" pitchFamily="34" charset="0"/>
-                        <a:cs typeface="Times New Roman" panose="02020503050405090304" pitchFamily="18" charset="0"/>
-                      </a:endParaRPr>
                     </a:p>
                   </a:txBody>
                   <a:tcPr marL="68580" marR="68580" marT="0" marB="0">
@@ -31262,12 +30807,6 @@
                         </a:rPr>
                         <a:t>VARCHAR(255)</a:t>
                       </a:r>
-                      <a:endParaRPr lang="en-CA" sz="1200">
-                        <a:effectLst/>
-                        <a:latin typeface="Calibri" panose="020F0502020204030204" pitchFamily="34" charset="0"/>
-                        <a:ea typeface="Calibri" panose="020F0502020204030204" pitchFamily="34" charset="0"/>
-                        <a:cs typeface="Times New Roman" panose="02020503050405090304" pitchFamily="18" charset="0"/>
-                      </a:endParaRPr>
                     </a:p>
                   </a:txBody>
                   <a:tcPr marL="68580" marR="68580" marT="0" marB="0">
@@ -31309,6 +30848,11 @@
                     </a:lnB>
                   </a:tcPr>
                 </a:tc>
+                <a:extLst>
+                  <a:ext uri="{0D108BD9-81ED-4DB2-BD59-A6C34878D82A}">
+                    <a16:rowId xmlns:a16="http://schemas.microsoft.com/office/drawing/2014/main" val="10011"/>
+                  </a:ext>
+                </a:extLst>
               </a:tr>
               <a:tr h="207422">
                 <a:tc>
@@ -31333,12 +30877,6 @@
                         </a:rPr>
                         <a:t>deleted</a:t>
                       </a:r>
-                      <a:endParaRPr lang="en-CA" sz="1200">
-                        <a:effectLst/>
-                        <a:latin typeface="Calibri" panose="020F0502020204030204" pitchFamily="34" charset="0"/>
-                        <a:ea typeface="Calibri" panose="020F0502020204030204" pitchFamily="34" charset="0"/>
-                        <a:cs typeface="Times New Roman" panose="02020503050405090304" pitchFamily="18" charset="0"/>
-                      </a:endParaRPr>
                     </a:p>
                   </a:txBody>
                   <a:tcPr marL="68580" marR="68580" marT="0" marB="0">
@@ -31402,12 +30940,6 @@
                         </a:rPr>
                         <a:t>Flag to check if appointment is booked</a:t>
                       </a:r>
-                      <a:endParaRPr lang="en-CA" sz="1200">
-                        <a:effectLst/>
-                        <a:latin typeface="Calibri" panose="020F0502020204030204" pitchFamily="34" charset="0"/>
-                        <a:ea typeface="Calibri" panose="020F0502020204030204" pitchFamily="34" charset="0"/>
-                        <a:cs typeface="Times New Roman" panose="02020503050405090304" pitchFamily="18" charset="0"/>
-                      </a:endParaRPr>
                     </a:p>
                   </a:txBody>
                   <a:tcPr marL="68580" marR="68580" marT="0" marB="0">
@@ -31471,12 +31003,6 @@
                         </a:rPr>
                         <a:t>BIT(1)</a:t>
                       </a:r>
-                      <a:endParaRPr lang="en-CA" sz="1200">
-                        <a:effectLst/>
-                        <a:latin typeface="Calibri" panose="020F0502020204030204" pitchFamily="34" charset="0"/>
-                        <a:ea typeface="Calibri" panose="020F0502020204030204" pitchFamily="34" charset="0"/>
-                        <a:cs typeface="Times New Roman" panose="02020503050405090304" pitchFamily="18" charset="0"/>
-                      </a:endParaRPr>
                     </a:p>
                   </a:txBody>
                   <a:tcPr marL="68580" marR="68580" marT="0" marB="0">
@@ -31518,6 +31044,11 @@
                     </a:lnB>
                   </a:tcPr>
                 </a:tc>
+                <a:extLst>
+                  <a:ext uri="{0D108BD9-81ED-4DB2-BD59-A6C34878D82A}">
+                    <a16:rowId xmlns:a16="http://schemas.microsoft.com/office/drawing/2014/main" val="10012"/>
+                  </a:ext>
+                </a:extLst>
               </a:tr>
               <a:tr h="207422">
                 <a:tc>
@@ -31542,12 +31073,6 @@
                         </a:rPr>
                         <a:t>age </a:t>
                       </a:r>
-                      <a:endParaRPr lang="en-CA" sz="1200">
-                        <a:effectLst/>
-                        <a:latin typeface="Calibri" panose="020F0502020204030204" pitchFamily="34" charset="0"/>
-                        <a:ea typeface="Calibri" panose="020F0502020204030204" pitchFamily="34" charset="0"/>
-                        <a:cs typeface="Times New Roman" panose="02020503050405090304" pitchFamily="18" charset="0"/>
-                      </a:endParaRPr>
                     </a:p>
                   </a:txBody>
                   <a:tcPr marL="68580" marR="68580" marT="0" marB="0">
@@ -31611,12 +31136,6 @@
                         </a:rPr>
                         <a:t>Pet’s age</a:t>
                       </a:r>
-                      <a:endParaRPr lang="en-CA" sz="1200">
-                        <a:effectLst/>
-                        <a:latin typeface="Calibri" panose="020F0502020204030204" pitchFamily="34" charset="0"/>
-                        <a:ea typeface="Calibri" panose="020F0502020204030204" pitchFamily="34" charset="0"/>
-                        <a:cs typeface="Times New Roman" panose="02020503050405090304" pitchFamily="18" charset="0"/>
-                      </a:endParaRPr>
                     </a:p>
                   </a:txBody>
                   <a:tcPr marL="68580" marR="68580" marT="0" marB="0">
@@ -31680,12 +31199,6 @@
                         </a:rPr>
                         <a:t>VARCHAR(255)</a:t>
                       </a:r>
-                      <a:endParaRPr lang="en-CA" sz="1200">
-                        <a:effectLst/>
-                        <a:latin typeface="Calibri" panose="020F0502020204030204" pitchFamily="34" charset="0"/>
-                        <a:ea typeface="Calibri" panose="020F0502020204030204" pitchFamily="34" charset="0"/>
-                        <a:cs typeface="Times New Roman" panose="02020503050405090304" pitchFamily="18" charset="0"/>
-                      </a:endParaRPr>
                     </a:p>
                   </a:txBody>
                   <a:tcPr marL="68580" marR="68580" marT="0" marB="0">
@@ -31727,6 +31240,11 @@
                     </a:lnB>
                   </a:tcPr>
                 </a:tc>
+                <a:extLst>
+                  <a:ext uri="{0D108BD9-81ED-4DB2-BD59-A6C34878D82A}">
+                    <a16:rowId xmlns:a16="http://schemas.microsoft.com/office/drawing/2014/main" val="10013"/>
+                  </a:ext>
+                </a:extLst>
               </a:tr>
               <a:tr h="207422">
                 <a:tc>
@@ -31751,12 +31269,6 @@
                         </a:rPr>
                         <a:t>breed</a:t>
                       </a:r>
-                      <a:endParaRPr lang="en-CA" sz="1200">
-                        <a:effectLst/>
-                        <a:latin typeface="Calibri" panose="020F0502020204030204" pitchFamily="34" charset="0"/>
-                        <a:ea typeface="Calibri" panose="020F0502020204030204" pitchFamily="34" charset="0"/>
-                        <a:cs typeface="Times New Roman" panose="02020503050405090304" pitchFamily="18" charset="0"/>
-                      </a:endParaRPr>
                     </a:p>
                   </a:txBody>
                   <a:tcPr marL="68580" marR="68580" marT="0" marB="0">
@@ -31820,12 +31332,6 @@
                         </a:rPr>
                         <a:t>Pet’s breed</a:t>
                       </a:r>
-                      <a:endParaRPr lang="en-CA" sz="1200">
-                        <a:effectLst/>
-                        <a:latin typeface="Calibri" panose="020F0502020204030204" pitchFamily="34" charset="0"/>
-                        <a:ea typeface="Calibri" panose="020F0502020204030204" pitchFamily="34" charset="0"/>
-                        <a:cs typeface="Times New Roman" panose="02020503050405090304" pitchFamily="18" charset="0"/>
-                      </a:endParaRPr>
                     </a:p>
                   </a:txBody>
                   <a:tcPr marL="68580" marR="68580" marT="0" marB="0">
@@ -31889,12 +31395,6 @@
                         </a:rPr>
                         <a:t>VARCHAR(255)</a:t>
                       </a:r>
-                      <a:endParaRPr lang="en-CA" sz="1200">
-                        <a:effectLst/>
-                        <a:latin typeface="Calibri" panose="020F0502020204030204" pitchFamily="34" charset="0"/>
-                        <a:ea typeface="Calibri" panose="020F0502020204030204" pitchFamily="34" charset="0"/>
-                        <a:cs typeface="Times New Roman" panose="02020503050405090304" pitchFamily="18" charset="0"/>
-                      </a:endParaRPr>
                     </a:p>
                   </a:txBody>
                   <a:tcPr marL="68580" marR="68580" marT="0" marB="0">
@@ -31936,6 +31436,11 @@
                     </a:lnB>
                   </a:tcPr>
                 </a:tc>
+                <a:extLst>
+                  <a:ext uri="{0D108BD9-81ED-4DB2-BD59-A6C34878D82A}">
+                    <a16:rowId xmlns:a16="http://schemas.microsoft.com/office/drawing/2014/main" val="10014"/>
+                  </a:ext>
+                </a:extLst>
               </a:tr>
               <a:tr h="207422">
                 <a:tc>
@@ -31960,12 +31465,6 @@
                         </a:rPr>
                         <a:t>del_mail</a:t>
                       </a:r>
-                      <a:endParaRPr lang="en-CA" sz="1200">
-                        <a:effectLst/>
-                        <a:latin typeface="Calibri" panose="020F0502020204030204" pitchFamily="34" charset="0"/>
-                        <a:ea typeface="Calibri" panose="020F0502020204030204" pitchFamily="34" charset="0"/>
-                        <a:cs typeface="Times New Roman" panose="02020503050405090304" pitchFamily="18" charset="0"/>
-                      </a:endParaRPr>
                     </a:p>
                   </a:txBody>
                   <a:tcPr marL="68580" marR="68580" marT="0" marB="0">
@@ -32029,12 +31528,6 @@
                         </a:rPr>
                         <a:t> Deleted E-mail</a:t>
                       </a:r>
-                      <a:endParaRPr lang="en-CA" sz="1200" dirty="0">
-                        <a:effectLst/>
-                        <a:latin typeface="Calibri" panose="020F0502020204030204" pitchFamily="34" charset="0"/>
-                        <a:ea typeface="Calibri" panose="020F0502020204030204" pitchFamily="34" charset="0"/>
-                        <a:cs typeface="Times New Roman" panose="02020503050405090304" pitchFamily="18" charset="0"/>
-                      </a:endParaRPr>
                     </a:p>
                   </a:txBody>
                   <a:tcPr marL="68580" marR="68580" marT="0" marB="0">
@@ -32098,12 +31591,6 @@
                         </a:rPr>
                         <a:t>BIT(1)</a:t>
                       </a:r>
-                      <a:endParaRPr lang="en-CA" sz="1200">
-                        <a:effectLst/>
-                        <a:latin typeface="Calibri" panose="020F0502020204030204" pitchFamily="34" charset="0"/>
-                        <a:ea typeface="Calibri" panose="020F0502020204030204" pitchFamily="34" charset="0"/>
-                        <a:cs typeface="Times New Roman" panose="02020503050405090304" pitchFamily="18" charset="0"/>
-                      </a:endParaRPr>
                     </a:p>
                   </a:txBody>
                   <a:tcPr marL="68580" marR="68580" marT="0" marB="0">
@@ -32145,6 +31632,11 @@
                     </a:lnB>
                   </a:tcPr>
                 </a:tc>
+                <a:extLst>
+                  <a:ext uri="{0D108BD9-81ED-4DB2-BD59-A6C34878D82A}">
+                    <a16:rowId xmlns:a16="http://schemas.microsoft.com/office/drawing/2014/main" val="10015"/>
+                  </a:ext>
+                </a:extLst>
               </a:tr>
               <a:tr h="207422">
                 <a:tc>
@@ -32169,12 +31661,6 @@
                         </a:rPr>
                         <a:t>updated</a:t>
                       </a:r>
-                      <a:endParaRPr lang="en-CA" sz="1200">
-                        <a:effectLst/>
-                        <a:latin typeface="Calibri" panose="020F0502020204030204" pitchFamily="34" charset="0"/>
-                        <a:ea typeface="Calibri" panose="020F0502020204030204" pitchFamily="34" charset="0"/>
-                        <a:cs typeface="Times New Roman" panose="02020503050405090304" pitchFamily="18" charset="0"/>
-                      </a:endParaRPr>
                     </a:p>
                   </a:txBody>
                   <a:tcPr marL="68580" marR="68580" marT="0" marB="0">
@@ -32238,12 +31724,6 @@
                         </a:rPr>
                         <a:t> Updated Information</a:t>
                       </a:r>
-                      <a:endParaRPr lang="en-CA" sz="1200" dirty="0">
-                        <a:effectLst/>
-                        <a:latin typeface="Calibri" panose="020F0502020204030204" pitchFamily="34" charset="0"/>
-                        <a:ea typeface="Calibri" panose="020F0502020204030204" pitchFamily="34" charset="0"/>
-                        <a:cs typeface="Times New Roman" panose="02020503050405090304" pitchFamily="18" charset="0"/>
-                      </a:endParaRPr>
                     </a:p>
                   </a:txBody>
                   <a:tcPr marL="68580" marR="68580" marT="0" marB="0">
@@ -32307,12 +31787,6 @@
                         </a:rPr>
                         <a:t>BIT(1)</a:t>
                       </a:r>
-                      <a:endParaRPr lang="en-CA" sz="1200">
-                        <a:effectLst/>
-                        <a:latin typeface="Calibri" panose="020F0502020204030204" pitchFamily="34" charset="0"/>
-                        <a:ea typeface="Calibri" panose="020F0502020204030204" pitchFamily="34" charset="0"/>
-                        <a:cs typeface="Times New Roman" panose="02020503050405090304" pitchFamily="18" charset="0"/>
-                      </a:endParaRPr>
                     </a:p>
                   </a:txBody>
                   <a:tcPr marL="68580" marR="68580" marT="0" marB="0">
@@ -32354,6 +31828,11 @@
                     </a:lnB>
                   </a:tcPr>
                 </a:tc>
+                <a:extLst>
+                  <a:ext uri="{0D108BD9-81ED-4DB2-BD59-A6C34878D82A}">
+                    <a16:rowId xmlns:a16="http://schemas.microsoft.com/office/drawing/2014/main" val="10016"/>
+                  </a:ext>
+                </a:extLst>
               </a:tr>
               <a:tr h="207422">
                 <a:tc>
@@ -32378,12 +31857,6 @@
                         </a:rPr>
                         <a:t>updated_mail</a:t>
                       </a:r>
-                      <a:endParaRPr lang="en-CA" sz="1200">
-                        <a:effectLst/>
-                        <a:latin typeface="Calibri" panose="020F0502020204030204" pitchFamily="34" charset="0"/>
-                        <a:ea typeface="Calibri" panose="020F0502020204030204" pitchFamily="34" charset="0"/>
-                        <a:cs typeface="Times New Roman" panose="02020503050405090304" pitchFamily="18" charset="0"/>
-                      </a:endParaRPr>
                     </a:p>
                   </a:txBody>
                   <a:tcPr marL="68580" marR="68580" marT="0" marB="0">
@@ -32447,12 +31920,6 @@
                         </a:rPr>
                         <a:t> Updated E-mail</a:t>
                       </a:r>
-                      <a:endParaRPr lang="en-CA" sz="1200" dirty="0">
-                        <a:effectLst/>
-                        <a:latin typeface="Calibri" panose="020F0502020204030204" pitchFamily="34" charset="0"/>
-                        <a:ea typeface="Calibri" panose="020F0502020204030204" pitchFamily="34" charset="0"/>
-                        <a:cs typeface="Times New Roman" panose="02020503050405090304" pitchFamily="18" charset="0"/>
-                      </a:endParaRPr>
                     </a:p>
                   </a:txBody>
                   <a:tcPr marL="68580" marR="68580" marT="0" marB="0">
@@ -32516,12 +31983,6 @@
                         </a:rPr>
                         <a:t>BIT(1)</a:t>
                       </a:r>
-                      <a:endParaRPr lang="en-CA" sz="1200" dirty="0">
-                        <a:effectLst/>
-                        <a:latin typeface="Calibri" panose="020F0502020204030204" pitchFamily="34" charset="0"/>
-                        <a:ea typeface="Calibri" panose="020F0502020204030204" pitchFamily="34" charset="0"/>
-                        <a:cs typeface="Times New Roman" panose="02020503050405090304" pitchFamily="18" charset="0"/>
-                      </a:endParaRPr>
                     </a:p>
                   </a:txBody>
                   <a:tcPr marL="68580" marR="68580" marT="0" marB="0">
@@ -32563,6 +32024,11 @@
                     </a:lnB>
                   </a:tcPr>
                 </a:tc>
+                <a:extLst>
+                  <a:ext uri="{0D108BD9-81ED-4DB2-BD59-A6C34878D82A}">
+                    <a16:rowId xmlns:a16="http://schemas.microsoft.com/office/drawing/2014/main" val="10017"/>
+                  </a:ext>
+                </a:extLst>
               </a:tr>
             </a:tbl>
           </a:graphicData>
@@ -32615,7 +32081,6 @@
               <a:rPr lang="en-CA" dirty="0"/>
               <a:t>Typical Data Definition(contd.)</a:t>
             </a:r>
-            <a:endParaRPr lang="en-CA" dirty="0"/>
           </a:p>
         </p:txBody>
       </p:sp>
@@ -32659,6 +32124,7 @@
           <a:p>
             <a:fld id="{A4BAB868-1E00-44C6-B1AB-DFCC5F9865BA}" type="slidenum">
               <a:rPr lang="ja-JP" altLang="en-US" smtClean="0"/>
+              <a:t>43</a:t>
             </a:fld>
             <a:endParaRPr lang="en-US" altLang="ja-JP"/>
           </a:p>
@@ -32727,9 +32193,27 @@
             <a:tbl>
               <a:tblPr firstRow="1" firstCol="1" bandRow="1"/>
               <a:tblGrid>
-                <a:gridCol w="2500135"/>
-                <a:gridCol w="2500938"/>
-                <a:gridCol w="2500938"/>
+                <a:gridCol w="2500135">
+                  <a:extLst>
+                    <a:ext uri="{9D8B030D-6E8A-4147-A177-3AD203B41FA5}">
+                      <a16:colId xmlns:a16="http://schemas.microsoft.com/office/drawing/2014/main" val="20000"/>
+                    </a:ext>
+                  </a:extLst>
+                </a:gridCol>
+                <a:gridCol w="2500938">
+                  <a:extLst>
+                    <a:ext uri="{9D8B030D-6E8A-4147-A177-3AD203B41FA5}">
+                      <a16:colId xmlns:a16="http://schemas.microsoft.com/office/drawing/2014/main" val="20001"/>
+                    </a:ext>
+                  </a:extLst>
+                </a:gridCol>
+                <a:gridCol w="2500938">
+                  <a:extLst>
+                    <a:ext uri="{9D8B030D-6E8A-4147-A177-3AD203B41FA5}">
+                      <a16:colId xmlns:a16="http://schemas.microsoft.com/office/drawing/2014/main" val="20002"/>
+                    </a:ext>
+                  </a:extLst>
+                </a:gridCol>
               </a:tblGrid>
               <a:tr h="342197">
                 <a:tc>
@@ -32939,6 +32423,11 @@
                     </a:lnB>
                   </a:tcPr>
                 </a:tc>
+                <a:extLst>
+                  <a:ext uri="{0D108BD9-81ED-4DB2-BD59-A6C34878D82A}">
+                    <a16:rowId xmlns:a16="http://schemas.microsoft.com/office/drawing/2014/main" val="10000"/>
+                  </a:ext>
+                </a:extLst>
               </a:tr>
               <a:tr h="342197">
                 <a:tc>
@@ -32963,12 +32452,6 @@
                         </a:rPr>
                         <a:t>id</a:t>
                       </a:r>
-                      <a:endParaRPr lang="en-CA" sz="1800" b="1" dirty="0">
-                        <a:effectLst/>
-                        <a:latin typeface="Calibri" panose="020F0502020204030204" pitchFamily="34" charset="0"/>
-                        <a:ea typeface="Calibri" panose="020F0502020204030204" pitchFamily="34" charset="0"/>
-                        <a:cs typeface="Times New Roman" panose="02020503050405090304" pitchFamily="18" charset="0"/>
-                      </a:endParaRPr>
                     </a:p>
                   </a:txBody>
                   <a:tcPr marL="68580" marR="68580" marT="0" marB="0">
@@ -33032,12 +32515,6 @@
                         </a:rPr>
                         <a:t>Client ID</a:t>
                       </a:r>
-                      <a:endParaRPr lang="en-CA" sz="1800" dirty="0">
-                        <a:effectLst/>
-                        <a:latin typeface="Calibri" panose="020F0502020204030204" pitchFamily="34" charset="0"/>
-                        <a:ea typeface="Calibri" panose="020F0502020204030204" pitchFamily="34" charset="0"/>
-                        <a:cs typeface="Times New Roman" panose="02020503050405090304" pitchFamily="18" charset="0"/>
-                      </a:endParaRPr>
                     </a:p>
                   </a:txBody>
                   <a:tcPr marL="68580" marR="68580" marT="0" marB="0">
@@ -33101,12 +32578,6 @@
                         </a:rPr>
                         <a:t>BIGINT</a:t>
                       </a:r>
-                      <a:endParaRPr lang="en-CA" sz="1800">
-                        <a:effectLst/>
-                        <a:latin typeface="Calibri" panose="020F0502020204030204" pitchFamily="34" charset="0"/>
-                        <a:ea typeface="Calibri" panose="020F0502020204030204" pitchFamily="34" charset="0"/>
-                        <a:cs typeface="Times New Roman" panose="02020503050405090304" pitchFamily="18" charset="0"/>
-                      </a:endParaRPr>
                     </a:p>
                   </a:txBody>
                   <a:tcPr marL="68580" marR="68580" marT="0" marB="0">
@@ -33148,6 +32619,11 @@
                     </a:lnB>
                   </a:tcPr>
                 </a:tc>
+                <a:extLst>
+                  <a:ext uri="{0D108BD9-81ED-4DB2-BD59-A6C34878D82A}">
+                    <a16:rowId xmlns:a16="http://schemas.microsoft.com/office/drawing/2014/main" val="10001"/>
+                  </a:ext>
+                </a:extLst>
               </a:tr>
               <a:tr h="342197">
                 <a:tc>
@@ -33172,12 +32648,6 @@
                         </a:rPr>
                         <a:t>email</a:t>
                       </a:r>
-                      <a:endParaRPr lang="en-CA" sz="1800" dirty="0">
-                        <a:effectLst/>
-                        <a:latin typeface="Calibri" panose="020F0502020204030204" pitchFamily="34" charset="0"/>
-                        <a:ea typeface="Calibri" panose="020F0502020204030204" pitchFamily="34" charset="0"/>
-                        <a:cs typeface="Times New Roman" panose="02020503050405090304" pitchFamily="18" charset="0"/>
-                      </a:endParaRPr>
                     </a:p>
                   </a:txBody>
                   <a:tcPr marL="68580" marR="68580" marT="0" marB="0">
@@ -33241,12 +32711,6 @@
                         </a:rPr>
                         <a:t>Email ID of Owner</a:t>
                       </a:r>
-                      <a:endParaRPr lang="en-CA" sz="1800">
-                        <a:effectLst/>
-                        <a:latin typeface="Calibri" panose="020F0502020204030204" pitchFamily="34" charset="0"/>
-                        <a:ea typeface="Calibri" panose="020F0502020204030204" pitchFamily="34" charset="0"/>
-                        <a:cs typeface="Times New Roman" panose="02020503050405090304" pitchFamily="18" charset="0"/>
-                      </a:endParaRPr>
                     </a:p>
                   </a:txBody>
                   <a:tcPr marL="68580" marR="68580" marT="0" marB="0">
@@ -33310,12 +32774,6 @@
                         </a:rPr>
                         <a:t>VARCHAR(255)</a:t>
                       </a:r>
-                      <a:endParaRPr lang="en-CA" sz="1800">
-                        <a:effectLst/>
-                        <a:latin typeface="Calibri" panose="020F0502020204030204" pitchFamily="34" charset="0"/>
-                        <a:ea typeface="Calibri" panose="020F0502020204030204" pitchFamily="34" charset="0"/>
-                        <a:cs typeface="Times New Roman" panose="02020503050405090304" pitchFamily="18" charset="0"/>
-                      </a:endParaRPr>
                     </a:p>
                   </a:txBody>
                   <a:tcPr marL="68580" marR="68580" marT="0" marB="0">
@@ -33357,6 +32815,11 @@
                     </a:lnB>
                   </a:tcPr>
                 </a:tc>
+                <a:extLst>
+                  <a:ext uri="{0D108BD9-81ED-4DB2-BD59-A6C34878D82A}">
+                    <a16:rowId xmlns:a16="http://schemas.microsoft.com/office/drawing/2014/main" val="10002"/>
+                  </a:ext>
+                </a:extLst>
               </a:tr>
               <a:tr h="342197">
                 <a:tc>
@@ -33450,12 +32913,6 @@
                         </a:rPr>
                         <a:t>Full name of Owner</a:t>
                       </a:r>
-                      <a:endParaRPr lang="en-CA" sz="1800">
-                        <a:effectLst/>
-                        <a:latin typeface="Calibri" panose="020F0502020204030204" pitchFamily="34" charset="0"/>
-                        <a:ea typeface="Calibri" panose="020F0502020204030204" pitchFamily="34" charset="0"/>
-                        <a:cs typeface="Times New Roman" panose="02020503050405090304" pitchFamily="18" charset="0"/>
-                      </a:endParaRPr>
                     </a:p>
                   </a:txBody>
                   <a:tcPr marL="68580" marR="68580" marT="0" marB="0" anchor="ctr">
@@ -33519,12 +32976,6 @@
                         </a:rPr>
                         <a:t>VARCHAR(255)</a:t>
                       </a:r>
-                      <a:endParaRPr lang="en-CA" sz="1800">
-                        <a:effectLst/>
-                        <a:latin typeface="Calibri" panose="020F0502020204030204" pitchFamily="34" charset="0"/>
-                        <a:ea typeface="Calibri" panose="020F0502020204030204" pitchFamily="34" charset="0"/>
-                        <a:cs typeface="Times New Roman" panose="02020503050405090304" pitchFamily="18" charset="0"/>
-                      </a:endParaRPr>
                     </a:p>
                   </a:txBody>
                   <a:tcPr marL="68580" marR="68580" marT="0" marB="0">
@@ -33566,6 +33017,11 @@
                     </a:lnB>
                   </a:tcPr>
                 </a:tc>
+                <a:extLst>
+                  <a:ext uri="{0D108BD9-81ED-4DB2-BD59-A6C34878D82A}">
+                    <a16:rowId xmlns:a16="http://schemas.microsoft.com/office/drawing/2014/main" val="10003"/>
+                  </a:ext>
+                </a:extLst>
               </a:tr>
               <a:tr h="342197">
                 <a:tc>
@@ -33638,6 +33094,13 @@
                   </a:tcPr>
                 </a:tc>
                 <a:tc vMerge="1">
+                  <a:txBody>
+                    <a:bodyPr/>
+                    <a:lstStyle/>
+                    <a:p>
+                      <a:endParaRPr lang="en-US"/>
+                    </a:p>
+                  </a:txBody>
                   <a:tcPr/>
                 </a:tc>
                 <a:tc>
@@ -33662,12 +33125,6 @@
                         </a:rPr>
                         <a:t>VARCHAR(250)</a:t>
                       </a:r>
-                      <a:endParaRPr lang="en-CA" sz="1800">
-                        <a:effectLst/>
-                        <a:latin typeface="Calibri" panose="020F0502020204030204" pitchFamily="34" charset="0"/>
-                        <a:ea typeface="Calibri" panose="020F0502020204030204" pitchFamily="34" charset="0"/>
-                        <a:cs typeface="Times New Roman" panose="02020503050405090304" pitchFamily="18" charset="0"/>
-                      </a:endParaRPr>
                     </a:p>
                   </a:txBody>
                   <a:tcPr marL="68580" marR="68580" marT="0" marB="0">
@@ -33709,6 +33166,11 @@
                     </a:lnB>
                   </a:tcPr>
                 </a:tc>
+                <a:extLst>
+                  <a:ext uri="{0D108BD9-81ED-4DB2-BD59-A6C34878D82A}">
+                    <a16:rowId xmlns:a16="http://schemas.microsoft.com/office/drawing/2014/main" val="10004"/>
+                  </a:ext>
+                </a:extLst>
               </a:tr>
               <a:tr h="700241">
                 <a:tc>
@@ -33733,12 +33195,6 @@
                         </a:rPr>
                         <a:t>Password</a:t>
                       </a:r>
-                      <a:endParaRPr lang="en-CA" sz="1800" dirty="0">
-                        <a:effectLst/>
-                        <a:latin typeface="Calibri" panose="020F0502020204030204" pitchFamily="34" charset="0"/>
-                        <a:ea typeface="Calibri" panose="020F0502020204030204" pitchFamily="34" charset="0"/>
-                        <a:cs typeface="Times New Roman" panose="02020503050405090304" pitchFamily="18" charset="0"/>
-                      </a:endParaRPr>
                     </a:p>
                   </a:txBody>
                   <a:tcPr marL="68580" marR="68580" marT="0" marB="0">
@@ -33802,12 +33258,6 @@
                         </a:rPr>
                         <a:t>Hashed password for client login</a:t>
                       </a:r>
-                      <a:endParaRPr lang="en-CA" sz="1800">
-                        <a:effectLst/>
-                        <a:latin typeface="Calibri" panose="020F0502020204030204" pitchFamily="34" charset="0"/>
-                        <a:ea typeface="Calibri" panose="020F0502020204030204" pitchFamily="34" charset="0"/>
-                        <a:cs typeface="Times New Roman" panose="02020503050405090304" pitchFamily="18" charset="0"/>
-                      </a:endParaRPr>
                     </a:p>
                   </a:txBody>
                   <a:tcPr marL="68580" marR="68580" marT="0" marB="0" anchor="ctr">
@@ -33874,12 +33324,6 @@
                         </a:rPr>
                         <a:t>VARCHAR(255)</a:t>
                       </a:r>
-                      <a:endParaRPr lang="en-CA" sz="1800">
-                        <a:effectLst/>
-                        <a:latin typeface="Calibri" panose="020F0502020204030204" pitchFamily="34" charset="0"/>
-                        <a:ea typeface="Calibri" panose="020F0502020204030204" pitchFamily="34" charset="0"/>
-                        <a:cs typeface="Times New Roman" panose="02020503050405090304" pitchFamily="18" charset="0"/>
-                      </a:endParaRPr>
                     </a:p>
                   </a:txBody>
                   <a:tcPr marL="68580" marR="68580" marT="0" marB="0">
@@ -33921,6 +33365,11 @@
                     </a:lnB>
                   </a:tcPr>
                 </a:tc>
+                <a:extLst>
+                  <a:ext uri="{0D108BD9-81ED-4DB2-BD59-A6C34878D82A}">
+                    <a16:rowId xmlns:a16="http://schemas.microsoft.com/office/drawing/2014/main" val="10005"/>
+                  </a:ext>
+                </a:extLst>
               </a:tr>
               <a:tr h="342197">
                 <a:tc>
@@ -33945,12 +33394,6 @@
                         </a:rPr>
                         <a:t>Phone</a:t>
                       </a:r>
-                      <a:endParaRPr lang="en-CA" sz="1800" dirty="0">
-                        <a:effectLst/>
-                        <a:latin typeface="Calibri" panose="020F0502020204030204" pitchFamily="34" charset="0"/>
-                        <a:ea typeface="Calibri" panose="020F0502020204030204" pitchFamily="34" charset="0"/>
-                        <a:cs typeface="Times New Roman" panose="02020503050405090304" pitchFamily="18" charset="0"/>
-                      </a:endParaRPr>
                     </a:p>
                   </a:txBody>
                   <a:tcPr marL="68580" marR="68580" marT="0" marB="0">
@@ -34014,12 +33457,6 @@
                         </a:rPr>
                         <a:t>Client mobile number</a:t>
                       </a:r>
-                      <a:endParaRPr lang="en-CA" sz="1800">
-                        <a:effectLst/>
-                        <a:latin typeface="Calibri" panose="020F0502020204030204" pitchFamily="34" charset="0"/>
-                        <a:ea typeface="Calibri" panose="020F0502020204030204" pitchFamily="34" charset="0"/>
-                        <a:cs typeface="Times New Roman" panose="02020503050405090304" pitchFamily="18" charset="0"/>
-                      </a:endParaRPr>
                     </a:p>
                   </a:txBody>
                   <a:tcPr marL="68580" marR="68580" marT="0" marB="0">
@@ -34083,12 +33520,6 @@
                         </a:rPr>
                         <a:t>BIGINT</a:t>
                       </a:r>
-                      <a:endParaRPr lang="en-CA" sz="1800" dirty="0">
-                        <a:effectLst/>
-                        <a:latin typeface="Calibri" panose="020F0502020204030204" pitchFamily="34" charset="0"/>
-                        <a:ea typeface="Calibri" panose="020F0502020204030204" pitchFamily="34" charset="0"/>
-                        <a:cs typeface="Times New Roman" panose="02020503050405090304" pitchFamily="18" charset="0"/>
-                      </a:endParaRPr>
                     </a:p>
                   </a:txBody>
                   <a:tcPr marL="68580" marR="68580" marT="0" marB="0">
@@ -34130,6 +33561,11 @@
                     </a:lnB>
                   </a:tcPr>
                 </a:tc>
+                <a:extLst>
+                  <a:ext uri="{0D108BD9-81ED-4DB2-BD59-A6C34878D82A}">
+                    <a16:rowId xmlns:a16="http://schemas.microsoft.com/office/drawing/2014/main" val="10006"/>
+                  </a:ext>
+                </a:extLst>
               </a:tr>
               <a:tr h="342197">
                 <a:tc>
@@ -34154,12 +33590,6 @@
                         </a:rPr>
                         <a:t>username</a:t>
                       </a:r>
-                      <a:endParaRPr lang="en-CA" sz="1800" b="1" dirty="0">
-                        <a:effectLst/>
-                        <a:latin typeface="Calibri" panose="020F0502020204030204" pitchFamily="34" charset="0"/>
-                        <a:ea typeface="Calibri" panose="020F0502020204030204" pitchFamily="34" charset="0"/>
-                        <a:cs typeface="Times New Roman" panose="02020503050405090304" pitchFamily="18" charset="0"/>
-                      </a:endParaRPr>
                     </a:p>
                   </a:txBody>
                   <a:tcPr marL="68580" marR="68580" marT="0" marB="0">
@@ -34223,12 +33653,6 @@
                         </a:rPr>
                         <a:t>Username for client login</a:t>
                       </a:r>
-                      <a:endParaRPr lang="en-CA" sz="1800">
-                        <a:effectLst/>
-                        <a:latin typeface="Calibri" panose="020F0502020204030204" pitchFamily="34" charset="0"/>
-                        <a:ea typeface="Calibri" panose="020F0502020204030204" pitchFamily="34" charset="0"/>
-                        <a:cs typeface="Times New Roman" panose="02020503050405090304" pitchFamily="18" charset="0"/>
-                      </a:endParaRPr>
                     </a:p>
                   </a:txBody>
                   <a:tcPr marL="68580" marR="68580" marT="0" marB="0">
@@ -34292,12 +33716,6 @@
                         </a:rPr>
                         <a:t>VARCHAR(10)</a:t>
                       </a:r>
-                      <a:endParaRPr lang="en-CA" sz="1800">
-                        <a:effectLst/>
-                        <a:latin typeface="Calibri" panose="020F0502020204030204" pitchFamily="34" charset="0"/>
-                        <a:ea typeface="Calibri" panose="020F0502020204030204" pitchFamily="34" charset="0"/>
-                        <a:cs typeface="Times New Roman" panose="02020503050405090304" pitchFamily="18" charset="0"/>
-                      </a:endParaRPr>
                     </a:p>
                   </a:txBody>
                   <a:tcPr marL="68580" marR="68580" marT="0" marB="0">
@@ -34339,6 +33757,11 @@
                     </a:lnB>
                   </a:tcPr>
                 </a:tc>
+                <a:extLst>
+                  <a:ext uri="{0D108BD9-81ED-4DB2-BD59-A6C34878D82A}">
+                    <a16:rowId xmlns:a16="http://schemas.microsoft.com/office/drawing/2014/main" val="10007"/>
+                  </a:ext>
+                </a:extLst>
               </a:tr>
               <a:tr h="342197">
                 <a:tc>
@@ -34363,12 +33786,6 @@
                         </a:rPr>
                         <a:t>age</a:t>
                       </a:r>
-                      <a:endParaRPr lang="en-CA" sz="1800" dirty="0">
-                        <a:effectLst/>
-                        <a:latin typeface="Calibri" panose="020F0502020204030204" pitchFamily="34" charset="0"/>
-                        <a:ea typeface="Calibri" panose="020F0502020204030204" pitchFamily="34" charset="0"/>
-                        <a:cs typeface="Times New Roman" panose="02020503050405090304" pitchFamily="18" charset="0"/>
-                      </a:endParaRPr>
                     </a:p>
                   </a:txBody>
                   <a:tcPr marL="68580" marR="68580" marT="0" marB="0">
@@ -34432,12 +33849,6 @@
                         </a:rPr>
                         <a:t>Pet’s age</a:t>
                       </a:r>
-                      <a:endParaRPr lang="en-CA" sz="1800">
-                        <a:effectLst/>
-                        <a:latin typeface="Calibri" panose="020F0502020204030204" pitchFamily="34" charset="0"/>
-                        <a:ea typeface="Calibri" panose="020F0502020204030204" pitchFamily="34" charset="0"/>
-                        <a:cs typeface="Times New Roman" panose="02020503050405090304" pitchFamily="18" charset="0"/>
-                      </a:endParaRPr>
                     </a:p>
                   </a:txBody>
                   <a:tcPr marL="68580" marR="68580" marT="0" marB="0">
@@ -34501,12 +33912,6 @@
                         </a:rPr>
                         <a:t>VARCHAR(250)</a:t>
                       </a:r>
-                      <a:endParaRPr lang="en-CA" sz="1800">
-                        <a:effectLst/>
-                        <a:latin typeface="Calibri" panose="020F0502020204030204" pitchFamily="34" charset="0"/>
-                        <a:ea typeface="Calibri" panose="020F0502020204030204" pitchFamily="34" charset="0"/>
-                        <a:cs typeface="Times New Roman" panose="02020503050405090304" pitchFamily="18" charset="0"/>
-                      </a:endParaRPr>
                     </a:p>
                   </a:txBody>
                   <a:tcPr marL="68580" marR="68580" marT="0" marB="0">
@@ -34548,6 +33953,11 @@
                     </a:lnB>
                   </a:tcPr>
                 </a:tc>
+                <a:extLst>
+                  <a:ext uri="{0D108BD9-81ED-4DB2-BD59-A6C34878D82A}">
+                    <a16:rowId xmlns:a16="http://schemas.microsoft.com/office/drawing/2014/main" val="10008"/>
+                  </a:ext>
+                </a:extLst>
               </a:tr>
               <a:tr h="342197">
                 <a:tc>
@@ -34572,12 +33982,6 @@
                         </a:rPr>
                         <a:t>breed</a:t>
                       </a:r>
-                      <a:endParaRPr lang="en-CA" sz="1800" dirty="0">
-                        <a:effectLst/>
-                        <a:latin typeface="Calibri" panose="020F0502020204030204" pitchFamily="34" charset="0"/>
-                        <a:ea typeface="Calibri" panose="020F0502020204030204" pitchFamily="34" charset="0"/>
-                        <a:cs typeface="Times New Roman" panose="02020503050405090304" pitchFamily="18" charset="0"/>
-                      </a:endParaRPr>
                     </a:p>
                   </a:txBody>
                   <a:tcPr marL="68580" marR="68580" marT="0" marB="0">
@@ -34641,12 +34045,6 @@
                         </a:rPr>
                         <a:t>Pet’s breed</a:t>
                       </a:r>
-                      <a:endParaRPr lang="en-CA" sz="1800">
-                        <a:effectLst/>
-                        <a:latin typeface="Calibri" panose="020F0502020204030204" pitchFamily="34" charset="0"/>
-                        <a:ea typeface="Calibri" panose="020F0502020204030204" pitchFamily="34" charset="0"/>
-                        <a:cs typeface="Times New Roman" panose="02020503050405090304" pitchFamily="18" charset="0"/>
-                      </a:endParaRPr>
                     </a:p>
                   </a:txBody>
                   <a:tcPr marL="68580" marR="68580" marT="0" marB="0">
@@ -34710,12 +34108,6 @@
                         </a:rPr>
                         <a:t>VARCHAR(255)</a:t>
                       </a:r>
-                      <a:endParaRPr lang="en-CA" sz="1800" dirty="0">
-                        <a:effectLst/>
-                        <a:latin typeface="Calibri" panose="020F0502020204030204" pitchFamily="34" charset="0"/>
-                        <a:ea typeface="Calibri" panose="020F0502020204030204" pitchFamily="34" charset="0"/>
-                        <a:cs typeface="Times New Roman" panose="02020503050405090304" pitchFamily="18" charset="0"/>
-                      </a:endParaRPr>
                     </a:p>
                   </a:txBody>
                   <a:tcPr marL="68580" marR="68580" marT="0" marB="0">
@@ -34757,6 +34149,11 @@
                     </a:lnB>
                   </a:tcPr>
                 </a:tc>
+                <a:extLst>
+                  <a:ext uri="{0D108BD9-81ED-4DB2-BD59-A6C34878D82A}">
+                    <a16:rowId xmlns:a16="http://schemas.microsoft.com/office/drawing/2014/main" val="10009"/>
+                  </a:ext>
+                </a:extLst>
               </a:tr>
             </a:tbl>
           </a:graphicData>
@@ -34809,7 +34206,6 @@
               <a:rPr lang="en-CA" dirty="0"/>
               <a:t>Typical Data Definition(contd.)</a:t>
             </a:r>
-            <a:endParaRPr lang="en-CA" dirty="0"/>
           </a:p>
         </p:txBody>
       </p:sp>
@@ -34853,6 +34249,7 @@
           <a:p>
             <a:fld id="{A4BAB868-1E00-44C6-B1AB-DFCC5F9865BA}" type="slidenum">
               <a:rPr lang="ja-JP" altLang="en-US" smtClean="0"/>
+              <a:t>44</a:t>
             </a:fld>
             <a:endParaRPr lang="en-US" altLang="ja-JP"/>
           </a:p>
@@ -34913,7 +34310,7 @@
           <p:nvPr/>
         </p:nvPicPr>
         <p:blipFill>
-          <a:blip r:embed="rId1"/>
+          <a:blip r:embed="rId2"/>
           <a:stretch>
             <a:fillRect/>
           </a:stretch>
@@ -34975,7 +34372,6 @@
               <a:rPr lang="en-CA" dirty="0"/>
               <a:t>Typical Data Definition(contd.)</a:t>
             </a:r>
-            <a:endParaRPr lang="en-CA" dirty="0"/>
           </a:p>
         </p:txBody>
       </p:sp>
@@ -35042,6 +34438,7 @@
           <a:p>
             <a:fld id="{A4BAB868-1E00-44C6-B1AB-DFCC5F9865BA}" type="slidenum">
               <a:rPr lang="ja-JP" altLang="en-US" smtClean="0"/>
+              <a:t>45</a:t>
             </a:fld>
             <a:endParaRPr lang="en-US" altLang="ja-JP"/>
           </a:p>
@@ -35110,9 +34507,27 @@
             <a:tbl>
               <a:tblPr firstRow="1" firstCol="1" bandRow="1"/>
               <a:tblGrid>
-                <a:gridCol w="3328415"/>
-                <a:gridCol w="3329455"/>
-                <a:gridCol w="3329455"/>
+                <a:gridCol w="3328415">
+                  <a:extLst>
+                    <a:ext uri="{9D8B030D-6E8A-4147-A177-3AD203B41FA5}">
+                      <a16:colId xmlns:a16="http://schemas.microsoft.com/office/drawing/2014/main" val="20000"/>
+                    </a:ext>
+                  </a:extLst>
+                </a:gridCol>
+                <a:gridCol w="3329455">
+                  <a:extLst>
+                    <a:ext uri="{9D8B030D-6E8A-4147-A177-3AD203B41FA5}">
+                      <a16:colId xmlns:a16="http://schemas.microsoft.com/office/drawing/2014/main" val="20001"/>
+                    </a:ext>
+                  </a:extLst>
+                </a:gridCol>
+                <a:gridCol w="3329455">
+                  <a:extLst>
+                    <a:ext uri="{9D8B030D-6E8A-4147-A177-3AD203B41FA5}">
+                      <a16:colId xmlns:a16="http://schemas.microsoft.com/office/drawing/2014/main" val="20002"/>
+                    </a:ext>
+                  </a:extLst>
+                </a:gridCol>
               </a:tblGrid>
               <a:tr h="504418">
                 <a:tc>
@@ -35322,6 +34737,11 @@
                     </a:lnB>
                   </a:tcPr>
                 </a:tc>
+                <a:extLst>
+                  <a:ext uri="{0D108BD9-81ED-4DB2-BD59-A6C34878D82A}">
+                    <a16:rowId xmlns:a16="http://schemas.microsoft.com/office/drawing/2014/main" val="10000"/>
+                  </a:ext>
+                </a:extLst>
               </a:tr>
               <a:tr h="504418">
                 <a:tc>
@@ -35346,12 +34766,6 @@
                         </a:rPr>
                         <a:t>id</a:t>
                       </a:r>
-                      <a:endParaRPr lang="en-CA" sz="1800">
-                        <a:effectLst/>
-                        <a:latin typeface="Calibri" panose="020F0502020204030204" pitchFamily="34" charset="0"/>
-                        <a:ea typeface="Calibri" panose="020F0502020204030204" pitchFamily="34" charset="0"/>
-                        <a:cs typeface="Times New Roman" panose="02020503050405090304" pitchFamily="18" charset="0"/>
-                      </a:endParaRPr>
                     </a:p>
                   </a:txBody>
                   <a:tcPr marL="68580" marR="68580" marT="0" marB="0">
@@ -35415,12 +34829,6 @@
                         </a:rPr>
                         <a:t>Appointment id</a:t>
                       </a:r>
-                      <a:endParaRPr lang="en-CA" sz="1800">
-                        <a:effectLst/>
-                        <a:latin typeface="Calibri" panose="020F0502020204030204" pitchFamily="34" charset="0"/>
-                        <a:ea typeface="Calibri" panose="020F0502020204030204" pitchFamily="34" charset="0"/>
-                        <a:cs typeface="Times New Roman" panose="02020503050405090304" pitchFamily="18" charset="0"/>
-                      </a:endParaRPr>
                     </a:p>
                   </a:txBody>
                   <a:tcPr marL="68580" marR="68580" marT="0" marB="0">
@@ -35484,12 +34892,6 @@
                         </a:rPr>
                         <a:t>BIGINT</a:t>
                       </a:r>
-                      <a:endParaRPr lang="en-CA" sz="1800" dirty="0">
-                        <a:effectLst/>
-                        <a:latin typeface="Calibri" panose="020F0502020204030204" pitchFamily="34" charset="0"/>
-                        <a:ea typeface="Calibri" panose="020F0502020204030204" pitchFamily="34" charset="0"/>
-                        <a:cs typeface="Times New Roman" panose="02020503050405090304" pitchFamily="18" charset="0"/>
-                      </a:endParaRPr>
                     </a:p>
                   </a:txBody>
                   <a:tcPr marL="68580" marR="68580" marT="0" marB="0">
@@ -35531,6 +34933,11 @@
                     </a:lnB>
                   </a:tcPr>
                 </a:tc>
+                <a:extLst>
+                  <a:ext uri="{0D108BD9-81ED-4DB2-BD59-A6C34878D82A}">
+                    <a16:rowId xmlns:a16="http://schemas.microsoft.com/office/drawing/2014/main" val="10001"/>
+                  </a:ext>
+                </a:extLst>
               </a:tr>
               <a:tr h="527486">
                 <a:tc>
@@ -35555,12 +34962,6 @@
                         </a:rPr>
                         <a:t>feedback</a:t>
                       </a:r>
-                      <a:endParaRPr lang="en-CA" sz="1800">
-                        <a:effectLst/>
-                        <a:latin typeface="Calibri" panose="020F0502020204030204" pitchFamily="34" charset="0"/>
-                        <a:ea typeface="Calibri" panose="020F0502020204030204" pitchFamily="34" charset="0"/>
-                        <a:cs typeface="Times New Roman" panose="02020503050405090304" pitchFamily="18" charset="0"/>
-                      </a:endParaRPr>
                     </a:p>
                   </a:txBody>
                   <a:tcPr marL="68580" marR="68580" marT="0" marB="0">
@@ -35624,12 +35025,6 @@
                         </a:rPr>
                         <a:t>Reported feedback</a:t>
                       </a:r>
-                      <a:endParaRPr lang="en-CA" sz="1800">
-                        <a:effectLst/>
-                        <a:latin typeface="Calibri" panose="020F0502020204030204" pitchFamily="34" charset="0"/>
-                        <a:ea typeface="Calibri" panose="020F0502020204030204" pitchFamily="34" charset="0"/>
-                        <a:cs typeface="Times New Roman" panose="02020503050405090304" pitchFamily="18" charset="0"/>
-                      </a:endParaRPr>
                     </a:p>
                   </a:txBody>
                   <a:tcPr marL="68580" marR="68580" marT="0" marB="0">
@@ -35693,12 +35088,6 @@
                         </a:rPr>
                         <a:t>VARCHAR(255)</a:t>
                       </a:r>
-                      <a:endParaRPr lang="en-CA" sz="1800" dirty="0">
-                        <a:effectLst/>
-                        <a:latin typeface="Calibri" panose="020F0502020204030204" pitchFamily="34" charset="0"/>
-                        <a:ea typeface="Calibri" panose="020F0502020204030204" pitchFamily="34" charset="0"/>
-                        <a:cs typeface="Times New Roman" panose="02020503050405090304" pitchFamily="18" charset="0"/>
-                      </a:endParaRPr>
                     </a:p>
                   </a:txBody>
                   <a:tcPr marL="68580" marR="68580" marT="0" marB="0">
@@ -35740,6 +35129,11 @@
                     </a:lnB>
                   </a:tcPr>
                 </a:tc>
+                <a:extLst>
+                  <a:ext uri="{0D108BD9-81ED-4DB2-BD59-A6C34878D82A}">
+                    <a16:rowId xmlns:a16="http://schemas.microsoft.com/office/drawing/2014/main" val="10002"/>
+                  </a:ext>
+                </a:extLst>
               </a:tr>
               <a:tr h="504418">
                 <a:tc>
@@ -35764,12 +35158,6 @@
                         </a:rPr>
                         <a:t>mail_send</a:t>
                       </a:r>
-                      <a:endParaRPr lang="en-CA" sz="1800">
-                        <a:effectLst/>
-                        <a:latin typeface="Calibri" panose="020F0502020204030204" pitchFamily="34" charset="0"/>
-                        <a:ea typeface="Calibri" panose="020F0502020204030204" pitchFamily="34" charset="0"/>
-                        <a:cs typeface="Times New Roman" panose="02020503050405090304" pitchFamily="18" charset="0"/>
-                      </a:endParaRPr>
                     </a:p>
                   </a:txBody>
                   <a:tcPr marL="68580" marR="68580" marT="0" marB="0">
@@ -35833,12 +35221,6 @@
                         </a:rPr>
                         <a:t>Owner’s Email</a:t>
                       </a:r>
-                      <a:endParaRPr lang="en-CA" sz="1800" dirty="0">
-                        <a:effectLst/>
-                        <a:latin typeface="Calibri" panose="020F0502020204030204" pitchFamily="34" charset="0"/>
-                        <a:ea typeface="Calibri" panose="020F0502020204030204" pitchFamily="34" charset="0"/>
-                        <a:cs typeface="Times New Roman" panose="02020503050405090304" pitchFamily="18" charset="0"/>
-                      </a:endParaRPr>
                     </a:p>
                   </a:txBody>
                   <a:tcPr marL="68580" marR="68580" marT="0" marB="0" anchor="ctr">
@@ -35902,12 +35284,6 @@
                         </a:rPr>
                         <a:t>VARCHAR(255)</a:t>
                       </a:r>
-                      <a:endParaRPr lang="en-CA" sz="1800" dirty="0">
-                        <a:effectLst/>
-                        <a:latin typeface="Calibri" panose="020F0502020204030204" pitchFamily="34" charset="0"/>
-                        <a:ea typeface="Calibri" panose="020F0502020204030204" pitchFamily="34" charset="0"/>
-                        <a:cs typeface="Times New Roman" panose="02020503050405090304" pitchFamily="18" charset="0"/>
-                      </a:endParaRPr>
                     </a:p>
                   </a:txBody>
                   <a:tcPr marL="68580" marR="68580" marT="0" marB="0">
@@ -35949,6 +35325,11 @@
                     </a:lnB>
                   </a:tcPr>
                 </a:tc>
+                <a:extLst>
+                  <a:ext uri="{0D108BD9-81ED-4DB2-BD59-A6C34878D82A}">
+                    <a16:rowId xmlns:a16="http://schemas.microsoft.com/office/drawing/2014/main" val="10003"/>
+                  </a:ext>
+                </a:extLst>
               </a:tr>
               <a:tr h="545940">
                 <a:tc>
@@ -35973,12 +35354,6 @@
                         </a:rPr>
                         <a:t>client_id</a:t>
                       </a:r>
-                      <a:endParaRPr lang="en-CA" sz="1800">
-                        <a:effectLst/>
-                        <a:latin typeface="Calibri" panose="020F0502020204030204" pitchFamily="34" charset="0"/>
-                        <a:ea typeface="Calibri" panose="020F0502020204030204" pitchFamily="34" charset="0"/>
-                        <a:cs typeface="Times New Roman" panose="02020503050405090304" pitchFamily="18" charset="0"/>
-                      </a:endParaRPr>
                     </a:p>
                   </a:txBody>
                   <a:tcPr marL="68580" marR="68580" marT="0" marB="0">
@@ -36042,12 +35417,6 @@
                         </a:rPr>
                         <a:t>Client Identification #</a:t>
                       </a:r>
-                      <a:endParaRPr lang="en-CA" sz="1800">
-                        <a:effectLst/>
-                        <a:latin typeface="Calibri" panose="020F0502020204030204" pitchFamily="34" charset="0"/>
-                        <a:ea typeface="Calibri" panose="020F0502020204030204" pitchFamily="34" charset="0"/>
-                        <a:cs typeface="Times New Roman" panose="02020503050405090304" pitchFamily="18" charset="0"/>
-                      </a:endParaRPr>
                     </a:p>
                   </a:txBody>
                   <a:tcPr marL="68580" marR="68580" marT="0" marB="0" anchor="ctr">
@@ -36114,12 +35483,6 @@
                         </a:rPr>
                         <a:t>BIGINT</a:t>
                       </a:r>
-                      <a:endParaRPr lang="en-CA" sz="1800" dirty="0">
-                        <a:effectLst/>
-                        <a:latin typeface="Calibri" panose="020F0502020204030204" pitchFamily="34" charset="0"/>
-                        <a:ea typeface="Calibri" panose="020F0502020204030204" pitchFamily="34" charset="0"/>
-                        <a:cs typeface="Times New Roman" panose="02020503050405090304" pitchFamily="18" charset="0"/>
-                      </a:endParaRPr>
                     </a:p>
                   </a:txBody>
                   <a:tcPr marL="68580" marR="68580" marT="0" marB="0">
@@ -36161,6 +35524,11 @@
                     </a:lnB>
                   </a:tcPr>
                 </a:tc>
+                <a:extLst>
+                  <a:ext uri="{0D108BD9-81ED-4DB2-BD59-A6C34878D82A}">
+                    <a16:rowId xmlns:a16="http://schemas.microsoft.com/office/drawing/2014/main" val="10004"/>
+                  </a:ext>
+                </a:extLst>
               </a:tr>
               <a:tr h="504418">
                 <a:tc>
@@ -36185,12 +35553,6 @@
                         </a:rPr>
                         <a:t>doctor_id</a:t>
                       </a:r>
-                      <a:endParaRPr lang="en-CA" sz="1800">
-                        <a:effectLst/>
-                        <a:latin typeface="Calibri" panose="020F0502020204030204" pitchFamily="34" charset="0"/>
-                        <a:ea typeface="Calibri" panose="020F0502020204030204" pitchFamily="34" charset="0"/>
-                        <a:cs typeface="Times New Roman" panose="02020503050405090304" pitchFamily="18" charset="0"/>
-                      </a:endParaRPr>
                     </a:p>
                   </a:txBody>
                   <a:tcPr marL="68580" marR="68580" marT="0" marB="0">
@@ -36254,12 +35616,6 @@
                         </a:rPr>
                         <a:t>Doctor Identification #</a:t>
                       </a:r>
-                      <a:endParaRPr lang="en-CA" sz="1800">
-                        <a:effectLst/>
-                        <a:latin typeface="Calibri" panose="020F0502020204030204" pitchFamily="34" charset="0"/>
-                        <a:ea typeface="Calibri" panose="020F0502020204030204" pitchFamily="34" charset="0"/>
-                        <a:cs typeface="Times New Roman" panose="02020503050405090304" pitchFamily="18" charset="0"/>
-                      </a:endParaRPr>
                     </a:p>
                   </a:txBody>
                   <a:tcPr marL="68580" marR="68580" marT="0" marB="0">
@@ -36323,12 +35679,6 @@
                         </a:rPr>
                         <a:t>VARCHAR(255)</a:t>
                       </a:r>
-                      <a:endParaRPr lang="en-CA" sz="1800" dirty="0">
-                        <a:effectLst/>
-                        <a:latin typeface="Calibri" panose="020F0502020204030204" pitchFamily="34" charset="0"/>
-                        <a:ea typeface="Calibri" panose="020F0502020204030204" pitchFamily="34" charset="0"/>
-                        <a:cs typeface="Times New Roman" panose="02020503050405090304" pitchFamily="18" charset="0"/>
-                      </a:endParaRPr>
                     </a:p>
                   </a:txBody>
                   <a:tcPr marL="68580" marR="68580" marT="0" marB="0">
@@ -36370,6 +35720,11 @@
                     </a:lnB>
                   </a:tcPr>
                 </a:tc>
+                <a:extLst>
+                  <a:ext uri="{0D108BD9-81ED-4DB2-BD59-A6C34878D82A}">
+                    <a16:rowId xmlns:a16="http://schemas.microsoft.com/office/drawing/2014/main" val="10005"/>
+                  </a:ext>
+                </a:extLst>
               </a:tr>
               <a:tr h="504418">
                 <a:tc>
@@ -36394,12 +35749,6 @@
                         </a:rPr>
                         <a:t>created_date</a:t>
                       </a:r>
-                      <a:endParaRPr lang="en-CA" sz="1800">
-                        <a:effectLst/>
-                        <a:latin typeface="Calibri" panose="020F0502020204030204" pitchFamily="34" charset="0"/>
-                        <a:ea typeface="Calibri" panose="020F0502020204030204" pitchFamily="34" charset="0"/>
-                        <a:cs typeface="Times New Roman" panose="02020503050405090304" pitchFamily="18" charset="0"/>
-                      </a:endParaRPr>
                     </a:p>
                   </a:txBody>
                   <a:tcPr marL="68580" marR="68580" marT="0" marB="0">
@@ -36463,12 +35812,6 @@
                         </a:rPr>
                         <a:t>Feedback date</a:t>
                       </a:r>
-                      <a:endParaRPr lang="en-CA" sz="1800" dirty="0">
-                        <a:effectLst/>
-                        <a:latin typeface="Calibri" panose="020F0502020204030204" pitchFamily="34" charset="0"/>
-                        <a:ea typeface="Calibri" panose="020F0502020204030204" pitchFamily="34" charset="0"/>
-                        <a:cs typeface="Times New Roman" panose="02020503050405090304" pitchFamily="18" charset="0"/>
-                      </a:endParaRPr>
                     </a:p>
                   </a:txBody>
                   <a:tcPr marL="68580" marR="68580" marT="0" marB="0">
@@ -36532,12 +35875,6 @@
                         </a:rPr>
                         <a:t>DATETIME(6)</a:t>
                       </a:r>
-                      <a:endParaRPr lang="en-CA" sz="1800" dirty="0">
-                        <a:effectLst/>
-                        <a:latin typeface="Calibri" panose="020F0502020204030204" pitchFamily="34" charset="0"/>
-                        <a:ea typeface="Calibri" panose="020F0502020204030204" pitchFamily="34" charset="0"/>
-                        <a:cs typeface="Times New Roman" panose="02020503050405090304" pitchFamily="18" charset="0"/>
-                      </a:endParaRPr>
                     </a:p>
                   </a:txBody>
                   <a:tcPr marL="68580" marR="68580" marT="0" marB="0">
@@ -36579,6 +35916,11 @@
                     </a:lnB>
                   </a:tcPr>
                 </a:tc>
+                <a:extLst>
+                  <a:ext uri="{0D108BD9-81ED-4DB2-BD59-A6C34878D82A}">
+                    <a16:rowId xmlns:a16="http://schemas.microsoft.com/office/drawing/2014/main" val="10006"/>
+                  </a:ext>
+                </a:extLst>
               </a:tr>
             </a:tbl>
           </a:graphicData>
@@ -36631,7 +35973,6 @@
               <a:rPr lang="en-CA" dirty="0"/>
               <a:t>Typical Data Definition(contd.)</a:t>
             </a:r>
-            <a:endParaRPr lang="en-CA" dirty="0"/>
           </a:p>
         </p:txBody>
       </p:sp>
@@ -36698,6 +36039,7 @@
           <a:p>
             <a:fld id="{A4BAB868-1E00-44C6-B1AB-DFCC5F9865BA}" type="slidenum">
               <a:rPr lang="ja-JP" altLang="en-US" smtClean="0"/>
+              <a:t>46</a:t>
             </a:fld>
             <a:endParaRPr lang="en-US" altLang="ja-JP"/>
           </a:p>
@@ -36782,9 +36124,27 @@
             <a:tbl>
               <a:tblPr firstRow="1" firstCol="1" bandRow="1"/>
               <a:tblGrid>
-                <a:gridCol w="3243951"/>
-                <a:gridCol w="3244992"/>
-                <a:gridCol w="3244992"/>
+                <a:gridCol w="3243951">
+                  <a:extLst>
+                    <a:ext uri="{9D8B030D-6E8A-4147-A177-3AD203B41FA5}">
+                      <a16:colId xmlns:a16="http://schemas.microsoft.com/office/drawing/2014/main" val="20000"/>
+                    </a:ext>
+                  </a:extLst>
+                </a:gridCol>
+                <a:gridCol w="3244992">
+                  <a:extLst>
+                    <a:ext uri="{9D8B030D-6E8A-4147-A177-3AD203B41FA5}">
+                      <a16:colId xmlns:a16="http://schemas.microsoft.com/office/drawing/2014/main" val="20001"/>
+                    </a:ext>
+                  </a:extLst>
+                </a:gridCol>
+                <a:gridCol w="3244992">
+                  <a:extLst>
+                    <a:ext uri="{9D8B030D-6E8A-4147-A177-3AD203B41FA5}">
+                      <a16:colId xmlns:a16="http://schemas.microsoft.com/office/drawing/2014/main" val="20002"/>
+                    </a:ext>
+                  </a:extLst>
+                </a:gridCol>
               </a:tblGrid>
               <a:tr h="614365">
                 <a:tc>
@@ -36994,6 +36354,11 @@
                     </a:lnB>
                   </a:tcPr>
                 </a:tc>
+                <a:extLst>
+                  <a:ext uri="{0D108BD9-81ED-4DB2-BD59-A6C34878D82A}">
+                    <a16:rowId xmlns:a16="http://schemas.microsoft.com/office/drawing/2014/main" val="10000"/>
+                  </a:ext>
+                </a:extLst>
               </a:tr>
               <a:tr h="614365">
                 <a:tc>
@@ -37018,12 +36383,6 @@
                         </a:rPr>
                         <a:t>id</a:t>
                       </a:r>
-                      <a:endParaRPr lang="en-CA" sz="1800" dirty="0">
-                        <a:effectLst/>
-                        <a:latin typeface="Calibri" panose="020F0502020204030204" pitchFamily="34" charset="0"/>
-                        <a:ea typeface="Calibri" panose="020F0502020204030204" pitchFamily="34" charset="0"/>
-                        <a:cs typeface="Times New Roman" panose="02020503050405090304" pitchFamily="18" charset="0"/>
-                      </a:endParaRPr>
                     </a:p>
                   </a:txBody>
                   <a:tcPr marL="68580" marR="68580" marT="0" marB="0">
@@ -37087,12 +36446,6 @@
                         </a:rPr>
                         <a:t>Client’s id</a:t>
                       </a:r>
-                      <a:endParaRPr lang="en-CA" sz="1800" dirty="0">
-                        <a:effectLst/>
-                        <a:latin typeface="Calibri" panose="020F0502020204030204" pitchFamily="34" charset="0"/>
-                        <a:ea typeface="Calibri" panose="020F0502020204030204" pitchFamily="34" charset="0"/>
-                        <a:cs typeface="Times New Roman" panose="02020503050405090304" pitchFamily="18" charset="0"/>
-                      </a:endParaRPr>
                     </a:p>
                   </a:txBody>
                   <a:tcPr marL="68580" marR="68580" marT="0" marB="0">
@@ -37156,12 +36509,6 @@
                         </a:rPr>
                         <a:t>BIGINT</a:t>
                       </a:r>
-                      <a:endParaRPr lang="en-CA" sz="1800" dirty="0">
-                        <a:effectLst/>
-                        <a:latin typeface="Calibri" panose="020F0502020204030204" pitchFamily="34" charset="0"/>
-                        <a:ea typeface="Calibri" panose="020F0502020204030204" pitchFamily="34" charset="0"/>
-                        <a:cs typeface="Times New Roman" panose="02020503050405090304" pitchFamily="18" charset="0"/>
-                      </a:endParaRPr>
                     </a:p>
                   </a:txBody>
                   <a:tcPr marL="68580" marR="68580" marT="0" marB="0">
@@ -37203,6 +36550,11 @@
                     </a:lnB>
                   </a:tcPr>
                 </a:tc>
+                <a:extLst>
+                  <a:ext uri="{0D108BD9-81ED-4DB2-BD59-A6C34878D82A}">
+                    <a16:rowId xmlns:a16="http://schemas.microsoft.com/office/drawing/2014/main" val="10001"/>
+                  </a:ext>
+                </a:extLst>
               </a:tr>
               <a:tr h="614365">
                 <a:tc>
@@ -37227,12 +36579,6 @@
                         </a:rPr>
                         <a:t>password</a:t>
                       </a:r>
-                      <a:endParaRPr lang="en-CA" sz="1800" dirty="0">
-                        <a:effectLst/>
-                        <a:latin typeface="Calibri" panose="020F0502020204030204" pitchFamily="34" charset="0"/>
-                        <a:ea typeface="Calibri" panose="020F0502020204030204" pitchFamily="34" charset="0"/>
-                        <a:cs typeface="Times New Roman" panose="02020503050405090304" pitchFamily="18" charset="0"/>
-                      </a:endParaRPr>
                     </a:p>
                   </a:txBody>
                   <a:tcPr marL="68580" marR="68580" marT="0" marB="0">
@@ -37296,12 +36642,6 @@
                         </a:rPr>
                         <a:t>Meeting password</a:t>
                       </a:r>
-                      <a:endParaRPr lang="en-CA" sz="1800" dirty="0">
-                        <a:effectLst/>
-                        <a:latin typeface="Calibri" panose="020F0502020204030204" pitchFamily="34" charset="0"/>
-                        <a:ea typeface="Calibri" panose="020F0502020204030204" pitchFamily="34" charset="0"/>
-                        <a:cs typeface="Times New Roman" panose="02020503050405090304" pitchFamily="18" charset="0"/>
-                      </a:endParaRPr>
                     </a:p>
                   </a:txBody>
                   <a:tcPr marL="68580" marR="68580" marT="0" marB="0">
@@ -37365,12 +36705,6 @@
                         </a:rPr>
                         <a:t>VARCHAR(255)</a:t>
                       </a:r>
-                      <a:endParaRPr lang="en-CA" sz="1800" dirty="0">
-                        <a:effectLst/>
-                        <a:latin typeface="Calibri" panose="020F0502020204030204" pitchFamily="34" charset="0"/>
-                        <a:ea typeface="Calibri" panose="020F0502020204030204" pitchFamily="34" charset="0"/>
-                        <a:cs typeface="Times New Roman" panose="02020503050405090304" pitchFamily="18" charset="0"/>
-                      </a:endParaRPr>
                     </a:p>
                   </a:txBody>
                   <a:tcPr marL="68580" marR="68580" marT="0" marB="0">
@@ -37412,6 +36746,11 @@
                     </a:lnB>
                   </a:tcPr>
                 </a:tc>
+                <a:extLst>
+                  <a:ext uri="{0D108BD9-81ED-4DB2-BD59-A6C34878D82A}">
+                    <a16:rowId xmlns:a16="http://schemas.microsoft.com/office/drawing/2014/main" val="10002"/>
+                  </a:ext>
+                </a:extLst>
               </a:tr>
               <a:tr h="614365">
                 <a:tc>
@@ -37583,12 +36922,6 @@
                         </a:rPr>
                         <a:t>VARCHAR(255)</a:t>
                       </a:r>
-                      <a:endParaRPr lang="en-CA" sz="1800" dirty="0">
-                        <a:effectLst/>
-                        <a:latin typeface="Calibri" panose="020F0502020204030204" pitchFamily="34" charset="0"/>
-                        <a:ea typeface="Calibri" panose="020F0502020204030204" pitchFamily="34" charset="0"/>
-                        <a:cs typeface="Times New Roman" panose="02020503050405090304" pitchFamily="18" charset="0"/>
-                      </a:endParaRPr>
                     </a:p>
                   </a:txBody>
                   <a:tcPr marL="68580" marR="68580" marT="0" marB="0">
@@ -37630,6 +36963,11 @@
                     </a:lnB>
                   </a:tcPr>
                 </a:tc>
+                <a:extLst>
+                  <a:ext uri="{0D108BD9-81ED-4DB2-BD59-A6C34878D82A}">
+                    <a16:rowId xmlns:a16="http://schemas.microsoft.com/office/drawing/2014/main" val="10003"/>
+                  </a:ext>
+                </a:extLst>
               </a:tr>
               <a:tr h="614365">
                 <a:tc>
@@ -37723,12 +37061,6 @@
                         </a:rPr>
                         <a:t>Meeting id</a:t>
                       </a:r>
-                      <a:endParaRPr lang="en-CA" sz="1800" dirty="0">
-                        <a:effectLst/>
-                        <a:latin typeface="Calibri" panose="020F0502020204030204" pitchFamily="34" charset="0"/>
-                        <a:ea typeface="Calibri" panose="020F0502020204030204" pitchFamily="34" charset="0"/>
-                        <a:cs typeface="Times New Roman" panose="02020503050405090304" pitchFamily="18" charset="0"/>
-                      </a:endParaRPr>
                     </a:p>
                   </a:txBody>
                   <a:tcPr marL="68580" marR="68580" marT="0" marB="0">
@@ -37792,12 +37124,6 @@
                         </a:rPr>
                         <a:t>VARCHAR(255)</a:t>
                       </a:r>
-                      <a:endParaRPr lang="en-CA" sz="1800" dirty="0">
-                        <a:effectLst/>
-                        <a:latin typeface="Calibri" panose="020F0502020204030204" pitchFamily="34" charset="0"/>
-                        <a:ea typeface="Calibri" panose="020F0502020204030204" pitchFamily="34" charset="0"/>
-                        <a:cs typeface="Times New Roman" panose="02020503050405090304" pitchFamily="18" charset="0"/>
-                      </a:endParaRPr>
                     </a:p>
                   </a:txBody>
                   <a:tcPr marL="68580" marR="68580" marT="0" marB="0">
@@ -37839,6 +37165,11 @@
                     </a:lnB>
                   </a:tcPr>
                 </a:tc>
+                <a:extLst>
+                  <a:ext uri="{0D108BD9-81ED-4DB2-BD59-A6C34878D82A}">
+                    <a16:rowId xmlns:a16="http://schemas.microsoft.com/office/drawing/2014/main" val="10004"/>
+                  </a:ext>
+                </a:extLst>
               </a:tr>
               <a:tr h="614365">
                 <a:tc>
@@ -37863,12 +37194,6 @@
                         </a:rPr>
                         <a:t>occupied</a:t>
                       </a:r>
-                      <a:endParaRPr lang="en-CA" sz="1800" dirty="0">
-                        <a:effectLst/>
-                        <a:latin typeface="Calibri" panose="020F0502020204030204" pitchFamily="34" charset="0"/>
-                        <a:ea typeface="Calibri" panose="020F0502020204030204" pitchFamily="34" charset="0"/>
-                        <a:cs typeface="Times New Roman" panose="02020503050405090304" pitchFamily="18" charset="0"/>
-                      </a:endParaRPr>
                     </a:p>
                   </a:txBody>
                   <a:tcPr marL="68580" marR="68580" marT="0" marB="0">
@@ -37932,12 +37257,6 @@
                         </a:rPr>
                         <a:t>whether a time slot is occupied</a:t>
                       </a:r>
-                      <a:endParaRPr lang="en-CA" sz="1800" dirty="0">
-                        <a:effectLst/>
-                        <a:latin typeface="Calibri" panose="020F0502020204030204" pitchFamily="34" charset="0"/>
-                        <a:ea typeface="Calibri" panose="020F0502020204030204" pitchFamily="34" charset="0"/>
-                        <a:cs typeface="Times New Roman" panose="02020503050405090304" pitchFamily="18" charset="0"/>
-                      </a:endParaRPr>
                     </a:p>
                   </a:txBody>
                   <a:tcPr marL="68580" marR="68580" marT="0" marB="0">
@@ -38001,12 +37320,6 @@
                         </a:rPr>
                         <a:t>BIT(1)</a:t>
                       </a:r>
-                      <a:endParaRPr lang="en-CA" sz="1800" dirty="0">
-                        <a:effectLst/>
-                        <a:latin typeface="Calibri" panose="020F0502020204030204" pitchFamily="34" charset="0"/>
-                        <a:ea typeface="Calibri" panose="020F0502020204030204" pitchFamily="34" charset="0"/>
-                        <a:cs typeface="Times New Roman" panose="02020503050405090304" pitchFamily="18" charset="0"/>
-                      </a:endParaRPr>
                     </a:p>
                   </a:txBody>
                   <a:tcPr marL="68580" marR="68580" marT="0" marB="0">
@@ -38048,6 +37361,11 @@
                     </a:lnB>
                   </a:tcPr>
                 </a:tc>
+                <a:extLst>
+                  <a:ext uri="{0D108BD9-81ED-4DB2-BD59-A6C34878D82A}">
+                    <a16:rowId xmlns:a16="http://schemas.microsoft.com/office/drawing/2014/main" val="10005"/>
+                  </a:ext>
+                </a:extLst>
               </a:tr>
             </a:tbl>
           </a:graphicData>
@@ -38100,7 +37418,6 @@
               <a:rPr lang="en-CA" dirty="0"/>
               <a:t>Typical Data Definition(contd.)</a:t>
             </a:r>
-            <a:endParaRPr lang="en-CA" dirty="0"/>
           </a:p>
         </p:txBody>
       </p:sp>
@@ -38167,6 +37484,7 @@
           <a:p>
             <a:fld id="{A4BAB868-1E00-44C6-B1AB-DFCC5F9865BA}" type="slidenum">
               <a:rPr lang="ja-JP" altLang="en-US" smtClean="0"/>
+              <a:t>47</a:t>
             </a:fld>
             <a:endParaRPr lang="en-US" altLang="ja-JP"/>
           </a:p>
@@ -38239,9 +37557,27 @@
             <a:tbl>
               <a:tblPr firstRow="1" firstCol="1" bandRow="1"/>
               <a:tblGrid>
-                <a:gridCol w="3243951"/>
-                <a:gridCol w="3244992"/>
-                <a:gridCol w="3244992"/>
+                <a:gridCol w="3243951">
+                  <a:extLst>
+                    <a:ext uri="{9D8B030D-6E8A-4147-A177-3AD203B41FA5}">
+                      <a16:colId xmlns:a16="http://schemas.microsoft.com/office/drawing/2014/main" val="20000"/>
+                    </a:ext>
+                  </a:extLst>
+                </a:gridCol>
+                <a:gridCol w="3244992">
+                  <a:extLst>
+                    <a:ext uri="{9D8B030D-6E8A-4147-A177-3AD203B41FA5}">
+                      <a16:colId xmlns:a16="http://schemas.microsoft.com/office/drawing/2014/main" val="20001"/>
+                    </a:ext>
+                  </a:extLst>
+                </a:gridCol>
+                <a:gridCol w="3244992">
+                  <a:extLst>
+                    <a:ext uri="{9D8B030D-6E8A-4147-A177-3AD203B41FA5}">
+                      <a16:colId xmlns:a16="http://schemas.microsoft.com/office/drawing/2014/main" val="20002"/>
+                    </a:ext>
+                  </a:extLst>
+                </a:gridCol>
               </a:tblGrid>
               <a:tr h="614365">
                 <a:tc>
@@ -38451,6 +37787,11 @@
                     </a:lnB>
                   </a:tcPr>
                 </a:tc>
+                <a:extLst>
+                  <a:ext uri="{0D108BD9-81ED-4DB2-BD59-A6C34878D82A}">
+                    <a16:rowId xmlns:a16="http://schemas.microsoft.com/office/drawing/2014/main" val="10000"/>
+                  </a:ext>
+                </a:extLst>
               </a:tr>
               <a:tr h="614365">
                 <a:tc>
@@ -38475,12 +37816,6 @@
                         </a:rPr>
                         <a:t>Id</a:t>
                       </a:r>
-                      <a:endParaRPr lang="en-CA" sz="1800" dirty="0">
-                        <a:effectLst/>
-                        <a:latin typeface="Calibri" panose="020F0502020204030204" pitchFamily="34" charset="0"/>
-                        <a:ea typeface="Calibri" panose="020F0502020204030204" pitchFamily="34" charset="0"/>
-                        <a:cs typeface="Times New Roman" panose="02020503050405090304" pitchFamily="18" charset="0"/>
-                      </a:endParaRPr>
                     </a:p>
                   </a:txBody>
                   <a:tcPr marL="68580" marR="68580" marT="0" marB="0">
@@ -38544,12 +37879,6 @@
                         </a:rPr>
                         <a:t>Doctor’s identification #</a:t>
                       </a:r>
-                      <a:endParaRPr lang="en-CA" sz="1800" dirty="0">
-                        <a:effectLst/>
-                        <a:latin typeface="Calibri" panose="020F0502020204030204" pitchFamily="34" charset="0"/>
-                        <a:ea typeface="Calibri" panose="020F0502020204030204" pitchFamily="34" charset="0"/>
-                        <a:cs typeface="Times New Roman" panose="02020503050405090304" pitchFamily="18" charset="0"/>
-                      </a:endParaRPr>
                     </a:p>
                   </a:txBody>
                   <a:tcPr marL="68580" marR="68580" marT="0" marB="0">
@@ -38613,12 +37942,6 @@
                         </a:rPr>
                         <a:t>BIGINT</a:t>
                       </a:r>
-                      <a:endParaRPr lang="en-CA" sz="1800" dirty="0">
-                        <a:effectLst/>
-                        <a:latin typeface="Calibri" panose="020F0502020204030204" pitchFamily="34" charset="0"/>
-                        <a:ea typeface="Calibri" panose="020F0502020204030204" pitchFamily="34" charset="0"/>
-                        <a:cs typeface="Times New Roman" panose="02020503050405090304" pitchFamily="18" charset="0"/>
-                      </a:endParaRPr>
                     </a:p>
                   </a:txBody>
                   <a:tcPr marL="68580" marR="68580" marT="0" marB="0">
@@ -38660,6 +37983,11 @@
                     </a:lnB>
                   </a:tcPr>
                 </a:tc>
+                <a:extLst>
+                  <a:ext uri="{0D108BD9-81ED-4DB2-BD59-A6C34878D82A}">
+                    <a16:rowId xmlns:a16="http://schemas.microsoft.com/office/drawing/2014/main" val="10001"/>
+                  </a:ext>
+                </a:extLst>
               </a:tr>
               <a:tr h="614365">
                 <a:tc>
@@ -38684,12 +38012,6 @@
                         </a:rPr>
                         <a:t>name</a:t>
                       </a:r>
-                      <a:endParaRPr lang="en-CA" sz="1800" dirty="0">
-                        <a:effectLst/>
-                        <a:latin typeface="Calibri" panose="020F0502020204030204" pitchFamily="34" charset="0"/>
-                        <a:ea typeface="Calibri" panose="020F0502020204030204" pitchFamily="34" charset="0"/>
-                        <a:cs typeface="Times New Roman" panose="02020503050405090304" pitchFamily="18" charset="0"/>
-                      </a:endParaRPr>
                     </a:p>
                   </a:txBody>
                   <a:tcPr marL="68580" marR="68580" marT="0" marB="0">
@@ -38753,12 +38075,6 @@
                         </a:rPr>
                         <a:t>Specialty Name</a:t>
                       </a:r>
-                      <a:endParaRPr lang="en-CA" sz="1800" dirty="0">
-                        <a:effectLst/>
-                        <a:latin typeface="Calibri" panose="020F0502020204030204" pitchFamily="34" charset="0"/>
-                        <a:ea typeface="Calibri" panose="020F0502020204030204" pitchFamily="34" charset="0"/>
-                        <a:cs typeface="Times New Roman" panose="02020503050405090304" pitchFamily="18" charset="0"/>
-                      </a:endParaRPr>
                     </a:p>
                   </a:txBody>
                   <a:tcPr marL="68580" marR="68580" marT="0" marB="0">
@@ -38822,12 +38138,6 @@
                         </a:rPr>
                         <a:t>VARCHAR(255)</a:t>
                       </a:r>
-                      <a:endParaRPr lang="en-CA" sz="1800" dirty="0">
-                        <a:effectLst/>
-                        <a:latin typeface="Calibri" panose="020F0502020204030204" pitchFamily="34" charset="0"/>
-                        <a:ea typeface="Calibri" panose="020F0502020204030204" pitchFamily="34" charset="0"/>
-                        <a:cs typeface="Times New Roman" panose="02020503050405090304" pitchFamily="18" charset="0"/>
-                      </a:endParaRPr>
                     </a:p>
                   </a:txBody>
                   <a:tcPr marL="68580" marR="68580" marT="0" marB="0">
@@ -38869,6 +38179,11 @@
                     </a:lnB>
                   </a:tcPr>
                 </a:tc>
+                <a:extLst>
+                  <a:ext uri="{0D108BD9-81ED-4DB2-BD59-A6C34878D82A}">
+                    <a16:rowId xmlns:a16="http://schemas.microsoft.com/office/drawing/2014/main" val="10002"/>
+                  </a:ext>
+                </a:extLst>
               </a:tr>
             </a:tbl>
           </a:graphicData>
@@ -38902,7 +38217,14 @@
         <p:cNvGrpSpPr/>
         <p:nvPr/>
       </p:nvGrpSpPr>
-      <p:grpSpPr/>
+      <p:grpSpPr>
+        <a:xfrm>
+          <a:off x="0" y="0"/>
+          <a:ext cx="0" cy="0"/>
+          <a:chOff x="0" y="0"/>
+          <a:chExt cx="0" cy="0"/>
+        </a:xfrm>
+      </p:grpSpPr>
       <p:sp>
         <p:nvSpPr>
           <p:cNvPr id="2" name="Title 1"/>
@@ -38916,12 +38238,12 @@
         <p:spPr/>
         <p:txBody>
           <a:bodyPr/>
+          <a:lstStyle/>
           <a:p>
             <a:r>
               <a:rPr lang="en-US"/>
               <a:t>Video link Agent </a:t>
             </a:r>
-            <a:endParaRPr lang="en-US"/>
           </a:p>
         </p:txBody>
       </p:sp>
@@ -38943,12 +38265,12 @@
         </p:spPr>
         <p:txBody>
           <a:bodyPr/>
+          <a:lstStyle/>
           <a:p>
             <a:r>
               <a:rPr lang="en-US"/>
               <a:t>Input Parameters : Soap Request</a:t>
             </a:r>
-            <a:endParaRPr lang="en-US"/>
           </a:p>
           <a:p>
             <a:pPr marL="0" indent="0">
@@ -38971,6 +38293,7 @@
         <p:spPr/>
         <p:txBody>
           <a:bodyPr/>
+          <a:lstStyle/>
           <a:p>
             <a:r>
               <a:rPr lang="en-US"/>
@@ -38993,6 +38316,7 @@
         <p:spPr/>
         <p:txBody>
           <a:bodyPr/>
+          <a:lstStyle/>
           <a:p>
             <a:r>
               <a:rPr lang="ja-JP" altLang="en-US"/>
@@ -39015,9 +38339,11 @@
         <p:spPr/>
         <p:txBody>
           <a:bodyPr/>
+          <a:lstStyle/>
           <a:p>
             <a:fld id="{A4BAB868-1E00-44C6-B1AB-DFCC5F9865BA}" type="slidenum">
               <a:rPr lang="ja-JP" altLang="en-US"/>
+              <a:t>48</a:t>
             </a:fld>
             <a:endParaRPr lang="en-US" altLang="ja-JP"/>
           </a:p>
@@ -39044,13 +38370,26 @@
                 <a:tableStyleId>{5C22544A-7EE6-4342-B048-85BDC9FD1C3A}</a:tableStyleId>
               </a:tblPr>
               <a:tblGrid>
-                <a:gridCol w="6485890"/>
-                <a:gridCol w="2702560"/>
+                <a:gridCol w="6485890">
+                  <a:extLst>
+                    <a:ext uri="{9D8B030D-6E8A-4147-A177-3AD203B41FA5}">
+                      <a16:colId xmlns:a16="http://schemas.microsoft.com/office/drawing/2014/main" val="20000"/>
+                    </a:ext>
+                  </a:extLst>
+                </a:gridCol>
+                <a:gridCol w="2702560">
+                  <a:extLst>
+                    <a:ext uri="{9D8B030D-6E8A-4147-A177-3AD203B41FA5}">
+                      <a16:colId xmlns:a16="http://schemas.microsoft.com/office/drawing/2014/main" val="20001"/>
+                    </a:ext>
+                  </a:extLst>
+                </a:gridCol>
               </a:tblGrid>
               <a:tr h="457200">
                 <a:tc>
                   <a:txBody>
                     <a:bodyPr/>
+                    <a:lstStyle/>
                     <a:p>
                       <a:pPr>
                         <a:buNone/>
@@ -39059,7 +38398,6 @@
                         <a:rPr lang="en-US" sz="2400"/>
                         <a:t>Parameters</a:t>
                       </a:r>
-                      <a:endParaRPr lang="en-US" sz="2400"/>
                     </a:p>
                   </a:txBody>
                   <a:tcPr/>
@@ -39067,6 +38405,7 @@
                 <a:tc>
                   <a:txBody>
                     <a:bodyPr/>
+                    <a:lstStyle/>
                     <a:p>
                       <a:pPr>
                         <a:buNone/>
@@ -39075,16 +38414,21 @@
                         <a:rPr lang="en-US" sz="2400"/>
                         <a:t>Description</a:t>
                       </a:r>
-                      <a:endParaRPr lang="en-US" sz="2400"/>
                     </a:p>
                   </a:txBody>
                   <a:tcPr/>
                 </a:tc>
+                <a:extLst>
+                  <a:ext uri="{0D108BD9-81ED-4DB2-BD59-A6C34878D82A}">
+                    <a16:rowId xmlns:a16="http://schemas.microsoft.com/office/drawing/2014/main" val="10000"/>
+                  </a:ext>
+                </a:extLst>
               </a:tr>
               <a:tr h="3261360">
                 <a:tc>
                   <a:txBody>
                     <a:bodyPr/>
+                    <a:lstStyle/>
                     <a:p>
                       <a:pPr>
                         <a:buNone/>
@@ -39115,13 +38459,6 @@
                         </a:rPr>
                         <a:t>&lt;soapenv:Envelope xmlns:soapenv="http://schemas.xmlsoap.org/soap/envelope/" xmlns:eser="http://eservice/"&gt;</a:t>
                       </a:r>
-                      <a:endParaRPr lang="en-US" sz="1400" b="1">
-                        <a:solidFill>
-                          <a:srgbClr val="002060"/>
-                        </a:solidFill>
-                        <a:latin typeface="Times New Roman Bold" panose="02020503050405090304" charset="0"/>
-                        <a:cs typeface="Times New Roman Bold" panose="02020503050405090304" charset="0"/>
-                      </a:endParaRPr>
                     </a:p>
                     <a:p>
                       <a:pPr>
@@ -39137,13 +38474,6 @@
                         </a:rPr>
                         <a:t>   &lt;soapenv:Header/&gt;</a:t>
                       </a:r>
-                      <a:endParaRPr lang="en-US" sz="1400" b="1">
-                        <a:solidFill>
-                          <a:srgbClr val="002060"/>
-                        </a:solidFill>
-                        <a:latin typeface="Times New Roman Bold" panose="02020503050405090304" charset="0"/>
-                        <a:cs typeface="Times New Roman Bold" panose="02020503050405090304" charset="0"/>
-                      </a:endParaRPr>
                     </a:p>
                     <a:p>
                       <a:pPr>
@@ -39159,13 +38489,6 @@
                         </a:rPr>
                         <a:t>   &lt;soapenv:Body&gt;</a:t>
                       </a:r>
-                      <a:endParaRPr lang="en-US" sz="1400" b="1">
-                        <a:solidFill>
-                          <a:srgbClr val="002060"/>
-                        </a:solidFill>
-                        <a:latin typeface="Times New Roman Bold" panose="02020503050405090304" charset="0"/>
-                        <a:cs typeface="Times New Roman Bold" panose="02020503050405090304" charset="0"/>
-                      </a:endParaRPr>
                     </a:p>
                     <a:p>
                       <a:pPr>
@@ -39181,13 +38504,6 @@
                         </a:rPr>
                         <a:t>      &lt;eser:getZoomLink&gt;</a:t>
                       </a:r>
-                      <a:endParaRPr lang="en-US" sz="1400" b="1">
-                        <a:solidFill>
-                          <a:srgbClr val="002060"/>
-                        </a:solidFill>
-                        <a:latin typeface="Times New Roman Bold" panose="02020503050405090304" charset="0"/>
-                        <a:cs typeface="Times New Roman Bold" panose="02020503050405090304" charset="0"/>
-                      </a:endParaRPr>
                     </a:p>
                     <a:p>
                       <a:pPr>
@@ -39203,13 +38519,6 @@
                         </a:rPr>
                         <a:t>         &lt;arg0&gt;</a:t>
                       </a:r>
-                      <a:endParaRPr lang="en-US" sz="1400" b="1">
-                        <a:solidFill>
-                          <a:srgbClr val="002060"/>
-                        </a:solidFill>
-                        <a:latin typeface="Times New Roman Bold" panose="02020503050405090304" charset="0"/>
-                        <a:cs typeface="Times New Roman Bold" panose="02020503050405090304" charset="0"/>
-                      </a:endParaRPr>
                     </a:p>
                     <a:p>
                       <a:pPr>
@@ -39225,13 +38534,6 @@
                         </a:rPr>
                         <a:t>            &lt;surname&gt;Client Surname&lt;/surname&gt;</a:t>
                       </a:r>
-                      <a:endParaRPr lang="en-US" sz="1400" b="1">
-                        <a:solidFill>
-                          <a:srgbClr val="002060"/>
-                        </a:solidFill>
-                        <a:latin typeface="Times New Roman Bold" panose="02020503050405090304" charset="0"/>
-                        <a:cs typeface="Times New Roman Bold" panose="02020503050405090304" charset="0"/>
-                      </a:endParaRPr>
                     </a:p>
                     <a:p>
                       <a:pPr>
@@ -39247,13 +38549,6 @@
                         </a:rPr>
                         <a:t>            &lt;username&gt;Client Name&lt;/username&gt;</a:t>
                       </a:r>
-                      <a:endParaRPr lang="en-US" sz="1400" b="1">
-                        <a:solidFill>
-                          <a:srgbClr val="002060"/>
-                        </a:solidFill>
-                        <a:latin typeface="Times New Roman Bold" panose="02020503050405090304" charset="0"/>
-                        <a:cs typeface="Times New Roman Bold" panose="02020503050405090304" charset="0"/>
-                      </a:endParaRPr>
                     </a:p>
                     <a:p>
                       <a:pPr>
@@ -39269,13 +38564,6 @@
                         </a:rPr>
                         <a:t>         &lt;/arg0&gt;</a:t>
                       </a:r>
-                      <a:endParaRPr lang="en-US" sz="1400" b="1">
-                        <a:solidFill>
-                          <a:srgbClr val="002060"/>
-                        </a:solidFill>
-                        <a:latin typeface="Times New Roman Bold" panose="02020503050405090304" charset="0"/>
-                        <a:cs typeface="Times New Roman Bold" panose="02020503050405090304" charset="0"/>
-                      </a:endParaRPr>
                     </a:p>
                     <a:p>
                       <a:pPr>
@@ -39291,13 +38579,6 @@
                         </a:rPr>
                         <a:t>      &lt;/eser:getZoomLink&gt;</a:t>
                       </a:r>
-                      <a:endParaRPr lang="en-US" sz="1400" b="1">
-                        <a:solidFill>
-                          <a:srgbClr val="002060"/>
-                        </a:solidFill>
-                        <a:latin typeface="Times New Roman Bold" panose="02020503050405090304" charset="0"/>
-                        <a:cs typeface="Times New Roman Bold" panose="02020503050405090304" charset="0"/>
-                      </a:endParaRPr>
                     </a:p>
                     <a:p>
                       <a:pPr>
@@ -39313,13 +38594,6 @@
                         </a:rPr>
                         <a:t>   &lt;/soapenv:Body&gt;</a:t>
                       </a:r>
-                      <a:endParaRPr lang="en-US" sz="1400" b="1">
-                        <a:solidFill>
-                          <a:srgbClr val="002060"/>
-                        </a:solidFill>
-                        <a:latin typeface="Times New Roman Bold" panose="02020503050405090304" charset="0"/>
-                        <a:cs typeface="Times New Roman Bold" panose="02020503050405090304" charset="0"/>
-                      </a:endParaRPr>
                     </a:p>
                     <a:p>
                       <a:pPr>
@@ -39365,11 +38639,6 @@
                         </a:rPr>
                         <a:t> </a:t>
                       </a:r>
-                      <a:endParaRPr lang="en-US">
-                        <a:solidFill>
-                          <a:schemeClr val="bg1"/>
-                        </a:solidFill>
-                      </a:endParaRPr>
                     </a:p>
                   </a:txBody>
                   <a:tcPr/>
@@ -39377,6 +38646,7 @@
                 <a:tc>
                   <a:txBody>
                     <a:bodyPr/>
+                    <a:lstStyle/>
                     <a:p>
                       <a:pPr>
                         <a:buNone/>
@@ -39385,11 +38655,15 @@
                         <a:rPr lang="en-US"/>
                         <a:t>Client information such as username and surname is sent in the request.</a:t>
                       </a:r>
-                      <a:endParaRPr lang="en-US"/>
                     </a:p>
                   </a:txBody>
                   <a:tcPr/>
                 </a:tc>
+                <a:extLst>
+                  <a:ext uri="{0D108BD9-81ED-4DB2-BD59-A6C34878D82A}">
+                    <a16:rowId xmlns:a16="http://schemas.microsoft.com/office/drawing/2014/main" val="10001"/>
+                  </a:ext>
+                </a:extLst>
               </a:tr>
             </a:tbl>
           </a:graphicData>
@@ -39415,7 +38689,14 @@
         <p:cNvGrpSpPr/>
         <p:nvPr/>
       </p:nvGrpSpPr>
-      <p:grpSpPr/>
+      <p:grpSpPr>
+        <a:xfrm>
+          <a:off x="0" y="0"/>
+          <a:ext cx="0" cy="0"/>
+          <a:chOff x="0" y="0"/>
+          <a:chExt cx="0" cy="0"/>
+        </a:xfrm>
+      </p:grpSpPr>
       <p:sp>
         <p:nvSpPr>
           <p:cNvPr id="2" name="Title 1"/>
@@ -39429,12 +38710,12 @@
         <p:spPr/>
         <p:txBody>
           <a:bodyPr/>
+          <a:lstStyle/>
           <a:p>
             <a:r>
               <a:rPr lang="en-US"/>
               <a:t>Video link Agent(contd)</a:t>
             </a:r>
-            <a:endParaRPr lang="en-US"/>
           </a:p>
         </p:txBody>
       </p:sp>
@@ -39451,6 +38732,7 @@
         <p:spPr/>
         <p:txBody>
           <a:bodyPr/>
+          <a:lstStyle/>
           <a:p>
             <a:r>
               <a:rPr lang="en-US">
@@ -39460,11 +38742,6 @@
               </a:rPr>
               <a:t>Output Parameters : Soap Response</a:t>
             </a:r>
-            <a:endParaRPr lang="en-US">
-              <a:solidFill>
-                <a:schemeClr val="tx1"/>
-              </a:solidFill>
-            </a:endParaRPr>
           </a:p>
         </p:txBody>
       </p:sp>
@@ -39481,6 +38758,7 @@
         <p:spPr/>
         <p:txBody>
           <a:bodyPr/>
+          <a:lstStyle/>
           <a:p>
             <a:r>
               <a:rPr lang="en-US"/>
@@ -39503,6 +38781,7 @@
         <p:spPr/>
         <p:txBody>
           <a:bodyPr/>
+          <a:lstStyle/>
           <a:p>
             <a:r>
               <a:rPr lang="ja-JP" altLang="en-US"/>
@@ -39525,9 +38804,11 @@
         <p:spPr/>
         <p:txBody>
           <a:bodyPr/>
+          <a:lstStyle/>
           <a:p>
             <a:fld id="{A4BAB868-1E00-44C6-B1AB-DFCC5F9865BA}" type="slidenum">
               <a:rPr lang="ja-JP" altLang="en-US"/>
+              <a:t>49</a:t>
             </a:fld>
             <a:endParaRPr lang="en-US" altLang="ja-JP"/>
           </a:p>
@@ -39554,13 +38835,26 @@
                 <a:tableStyleId>{5C22544A-7EE6-4342-B048-85BDC9FD1C3A}</a:tableStyleId>
               </a:tblPr>
               <a:tblGrid>
-                <a:gridCol w="6842125"/>
-                <a:gridCol w="2327275"/>
+                <a:gridCol w="6842125">
+                  <a:extLst>
+                    <a:ext uri="{9D8B030D-6E8A-4147-A177-3AD203B41FA5}">
+                      <a16:colId xmlns:a16="http://schemas.microsoft.com/office/drawing/2014/main" val="20000"/>
+                    </a:ext>
+                  </a:extLst>
+                </a:gridCol>
+                <a:gridCol w="2327275">
+                  <a:extLst>
+                    <a:ext uri="{9D8B030D-6E8A-4147-A177-3AD203B41FA5}">
+                      <a16:colId xmlns:a16="http://schemas.microsoft.com/office/drawing/2014/main" val="20001"/>
+                    </a:ext>
+                  </a:extLst>
+                </a:gridCol>
               </a:tblGrid>
               <a:tr h="584200">
                 <a:tc>
                   <a:txBody>
                     <a:bodyPr/>
+                    <a:lstStyle/>
                     <a:p>
                       <a:pPr>
                         <a:buNone/>
@@ -39569,7 +38863,6 @@
                         <a:rPr lang="en-US" sz="2400"/>
                         <a:t>Parameters</a:t>
                       </a:r>
-                      <a:endParaRPr lang="en-US" sz="2400"/>
                     </a:p>
                   </a:txBody>
                   <a:tcPr/>
@@ -39577,6 +38870,7 @@
                 <a:tc>
                   <a:txBody>
                     <a:bodyPr/>
+                    <a:lstStyle/>
                     <a:p>
                       <a:pPr>
                         <a:buNone/>
@@ -39585,16 +38879,21 @@
                         <a:rPr lang="en-US" sz="2400"/>
                         <a:t>Description</a:t>
                       </a:r>
-                      <a:endParaRPr lang="en-US" sz="2400"/>
                     </a:p>
                   </a:txBody>
                   <a:tcPr/>
                 </a:tc>
+                <a:extLst>
+                  <a:ext uri="{0D108BD9-81ED-4DB2-BD59-A6C34878D82A}">
+                    <a16:rowId xmlns:a16="http://schemas.microsoft.com/office/drawing/2014/main" val="10000"/>
+                  </a:ext>
+                </a:extLst>
               </a:tr>
               <a:tr h="2914650">
                 <a:tc>
                   <a:txBody>
                     <a:bodyPr/>
+                    <a:lstStyle/>
                     <a:p>
                       <a:pPr>
                         <a:buNone/>
@@ -39609,13 +38908,6 @@
                         </a:rPr>
                         <a:t>&lt;S:Envelope xmlns:S="http://schemas.xmlsoap.org/soap/envelope/"&gt;</a:t>
                       </a:r>
-                      <a:endParaRPr lang="en-US" sz="1400" b="1">
-                        <a:solidFill>
-                          <a:srgbClr val="002060"/>
-                        </a:solidFill>
-                        <a:latin typeface="Times New Roman Bold" panose="02020503050405090304" charset="0"/>
-                        <a:cs typeface="Times New Roman Bold" panose="02020503050405090304" charset="0"/>
-                      </a:endParaRPr>
                     </a:p>
                     <a:p>
                       <a:pPr>
@@ -39631,13 +38923,6 @@
                         </a:rPr>
                         <a:t>   &lt;S:Body&gt;</a:t>
                       </a:r>
-                      <a:endParaRPr lang="en-US" sz="1400" b="1">
-                        <a:solidFill>
-                          <a:srgbClr val="002060"/>
-                        </a:solidFill>
-                        <a:latin typeface="Times New Roman Bold" panose="02020503050405090304" charset="0"/>
-                        <a:cs typeface="Times New Roman Bold" panose="02020503050405090304" charset="0"/>
-                      </a:endParaRPr>
                     </a:p>
                     <a:p>
                       <a:pPr>
@@ -39653,13 +38938,6 @@
                         </a:rPr>
                         <a:t>      &lt;ns2:getZoomLinkResponse xmlns:ns2="http://eservice/"&gt;</a:t>
                       </a:r>
-                      <a:endParaRPr lang="en-US" sz="1400" b="1">
-                        <a:solidFill>
-                          <a:srgbClr val="002060"/>
-                        </a:solidFill>
-                        <a:latin typeface="Times New Roman Bold" panose="02020503050405090304" charset="0"/>
-                        <a:cs typeface="Times New Roman Bold" panose="02020503050405090304" charset="0"/>
-                      </a:endParaRPr>
                     </a:p>
                     <a:p>
                       <a:pPr>
@@ -39675,13 +38953,6 @@
                         </a:rPr>
                         <a:t>         &lt;return&gt;</a:t>
                       </a:r>
-                      <a:endParaRPr lang="en-US" sz="1400" b="1">
-                        <a:solidFill>
-                          <a:srgbClr val="002060"/>
-                        </a:solidFill>
-                        <a:latin typeface="Times New Roman Bold" panose="02020503050405090304" charset="0"/>
-                        <a:cs typeface="Times New Roman Bold" panose="02020503050405090304" charset="0"/>
-                      </a:endParaRPr>
                     </a:p>
                     <a:p>
                       <a:pPr>
@@ -39697,13 +38968,6 @@
                         </a:rPr>
                         <a:t>            &lt;zoomLinkList&gt;</a:t>
                       </a:r>
-                      <a:endParaRPr lang="en-US" sz="1400" b="1">
-                        <a:solidFill>
-                          <a:srgbClr val="002060"/>
-                        </a:solidFill>
-                        <a:latin typeface="Times New Roman Bold" panose="02020503050405090304" charset="0"/>
-                        <a:cs typeface="Times New Roman Bold" panose="02020503050405090304" charset="0"/>
-                      </a:endParaRPr>
                     </a:p>
                     <a:p>
                       <a:pPr>
@@ -39719,13 +38983,6 @@
                         </a:rPr>
                         <a:t>               &lt;meetingId&gt;424 588 1231&lt;/meetingId&gt;</a:t>
                       </a:r>
-                      <a:endParaRPr lang="en-US" sz="1400" b="1">
-                        <a:solidFill>
-                          <a:srgbClr val="002060"/>
-                        </a:solidFill>
-                        <a:latin typeface="Times New Roman Bold" panose="02020503050405090304" charset="0"/>
-                        <a:cs typeface="Times New Roman Bold" panose="02020503050405090304" charset="0"/>
-                      </a:endParaRPr>
                     </a:p>
                     <a:p>
                       <a:pPr>
@@ -39741,13 +38998,6 @@
                         </a:rPr>
                         <a:t>               &lt;password&gt;Engg696&lt;/password&gt;</a:t>
                       </a:r>
-                      <a:endParaRPr lang="en-US" sz="1400" b="1">
-                        <a:solidFill>
-                          <a:srgbClr val="002060"/>
-                        </a:solidFill>
-                        <a:latin typeface="Times New Roman Bold" panose="02020503050405090304" charset="0"/>
-                        <a:cs typeface="Times New Roman Bold" panose="02020503050405090304" charset="0"/>
-                      </a:endParaRPr>
                     </a:p>
                     <a:p>
                       <a:pPr>
@@ -39763,13 +39013,6 @@
                         </a:rPr>
                         <a:t>               &lt;url&gt;https://ucalgary.zoom.us/j/4245881231&lt;/url&gt;</a:t>
                       </a:r>
-                      <a:endParaRPr lang="en-US" sz="1400" b="1">
-                        <a:solidFill>
-                          <a:srgbClr val="002060"/>
-                        </a:solidFill>
-                        <a:latin typeface="Times New Roman Bold" panose="02020503050405090304" charset="0"/>
-                        <a:cs typeface="Times New Roman Bold" panose="02020503050405090304" charset="0"/>
-                      </a:endParaRPr>
                     </a:p>
                     <a:p>
                       <a:pPr>
@@ -39785,13 +39028,6 @@
                         </a:rPr>
                         <a:t>            &lt;/zoomLinkList&gt;</a:t>
                       </a:r>
-                      <a:endParaRPr lang="en-US" sz="1400" b="1">
-                        <a:solidFill>
-                          <a:srgbClr val="002060"/>
-                        </a:solidFill>
-                        <a:latin typeface="Times New Roman Bold" panose="02020503050405090304" charset="0"/>
-                        <a:cs typeface="Times New Roman Bold" panose="02020503050405090304" charset="0"/>
-                      </a:endParaRPr>
                     </a:p>
                     <a:p>
                       <a:pPr>
@@ -39807,13 +39043,6 @@
                         </a:rPr>
                         <a:t>         &lt;/return&gt;</a:t>
                       </a:r>
-                      <a:endParaRPr lang="en-US" sz="1400" b="1">
-                        <a:solidFill>
-                          <a:srgbClr val="002060"/>
-                        </a:solidFill>
-                        <a:latin typeface="Times New Roman Bold" panose="02020503050405090304" charset="0"/>
-                        <a:cs typeface="Times New Roman Bold" panose="02020503050405090304" charset="0"/>
-                      </a:endParaRPr>
                     </a:p>
                     <a:p>
                       <a:pPr>
@@ -39829,13 +39058,6 @@
                         </a:rPr>
                         <a:t>      &lt;/ns2:getZoomLinkResponse&gt;</a:t>
                       </a:r>
-                      <a:endParaRPr lang="en-US" sz="1400" b="1">
-                        <a:solidFill>
-                          <a:srgbClr val="002060"/>
-                        </a:solidFill>
-                        <a:latin typeface="Times New Roman Bold" panose="02020503050405090304" charset="0"/>
-                        <a:cs typeface="Times New Roman Bold" panose="02020503050405090304" charset="0"/>
-                      </a:endParaRPr>
                     </a:p>
                     <a:p>
                       <a:pPr>
@@ -39851,13 +39073,6 @@
                         </a:rPr>
                         <a:t>   &lt;/S:Body&gt;</a:t>
                       </a:r>
-                      <a:endParaRPr lang="en-US" sz="1400" b="1">
-                        <a:solidFill>
-                          <a:srgbClr val="002060"/>
-                        </a:solidFill>
-                        <a:latin typeface="Times New Roman Bold" panose="02020503050405090304" charset="0"/>
-                        <a:cs typeface="Times New Roman Bold" panose="02020503050405090304" charset="0"/>
-                      </a:endParaRPr>
                     </a:p>
                     <a:p>
                       <a:pPr>
@@ -39883,13 +39098,6 @@
                         </a:rPr>
                         <a:t>&gt;</a:t>
                       </a:r>
-                      <a:endParaRPr lang="en-US" sz="1400" b="1">
-                        <a:solidFill>
-                          <a:schemeClr val="tx1"/>
-                        </a:solidFill>
-                        <a:latin typeface="Times New Roman Bold" panose="02020503050405090304" charset="0"/>
-                        <a:cs typeface="Times New Roman Bold" panose="02020503050405090304" charset="0"/>
-                      </a:endParaRPr>
                     </a:p>
                   </a:txBody>
                   <a:tcPr/>
@@ -39897,6 +39105,7 @@
                 <a:tc>
                   <a:txBody>
                     <a:bodyPr/>
+                    <a:lstStyle/>
                     <a:p>
                       <a:pPr>
                         <a:buNone/>
@@ -39905,11 +39114,15 @@
                         <a:rPr lang="en-US" sz="1600"/>
                         <a:t>Meeting details such as the meetting id, password and the video link is recieved ed as the                                                     </a:t>
                       </a:r>
-                      <a:endParaRPr lang="en-US" sz="1600"/>
                     </a:p>
                   </a:txBody>
                   <a:tcPr/>
                 </a:tc>
+                <a:extLst>
+                  <a:ext uri="{0D108BD9-81ED-4DB2-BD59-A6C34878D82A}">
+                    <a16:rowId xmlns:a16="http://schemas.microsoft.com/office/drawing/2014/main" val="10001"/>
+                  </a:ext>
+                </a:extLst>
               </a:tr>
             </a:tbl>
           </a:graphicData>
@@ -39962,7 +39175,6 @@
               <a:rPr lang="en-CA" dirty="0"/>
               <a:t>3. Assumptions</a:t>
             </a:r>
-            <a:endParaRPr lang="en-CA" dirty="0"/>
           </a:p>
         </p:txBody>
       </p:sp>
@@ -40075,6 +39287,7 @@
           <a:p>
             <a:fld id="{A4BAB868-1E00-44C6-B1AB-DFCC5F9865BA}" type="slidenum">
               <a:rPr lang="ja-JP" altLang="en-US" smtClean="0"/>
+              <a:t>5</a:t>
             </a:fld>
             <a:endParaRPr lang="en-US" altLang="ja-JP"/>
           </a:p>
@@ -40127,7 +39340,6 @@
               <a:rPr lang="en-CA" dirty="0"/>
               <a:t>4. Requirements</a:t>
             </a:r>
-            <a:endParaRPr lang="en-CA" dirty="0"/>
           </a:p>
         </p:txBody>
       </p:sp>
@@ -40163,12 +39375,6 @@
               </a:rPr>
               <a:t>The Video Enabled e-Vet System shall provide a web interface allowing the clients to login and register themselves.</a:t>
             </a:r>
-            <a:endParaRPr lang="en-CA" sz="2400" dirty="0">
-              <a:effectLst/>
-              <a:latin typeface="Calibri" panose="020F0502020204030204" pitchFamily="34" charset="0"/>
-              <a:ea typeface="Calibri" panose="020F0502020204030204" pitchFamily="34" charset="0"/>
-              <a:cs typeface="Times New Roman" panose="02020503050405090304" pitchFamily="18" charset="0"/>
-            </a:endParaRPr>
           </a:p>
           <a:p>
             <a:pPr>
@@ -40188,12 +39394,6 @@
               </a:rPr>
               <a:t>It shall allow patients to schedule their appointments.</a:t>
             </a:r>
-            <a:endParaRPr lang="en-CA" sz="2400" dirty="0">
-              <a:effectLst/>
-              <a:latin typeface="Calibri" panose="020F0502020204030204" pitchFamily="34" charset="0"/>
-              <a:ea typeface="Calibri" panose="020F0502020204030204" pitchFamily="34" charset="0"/>
-              <a:cs typeface="Times New Roman" panose="02020503050405090304" pitchFamily="18" charset="0"/>
-            </a:endParaRPr>
           </a:p>
           <a:p>
             <a:pPr>
@@ -40213,12 +39413,6 @@
               </a:rPr>
               <a:t>It shall record patient’s profile in a database and display it based on their name/id.</a:t>
             </a:r>
-            <a:endParaRPr lang="en-CA" sz="2400" dirty="0">
-              <a:effectLst/>
-              <a:latin typeface="Calibri" panose="020F0502020204030204" pitchFamily="34" charset="0"/>
-              <a:ea typeface="Calibri" panose="020F0502020204030204" pitchFamily="34" charset="0"/>
-              <a:cs typeface="Times New Roman" panose="02020503050405090304" pitchFamily="18" charset="0"/>
-            </a:endParaRPr>
           </a:p>
           <a:p>
             <a:pPr>
@@ -40238,12 +39432,6 @@
               </a:rPr>
               <a:t>It shall remind patients of their appointments.</a:t>
             </a:r>
-            <a:endParaRPr lang="en-CA" sz="2400" dirty="0">
-              <a:effectLst/>
-              <a:latin typeface="Calibri" panose="020F0502020204030204" pitchFamily="34" charset="0"/>
-              <a:ea typeface="Calibri" panose="020F0502020204030204" pitchFamily="34" charset="0"/>
-              <a:cs typeface="Times New Roman" panose="02020503050405090304" pitchFamily="18" charset="0"/>
-            </a:endParaRPr>
           </a:p>
           <a:p>
             <a:pPr>
@@ -40263,12 +39451,6 @@
               </a:rPr>
               <a:t>It shall send an appointment confirmation to the patient, including an invitation to the scheduled video enabled meeting</a:t>
             </a:r>
-            <a:endParaRPr lang="en-CA" sz="2400" dirty="0">
-              <a:effectLst/>
-              <a:latin typeface="Calibri" panose="020F0502020204030204" pitchFamily="34" charset="0"/>
-              <a:ea typeface="Calibri" panose="020F0502020204030204" pitchFamily="34" charset="0"/>
-              <a:cs typeface="Times New Roman" panose="02020503050405090304" pitchFamily="18" charset="0"/>
-            </a:endParaRPr>
           </a:p>
           <a:p>
             <a:pPr>
@@ -40288,12 +39470,6 @@
               </a:rPr>
               <a:t>It shall provide multiple printable letter templates to doctors</a:t>
             </a:r>
-            <a:endParaRPr lang="en-CA" sz="2400" dirty="0">
-              <a:effectLst/>
-              <a:latin typeface="Calibri" panose="020F0502020204030204" pitchFamily="34" charset="0"/>
-              <a:ea typeface="Calibri" panose="020F0502020204030204" pitchFamily="34" charset="0"/>
-              <a:cs typeface="Times New Roman" panose="02020503050405090304" pitchFamily="18" charset="0"/>
-            </a:endParaRPr>
           </a:p>
           <a:p>
             <a:endParaRPr lang="en-CA" dirty="0"/>
@@ -40340,6 +39516,7 @@
           <a:p>
             <a:fld id="{A4BAB868-1E00-44C6-B1AB-DFCC5F9865BA}" type="slidenum">
               <a:rPr lang="ja-JP" altLang="en-US" smtClean="0"/>
+              <a:t>6</a:t>
             </a:fld>
             <a:endParaRPr lang="en-US" altLang="ja-JP"/>
           </a:p>
@@ -40428,12 +39605,6 @@
               </a:rPr>
               <a:t>The e-vet system can send a recommendation letter to specialists on behalf of doctors.</a:t>
             </a:r>
-            <a:endParaRPr lang="en-CA" sz="1600" dirty="0">
-              <a:effectLst/>
-              <a:latin typeface="Calibri" panose="020F0502020204030204" pitchFamily="34" charset="0"/>
-              <a:ea typeface="Calibri" panose="020F0502020204030204" pitchFamily="34" charset="0"/>
-              <a:cs typeface="Times New Roman" panose="02020503050405090304" pitchFamily="18" charset="0"/>
-            </a:endParaRPr>
           </a:p>
           <a:p>
             <a:pPr>
@@ -40461,12 +39632,6 @@
               </a:rPr>
               <a:t> should offer multiple payment options.</a:t>
             </a:r>
-            <a:endParaRPr lang="en-CA" sz="1600" dirty="0">
-              <a:effectLst/>
-              <a:latin typeface="Calibri" panose="020F0502020204030204" pitchFamily="34" charset="0"/>
-              <a:ea typeface="Calibri" panose="020F0502020204030204" pitchFamily="34" charset="0"/>
-              <a:cs typeface="Times New Roman" panose="02020503050405090304" pitchFamily="18" charset="0"/>
-            </a:endParaRPr>
           </a:p>
           <a:p>
             <a:pPr>
@@ -40494,12 +39659,6 @@
               </a:rPr>
               <a:t> should have a mechanism to reply to instant scientific questions to physicians (similar to an encyclopedia).</a:t>
             </a:r>
-            <a:endParaRPr lang="en-CA" sz="1600" dirty="0">
-              <a:effectLst/>
-              <a:latin typeface="Calibri" panose="020F0502020204030204" pitchFamily="34" charset="0"/>
-              <a:ea typeface="Calibri" panose="020F0502020204030204" pitchFamily="34" charset="0"/>
-              <a:cs typeface="Times New Roman" panose="02020503050405090304" pitchFamily="18" charset="0"/>
-            </a:endParaRPr>
           </a:p>
           <a:p>
             <a:pPr>
@@ -40527,12 +39686,6 @@
               </a:rPr>
               <a:t> can search in the ontology for relevant documents. </a:t>
             </a:r>
-            <a:endParaRPr lang="en-CA" sz="1600" dirty="0">
-              <a:effectLst/>
-              <a:latin typeface="Calibri" panose="020F0502020204030204" pitchFamily="34" charset="0"/>
-              <a:ea typeface="Calibri" panose="020F0502020204030204" pitchFamily="34" charset="0"/>
-              <a:cs typeface="Times New Roman" panose="02020503050405090304" pitchFamily="18" charset="0"/>
-            </a:endParaRPr>
           </a:p>
           <a:p>
             <a:pPr>
@@ -40552,12 +39705,6 @@
               </a:rPr>
               <a:t>Doctors can also register themselves on the portal, giving the client freedom to choose their doctor(s).</a:t>
             </a:r>
-            <a:endParaRPr lang="en-CA" sz="1600" dirty="0">
-              <a:effectLst/>
-              <a:latin typeface="Calibri" panose="020F0502020204030204" pitchFamily="34" charset="0"/>
-              <a:ea typeface="Calibri" panose="020F0502020204030204" pitchFamily="34" charset="0"/>
-              <a:cs typeface="Times New Roman" panose="02020503050405090304" pitchFamily="18" charset="0"/>
-            </a:endParaRPr>
           </a:p>
           <a:p>
             <a:pPr>
@@ -40577,12 +39724,6 @@
               </a:rPr>
               <a:t>Recording patient feedback on the doctor and doctor feedback on the patient.</a:t>
             </a:r>
-            <a:endParaRPr lang="en-CA" sz="1600" dirty="0">
-              <a:effectLst/>
-              <a:latin typeface="Calibri" panose="020F0502020204030204" pitchFamily="34" charset="0"/>
-              <a:ea typeface="Calibri" panose="020F0502020204030204" pitchFamily="34" charset="0"/>
-              <a:cs typeface="Times New Roman" panose="02020503050405090304" pitchFamily="18" charset="0"/>
-            </a:endParaRPr>
           </a:p>
           <a:p>
             <a:pPr>
@@ -40602,12 +39743,6 @@
               </a:rPr>
               <a:t>E-pharmacy: customers can purchase medicines and other essentials through the portal and get them delivered to their homes. </a:t>
             </a:r>
-            <a:endParaRPr lang="en-CA" sz="1600" dirty="0">
-              <a:effectLst/>
-              <a:latin typeface="Calibri" panose="020F0502020204030204" pitchFamily="34" charset="0"/>
-              <a:ea typeface="Calibri" panose="020F0502020204030204" pitchFamily="34" charset="0"/>
-              <a:cs typeface="Times New Roman" panose="02020503050405090304" pitchFamily="18" charset="0"/>
-            </a:endParaRPr>
           </a:p>
           <a:p>
             <a:pPr>
@@ -40627,12 +39762,6 @@
               </a:rPr>
               <a:t>Patients can complete a lab requisition through the portal.</a:t>
             </a:r>
-            <a:endParaRPr lang="en-CA" sz="1600" dirty="0">
-              <a:effectLst/>
-              <a:latin typeface="Calibri" panose="020F0502020204030204" pitchFamily="34" charset="0"/>
-              <a:ea typeface="Calibri" panose="020F0502020204030204" pitchFamily="34" charset="0"/>
-              <a:cs typeface="Times New Roman" panose="02020503050405090304" pitchFamily="18" charset="0"/>
-            </a:endParaRPr>
           </a:p>
           <a:p>
             <a:pPr>
@@ -40652,12 +39781,6 @@
               </a:rPr>
               <a:t>Patients can communicate with the doctor via text messaging.</a:t>
             </a:r>
-            <a:endParaRPr lang="en-CA" sz="1600" dirty="0">
-              <a:effectLst/>
-              <a:latin typeface="Calibri" panose="020F0502020204030204" pitchFamily="34" charset="0"/>
-              <a:ea typeface="Calibri" panose="020F0502020204030204" pitchFamily="34" charset="0"/>
-              <a:cs typeface="Times New Roman" panose="02020503050405090304" pitchFamily="18" charset="0"/>
-            </a:endParaRPr>
           </a:p>
           <a:p>
             <a:pPr>
@@ -40685,11 +39808,6 @@
               </a:rPr>
               <a:t>patient’s/doctor’s profile.</a:t>
             </a:r>
-            <a:endParaRPr lang="en-CA" sz="1600" dirty="0">
-              <a:latin typeface="Calibri" panose="020F0502020204030204" pitchFamily="34" charset="0"/>
-              <a:ea typeface="Calibri" panose="020F0502020204030204" pitchFamily="34" charset="0"/>
-              <a:cs typeface="Times New Roman" panose="02020503050405090304" pitchFamily="18" charset="0"/>
-            </a:endParaRPr>
           </a:p>
           <a:p>
             <a:endParaRPr lang="en-CA" sz="1600" dirty="0"/>
@@ -40736,6 +39854,7 @@
           <a:p>
             <a:fld id="{A4BAB868-1E00-44C6-B1AB-DFCC5F9865BA}" type="slidenum">
               <a:rPr lang="ja-JP" altLang="en-US" smtClean="0"/>
+              <a:t>7</a:t>
             </a:fld>
             <a:endParaRPr lang="en-US" altLang="ja-JP" dirty="0"/>
           </a:p>
@@ -40832,6 +39951,7 @@
           <a:p>
             <a:fld id="{A4BAB868-1E00-44C6-B1AB-DFCC5F9865BA}" type="slidenum">
               <a:rPr lang="ja-JP" altLang="en-US" smtClean="0"/>
+              <a:t>8</a:t>
             </a:fld>
             <a:endParaRPr lang="en-US" altLang="ja-JP" dirty="0"/>
           </a:p>
@@ -41058,7 +40178,6 @@
               <a:rPr lang="en-US" sz="1950" dirty="0"/>
               <a:t>We have designed an Java web-application with interactive stand-alone interface for the customer to register and book appointments. There is a similar interface designed for Doctors to login and check their schedules.</a:t>
             </a:r>
-            <a:endParaRPr lang="en-US" sz="1950" dirty="0"/>
           </a:p>
           <a:p>
             <a:pPr marL="285750" indent="-285750">
@@ -41072,7 +40191,6 @@
               <a:rPr lang="en-US" sz="1950" dirty="0"/>
               <a:t>The web-application communicates with the user through the interface, and stores the data persistently on a MySQL database. To seamlessly transfer the data from the UI to the database server, we have implemented MVC architecture.</a:t>
             </a:r>
-            <a:endParaRPr lang="en-US" sz="1950" dirty="0"/>
           </a:p>
           <a:p>
             <a:pPr marL="285750" indent="-285750">
@@ -41086,7 +40204,6 @@
               <a:rPr lang="en-US" sz="1950" dirty="0"/>
               <a:t>The functionalities to send SMS messages for notifying successful appointment booking, we are using Restful APIs provided from Twilio. To generate the Zoom video link, we have utilized web-services through Soap/HTTP. </a:t>
             </a:r>
-            <a:endParaRPr lang="en-US" sz="1950" dirty="0"/>
           </a:p>
           <a:p>
             <a:pPr marL="285750" indent="-285750">
@@ -41201,6 +40318,7 @@
           <a:p>
             <a:fld id="{A4BAB868-1E00-44C6-B1AB-DFCC5F9865BA}" type="slidenum">
               <a:rPr lang="ja-JP" altLang="en-US" smtClean="0"/>
+              <a:t>9</a:t>
             </a:fld>
             <a:endParaRPr lang="en-US" altLang="ja-JP" dirty="0"/>
           </a:p>
@@ -41427,7 +40545,6 @@
               <a:rPr lang="en-US" sz="1950" dirty="0"/>
               <a:t>The client first registers as a user. In the registration screen, basic information such as client email, telephone, etc. is taken from the user and fed into the ‘client’ table. Upon successful registration, he will be able to login.</a:t>
             </a:r>
-            <a:endParaRPr lang="en-US" sz="1950" dirty="0"/>
           </a:p>
           <a:p>
             <a:pPr marL="285750" indent="-285750">
@@ -41441,7 +40558,6 @@
               <a:rPr lang="en-US" sz="1950" dirty="0"/>
               <a:t>After login, the user creates an appointment by choosing the doctor, the suitable time and the pet details(breed, age, symptoms, etc.). He can then either reschedule the appointment or delete it. </a:t>
             </a:r>
-            <a:endParaRPr lang="en-US" sz="1950" dirty="0"/>
           </a:p>
           <a:p>
             <a:pPr marL="285750" indent="-285750">
@@ -41455,7 +40571,6 @@
               <a:rPr lang="en-US" sz="1950" dirty="0"/>
               <a:t>Once an appointment is booked/updated/cancelled, respective SMSs are sent to the user for notification purpose. The doctor/patient also get an email message for confirmation. The online meeting details are sent in the notification.</a:t>
             </a:r>
-            <a:endParaRPr lang="en-US" sz="1950" dirty="0"/>
           </a:p>
           <a:p>
             <a:pPr marL="285750" indent="-285750">
@@ -41469,7 +40584,6 @@
               <a:rPr lang="en-US" sz="1950" dirty="0"/>
               <a:t>The doctor logs in to check the appointments scheduled, and after diagnosing the patient the doctor will have to complete the appointment from the UI. Instantly, he will receive a mail asking for his feedback(managed through an agent). Once he submits the feedback, the agent will store the feedback in the ‘feedback’ table. </a:t>
             </a:r>
-            <a:endParaRPr lang="en-US" sz="1950" dirty="0"/>
           </a:p>
           <a:p>
             <a:pPr marL="285750" indent="-285750">
@@ -41502,19 +40616,19 @@
 </file>
 
 <file path=ppt/tags/tag1.xml><?xml version="1.0" encoding="utf-8"?>
-<p:tagLst xmlns:p="http://schemas.openxmlformats.org/presentationml/2006/main">
+<p:tagLst xmlns:a="http://schemas.openxmlformats.org/drawingml/2006/main" xmlns:r="http://schemas.openxmlformats.org/officeDocument/2006/relationships" xmlns:p="http://schemas.openxmlformats.org/presentationml/2006/main">
   <p:tag name="KSO_WM_UNIT_TABLE_BEAUTIFY" val="smartTable{7d4a624c-6dfd-4d97-a214-758ab17fba2d}"/>
 </p:tagLst>
 </file>
 
 <file path=ppt/tags/tag2.xml><?xml version="1.0" encoding="utf-8"?>
-<p:tagLst xmlns:p="http://schemas.openxmlformats.org/presentationml/2006/main">
+<p:tagLst xmlns:a="http://schemas.openxmlformats.org/drawingml/2006/main" xmlns:r="http://schemas.openxmlformats.org/officeDocument/2006/relationships" xmlns:p="http://schemas.openxmlformats.org/presentationml/2006/main">
   <p:tag name="KSO_WM_UNIT_TABLE_BEAUTIFY" val="smartTable{349f674b-f542-42c4-bc1a-353a713e7c45}"/>
 </p:tagLst>
 </file>
 
 <file path=ppt/tags/tag3.xml><?xml version="1.0" encoding="utf-8"?>
-<p:tagLst xmlns:p="http://schemas.openxmlformats.org/presentationml/2006/main">
+<p:tagLst xmlns:a="http://schemas.openxmlformats.org/drawingml/2006/main" xmlns:r="http://schemas.openxmlformats.org/officeDocument/2006/relationships" xmlns:p="http://schemas.openxmlformats.org/presentationml/2006/main">
   <p:tag name="KSO_WM_UNIT_TABLE_BEAUTIFY" val="smartTable{663554d3-cd4b-4c2e-86e1-6d6dbbf29a51}"/>
 </p:tagLst>
 </file>

--- a/GroupD_ProjectPresentation .pptx
+++ b/GroupD_ProjectPresentation .pptx
@@ -54,6 +54,9 @@
     <p:sldId id="311" r:id="rId48"/>
     <p:sldId id="340" r:id="rId49"/>
     <p:sldId id="341" r:id="rId50"/>
+    <p:sldId id="342" r:id="rId51"/>
+    <p:sldId id="343" r:id="rId52"/>
+    <p:sldId id="344" r:id="rId53"/>
   </p:sldIdLst>
   <p:sldSz cx="12192000" cy="6858000"/>
   <p:notesSz cx="6858000" cy="9144000"/>
@@ -8436,7 +8439,7 @@
           <a:p>
             <a:r>
               <a:rPr lang="en-CA" dirty="0"/>
-              <a:t>9. Use Cases : Clinic Agent</a:t>
+              <a:t>15. Use Cases : Clinic Agent</a:t>
             </a:r>
           </a:p>
         </p:txBody>
@@ -13126,7 +13129,7 @@
           <a:p>
             <a:r>
               <a:rPr lang="en-CA" dirty="0"/>
-              <a:t>9. Use Cases : Appointment Agent</a:t>
+              <a:t>Use Cases(contd.) : Appointment Agent</a:t>
             </a:r>
           </a:p>
         </p:txBody>
@@ -17001,7 +17004,7 @@
           <a:p>
             <a:r>
               <a:rPr lang="en-CA" dirty="0"/>
-              <a:t>10. Use Cases : Video Link Agent</a:t>
+              <a:t>Use Cases (contd.) : Video Link Agent</a:t>
             </a:r>
           </a:p>
         </p:txBody>
@@ -17045,7 +17048,7 @@
         </p:blipFill>
         <p:spPr>
           <a:xfrm>
-            <a:off x="1613943" y="1890984"/>
+            <a:off x="1539875" y="1876917"/>
             <a:ext cx="8772525" cy="2257425"/>
           </a:xfrm>
           <a:prstGeom prst="rect">
@@ -20624,7 +20627,11 @@
           <a:p>
             <a:r>
               <a:rPr lang="en-CA" dirty="0"/>
-              <a:t>11. Use Cases : PDF(Template) Agent</a:t>
+              <a:t> </a:t>
+            </a:r>
+            <a:r>
+              <a:rPr lang="en-CA" sz="3800" dirty="0"/>
+              <a:t>Use Cases (contd.) : PDF(Template) Agent</a:t>
             </a:r>
           </a:p>
         </p:txBody>
@@ -24183,7 +24190,7 @@
           <a:p>
             <a:r>
               <a:rPr lang="en-CA" dirty="0"/>
-              <a:t>11. Use Cases : Notification Agent</a:t>
+              <a:t>Use Cases (contd.) : Notification Agent</a:t>
             </a:r>
           </a:p>
         </p:txBody>
@@ -28090,7 +28097,7 @@
           <a:p>
             <a:r>
               <a:rPr lang="en-CA" dirty="0"/>
-              <a:t>Class Diagram : Agents</a:t>
+              <a:t>16. Class Diagram : Agents</a:t>
             </a:r>
           </a:p>
         </p:txBody>
@@ -28210,7 +28217,7 @@
           <a:p>
             <a:r>
               <a:rPr lang="en-CA" dirty="0"/>
-              <a:t>Data Specification : E-R Diagram</a:t>
+              <a:t>17. Data Specification : E-R Diagram</a:t>
             </a:r>
           </a:p>
         </p:txBody>
@@ -28330,7 +28337,7 @@
           <a:p>
             <a:r>
               <a:rPr lang="en-CA" dirty="0"/>
-              <a:t>Typical Data Definition</a:t>
+              <a:t>18. Typical Data Definition</a:t>
             </a:r>
           </a:p>
         </p:txBody>
@@ -38235,14 +38242,19 @@
             <p:ph type="title"/>
           </p:nvPr>
         </p:nvSpPr>
-        <p:spPr/>
+        <p:spPr>
+          <a:xfrm>
+            <a:off x="1422401" y="450166"/>
+            <a:ext cx="10502900" cy="953184"/>
+          </a:xfrm>
+        </p:spPr>
         <p:txBody>
           <a:bodyPr/>
           <a:lstStyle/>
           <a:p>
             <a:r>
-              <a:rPr lang="en-US"/>
-              <a:t>Video link Agent </a:t>
+              <a:rPr lang="en-US" dirty="0"/>
+              <a:t>19. Inter-Agent communication</a:t>
             </a:r>
           </a:p>
         </p:txBody>
@@ -38268,15 +38280,15 @@
           <a:lstStyle/>
           <a:p>
             <a:r>
-              <a:rPr lang="en-US"/>
-              <a:t>Input Parameters : Soap Request</a:t>
+              <a:rPr lang="en-US" dirty="0"/>
+              <a:t>Video link web-service : Input parameters</a:t>
             </a:r>
           </a:p>
           <a:p>
             <a:pPr marL="0" indent="0">
               <a:buNone/>
             </a:pPr>
-            <a:endParaRPr lang="en-US"/>
+            <a:endParaRPr lang="en-US" dirty="0"/>
           </a:p>
         </p:txBody>
       </p:sp>
@@ -38434,7 +38446,7 @@
                         <a:buNone/>
                       </a:pPr>
                       <a:r>
-                        <a:rPr lang="en-US">
+                        <a:rPr lang="en-US" dirty="0">
                           <a:solidFill>
                             <a:schemeClr val="bg1"/>
                           </a:solidFill>
@@ -38442,7 +38454,7 @@
                         <a:t> </a:t>
                       </a:r>
                       <a:r>
-                        <a:rPr lang="en-US">
+                        <a:rPr lang="en-US" dirty="0">
                           <a:solidFill>
                             <a:schemeClr val="tx1"/>
                           </a:solidFill>
@@ -38450,104 +38462,74 @@
                         <a:t> </a:t>
                       </a:r>
                       <a:r>
-                        <a:rPr lang="en-US" sz="1400" b="1">
+                        <a:rPr lang="en-US" sz="1400" b="1" dirty="0">
                           <a:solidFill>
                             <a:srgbClr val="002060"/>
                           </a:solidFill>
                           <a:latin typeface="Times New Roman Bold" panose="02020503050405090304" charset="0"/>
                           <a:cs typeface="Times New Roman Bold" panose="02020503050405090304" charset="0"/>
                         </a:rPr>
-                        <a:t>&lt;soapenv:Envelope xmlns:soapenv="http://schemas.xmlsoap.org/soap/envelope/" xmlns:eser="http://eservice/"&gt;</a:t>
-                      </a:r>
-                    </a:p>
-                    <a:p>
-                      <a:pPr>
-                        <a:buNone/>
-                      </a:pPr>
-                      <a:r>
-                        <a:rPr lang="en-US" sz="1400" b="1">
+                        <a:t>&lt;</a:t>
+                      </a:r>
+                      <a:r>
+                        <a:rPr lang="en-US" sz="1400" b="1" dirty="0" err="1">
                           <a:solidFill>
                             <a:srgbClr val="002060"/>
                           </a:solidFill>
                           <a:latin typeface="Times New Roman Bold" panose="02020503050405090304" charset="0"/>
                           <a:cs typeface="Times New Roman Bold" panose="02020503050405090304" charset="0"/>
                         </a:rPr>
-                        <a:t>   &lt;soapenv:Header/&gt;</a:t>
-                      </a:r>
-                    </a:p>
-                    <a:p>
-                      <a:pPr>
-                        <a:buNone/>
-                      </a:pPr>
-                      <a:r>
-                        <a:rPr lang="en-US" sz="1400" b="1">
+                        <a:t>soapenv:Envelope</a:t>
+                      </a:r>
+                      <a:r>
+                        <a:rPr lang="en-US" sz="1400" b="1" dirty="0">
                           <a:solidFill>
                             <a:srgbClr val="002060"/>
                           </a:solidFill>
                           <a:latin typeface="Times New Roman Bold" panose="02020503050405090304" charset="0"/>
                           <a:cs typeface="Times New Roman Bold" panose="02020503050405090304" charset="0"/>
                         </a:rPr>
-                        <a:t>   &lt;soapenv:Body&gt;</a:t>
-                      </a:r>
-                    </a:p>
-                    <a:p>
-                      <a:pPr>
-                        <a:buNone/>
-                      </a:pPr>
-                      <a:r>
-                        <a:rPr lang="en-US" sz="1400" b="1">
+                        <a:t> </a:t>
+                      </a:r>
+                      <a:r>
+                        <a:rPr lang="en-US" sz="1400" b="1" dirty="0" err="1">
                           <a:solidFill>
                             <a:srgbClr val="002060"/>
                           </a:solidFill>
                           <a:latin typeface="Times New Roman Bold" panose="02020503050405090304" charset="0"/>
                           <a:cs typeface="Times New Roman Bold" panose="02020503050405090304" charset="0"/>
                         </a:rPr>
-                        <a:t>      &lt;eser:getZoomLink&gt;</a:t>
-                      </a:r>
-                    </a:p>
-                    <a:p>
-                      <a:pPr>
-                        <a:buNone/>
-                      </a:pPr>
-                      <a:r>
-                        <a:rPr lang="en-US" sz="1400" b="1">
+                        <a:t>xmlns:soapenv</a:t>
+                      </a:r>
+                      <a:r>
+                        <a:rPr lang="en-US" sz="1400" b="1" dirty="0">
                           <a:solidFill>
                             <a:srgbClr val="002060"/>
                           </a:solidFill>
                           <a:latin typeface="Times New Roman Bold" panose="02020503050405090304" charset="0"/>
                           <a:cs typeface="Times New Roman Bold" panose="02020503050405090304" charset="0"/>
                         </a:rPr>
-                        <a:t>         &lt;arg0&gt;</a:t>
-                      </a:r>
-                    </a:p>
-                    <a:p>
-                      <a:pPr>
-                        <a:buNone/>
-                      </a:pPr>
-                      <a:r>
-                        <a:rPr lang="en-US" sz="1400" b="1">
+                        <a:t>="http://schemas.xmlsoap.org/soap/envelope/" </a:t>
+                      </a:r>
+                      <a:r>
+                        <a:rPr lang="en-US" sz="1400" b="1" dirty="0" err="1">
                           <a:solidFill>
                             <a:srgbClr val="002060"/>
                           </a:solidFill>
                           <a:latin typeface="Times New Roman Bold" panose="02020503050405090304" charset="0"/>
                           <a:cs typeface="Times New Roman Bold" panose="02020503050405090304" charset="0"/>
                         </a:rPr>
-                        <a:t>            &lt;surname&gt;Client Surname&lt;/surname&gt;</a:t>
-                      </a:r>
-                    </a:p>
-                    <a:p>
-                      <a:pPr>
-                        <a:buNone/>
-                      </a:pPr>
-                      <a:r>
-                        <a:rPr lang="en-US" sz="1400" b="1">
+                        <a:t>xmlns:eser</a:t>
+                      </a:r>
+                      <a:r>
+                        <a:rPr lang="en-US" sz="1400" b="1" dirty="0">
                           <a:solidFill>
                             <a:srgbClr val="002060"/>
                           </a:solidFill>
                           <a:latin typeface="Times New Roman Bold" panose="02020503050405090304" charset="0"/>
                           <a:cs typeface="Times New Roman Bold" panose="02020503050405090304" charset="0"/>
                         </a:rPr>
-                        <a:t>            &lt;username&gt;Client Name&lt;/username&gt;</a:t>
+                        <a:t>="http://eservice/"&gt;</a:t>
                       </a:r>
                     </a:p>
                     <a:p>
@@ -38555,44 +38537,34 @@
                         <a:buNone/>
                       </a:pPr>
                       <a:r>
-                        <a:rPr lang="en-US" sz="1400" b="1">
+                        <a:rPr lang="en-US" sz="1400" b="1" dirty="0">
                           <a:solidFill>
                             <a:srgbClr val="002060"/>
                           </a:solidFill>
                           <a:latin typeface="Times New Roman Bold" panose="02020503050405090304" charset="0"/>
                           <a:cs typeface="Times New Roman Bold" panose="02020503050405090304" charset="0"/>
                         </a:rPr>
-                        <a:t>         &lt;/arg0&gt;</a:t>
-                      </a:r>
-                    </a:p>
-                    <a:p>
-                      <a:pPr>
-                        <a:buNone/>
-                      </a:pPr>
-                      <a:r>
-                        <a:rPr lang="en-US" sz="1400" b="1">
+                        <a:t>   &lt;</a:t>
+                      </a:r>
+                      <a:r>
+                        <a:rPr lang="en-US" sz="1400" b="1" dirty="0" err="1">
                           <a:solidFill>
                             <a:srgbClr val="002060"/>
                           </a:solidFill>
                           <a:latin typeface="Times New Roman Bold" panose="02020503050405090304" charset="0"/>
                           <a:cs typeface="Times New Roman Bold" panose="02020503050405090304" charset="0"/>
                         </a:rPr>
-                        <a:t>      &lt;/eser:getZoomLink&gt;</a:t>
-                      </a:r>
-                    </a:p>
-                    <a:p>
-                      <a:pPr>
-                        <a:buNone/>
-                      </a:pPr>
-                      <a:r>
-                        <a:rPr lang="en-US" sz="1400" b="1">
+                        <a:t>soapenv:Header</a:t>
+                      </a:r>
+                      <a:r>
+                        <a:rPr lang="en-US" sz="1400" b="1" dirty="0">
                           <a:solidFill>
                             <a:srgbClr val="002060"/>
                           </a:solidFill>
                           <a:latin typeface="Times New Roman Bold" panose="02020503050405090304" charset="0"/>
                           <a:cs typeface="Times New Roman Bold" panose="02020503050405090304" charset="0"/>
                         </a:rPr>
-                        <a:t>   &lt;/soapenv:Body&gt;</a:t>
+                        <a:t>/&gt;</a:t>
                       </a:r>
                     </a:p>
                     <a:p>
@@ -38600,16 +38572,236 @@
                         <a:buNone/>
                       </a:pPr>
                       <a:r>
-                        <a:rPr lang="en-US" sz="1400" b="1">
+                        <a:rPr lang="en-US" sz="1400" b="1" dirty="0">
                           <a:solidFill>
                             <a:srgbClr val="002060"/>
                           </a:solidFill>
                           <a:latin typeface="Times New Roman Bold" panose="02020503050405090304" charset="0"/>
                           <a:cs typeface="Times New Roman Bold" panose="02020503050405090304" charset="0"/>
                         </a:rPr>
-                        <a:t>&lt;/soapenv:Envelope&gt;</a:t>
-                      </a:r>
-                      <a:endParaRPr lang="en-US" sz="1400" b="1">
+                        <a:t>   &lt;</a:t>
+                      </a:r>
+                      <a:r>
+                        <a:rPr lang="en-US" sz="1400" b="1" dirty="0" err="1">
+                          <a:solidFill>
+                            <a:srgbClr val="002060"/>
+                          </a:solidFill>
+                          <a:latin typeface="Times New Roman Bold" panose="02020503050405090304" charset="0"/>
+                          <a:cs typeface="Times New Roman Bold" panose="02020503050405090304" charset="0"/>
+                        </a:rPr>
+                        <a:t>soapenv:Body</a:t>
+                      </a:r>
+                      <a:r>
+                        <a:rPr lang="en-US" sz="1400" b="1" dirty="0">
+                          <a:solidFill>
+                            <a:srgbClr val="002060"/>
+                          </a:solidFill>
+                          <a:latin typeface="Times New Roman Bold" panose="02020503050405090304" charset="0"/>
+                          <a:cs typeface="Times New Roman Bold" panose="02020503050405090304" charset="0"/>
+                        </a:rPr>
+                        <a:t>&gt;</a:t>
+                      </a:r>
+                    </a:p>
+                    <a:p>
+                      <a:pPr>
+                        <a:buNone/>
+                      </a:pPr>
+                      <a:r>
+                        <a:rPr lang="en-US" sz="1400" b="1" dirty="0">
+                          <a:solidFill>
+                            <a:srgbClr val="002060"/>
+                          </a:solidFill>
+                          <a:latin typeface="Times New Roman Bold" panose="02020503050405090304" charset="0"/>
+                          <a:cs typeface="Times New Roman Bold" panose="02020503050405090304" charset="0"/>
+                        </a:rPr>
+                        <a:t>      &lt;</a:t>
+                      </a:r>
+                      <a:r>
+                        <a:rPr lang="en-US" sz="1400" b="1" dirty="0" err="1">
+                          <a:solidFill>
+                            <a:srgbClr val="002060"/>
+                          </a:solidFill>
+                          <a:latin typeface="Times New Roman Bold" panose="02020503050405090304" charset="0"/>
+                          <a:cs typeface="Times New Roman Bold" panose="02020503050405090304" charset="0"/>
+                        </a:rPr>
+                        <a:t>eser:getZoomLink</a:t>
+                      </a:r>
+                      <a:r>
+                        <a:rPr lang="en-US" sz="1400" b="1" dirty="0">
+                          <a:solidFill>
+                            <a:srgbClr val="002060"/>
+                          </a:solidFill>
+                          <a:latin typeface="Times New Roman Bold" panose="02020503050405090304" charset="0"/>
+                          <a:cs typeface="Times New Roman Bold" panose="02020503050405090304" charset="0"/>
+                        </a:rPr>
+                        <a:t>&gt;</a:t>
+                      </a:r>
+                    </a:p>
+                    <a:p>
+                      <a:pPr>
+                        <a:buNone/>
+                      </a:pPr>
+                      <a:r>
+                        <a:rPr lang="en-US" sz="1400" b="1" dirty="0">
+                          <a:solidFill>
+                            <a:srgbClr val="002060"/>
+                          </a:solidFill>
+                          <a:latin typeface="Times New Roman Bold" panose="02020503050405090304" charset="0"/>
+                          <a:cs typeface="Times New Roman Bold" panose="02020503050405090304" charset="0"/>
+                        </a:rPr>
+                        <a:t>         &lt;arg0&gt;</a:t>
+                      </a:r>
+                    </a:p>
+                    <a:p>
+                      <a:pPr>
+                        <a:buNone/>
+                      </a:pPr>
+                      <a:r>
+                        <a:rPr lang="en-US" sz="1400" b="1" dirty="0">
+                          <a:solidFill>
+                            <a:srgbClr val="002060"/>
+                          </a:solidFill>
+                          <a:latin typeface="Times New Roman Bold" panose="02020503050405090304" charset="0"/>
+                          <a:cs typeface="Times New Roman Bold" panose="02020503050405090304" charset="0"/>
+                        </a:rPr>
+                        <a:t>            &lt;surname&gt;Client Surname&lt;/surname&gt;</a:t>
+                      </a:r>
+                    </a:p>
+                    <a:p>
+                      <a:pPr>
+                        <a:buNone/>
+                      </a:pPr>
+                      <a:r>
+                        <a:rPr lang="en-US" sz="1400" b="1" dirty="0">
+                          <a:solidFill>
+                            <a:srgbClr val="002060"/>
+                          </a:solidFill>
+                          <a:latin typeface="Times New Roman Bold" panose="02020503050405090304" charset="0"/>
+                          <a:cs typeface="Times New Roman Bold" panose="02020503050405090304" charset="0"/>
+                        </a:rPr>
+                        <a:t>            &lt;username&gt;Client Name&lt;/username&gt;</a:t>
+                      </a:r>
+                    </a:p>
+                    <a:p>
+                      <a:pPr>
+                        <a:buNone/>
+                      </a:pPr>
+                      <a:r>
+                        <a:rPr lang="en-US" sz="1400" b="1" dirty="0">
+                          <a:solidFill>
+                            <a:srgbClr val="002060"/>
+                          </a:solidFill>
+                          <a:latin typeface="Times New Roman Bold" panose="02020503050405090304" charset="0"/>
+                          <a:cs typeface="Times New Roman Bold" panose="02020503050405090304" charset="0"/>
+                        </a:rPr>
+                        <a:t>         &lt;/arg0&gt;</a:t>
+                      </a:r>
+                    </a:p>
+                    <a:p>
+                      <a:pPr>
+                        <a:buNone/>
+                      </a:pPr>
+                      <a:r>
+                        <a:rPr lang="en-US" sz="1400" b="1" dirty="0">
+                          <a:solidFill>
+                            <a:srgbClr val="002060"/>
+                          </a:solidFill>
+                          <a:latin typeface="Times New Roman Bold" panose="02020503050405090304" charset="0"/>
+                          <a:cs typeface="Times New Roman Bold" panose="02020503050405090304" charset="0"/>
+                        </a:rPr>
+                        <a:t>      &lt;/</a:t>
+                      </a:r>
+                      <a:r>
+                        <a:rPr lang="en-US" sz="1400" b="1" dirty="0" err="1">
+                          <a:solidFill>
+                            <a:srgbClr val="002060"/>
+                          </a:solidFill>
+                          <a:latin typeface="Times New Roman Bold" panose="02020503050405090304" charset="0"/>
+                          <a:cs typeface="Times New Roman Bold" panose="02020503050405090304" charset="0"/>
+                        </a:rPr>
+                        <a:t>eser:getZoomLink</a:t>
+                      </a:r>
+                      <a:r>
+                        <a:rPr lang="en-US" sz="1400" b="1" dirty="0">
+                          <a:solidFill>
+                            <a:srgbClr val="002060"/>
+                          </a:solidFill>
+                          <a:latin typeface="Times New Roman Bold" panose="02020503050405090304" charset="0"/>
+                          <a:cs typeface="Times New Roman Bold" panose="02020503050405090304" charset="0"/>
+                        </a:rPr>
+                        <a:t>&gt;</a:t>
+                      </a:r>
+                    </a:p>
+                    <a:p>
+                      <a:pPr>
+                        <a:buNone/>
+                      </a:pPr>
+                      <a:r>
+                        <a:rPr lang="en-US" sz="1400" b="1" dirty="0">
+                          <a:solidFill>
+                            <a:srgbClr val="002060"/>
+                          </a:solidFill>
+                          <a:latin typeface="Times New Roman Bold" panose="02020503050405090304" charset="0"/>
+                          <a:cs typeface="Times New Roman Bold" panose="02020503050405090304" charset="0"/>
+                        </a:rPr>
+                        <a:t>   &lt;/</a:t>
+                      </a:r>
+                      <a:r>
+                        <a:rPr lang="en-US" sz="1400" b="1" dirty="0" err="1">
+                          <a:solidFill>
+                            <a:srgbClr val="002060"/>
+                          </a:solidFill>
+                          <a:latin typeface="Times New Roman Bold" panose="02020503050405090304" charset="0"/>
+                          <a:cs typeface="Times New Roman Bold" panose="02020503050405090304" charset="0"/>
+                        </a:rPr>
+                        <a:t>soapenv:Body</a:t>
+                      </a:r>
+                      <a:r>
+                        <a:rPr lang="en-US" sz="1400" b="1" dirty="0">
+                          <a:solidFill>
+                            <a:srgbClr val="002060"/>
+                          </a:solidFill>
+                          <a:latin typeface="Times New Roman Bold" panose="02020503050405090304" charset="0"/>
+                          <a:cs typeface="Times New Roman Bold" panose="02020503050405090304" charset="0"/>
+                        </a:rPr>
+                        <a:t>&gt;</a:t>
+                      </a:r>
+                    </a:p>
+                    <a:p>
+                      <a:pPr>
+                        <a:buNone/>
+                      </a:pPr>
+                      <a:r>
+                        <a:rPr lang="en-US" sz="1400" b="1" dirty="0">
+                          <a:solidFill>
+                            <a:srgbClr val="002060"/>
+                          </a:solidFill>
+                          <a:latin typeface="Times New Roman Bold" panose="02020503050405090304" charset="0"/>
+                          <a:cs typeface="Times New Roman Bold" panose="02020503050405090304" charset="0"/>
+                        </a:rPr>
+                        <a:t>&lt;/</a:t>
+                      </a:r>
+                      <a:r>
+                        <a:rPr lang="en-US" sz="1400" b="1" dirty="0" err="1">
+                          <a:solidFill>
+                            <a:srgbClr val="002060"/>
+                          </a:solidFill>
+                          <a:latin typeface="Times New Roman Bold" panose="02020503050405090304" charset="0"/>
+                          <a:cs typeface="Times New Roman Bold" panose="02020503050405090304" charset="0"/>
+                        </a:rPr>
+                        <a:t>soapenv:Envelope</a:t>
+                      </a:r>
+                      <a:r>
+                        <a:rPr lang="en-US" sz="1400" b="1" dirty="0">
+                          <a:solidFill>
+                            <a:srgbClr val="002060"/>
+                          </a:solidFill>
+                          <a:latin typeface="Times New Roman Bold" panose="02020503050405090304" charset="0"/>
+                          <a:cs typeface="Times New Roman Bold" panose="02020503050405090304" charset="0"/>
+                        </a:rPr>
+                        <a:t>&gt;</a:t>
+                      </a:r>
+                      <a:endParaRPr lang="en-US" sz="1400" b="1" dirty="0">
                         <a:solidFill>
                           <a:schemeClr val="bg1"/>
                         </a:solidFill>
@@ -38621,7 +38813,7 @@
                       <a:pPr>
                         <a:buNone/>
                       </a:pPr>
-                      <a:endParaRPr lang="en-US">
+                      <a:endParaRPr lang="en-US" dirty="0">
                         <a:solidFill>
                           <a:schemeClr val="bg1"/>
                         </a:solidFill>
@@ -38632,7 +38824,7 @@
                         <a:buNone/>
                       </a:pPr>
                       <a:r>
-                        <a:rPr lang="en-US">
+                        <a:rPr lang="en-US" dirty="0">
                           <a:solidFill>
                             <a:schemeClr val="bg1"/>
                           </a:solidFill>
@@ -38652,7 +38844,7 @@
                         <a:buNone/>
                       </a:pPr>
                       <a:r>
-                        <a:rPr lang="en-US"/>
+                        <a:rPr lang="en-US" dirty="0"/>
                         <a:t>Client information such as username and surname is sent in the request.</a:t>
                       </a:r>
                     </a:p>
@@ -38713,8 +38905,8 @@
           <a:lstStyle/>
           <a:p>
             <a:r>
-              <a:rPr lang="en-US"/>
-              <a:t>Video link Agent(contd)</a:t>
+              <a:rPr lang="en-US" dirty="0"/>
+              <a:t>Inter-Agent communication(contd.)</a:t>
             </a:r>
           </a:p>
         </p:txBody>
@@ -38735,12 +38927,8 @@
           <a:lstStyle/>
           <a:p>
             <a:r>
-              <a:rPr lang="en-US">
-                <a:solidFill>
-                  <a:schemeClr val="tx1"/>
-                </a:solidFill>
-              </a:rPr>
-              <a:t>Output Parameters : Soap Response</a:t>
+              <a:rPr lang="en-US" dirty="0"/>
+              <a:t>Video link web-service : Output parameters</a:t>
             </a:r>
           </a:p>
         </p:txBody>
@@ -38822,11 +39010,16 @@
             <p:custDataLst>
               <p:tags r:id="rId1"/>
             </p:custDataLst>
+            <p:extLst>
+              <p:ext uri="{D42A27DB-BD31-4B8C-83A1-F6EECF244321}">
+                <p14:modId xmlns:p14="http://schemas.microsoft.com/office/powerpoint/2010/main" val="3163380872"/>
+              </p:ext>
+            </p:extLst>
           </p:nvPr>
         </p:nvGraphicFramePr>
         <p:xfrm>
           <a:off x="1614170" y="2175510"/>
-          <a:ext cx="9169400" cy="3498850"/>
+          <a:ext cx="9169400" cy="3860800"/>
         </p:xfrm>
         <a:graphic>
           <a:graphicData uri="http://schemas.openxmlformats.org/drawingml/2006/table">
@@ -38899,14 +39092,14 @@
                         <a:buNone/>
                       </a:pPr>
                       <a:r>
-                        <a:rPr lang="en-US" sz="1400" b="1">
+                        <a:rPr lang="en-US" sz="1100" b="1" dirty="0">
                           <a:solidFill>
                             <a:srgbClr val="002060"/>
                           </a:solidFill>
                           <a:latin typeface="Times New Roman Bold" panose="02020503050405090304" charset="0"/>
                           <a:cs typeface="Times New Roman Bold" panose="02020503050405090304" charset="0"/>
                         </a:rPr>
-                        <a:t>&lt;S:Envelope xmlns:S="http://schemas.xmlsoap.org/soap/envelope/"&gt;</a:t>
+                        <a:t>Headers :-</a:t>
                       </a:r>
                     </a:p>
                     <a:p>
@@ -38914,14 +39107,14 @@
                         <a:buNone/>
                       </a:pPr>
                       <a:r>
-                        <a:rPr lang="en-US" sz="1400" b="1">
+                        <a:rPr lang="en-US" sz="1100" b="1" dirty="0">
                           <a:solidFill>
                             <a:srgbClr val="002060"/>
                           </a:solidFill>
                           <a:latin typeface="Times New Roman Bold" panose="02020503050405090304" charset="0"/>
                           <a:cs typeface="Times New Roman Bold" panose="02020503050405090304" charset="0"/>
                         </a:rPr>
-                        <a:t>   &lt;S:Body&gt;</a:t>
+                        <a:t>Content-type text/xml; charset=utf-8</a:t>
                       </a:r>
                     </a:p>
                     <a:p>
@@ -38929,14 +39122,14 @@
                         <a:buNone/>
                       </a:pPr>
                       <a:r>
-                        <a:rPr lang="en-US" sz="1400" b="1">
+                        <a:rPr lang="en-US" sz="1100" b="1" dirty="0">
                           <a:solidFill>
                             <a:srgbClr val="002060"/>
                           </a:solidFill>
                           <a:latin typeface="Times New Roman Bold" panose="02020503050405090304" charset="0"/>
                           <a:cs typeface="Times New Roman Bold" panose="02020503050405090304" charset="0"/>
                         </a:rPr>
-                        <a:t>      &lt;ns2:getZoomLinkResponse xmlns:ns2="http://eservice/"&gt;</a:t>
+                        <a:t>#status# HTTP/1.1 200 OK</a:t>
                       </a:r>
                     </a:p>
                     <a:p>
@@ -38944,14 +39137,14 @@
                         <a:buNone/>
                       </a:pPr>
                       <a:r>
-                        <a:rPr lang="en-US" sz="1400" b="1">
+                        <a:rPr lang="en-US" sz="1100" b="1" dirty="0">
                           <a:solidFill>
                             <a:srgbClr val="002060"/>
                           </a:solidFill>
                           <a:latin typeface="Times New Roman Bold" panose="02020503050405090304" charset="0"/>
                           <a:cs typeface="Times New Roman Bold" panose="02020503050405090304" charset="0"/>
                         </a:rPr>
-                        <a:t>         &lt;return&gt;</a:t>
+                        <a:t>Date Thu, 09 Dec 2021 22:40:22 GMT</a:t>
                       </a:r>
                     </a:p>
                     <a:p>
@@ -38959,89 +39152,81 @@
                         <a:buNone/>
                       </a:pPr>
                       <a:r>
-                        <a:rPr lang="en-US" sz="1400" b="1">
+                        <a:rPr lang="en-US" sz="1100" b="1" dirty="0">
                           <a:solidFill>
                             <a:srgbClr val="002060"/>
                           </a:solidFill>
                           <a:latin typeface="Times New Roman Bold" panose="02020503050405090304" charset="0"/>
                           <a:cs typeface="Times New Roman Bold" panose="02020503050405090304" charset="0"/>
                         </a:rPr>
-                        <a:t>            &lt;zoomLinkList&gt;</a:t>
+                        <a:t>Transfer-encoding chunked</a:t>
                       </a:r>
                     </a:p>
                     <a:p>
                       <a:pPr>
                         <a:buNone/>
                       </a:pPr>
-                      <a:r>
-                        <a:rPr lang="en-US" sz="1400" b="1">
+                      <a:endParaRPr lang="en-US" sz="1100" b="1" dirty="0">
+                        <a:solidFill>
+                          <a:srgbClr val="002060"/>
+                        </a:solidFill>
+                        <a:latin typeface="Times New Roman Bold" panose="02020503050405090304" charset="0"/>
+                        <a:cs typeface="Times New Roman Bold" panose="02020503050405090304" charset="0"/>
+                      </a:endParaRPr>
+                    </a:p>
+                    <a:p>
+                      <a:pPr>
+                        <a:buNone/>
+                      </a:pPr>
+                      <a:r>
+                        <a:rPr lang="en-US" sz="1100" b="1" dirty="0">
                           <a:solidFill>
                             <a:srgbClr val="002060"/>
                           </a:solidFill>
                           <a:latin typeface="Times New Roman Bold" panose="02020503050405090304" charset="0"/>
                           <a:cs typeface="Times New Roman Bold" panose="02020503050405090304" charset="0"/>
                         </a:rPr>
-                        <a:t>               &lt;meetingId&gt;424 588 1231&lt;/meetingId&gt;</a:t>
-                      </a:r>
-                    </a:p>
-                    <a:p>
-                      <a:pPr>
-                        <a:buNone/>
-                      </a:pPr>
-                      <a:r>
-                        <a:rPr lang="en-US" sz="1400" b="1">
+                        <a:t>&lt;</a:t>
+                      </a:r>
+                      <a:r>
+                        <a:rPr lang="en-US" sz="1100" b="1" dirty="0" err="1">
                           <a:solidFill>
                             <a:srgbClr val="002060"/>
                           </a:solidFill>
                           <a:latin typeface="Times New Roman Bold" panose="02020503050405090304" charset="0"/>
                           <a:cs typeface="Times New Roman Bold" panose="02020503050405090304" charset="0"/>
                         </a:rPr>
-                        <a:t>               &lt;password&gt;Engg696&lt;/password&gt;</a:t>
-                      </a:r>
-                    </a:p>
-                    <a:p>
-                      <a:pPr>
-                        <a:buNone/>
-                      </a:pPr>
-                      <a:r>
-                        <a:rPr lang="en-US" sz="1400" b="1">
+                        <a:t>S:Envelope</a:t>
+                      </a:r>
+                      <a:r>
+                        <a:rPr lang="en-US" sz="1100" b="1" dirty="0">
                           <a:solidFill>
                             <a:srgbClr val="002060"/>
                           </a:solidFill>
                           <a:latin typeface="Times New Roman Bold" panose="02020503050405090304" charset="0"/>
                           <a:cs typeface="Times New Roman Bold" panose="02020503050405090304" charset="0"/>
                         </a:rPr>
-                        <a:t>               &lt;url&gt;https://ucalgary.zoom.us/j/4245881231&lt;/url&gt;</a:t>
-                      </a:r>
-                    </a:p>
-                    <a:p>
-                      <a:pPr>
-                        <a:buNone/>
-                      </a:pPr>
-                      <a:r>
-                        <a:rPr lang="en-US" sz="1400" b="1">
+                        <a:t> </a:t>
+                      </a:r>
+                      <a:r>
+                        <a:rPr lang="en-US" sz="1100" b="1" dirty="0" err="1">
                           <a:solidFill>
                             <a:srgbClr val="002060"/>
                           </a:solidFill>
                           <a:latin typeface="Times New Roman Bold" panose="02020503050405090304" charset="0"/>
                           <a:cs typeface="Times New Roman Bold" panose="02020503050405090304" charset="0"/>
                         </a:rPr>
-                        <a:t>            &lt;/zoomLinkList&gt;</a:t>
-                      </a:r>
-                    </a:p>
-                    <a:p>
-                      <a:pPr>
-                        <a:buNone/>
-                      </a:pPr>
-                      <a:r>
-                        <a:rPr lang="en-US" sz="1400" b="1">
+                        <a:t>xmlns:S</a:t>
+                      </a:r>
+                      <a:r>
+                        <a:rPr lang="en-US" sz="1100" b="1" dirty="0">
                           <a:solidFill>
                             <a:srgbClr val="002060"/>
                           </a:solidFill>
                           <a:latin typeface="Times New Roman Bold" panose="02020503050405090304" charset="0"/>
                           <a:cs typeface="Times New Roman Bold" panose="02020503050405090304" charset="0"/>
                         </a:rPr>
-                        <a:t>         &lt;/return&gt;</a:t>
+                        <a:t>="http://schemas.xmlsoap.org/soap/envelope/"&gt;</a:t>
                       </a:r>
                     </a:p>
                     <a:p>
@@ -39049,47 +39234,332 @@
                         <a:buNone/>
                       </a:pPr>
                       <a:r>
-                        <a:rPr lang="en-US" sz="1400" b="1">
+                        <a:rPr lang="en-US" sz="1100" b="1" dirty="0">
                           <a:solidFill>
                             <a:srgbClr val="002060"/>
                           </a:solidFill>
                           <a:latin typeface="Times New Roman Bold" panose="02020503050405090304" charset="0"/>
                           <a:cs typeface="Times New Roman Bold" panose="02020503050405090304" charset="0"/>
                         </a:rPr>
-                        <a:t>      &lt;/ns2:getZoomLinkResponse&gt;</a:t>
-                      </a:r>
-                    </a:p>
-                    <a:p>
-                      <a:pPr>
-                        <a:buNone/>
-                      </a:pPr>
-                      <a:r>
-                        <a:rPr lang="en-US" sz="1400" b="1">
+                        <a:t>   &lt;</a:t>
+                      </a:r>
+                      <a:r>
+                        <a:rPr lang="en-US" sz="1100" b="1" dirty="0" err="1">
                           <a:solidFill>
                             <a:srgbClr val="002060"/>
                           </a:solidFill>
                           <a:latin typeface="Times New Roman Bold" panose="02020503050405090304" charset="0"/>
                           <a:cs typeface="Times New Roman Bold" panose="02020503050405090304" charset="0"/>
                         </a:rPr>
-                        <a:t>   &lt;/S:Body&gt;</a:t>
-                      </a:r>
-                    </a:p>
-                    <a:p>
-                      <a:pPr>
-                        <a:buNone/>
-                      </a:pPr>
-                      <a:r>
-                        <a:rPr lang="en-US" sz="1400" b="1">
+                        <a:t>S:Body</a:t>
+                      </a:r>
+                      <a:r>
+                        <a:rPr lang="en-US" sz="1100" b="1" dirty="0">
                           <a:solidFill>
                             <a:srgbClr val="002060"/>
                           </a:solidFill>
                           <a:latin typeface="Times New Roman Bold" panose="02020503050405090304" charset="0"/>
                           <a:cs typeface="Times New Roman Bold" panose="02020503050405090304" charset="0"/>
                         </a:rPr>
-                        <a:t>&lt;/S:Envelope</a:t>
-                      </a:r>
-                      <a:r>
-                        <a:rPr lang="en-US" sz="1400" b="1">
+                        <a:t>&gt;</a:t>
+                      </a:r>
+                    </a:p>
+                    <a:p>
+                      <a:pPr>
+                        <a:buNone/>
+                      </a:pPr>
+                      <a:r>
+                        <a:rPr lang="en-US" sz="1100" b="1" dirty="0">
+                          <a:solidFill>
+                            <a:srgbClr val="002060"/>
+                          </a:solidFill>
+                          <a:latin typeface="Times New Roman Bold" panose="02020503050405090304" charset="0"/>
+                          <a:cs typeface="Times New Roman Bold" panose="02020503050405090304" charset="0"/>
+                        </a:rPr>
+                        <a:t>      &lt;ns2:getZoomLinkResponse xmlns:ns2="http://eservice/"&gt;</a:t>
+                      </a:r>
+                    </a:p>
+                    <a:p>
+                      <a:pPr>
+                        <a:buNone/>
+                      </a:pPr>
+                      <a:r>
+                        <a:rPr lang="en-US" sz="1100" b="1" dirty="0">
+                          <a:solidFill>
+                            <a:srgbClr val="002060"/>
+                          </a:solidFill>
+                          <a:latin typeface="Times New Roman Bold" panose="02020503050405090304" charset="0"/>
+                          <a:cs typeface="Times New Roman Bold" panose="02020503050405090304" charset="0"/>
+                        </a:rPr>
+                        <a:t>         &lt;return&gt;</a:t>
+                      </a:r>
+                    </a:p>
+                    <a:p>
+                      <a:pPr>
+                        <a:buNone/>
+                      </a:pPr>
+                      <a:r>
+                        <a:rPr lang="en-US" sz="1100" b="1" dirty="0">
+                          <a:solidFill>
+                            <a:srgbClr val="002060"/>
+                          </a:solidFill>
+                          <a:latin typeface="Times New Roman Bold" panose="02020503050405090304" charset="0"/>
+                          <a:cs typeface="Times New Roman Bold" panose="02020503050405090304" charset="0"/>
+                        </a:rPr>
+                        <a:t>            &lt;</a:t>
+                      </a:r>
+                      <a:r>
+                        <a:rPr lang="en-US" sz="1100" b="1" dirty="0" err="1">
+                          <a:solidFill>
+                            <a:srgbClr val="002060"/>
+                          </a:solidFill>
+                          <a:latin typeface="Times New Roman Bold" panose="02020503050405090304" charset="0"/>
+                          <a:cs typeface="Times New Roman Bold" panose="02020503050405090304" charset="0"/>
+                        </a:rPr>
+                        <a:t>zoomLinkList</a:t>
+                      </a:r>
+                      <a:r>
+                        <a:rPr lang="en-US" sz="1100" b="1" dirty="0">
+                          <a:solidFill>
+                            <a:srgbClr val="002060"/>
+                          </a:solidFill>
+                          <a:latin typeface="Times New Roman Bold" panose="02020503050405090304" charset="0"/>
+                          <a:cs typeface="Times New Roman Bold" panose="02020503050405090304" charset="0"/>
+                        </a:rPr>
+                        <a:t>&gt;</a:t>
+                      </a:r>
+                    </a:p>
+                    <a:p>
+                      <a:pPr>
+                        <a:buNone/>
+                      </a:pPr>
+                      <a:r>
+                        <a:rPr lang="en-US" sz="1100" b="1" dirty="0">
+                          <a:solidFill>
+                            <a:srgbClr val="002060"/>
+                          </a:solidFill>
+                          <a:latin typeface="Times New Roman Bold" panose="02020503050405090304" charset="0"/>
+                          <a:cs typeface="Times New Roman Bold" panose="02020503050405090304" charset="0"/>
+                        </a:rPr>
+                        <a:t>               &lt;</a:t>
+                      </a:r>
+                      <a:r>
+                        <a:rPr lang="en-US" sz="1100" b="1" dirty="0" err="1">
+                          <a:solidFill>
+                            <a:srgbClr val="002060"/>
+                          </a:solidFill>
+                          <a:latin typeface="Times New Roman Bold" panose="02020503050405090304" charset="0"/>
+                          <a:cs typeface="Times New Roman Bold" panose="02020503050405090304" charset="0"/>
+                        </a:rPr>
+                        <a:t>meetingId</a:t>
+                      </a:r>
+                      <a:r>
+                        <a:rPr lang="en-US" sz="1100" b="1" dirty="0">
+                          <a:solidFill>
+                            <a:srgbClr val="002060"/>
+                          </a:solidFill>
+                          <a:latin typeface="Times New Roman Bold" panose="02020503050405090304" charset="0"/>
+                          <a:cs typeface="Times New Roman Bold" panose="02020503050405090304" charset="0"/>
+                        </a:rPr>
+                        <a:t>&gt;424 588 1231&lt;/</a:t>
+                      </a:r>
+                      <a:r>
+                        <a:rPr lang="en-US" sz="1100" b="1" dirty="0" err="1">
+                          <a:solidFill>
+                            <a:srgbClr val="002060"/>
+                          </a:solidFill>
+                          <a:latin typeface="Times New Roman Bold" panose="02020503050405090304" charset="0"/>
+                          <a:cs typeface="Times New Roman Bold" panose="02020503050405090304" charset="0"/>
+                        </a:rPr>
+                        <a:t>meetingId</a:t>
+                      </a:r>
+                      <a:r>
+                        <a:rPr lang="en-US" sz="1100" b="1" dirty="0">
+                          <a:solidFill>
+                            <a:srgbClr val="002060"/>
+                          </a:solidFill>
+                          <a:latin typeface="Times New Roman Bold" panose="02020503050405090304" charset="0"/>
+                          <a:cs typeface="Times New Roman Bold" panose="02020503050405090304" charset="0"/>
+                        </a:rPr>
+                        <a:t>&gt;</a:t>
+                      </a:r>
+                    </a:p>
+                    <a:p>
+                      <a:pPr>
+                        <a:buNone/>
+                      </a:pPr>
+                      <a:r>
+                        <a:rPr lang="en-US" sz="1100" b="1" dirty="0">
+                          <a:solidFill>
+                            <a:srgbClr val="002060"/>
+                          </a:solidFill>
+                          <a:latin typeface="Times New Roman Bold" panose="02020503050405090304" charset="0"/>
+                          <a:cs typeface="Times New Roman Bold" panose="02020503050405090304" charset="0"/>
+                        </a:rPr>
+                        <a:t>               &lt;password&gt;Engg696&lt;/password&gt;</a:t>
+                      </a:r>
+                    </a:p>
+                    <a:p>
+                      <a:pPr>
+                        <a:buNone/>
+                      </a:pPr>
+                      <a:r>
+                        <a:rPr lang="en-US" sz="1100" b="1" dirty="0">
+                          <a:solidFill>
+                            <a:srgbClr val="002060"/>
+                          </a:solidFill>
+                          <a:latin typeface="Times New Roman Bold" panose="02020503050405090304" charset="0"/>
+                          <a:cs typeface="Times New Roman Bold" panose="02020503050405090304" charset="0"/>
+                        </a:rPr>
+                        <a:t>               &lt;</a:t>
+                      </a:r>
+                      <a:r>
+                        <a:rPr lang="en-US" sz="1100" b="1" dirty="0" err="1">
+                          <a:solidFill>
+                            <a:srgbClr val="002060"/>
+                          </a:solidFill>
+                          <a:latin typeface="Times New Roman Bold" panose="02020503050405090304" charset="0"/>
+                          <a:cs typeface="Times New Roman Bold" panose="02020503050405090304" charset="0"/>
+                        </a:rPr>
+                        <a:t>url</a:t>
+                      </a:r>
+                      <a:r>
+                        <a:rPr lang="en-US" sz="1100" b="1" dirty="0">
+                          <a:solidFill>
+                            <a:srgbClr val="002060"/>
+                          </a:solidFill>
+                          <a:latin typeface="Times New Roman Bold" panose="02020503050405090304" charset="0"/>
+                          <a:cs typeface="Times New Roman Bold" panose="02020503050405090304" charset="0"/>
+                        </a:rPr>
+                        <a:t>&gt;https://ucalgary.zoom.us/j/4245881231&lt;/url&gt;</a:t>
+                      </a:r>
+                    </a:p>
+                    <a:p>
+                      <a:pPr>
+                        <a:buNone/>
+                      </a:pPr>
+                      <a:r>
+                        <a:rPr lang="en-US" sz="1100" b="1" dirty="0">
+                          <a:solidFill>
+                            <a:srgbClr val="002060"/>
+                          </a:solidFill>
+                          <a:latin typeface="Times New Roman Bold" panose="02020503050405090304" charset="0"/>
+                          <a:cs typeface="Times New Roman Bold" panose="02020503050405090304" charset="0"/>
+                        </a:rPr>
+                        <a:t>            &lt;/</a:t>
+                      </a:r>
+                      <a:r>
+                        <a:rPr lang="en-US" sz="1100" b="1" dirty="0" err="1">
+                          <a:solidFill>
+                            <a:srgbClr val="002060"/>
+                          </a:solidFill>
+                          <a:latin typeface="Times New Roman Bold" panose="02020503050405090304" charset="0"/>
+                          <a:cs typeface="Times New Roman Bold" panose="02020503050405090304" charset="0"/>
+                        </a:rPr>
+                        <a:t>zoomLinkList</a:t>
+                      </a:r>
+                      <a:r>
+                        <a:rPr lang="en-US" sz="1100" b="1" dirty="0">
+                          <a:solidFill>
+                            <a:srgbClr val="002060"/>
+                          </a:solidFill>
+                          <a:latin typeface="Times New Roman Bold" panose="02020503050405090304" charset="0"/>
+                          <a:cs typeface="Times New Roman Bold" panose="02020503050405090304" charset="0"/>
+                        </a:rPr>
+                        <a:t>&gt;</a:t>
+                      </a:r>
+                    </a:p>
+                    <a:p>
+                      <a:pPr>
+                        <a:buNone/>
+                      </a:pPr>
+                      <a:r>
+                        <a:rPr lang="en-US" sz="1100" b="1" dirty="0">
+                          <a:solidFill>
+                            <a:srgbClr val="002060"/>
+                          </a:solidFill>
+                          <a:latin typeface="Times New Roman Bold" panose="02020503050405090304" charset="0"/>
+                          <a:cs typeface="Times New Roman Bold" panose="02020503050405090304" charset="0"/>
+                        </a:rPr>
+                        <a:t>         &lt;/return&gt;</a:t>
+                      </a:r>
+                    </a:p>
+                    <a:p>
+                      <a:pPr>
+                        <a:buNone/>
+                      </a:pPr>
+                      <a:r>
+                        <a:rPr lang="en-US" sz="1100" b="1" dirty="0">
+                          <a:solidFill>
+                            <a:srgbClr val="002060"/>
+                          </a:solidFill>
+                          <a:latin typeface="Times New Roman Bold" panose="02020503050405090304" charset="0"/>
+                          <a:cs typeface="Times New Roman Bold" panose="02020503050405090304" charset="0"/>
+                        </a:rPr>
+                        <a:t>      &lt;/ns2:getZoomLinkResponse&gt;</a:t>
+                      </a:r>
+                    </a:p>
+                    <a:p>
+                      <a:pPr>
+                        <a:buNone/>
+                      </a:pPr>
+                      <a:r>
+                        <a:rPr lang="en-US" sz="1100" b="1" dirty="0">
+                          <a:solidFill>
+                            <a:srgbClr val="002060"/>
+                          </a:solidFill>
+                          <a:latin typeface="Times New Roman Bold" panose="02020503050405090304" charset="0"/>
+                          <a:cs typeface="Times New Roman Bold" panose="02020503050405090304" charset="0"/>
+                        </a:rPr>
+                        <a:t>   &lt;/</a:t>
+                      </a:r>
+                      <a:r>
+                        <a:rPr lang="en-US" sz="1100" b="1" dirty="0" err="1">
+                          <a:solidFill>
+                            <a:srgbClr val="002060"/>
+                          </a:solidFill>
+                          <a:latin typeface="Times New Roman Bold" panose="02020503050405090304" charset="0"/>
+                          <a:cs typeface="Times New Roman Bold" panose="02020503050405090304" charset="0"/>
+                        </a:rPr>
+                        <a:t>S:Body</a:t>
+                      </a:r>
+                      <a:r>
+                        <a:rPr lang="en-US" sz="1100" b="1" dirty="0">
+                          <a:solidFill>
+                            <a:srgbClr val="002060"/>
+                          </a:solidFill>
+                          <a:latin typeface="Times New Roman Bold" panose="02020503050405090304" charset="0"/>
+                          <a:cs typeface="Times New Roman Bold" panose="02020503050405090304" charset="0"/>
+                        </a:rPr>
+                        <a:t>&gt;</a:t>
+                      </a:r>
+                    </a:p>
+                    <a:p>
+                      <a:pPr>
+                        <a:buNone/>
+                      </a:pPr>
+                      <a:r>
+                        <a:rPr lang="en-US" sz="1100" b="1" dirty="0">
+                          <a:solidFill>
+                            <a:srgbClr val="002060"/>
+                          </a:solidFill>
+                          <a:latin typeface="Times New Roman Bold" panose="02020503050405090304" charset="0"/>
+                          <a:cs typeface="Times New Roman Bold" panose="02020503050405090304" charset="0"/>
+                        </a:rPr>
+                        <a:t>&lt;/</a:t>
+                      </a:r>
+                      <a:r>
+                        <a:rPr lang="en-US" sz="1100" b="1" dirty="0" err="1">
+                          <a:solidFill>
+                            <a:srgbClr val="002060"/>
+                          </a:solidFill>
+                          <a:latin typeface="Times New Roman Bold" panose="02020503050405090304" charset="0"/>
+                          <a:cs typeface="Times New Roman Bold" panose="02020503050405090304" charset="0"/>
+                        </a:rPr>
+                        <a:t>S:Envelope</a:t>
+                      </a:r>
+                      <a:r>
+                        <a:rPr lang="en-US" sz="1100" b="1" dirty="0">
                           <a:solidFill>
                             <a:schemeClr val="tx1"/>
                           </a:solidFill>
@@ -39111,8 +39581,8 @@
                         <a:buNone/>
                       </a:pPr>
                       <a:r>
-                        <a:rPr lang="en-US" sz="1600"/>
-                        <a:t>Meeting details such as the meetting id, password and the video link is recieved ed as the                                                     </a:t>
+                        <a:rPr lang="en-US" sz="1600" dirty="0"/>
+                        <a:t>Meeting details such as the meeting id, password and the video link is received.                                                     </a:t>
                       </a:r>
                     </a:p>
                   </a:txBody>
@@ -39294,6 +39764,1890 @@
         </p:txBody>
       </p:sp>
     </p:spTree>
+  </p:cSld>
+  <p:clrMapOvr>
+    <a:masterClrMapping/>
+  </p:clrMapOvr>
+  <p:transition>
+    <p:dissolve/>
+  </p:transition>
+</p:sld>
+</file>
+
+<file path=ppt/slides/slide50.xml><?xml version="1.0" encoding="utf-8"?>
+<p:sld xmlns:a="http://schemas.openxmlformats.org/drawingml/2006/main" xmlns:r="http://schemas.openxmlformats.org/officeDocument/2006/relationships" xmlns:p="http://schemas.openxmlformats.org/presentationml/2006/main">
+  <p:cSld>
+    <p:spTree>
+      <p:nvGrpSpPr>
+        <p:cNvPr id="1" name=""/>
+        <p:cNvGrpSpPr/>
+        <p:nvPr/>
+      </p:nvGrpSpPr>
+      <p:grpSpPr>
+        <a:xfrm>
+          <a:off x="0" y="0"/>
+          <a:ext cx="0" cy="0"/>
+          <a:chOff x="0" y="0"/>
+          <a:chExt cx="0" cy="0"/>
+        </a:xfrm>
+      </p:grpSpPr>
+      <p:sp>
+        <p:nvSpPr>
+          <p:cNvPr id="2" name="Title 1"/>
+          <p:cNvSpPr>
+            <a:spLocks noGrp="1"/>
+          </p:cNvSpPr>
+          <p:nvPr>
+            <p:ph type="title"/>
+          </p:nvPr>
+        </p:nvSpPr>
+        <p:spPr/>
+        <p:txBody>
+          <a:bodyPr/>
+          <a:lstStyle/>
+          <a:p>
+            <a:r>
+              <a:rPr lang="en-US" dirty="0"/>
+              <a:t>Inter-Agent communication(contd.)</a:t>
+            </a:r>
+          </a:p>
+        </p:txBody>
+      </p:sp>
+      <p:sp>
+        <p:nvSpPr>
+          <p:cNvPr id="3" name="Content Placeholder 2"/>
+          <p:cNvSpPr>
+            <a:spLocks noGrp="1"/>
+          </p:cNvSpPr>
+          <p:nvPr>
+            <p:ph idx="1"/>
+          </p:nvPr>
+        </p:nvSpPr>
+        <p:spPr/>
+        <p:txBody>
+          <a:bodyPr/>
+          <a:lstStyle/>
+          <a:p>
+            <a:r>
+              <a:rPr lang="en-US" dirty="0"/>
+              <a:t>Twilio Rest-API : Input parameters</a:t>
+            </a:r>
+          </a:p>
+        </p:txBody>
+      </p:sp>
+      <p:sp>
+        <p:nvSpPr>
+          <p:cNvPr id="4" name="Date Placeholder 3"/>
+          <p:cNvSpPr>
+            <a:spLocks noGrp="1"/>
+          </p:cNvSpPr>
+          <p:nvPr>
+            <p:ph type="dt" sz="half" idx="10"/>
+          </p:nvPr>
+        </p:nvSpPr>
+        <p:spPr/>
+        <p:txBody>
+          <a:bodyPr/>
+          <a:lstStyle/>
+          <a:p>
+            <a:r>
+              <a:rPr lang="en-US"/>
+              <a:t>SENG697 (Fall 2007)</a:t>
+            </a:r>
+            <a:endParaRPr lang="en-US" altLang="ja-JP"/>
+          </a:p>
+        </p:txBody>
+      </p:sp>
+      <p:sp>
+        <p:nvSpPr>
+          <p:cNvPr id="5" name="Footer Placeholder 4"/>
+          <p:cNvSpPr>
+            <a:spLocks noGrp="1"/>
+          </p:cNvSpPr>
+          <p:nvPr>
+            <p:ph type="ftr" sz="quarter" idx="11"/>
+          </p:nvPr>
+        </p:nvSpPr>
+        <p:spPr/>
+        <p:txBody>
+          <a:bodyPr/>
+          <a:lstStyle/>
+          <a:p>
+            <a:r>
+              <a:rPr lang="ja-JP" altLang="en-US"/>
+              <a:t>far@ucalgary.ca</a:t>
+            </a:r>
+            <a:endParaRPr lang="en-US" altLang="ja-JP"/>
+          </a:p>
+        </p:txBody>
+      </p:sp>
+      <p:sp>
+        <p:nvSpPr>
+          <p:cNvPr id="6" name="Slide Number Placeholder 5"/>
+          <p:cNvSpPr>
+            <a:spLocks noGrp="1"/>
+          </p:cNvSpPr>
+          <p:nvPr>
+            <p:ph type="sldNum" sz="quarter" idx="12"/>
+          </p:nvPr>
+        </p:nvSpPr>
+        <p:spPr/>
+        <p:txBody>
+          <a:bodyPr/>
+          <a:lstStyle/>
+          <a:p>
+            <a:fld id="{A4BAB868-1E00-44C6-B1AB-DFCC5F9865BA}" type="slidenum">
+              <a:rPr lang="ja-JP" altLang="en-US"/>
+              <a:t>50</a:t>
+            </a:fld>
+            <a:endParaRPr lang="en-US" altLang="ja-JP"/>
+          </a:p>
+        </p:txBody>
+      </p:sp>
+      <p:graphicFrame>
+        <p:nvGraphicFramePr>
+          <p:cNvPr id="7" name="Table 6"/>
+          <p:cNvGraphicFramePr/>
+          <p:nvPr>
+            <p:custDataLst>
+              <p:tags r:id="rId1"/>
+            </p:custDataLst>
+            <p:extLst>
+              <p:ext uri="{D42A27DB-BD31-4B8C-83A1-F6EECF244321}">
+                <p14:modId xmlns:p14="http://schemas.microsoft.com/office/powerpoint/2010/main" val="1059633709"/>
+              </p:ext>
+            </p:extLst>
+          </p:nvPr>
+        </p:nvGraphicFramePr>
+        <p:xfrm>
+          <a:off x="1614170" y="2175509"/>
+          <a:ext cx="9169400" cy="3917315"/>
+        </p:xfrm>
+        <a:graphic>
+          <a:graphicData uri="http://schemas.openxmlformats.org/drawingml/2006/table">
+            <a:tbl>
+              <a:tblPr firstRow="1" bandRow="1">
+                <a:tableStyleId>{5C22544A-7EE6-4342-B048-85BDC9FD1C3A}</a:tableStyleId>
+              </a:tblPr>
+              <a:tblGrid>
+                <a:gridCol w="6842125">
+                  <a:extLst>
+                    <a:ext uri="{9D8B030D-6E8A-4147-A177-3AD203B41FA5}">
+                      <a16:colId xmlns:a16="http://schemas.microsoft.com/office/drawing/2014/main" val="20000"/>
+                    </a:ext>
+                  </a:extLst>
+                </a:gridCol>
+                <a:gridCol w="2327275">
+                  <a:extLst>
+                    <a:ext uri="{9D8B030D-6E8A-4147-A177-3AD203B41FA5}">
+                      <a16:colId xmlns:a16="http://schemas.microsoft.com/office/drawing/2014/main" val="20001"/>
+                    </a:ext>
+                  </a:extLst>
+                </a:gridCol>
+              </a:tblGrid>
+              <a:tr h="635390">
+                <a:tc>
+                  <a:txBody>
+                    <a:bodyPr/>
+                    <a:lstStyle/>
+                    <a:p>
+                      <a:pPr>
+                        <a:buNone/>
+                      </a:pPr>
+                      <a:r>
+                        <a:rPr lang="en-US" sz="2400"/>
+                        <a:t>Parameters</a:t>
+                      </a:r>
+                    </a:p>
+                  </a:txBody>
+                  <a:tcPr/>
+                </a:tc>
+                <a:tc>
+                  <a:txBody>
+                    <a:bodyPr/>
+                    <a:lstStyle/>
+                    <a:p>
+                      <a:pPr>
+                        <a:buNone/>
+                      </a:pPr>
+                      <a:r>
+                        <a:rPr lang="en-US" sz="2400"/>
+                        <a:t>Description</a:t>
+                      </a:r>
+                    </a:p>
+                  </a:txBody>
+                  <a:tcPr/>
+                </a:tc>
+                <a:extLst>
+                  <a:ext uri="{0D108BD9-81ED-4DB2-BD59-A6C34878D82A}">
+                    <a16:rowId xmlns:a16="http://schemas.microsoft.com/office/drawing/2014/main" val="10000"/>
+                  </a:ext>
+                </a:extLst>
+              </a:tr>
+              <a:tr h="3281925">
+                <a:tc>
+                  <a:txBody>
+                    <a:bodyPr/>
+                    <a:lstStyle/>
+                    <a:p>
+                      <a:pPr>
+                        <a:buNone/>
+                      </a:pPr>
+                      <a:r>
+                        <a:rPr lang="en-US" sz="1600" b="0" dirty="0">
+                          <a:solidFill>
+                            <a:schemeClr val="tx1"/>
+                          </a:solidFill>
+                          <a:latin typeface="+mn-lt"/>
+                          <a:cs typeface="Times New Roman Bold" panose="02020503050405090304" charset="0"/>
+                        </a:rPr>
+                        <a:t>public static final String ACCOUNT_SID = </a:t>
+                      </a:r>
+                      <a:r>
+                        <a:rPr lang="en-US" sz="1600" b="0" dirty="0" err="1">
+                          <a:solidFill>
+                            <a:schemeClr val="tx1"/>
+                          </a:solidFill>
+                          <a:latin typeface="+mn-lt"/>
+                          <a:cs typeface="Times New Roman Bold" panose="02020503050405090304" charset="0"/>
+                        </a:rPr>
+                        <a:t>System.getenv</a:t>
+                      </a:r>
+                      <a:r>
+                        <a:rPr lang="en-US" sz="1600" b="0" dirty="0">
+                          <a:solidFill>
+                            <a:schemeClr val="tx1"/>
+                          </a:solidFill>
+                          <a:latin typeface="+mn-lt"/>
+                          <a:cs typeface="Times New Roman Bold" panose="02020503050405090304" charset="0"/>
+                        </a:rPr>
+                        <a:t>("TWILIO_ACCOUNT_SID");  </a:t>
+                      </a:r>
+                    </a:p>
+                    <a:p>
+                      <a:pPr>
+                        <a:buNone/>
+                      </a:pPr>
+                      <a:r>
+                        <a:rPr lang="en-US" sz="1600" b="0" dirty="0">
+                          <a:solidFill>
+                            <a:schemeClr val="tx1"/>
+                          </a:solidFill>
+                          <a:latin typeface="+mn-lt"/>
+                          <a:cs typeface="Times New Roman Bold" panose="02020503050405090304" charset="0"/>
+                        </a:rPr>
+                        <a:t>public static final String AUTH_TOKEN = </a:t>
+                      </a:r>
+                      <a:r>
+                        <a:rPr lang="en-US" sz="1600" b="0" dirty="0" err="1">
+                          <a:solidFill>
+                            <a:schemeClr val="tx1"/>
+                          </a:solidFill>
+                          <a:latin typeface="+mn-lt"/>
+                          <a:cs typeface="Times New Roman Bold" panose="02020503050405090304" charset="0"/>
+                        </a:rPr>
+                        <a:t>System.getenv</a:t>
+                      </a:r>
+                      <a:r>
+                        <a:rPr lang="en-US" sz="1600" b="0" dirty="0">
+                          <a:solidFill>
+                            <a:schemeClr val="tx1"/>
+                          </a:solidFill>
+                          <a:latin typeface="+mn-lt"/>
+                          <a:cs typeface="Times New Roman Bold" panose="02020503050405090304" charset="0"/>
+                        </a:rPr>
+                        <a:t>("TWILIO_AUTH_TOKEN");</a:t>
+                      </a:r>
+                    </a:p>
+                    <a:p>
+                      <a:pPr>
+                        <a:buNone/>
+                      </a:pPr>
+                      <a:endParaRPr lang="en-US" sz="1600" b="0" dirty="0">
+                        <a:solidFill>
+                          <a:schemeClr val="tx1"/>
+                        </a:solidFill>
+                        <a:latin typeface="+mn-lt"/>
+                        <a:cs typeface="Times New Roman Bold" panose="02020503050405090304" charset="0"/>
+                      </a:endParaRPr>
+                    </a:p>
+                    <a:p>
+                      <a:pPr>
+                        <a:buNone/>
+                      </a:pPr>
+                      <a:endParaRPr lang="en-US" sz="1600" b="0" dirty="0">
+                        <a:solidFill>
+                          <a:schemeClr val="tx1"/>
+                        </a:solidFill>
+                        <a:latin typeface="+mn-lt"/>
+                        <a:cs typeface="Times New Roman Bold" panose="02020503050405090304" charset="0"/>
+                      </a:endParaRPr>
+                    </a:p>
+                    <a:p>
+                      <a:pPr>
+                        <a:buNone/>
+                      </a:pPr>
+                      <a:r>
+                        <a:rPr lang="en-US" sz="1600" b="0" dirty="0" err="1">
+                          <a:solidFill>
+                            <a:schemeClr val="tx1"/>
+                          </a:solidFill>
+                          <a:latin typeface="+mn-lt"/>
+                          <a:cs typeface="Times New Roman Bold" panose="02020503050405090304" charset="0"/>
+                        </a:rPr>
+                        <a:t>Twilio.init</a:t>
+                      </a:r>
+                      <a:r>
+                        <a:rPr lang="en-US" sz="1600" b="0" dirty="0">
+                          <a:solidFill>
+                            <a:schemeClr val="tx1"/>
+                          </a:solidFill>
+                          <a:latin typeface="+mn-lt"/>
+                          <a:cs typeface="Times New Roman Bold" panose="02020503050405090304" charset="0"/>
+                        </a:rPr>
+                        <a:t>(ACCOUNT_SID, AUTH_TOKEN);        </a:t>
+                      </a:r>
+                    </a:p>
+                    <a:p>
+                      <a:pPr>
+                        <a:buNone/>
+                      </a:pPr>
+                      <a:r>
+                        <a:rPr lang="en-US" sz="1600" b="0" dirty="0">
+                          <a:solidFill>
+                            <a:schemeClr val="tx1"/>
+                          </a:solidFill>
+                          <a:latin typeface="+mn-lt"/>
+                          <a:cs typeface="Times New Roman Bold" panose="02020503050405090304" charset="0"/>
+                        </a:rPr>
+                        <a:t>Message </a:t>
+                      </a:r>
+                      <a:r>
+                        <a:rPr lang="en-US" sz="1600" b="0" dirty="0" err="1">
+                          <a:solidFill>
+                            <a:schemeClr val="tx1"/>
+                          </a:solidFill>
+                          <a:latin typeface="+mn-lt"/>
+                          <a:cs typeface="Times New Roman Bold" panose="02020503050405090304" charset="0"/>
+                        </a:rPr>
+                        <a:t>message</a:t>
+                      </a:r>
+                      <a:r>
+                        <a:rPr lang="en-US" sz="1600" b="0" dirty="0">
+                          <a:solidFill>
+                            <a:schemeClr val="tx1"/>
+                          </a:solidFill>
+                          <a:latin typeface="+mn-lt"/>
+                          <a:cs typeface="Times New Roman Bold" panose="02020503050405090304" charset="0"/>
+                        </a:rPr>
+                        <a:t> = </a:t>
+                      </a:r>
+                      <a:r>
+                        <a:rPr lang="en-US" sz="1600" b="0" dirty="0" err="1">
+                          <a:solidFill>
+                            <a:schemeClr val="tx1"/>
+                          </a:solidFill>
+                          <a:latin typeface="+mn-lt"/>
+                          <a:cs typeface="Times New Roman Bold" panose="02020503050405090304" charset="0"/>
+                        </a:rPr>
+                        <a:t>Message.creator</a:t>
+                      </a:r>
+                      <a:endParaRPr lang="en-US" sz="1600" b="0" dirty="0">
+                        <a:solidFill>
+                          <a:schemeClr val="tx1"/>
+                        </a:solidFill>
+                        <a:latin typeface="+mn-lt"/>
+                        <a:cs typeface="Times New Roman Bold" panose="02020503050405090304" charset="0"/>
+                      </a:endParaRPr>
+                    </a:p>
+                    <a:p>
+                      <a:pPr>
+                        <a:buNone/>
+                      </a:pPr>
+                      <a:r>
+                        <a:rPr lang="en-US" sz="1600" b="0" dirty="0">
+                          <a:solidFill>
+                            <a:schemeClr val="tx1"/>
+                          </a:solidFill>
+                          <a:latin typeface="+mn-lt"/>
+                          <a:cs typeface="Times New Roman Bold" panose="02020503050405090304" charset="0"/>
+                        </a:rPr>
+                        <a:t>     (new </a:t>
+                      </a:r>
+                      <a:r>
+                        <a:rPr lang="en-US" sz="1600" b="0" dirty="0" err="1">
+                          <a:solidFill>
+                            <a:schemeClr val="tx1"/>
+                          </a:solidFill>
+                          <a:latin typeface="+mn-lt"/>
+                          <a:cs typeface="Times New Roman Bold" panose="02020503050405090304" charset="0"/>
+                        </a:rPr>
+                        <a:t>com.twilio.type.PhoneNumber</a:t>
+                      </a:r>
+                      <a:r>
+                        <a:rPr lang="en-US" sz="1600" b="0" dirty="0">
+                          <a:solidFill>
+                            <a:schemeClr val="tx1"/>
+                          </a:solidFill>
+                          <a:latin typeface="+mn-lt"/>
+                          <a:cs typeface="Times New Roman Bold" panose="02020503050405090304" charset="0"/>
+                        </a:rPr>
+                        <a:t>("+14159352345"),                </a:t>
+                      </a:r>
+                    </a:p>
+                    <a:p>
+                      <a:pPr>
+                        <a:buNone/>
+                      </a:pPr>
+                      <a:r>
+                        <a:rPr lang="en-US" sz="1600" b="0" dirty="0">
+                          <a:solidFill>
+                            <a:schemeClr val="tx1"/>
+                          </a:solidFill>
+                          <a:latin typeface="+mn-lt"/>
+                          <a:cs typeface="Times New Roman Bold" panose="02020503050405090304" charset="0"/>
+                        </a:rPr>
+                        <a:t>      new </a:t>
+                      </a:r>
+                      <a:r>
+                        <a:rPr lang="en-US" sz="1600" b="0" dirty="0" err="1">
+                          <a:solidFill>
+                            <a:schemeClr val="tx1"/>
+                          </a:solidFill>
+                          <a:latin typeface="+mn-lt"/>
+                          <a:cs typeface="Times New Roman Bold" panose="02020503050405090304" charset="0"/>
+                        </a:rPr>
+                        <a:t>com.twilio.type.PhoneNumber</a:t>
+                      </a:r>
+                      <a:r>
+                        <a:rPr lang="en-US" sz="1600" b="0" dirty="0">
+                          <a:solidFill>
+                            <a:schemeClr val="tx1"/>
+                          </a:solidFill>
+                          <a:latin typeface="+mn-lt"/>
+                          <a:cs typeface="Times New Roman Bold" panose="02020503050405090304" charset="0"/>
+                        </a:rPr>
+                        <a:t>("+14158141829"),    </a:t>
+                      </a:r>
+                    </a:p>
+                    <a:p>
+                      <a:pPr>
+                        <a:buNone/>
+                      </a:pPr>
+                      <a:r>
+                        <a:rPr lang="en-US" sz="1600" b="0" dirty="0">
+                          <a:solidFill>
+                            <a:schemeClr val="tx1"/>
+                          </a:solidFill>
+                          <a:latin typeface="+mn-lt"/>
+                          <a:cs typeface="Times New Roman Bold" panose="02020503050405090304" charset="0"/>
+                        </a:rPr>
+                        <a:t>      "Where's Wallace?")</a:t>
+                      </a:r>
+                    </a:p>
+                    <a:p>
+                      <a:pPr>
+                        <a:buNone/>
+                      </a:pPr>
+                      <a:r>
+                        <a:rPr lang="en-US" sz="1600" b="0" dirty="0">
+                          <a:solidFill>
+                            <a:schemeClr val="tx1"/>
+                          </a:solidFill>
+                          <a:latin typeface="+mn-lt"/>
+                          <a:cs typeface="Times New Roman Bold" panose="02020503050405090304" charset="0"/>
+                        </a:rPr>
+                        <a:t>      .create();</a:t>
+                      </a:r>
+                    </a:p>
+                  </a:txBody>
+                  <a:tcPr/>
+                </a:tc>
+                <a:tc>
+                  <a:txBody>
+                    <a:bodyPr/>
+                    <a:lstStyle/>
+                    <a:p>
+                      <a:pPr>
+                        <a:buNone/>
+                      </a:pPr>
+                      <a:r>
+                        <a:rPr lang="en-US" sz="1600" dirty="0"/>
+                        <a:t>Account SID and Authentic Token of Twilio account is mentioned in the snippet</a:t>
+                      </a:r>
+                    </a:p>
+                  </a:txBody>
+                  <a:tcPr/>
+                </a:tc>
+                <a:extLst>
+                  <a:ext uri="{0D108BD9-81ED-4DB2-BD59-A6C34878D82A}">
+                    <a16:rowId xmlns:a16="http://schemas.microsoft.com/office/drawing/2014/main" val="10001"/>
+                  </a:ext>
+                </a:extLst>
+              </a:tr>
+            </a:tbl>
+          </a:graphicData>
+        </a:graphic>
+      </p:graphicFrame>
+    </p:spTree>
+    <p:extLst>
+      <p:ext uri="{BB962C8B-B14F-4D97-AF65-F5344CB8AC3E}">
+        <p14:creationId xmlns:p14="http://schemas.microsoft.com/office/powerpoint/2010/main" val="4149779796"/>
+      </p:ext>
+    </p:extLst>
+  </p:cSld>
+  <p:clrMapOvr>
+    <a:masterClrMapping/>
+  </p:clrMapOvr>
+  <p:transition>
+    <p:dissolve/>
+  </p:transition>
+</p:sld>
+</file>
+
+<file path=ppt/slides/slide51.xml><?xml version="1.0" encoding="utf-8"?>
+<p:sld xmlns:a="http://schemas.openxmlformats.org/drawingml/2006/main" xmlns:r="http://schemas.openxmlformats.org/officeDocument/2006/relationships" xmlns:p="http://schemas.openxmlformats.org/presentationml/2006/main">
+  <p:cSld>
+    <p:spTree>
+      <p:nvGrpSpPr>
+        <p:cNvPr id="1" name=""/>
+        <p:cNvGrpSpPr/>
+        <p:nvPr/>
+      </p:nvGrpSpPr>
+      <p:grpSpPr>
+        <a:xfrm>
+          <a:off x="0" y="0"/>
+          <a:ext cx="0" cy="0"/>
+          <a:chOff x="0" y="0"/>
+          <a:chExt cx="0" cy="0"/>
+        </a:xfrm>
+      </p:grpSpPr>
+      <p:sp>
+        <p:nvSpPr>
+          <p:cNvPr id="2" name="Title 1"/>
+          <p:cNvSpPr>
+            <a:spLocks noGrp="1"/>
+          </p:cNvSpPr>
+          <p:nvPr>
+            <p:ph type="title"/>
+          </p:nvPr>
+        </p:nvSpPr>
+        <p:spPr/>
+        <p:txBody>
+          <a:bodyPr/>
+          <a:lstStyle/>
+          <a:p>
+            <a:r>
+              <a:rPr lang="en-US" dirty="0"/>
+              <a:t>Inter-Agent communication(contd.)</a:t>
+            </a:r>
+          </a:p>
+        </p:txBody>
+      </p:sp>
+      <p:sp>
+        <p:nvSpPr>
+          <p:cNvPr id="3" name="Content Placeholder 2"/>
+          <p:cNvSpPr>
+            <a:spLocks noGrp="1"/>
+          </p:cNvSpPr>
+          <p:nvPr>
+            <p:ph idx="1"/>
+          </p:nvPr>
+        </p:nvSpPr>
+        <p:spPr/>
+        <p:txBody>
+          <a:bodyPr/>
+          <a:lstStyle/>
+          <a:p>
+            <a:r>
+              <a:rPr lang="en-US" dirty="0"/>
+              <a:t>Twilio Rest-API : Output parameters</a:t>
+            </a:r>
+          </a:p>
+        </p:txBody>
+      </p:sp>
+      <p:sp>
+        <p:nvSpPr>
+          <p:cNvPr id="4" name="Date Placeholder 3"/>
+          <p:cNvSpPr>
+            <a:spLocks noGrp="1"/>
+          </p:cNvSpPr>
+          <p:nvPr>
+            <p:ph type="dt" sz="half" idx="10"/>
+          </p:nvPr>
+        </p:nvSpPr>
+        <p:spPr/>
+        <p:txBody>
+          <a:bodyPr/>
+          <a:lstStyle/>
+          <a:p>
+            <a:r>
+              <a:rPr lang="en-US"/>
+              <a:t>SENG697 (Fall 2007)</a:t>
+            </a:r>
+            <a:endParaRPr lang="en-US" altLang="ja-JP"/>
+          </a:p>
+        </p:txBody>
+      </p:sp>
+      <p:sp>
+        <p:nvSpPr>
+          <p:cNvPr id="5" name="Footer Placeholder 4"/>
+          <p:cNvSpPr>
+            <a:spLocks noGrp="1"/>
+          </p:cNvSpPr>
+          <p:nvPr>
+            <p:ph type="ftr" sz="quarter" idx="11"/>
+          </p:nvPr>
+        </p:nvSpPr>
+        <p:spPr/>
+        <p:txBody>
+          <a:bodyPr/>
+          <a:lstStyle/>
+          <a:p>
+            <a:r>
+              <a:rPr lang="ja-JP" altLang="en-US"/>
+              <a:t>far@ucalgary.ca</a:t>
+            </a:r>
+            <a:endParaRPr lang="en-US" altLang="ja-JP"/>
+          </a:p>
+        </p:txBody>
+      </p:sp>
+      <p:sp>
+        <p:nvSpPr>
+          <p:cNvPr id="6" name="Slide Number Placeholder 5"/>
+          <p:cNvSpPr>
+            <a:spLocks noGrp="1"/>
+          </p:cNvSpPr>
+          <p:nvPr>
+            <p:ph type="sldNum" sz="quarter" idx="12"/>
+          </p:nvPr>
+        </p:nvSpPr>
+        <p:spPr/>
+        <p:txBody>
+          <a:bodyPr/>
+          <a:lstStyle/>
+          <a:p>
+            <a:fld id="{A4BAB868-1E00-44C6-B1AB-DFCC5F9865BA}" type="slidenum">
+              <a:rPr lang="ja-JP" altLang="en-US"/>
+              <a:t>51</a:t>
+            </a:fld>
+            <a:endParaRPr lang="en-US" altLang="ja-JP"/>
+          </a:p>
+        </p:txBody>
+      </p:sp>
+      <p:graphicFrame>
+        <p:nvGraphicFramePr>
+          <p:cNvPr id="7" name="Table 6"/>
+          <p:cNvGraphicFramePr/>
+          <p:nvPr>
+            <p:custDataLst>
+              <p:tags r:id="rId1"/>
+            </p:custDataLst>
+            <p:extLst>
+              <p:ext uri="{D42A27DB-BD31-4B8C-83A1-F6EECF244321}">
+                <p14:modId xmlns:p14="http://schemas.microsoft.com/office/powerpoint/2010/main" val="3194820981"/>
+              </p:ext>
+            </p:extLst>
+          </p:nvPr>
+        </p:nvGraphicFramePr>
+        <p:xfrm>
+          <a:off x="1614170" y="2175509"/>
+          <a:ext cx="9169400" cy="4023360"/>
+        </p:xfrm>
+        <a:graphic>
+          <a:graphicData uri="http://schemas.openxmlformats.org/drawingml/2006/table">
+            <a:tbl>
+              <a:tblPr firstRow="1" bandRow="1">
+                <a:tableStyleId>{5C22544A-7EE6-4342-B048-85BDC9FD1C3A}</a:tableStyleId>
+              </a:tblPr>
+              <a:tblGrid>
+                <a:gridCol w="6842125">
+                  <a:extLst>
+                    <a:ext uri="{9D8B030D-6E8A-4147-A177-3AD203B41FA5}">
+                      <a16:colId xmlns:a16="http://schemas.microsoft.com/office/drawing/2014/main" val="20000"/>
+                    </a:ext>
+                  </a:extLst>
+                </a:gridCol>
+                <a:gridCol w="2327275">
+                  <a:extLst>
+                    <a:ext uri="{9D8B030D-6E8A-4147-A177-3AD203B41FA5}">
+                      <a16:colId xmlns:a16="http://schemas.microsoft.com/office/drawing/2014/main" val="20001"/>
+                    </a:ext>
+                  </a:extLst>
+                </a:gridCol>
+              </a:tblGrid>
+              <a:tr h="441082">
+                <a:tc>
+                  <a:txBody>
+                    <a:bodyPr/>
+                    <a:lstStyle/>
+                    <a:p>
+                      <a:pPr>
+                        <a:buNone/>
+                      </a:pPr>
+                      <a:r>
+                        <a:rPr lang="en-US" sz="2400"/>
+                        <a:t>Parameters</a:t>
+                      </a:r>
+                    </a:p>
+                  </a:txBody>
+                  <a:tcPr/>
+                </a:tc>
+                <a:tc>
+                  <a:txBody>
+                    <a:bodyPr/>
+                    <a:lstStyle/>
+                    <a:p>
+                      <a:pPr>
+                        <a:buNone/>
+                      </a:pPr>
+                      <a:r>
+                        <a:rPr lang="en-US" sz="2400"/>
+                        <a:t>Description</a:t>
+                      </a:r>
+                    </a:p>
+                  </a:txBody>
+                  <a:tcPr/>
+                </a:tc>
+                <a:extLst>
+                  <a:ext uri="{0D108BD9-81ED-4DB2-BD59-A6C34878D82A}">
+                    <a16:rowId xmlns:a16="http://schemas.microsoft.com/office/drawing/2014/main" val="10000"/>
+                  </a:ext>
+                </a:extLst>
+              </a:tr>
+              <a:tr h="3281925">
+                <a:tc>
+                  <a:txBody>
+                    <a:bodyPr/>
+                    <a:lstStyle/>
+                    <a:p>
+                      <a:pPr>
+                        <a:buNone/>
+                      </a:pPr>
+                      <a:r>
+                        <a:rPr lang="en-US" sz="1200" b="0" dirty="0">
+                          <a:solidFill>
+                            <a:schemeClr val="tx1"/>
+                          </a:solidFill>
+                          <a:latin typeface="+mn-lt"/>
+                          <a:cs typeface="Times New Roman Bold" panose="02020503050405090304" charset="0"/>
+                        </a:rPr>
+                        <a:t>{  "</a:t>
+                      </a:r>
+                      <a:r>
+                        <a:rPr lang="en-US" sz="1200" b="0" dirty="0" err="1">
+                          <a:solidFill>
+                            <a:schemeClr val="tx1"/>
+                          </a:solidFill>
+                          <a:latin typeface="+mn-lt"/>
+                          <a:cs typeface="Times New Roman Bold" panose="02020503050405090304" charset="0"/>
+                        </a:rPr>
+                        <a:t>account_sid</a:t>
+                      </a:r>
+                      <a:r>
+                        <a:rPr lang="en-US" sz="1200" b="0" dirty="0">
+                          <a:solidFill>
+                            <a:schemeClr val="tx1"/>
+                          </a:solidFill>
+                          <a:latin typeface="+mn-lt"/>
+                          <a:cs typeface="Times New Roman Bold" panose="02020503050405090304" charset="0"/>
+                        </a:rPr>
+                        <a:t>": "ACXXXXXXXXXXXXXXXXXXXXXXXXXXXXXXXX",  </a:t>
+                      </a:r>
+                    </a:p>
+                    <a:p>
+                      <a:pPr>
+                        <a:buNone/>
+                      </a:pPr>
+                      <a:r>
+                        <a:rPr lang="en-US" sz="1200" b="0" dirty="0">
+                          <a:solidFill>
+                            <a:schemeClr val="tx1"/>
+                          </a:solidFill>
+                          <a:latin typeface="+mn-lt"/>
+                          <a:cs typeface="Times New Roman Bold" panose="02020503050405090304" charset="0"/>
+                        </a:rPr>
+                        <a:t>"</a:t>
+                      </a:r>
+                      <a:r>
+                        <a:rPr lang="en-US" sz="1200" b="0" dirty="0" err="1">
+                          <a:solidFill>
+                            <a:schemeClr val="tx1"/>
+                          </a:solidFill>
+                          <a:latin typeface="+mn-lt"/>
+                          <a:cs typeface="Times New Roman Bold" panose="02020503050405090304" charset="0"/>
+                        </a:rPr>
+                        <a:t>api_version</a:t>
+                      </a:r>
+                      <a:r>
+                        <a:rPr lang="en-US" sz="1200" b="0" dirty="0">
+                          <a:solidFill>
+                            <a:schemeClr val="tx1"/>
+                          </a:solidFill>
+                          <a:latin typeface="+mn-lt"/>
+                          <a:cs typeface="Times New Roman Bold" panose="02020503050405090304" charset="0"/>
+                        </a:rPr>
+                        <a:t>": "2010-04-01", </a:t>
+                      </a:r>
+                    </a:p>
+                    <a:p>
+                      <a:pPr>
+                        <a:buNone/>
+                      </a:pPr>
+                      <a:r>
+                        <a:rPr lang="en-US" sz="1200" b="0" dirty="0">
+                          <a:solidFill>
+                            <a:schemeClr val="tx1"/>
+                          </a:solidFill>
+                          <a:latin typeface="+mn-lt"/>
+                          <a:cs typeface="Times New Roman Bold" panose="02020503050405090304" charset="0"/>
+                        </a:rPr>
+                        <a:t> "body": "Hi there",  </a:t>
+                      </a:r>
+                    </a:p>
+                    <a:p>
+                      <a:pPr>
+                        <a:buNone/>
+                      </a:pPr>
+                      <a:r>
+                        <a:rPr lang="en-US" sz="1200" b="0" dirty="0">
+                          <a:solidFill>
+                            <a:schemeClr val="tx1"/>
+                          </a:solidFill>
+                          <a:latin typeface="+mn-lt"/>
+                          <a:cs typeface="Times New Roman Bold" panose="02020503050405090304" charset="0"/>
+                        </a:rPr>
+                        <a:t>"</a:t>
+                      </a:r>
+                      <a:r>
+                        <a:rPr lang="en-US" sz="1200" b="0" dirty="0" err="1">
+                          <a:solidFill>
+                            <a:schemeClr val="tx1"/>
+                          </a:solidFill>
+                          <a:latin typeface="+mn-lt"/>
+                          <a:cs typeface="Times New Roman Bold" panose="02020503050405090304" charset="0"/>
+                        </a:rPr>
+                        <a:t>date_created</a:t>
+                      </a:r>
+                      <a:r>
+                        <a:rPr lang="en-US" sz="1200" b="0" dirty="0">
+                          <a:solidFill>
+                            <a:schemeClr val="tx1"/>
+                          </a:solidFill>
+                          <a:latin typeface="+mn-lt"/>
+                          <a:cs typeface="Times New Roman Bold" panose="02020503050405090304" charset="0"/>
+                        </a:rPr>
+                        <a:t>": "Thu, 30 Jul 2015 20:12:31 +0000", </a:t>
+                      </a:r>
+                    </a:p>
+                    <a:p>
+                      <a:pPr>
+                        <a:buNone/>
+                      </a:pPr>
+                      <a:r>
+                        <a:rPr lang="en-US" sz="1200" b="0" dirty="0">
+                          <a:solidFill>
+                            <a:schemeClr val="tx1"/>
+                          </a:solidFill>
+                          <a:latin typeface="+mn-lt"/>
+                          <a:cs typeface="Times New Roman Bold" panose="02020503050405090304" charset="0"/>
+                        </a:rPr>
+                        <a:t> "</a:t>
+                      </a:r>
+                      <a:r>
+                        <a:rPr lang="en-US" sz="1200" b="0" dirty="0" err="1">
+                          <a:solidFill>
+                            <a:schemeClr val="tx1"/>
+                          </a:solidFill>
+                          <a:latin typeface="+mn-lt"/>
+                          <a:cs typeface="Times New Roman Bold" panose="02020503050405090304" charset="0"/>
+                        </a:rPr>
+                        <a:t>date_sent</a:t>
+                      </a:r>
+                      <a:r>
+                        <a:rPr lang="en-US" sz="1200" b="0" dirty="0">
+                          <a:solidFill>
+                            <a:schemeClr val="tx1"/>
+                          </a:solidFill>
+                          <a:latin typeface="+mn-lt"/>
+                          <a:cs typeface="Times New Roman Bold" panose="02020503050405090304" charset="0"/>
+                        </a:rPr>
+                        <a:t>": "Thu, 30 Jul 2015 20:12:33 +0000", </a:t>
+                      </a:r>
+                    </a:p>
+                    <a:p>
+                      <a:pPr>
+                        <a:buNone/>
+                      </a:pPr>
+                      <a:r>
+                        <a:rPr lang="en-US" sz="1200" b="0" dirty="0">
+                          <a:solidFill>
+                            <a:schemeClr val="tx1"/>
+                          </a:solidFill>
+                          <a:latin typeface="+mn-lt"/>
+                          <a:cs typeface="Times New Roman Bold" panose="02020503050405090304" charset="0"/>
+                        </a:rPr>
+                        <a:t> "</a:t>
+                      </a:r>
+                      <a:r>
+                        <a:rPr lang="en-US" sz="1200" b="0" dirty="0" err="1">
+                          <a:solidFill>
+                            <a:schemeClr val="tx1"/>
+                          </a:solidFill>
+                          <a:latin typeface="+mn-lt"/>
+                          <a:cs typeface="Times New Roman Bold" panose="02020503050405090304" charset="0"/>
+                        </a:rPr>
+                        <a:t>date_updated</a:t>
+                      </a:r>
+                      <a:r>
+                        <a:rPr lang="en-US" sz="1200" b="0" dirty="0">
+                          <a:solidFill>
+                            <a:schemeClr val="tx1"/>
+                          </a:solidFill>
+                          <a:latin typeface="+mn-lt"/>
+                          <a:cs typeface="Times New Roman Bold" panose="02020503050405090304" charset="0"/>
+                        </a:rPr>
+                        <a:t>": "Thu, 30 Jul 2015 20:12:33 +0000", </a:t>
+                      </a:r>
+                    </a:p>
+                    <a:p>
+                      <a:pPr>
+                        <a:buNone/>
+                      </a:pPr>
+                      <a:r>
+                        <a:rPr lang="en-US" sz="1200" b="0" dirty="0">
+                          <a:solidFill>
+                            <a:schemeClr val="tx1"/>
+                          </a:solidFill>
+                          <a:latin typeface="+mn-lt"/>
+                          <a:cs typeface="Times New Roman Bold" panose="02020503050405090304" charset="0"/>
+                        </a:rPr>
+                        <a:t> "direction": "outbound-</a:t>
+                      </a:r>
+                      <a:r>
+                        <a:rPr lang="en-US" sz="1200" b="0" dirty="0" err="1">
+                          <a:solidFill>
+                            <a:schemeClr val="tx1"/>
+                          </a:solidFill>
+                          <a:latin typeface="+mn-lt"/>
+                          <a:cs typeface="Times New Roman Bold" panose="02020503050405090304" charset="0"/>
+                        </a:rPr>
+                        <a:t>api</a:t>
+                      </a:r>
+                      <a:r>
+                        <a:rPr lang="en-US" sz="1200" b="0" dirty="0">
+                          <a:solidFill>
+                            <a:schemeClr val="tx1"/>
+                          </a:solidFill>
+                          <a:latin typeface="+mn-lt"/>
+                          <a:cs typeface="Times New Roman Bold" panose="02020503050405090304" charset="0"/>
+                        </a:rPr>
+                        <a:t>",  "</a:t>
+                      </a:r>
+                      <a:r>
+                        <a:rPr lang="en-US" sz="1200" b="0" dirty="0" err="1">
+                          <a:solidFill>
+                            <a:schemeClr val="tx1"/>
+                          </a:solidFill>
+                          <a:latin typeface="+mn-lt"/>
+                          <a:cs typeface="Times New Roman Bold" panose="02020503050405090304" charset="0"/>
+                        </a:rPr>
+                        <a:t>error_code</a:t>
+                      </a:r>
+                      <a:r>
+                        <a:rPr lang="en-US" sz="1200" b="0" dirty="0">
+                          <a:solidFill>
+                            <a:schemeClr val="tx1"/>
+                          </a:solidFill>
+                          <a:latin typeface="+mn-lt"/>
+                          <a:cs typeface="Times New Roman Bold" panose="02020503050405090304" charset="0"/>
+                        </a:rPr>
+                        <a:t>": null,</a:t>
+                      </a:r>
+                    </a:p>
+                    <a:p>
+                      <a:pPr>
+                        <a:buNone/>
+                      </a:pPr>
+                      <a:r>
+                        <a:rPr lang="en-US" sz="1200" b="0" dirty="0">
+                          <a:solidFill>
+                            <a:schemeClr val="tx1"/>
+                          </a:solidFill>
+                          <a:latin typeface="+mn-lt"/>
+                          <a:cs typeface="Times New Roman Bold" panose="02020503050405090304" charset="0"/>
+                        </a:rPr>
+                        <a:t>  "</a:t>
+                      </a:r>
+                      <a:r>
+                        <a:rPr lang="en-US" sz="1200" b="0" dirty="0" err="1">
+                          <a:solidFill>
+                            <a:schemeClr val="tx1"/>
+                          </a:solidFill>
+                          <a:latin typeface="+mn-lt"/>
+                          <a:cs typeface="Times New Roman Bold" panose="02020503050405090304" charset="0"/>
+                        </a:rPr>
+                        <a:t>error_message</a:t>
+                      </a:r>
+                      <a:r>
+                        <a:rPr lang="en-US" sz="1200" b="0" dirty="0">
+                          <a:solidFill>
+                            <a:schemeClr val="tx1"/>
+                          </a:solidFill>
+                          <a:latin typeface="+mn-lt"/>
+                          <a:cs typeface="Times New Roman Bold" panose="02020503050405090304" charset="0"/>
+                        </a:rPr>
+                        <a:t>": null,  "from": "+14155552345", </a:t>
+                      </a:r>
+                    </a:p>
+                    <a:p>
+                      <a:pPr>
+                        <a:buNone/>
+                      </a:pPr>
+                      <a:r>
+                        <a:rPr lang="en-US" sz="1200" b="0" dirty="0">
+                          <a:solidFill>
+                            <a:schemeClr val="tx1"/>
+                          </a:solidFill>
+                          <a:latin typeface="+mn-lt"/>
+                          <a:cs typeface="Times New Roman Bold" panose="02020503050405090304" charset="0"/>
+                        </a:rPr>
+                        <a:t> "</a:t>
+                      </a:r>
+                      <a:r>
+                        <a:rPr lang="en-US" sz="1200" b="0" dirty="0" err="1">
+                          <a:solidFill>
+                            <a:schemeClr val="tx1"/>
+                          </a:solidFill>
+                          <a:latin typeface="+mn-lt"/>
+                          <a:cs typeface="Times New Roman Bold" panose="02020503050405090304" charset="0"/>
+                        </a:rPr>
+                        <a:t>messaging_service_sid</a:t>
+                      </a:r>
+                      <a:r>
+                        <a:rPr lang="en-US" sz="1200" b="0" dirty="0">
+                          <a:solidFill>
+                            <a:schemeClr val="tx1"/>
+                          </a:solidFill>
+                          <a:latin typeface="+mn-lt"/>
+                          <a:cs typeface="Times New Roman Bold" panose="02020503050405090304" charset="0"/>
+                        </a:rPr>
+                        <a:t>": null,</a:t>
+                      </a:r>
+                    </a:p>
+                    <a:p>
+                      <a:pPr>
+                        <a:buNone/>
+                      </a:pPr>
+                      <a:r>
+                        <a:rPr lang="en-US" sz="1200" b="0" dirty="0">
+                          <a:solidFill>
+                            <a:schemeClr val="tx1"/>
+                          </a:solidFill>
+                          <a:latin typeface="+mn-lt"/>
+                          <a:cs typeface="Times New Roman Bold" panose="02020503050405090304" charset="0"/>
+                        </a:rPr>
+                        <a:t>  "</a:t>
+                      </a:r>
+                      <a:r>
+                        <a:rPr lang="en-US" sz="1200" b="0" dirty="0" err="1">
+                          <a:solidFill>
+                            <a:schemeClr val="tx1"/>
+                          </a:solidFill>
+                          <a:latin typeface="+mn-lt"/>
+                          <a:cs typeface="Times New Roman Bold" panose="02020503050405090304" charset="0"/>
+                        </a:rPr>
+                        <a:t>num_media</a:t>
+                      </a:r>
+                      <a:r>
+                        <a:rPr lang="en-US" sz="1200" b="0" dirty="0">
+                          <a:solidFill>
+                            <a:schemeClr val="tx1"/>
+                          </a:solidFill>
+                          <a:latin typeface="+mn-lt"/>
+                          <a:cs typeface="Times New Roman Bold" panose="02020503050405090304" charset="0"/>
+                        </a:rPr>
+                        <a:t>": "0", </a:t>
+                      </a:r>
+                    </a:p>
+                    <a:p>
+                      <a:pPr>
+                        <a:buNone/>
+                      </a:pPr>
+                      <a:r>
+                        <a:rPr lang="en-US" sz="1200" b="0" dirty="0">
+                          <a:solidFill>
+                            <a:schemeClr val="tx1"/>
+                          </a:solidFill>
+                          <a:latin typeface="+mn-lt"/>
+                          <a:cs typeface="Times New Roman Bold" panose="02020503050405090304" charset="0"/>
+                        </a:rPr>
+                        <a:t> "</a:t>
+                      </a:r>
+                      <a:r>
+                        <a:rPr lang="en-US" sz="1200" b="0" dirty="0" err="1">
+                          <a:solidFill>
+                            <a:schemeClr val="tx1"/>
+                          </a:solidFill>
+                          <a:latin typeface="+mn-lt"/>
+                          <a:cs typeface="Times New Roman Bold" panose="02020503050405090304" charset="0"/>
+                        </a:rPr>
+                        <a:t>num_segments</a:t>
+                      </a:r>
+                      <a:r>
+                        <a:rPr lang="en-US" sz="1200" b="0" dirty="0">
+                          <a:solidFill>
+                            <a:schemeClr val="tx1"/>
+                          </a:solidFill>
+                          <a:latin typeface="+mn-lt"/>
+                          <a:cs typeface="Times New Roman Bold" panose="02020503050405090304" charset="0"/>
+                        </a:rPr>
+                        <a:t>": "1", </a:t>
+                      </a:r>
+                    </a:p>
+                    <a:p>
+                      <a:pPr>
+                        <a:buNone/>
+                      </a:pPr>
+                      <a:r>
+                        <a:rPr lang="en-US" sz="1200" b="0" dirty="0">
+                          <a:solidFill>
+                            <a:schemeClr val="tx1"/>
+                          </a:solidFill>
+                          <a:latin typeface="+mn-lt"/>
+                          <a:cs typeface="Times New Roman Bold" panose="02020503050405090304" charset="0"/>
+                        </a:rPr>
+                        <a:t> "price": null,  "</a:t>
+                      </a:r>
+                      <a:r>
+                        <a:rPr lang="en-US" sz="1200" b="0" dirty="0" err="1">
+                          <a:solidFill>
+                            <a:schemeClr val="tx1"/>
+                          </a:solidFill>
+                          <a:latin typeface="+mn-lt"/>
+                          <a:cs typeface="Times New Roman Bold" panose="02020503050405090304" charset="0"/>
+                        </a:rPr>
+                        <a:t>price_unit</a:t>
+                      </a:r>
+                      <a:r>
+                        <a:rPr lang="en-US" sz="1200" b="0" dirty="0">
+                          <a:solidFill>
+                            <a:schemeClr val="tx1"/>
+                          </a:solidFill>
+                          <a:latin typeface="+mn-lt"/>
+                          <a:cs typeface="Times New Roman Bold" panose="02020503050405090304" charset="0"/>
+                        </a:rPr>
+                        <a:t>": null, </a:t>
+                      </a:r>
+                    </a:p>
+                    <a:p>
+                      <a:pPr>
+                        <a:buNone/>
+                      </a:pPr>
+                      <a:r>
+                        <a:rPr lang="en-US" sz="1200" b="0" dirty="0">
+                          <a:solidFill>
+                            <a:schemeClr val="tx1"/>
+                          </a:solidFill>
+                          <a:latin typeface="+mn-lt"/>
+                          <a:cs typeface="Times New Roman Bold" panose="02020503050405090304" charset="0"/>
+                        </a:rPr>
+                        <a:t> "</a:t>
+                      </a:r>
+                      <a:r>
+                        <a:rPr lang="en-US" sz="1200" b="0" dirty="0" err="1">
+                          <a:solidFill>
+                            <a:schemeClr val="tx1"/>
+                          </a:solidFill>
+                          <a:latin typeface="+mn-lt"/>
+                          <a:cs typeface="Times New Roman Bold" panose="02020503050405090304" charset="0"/>
+                        </a:rPr>
+                        <a:t>sid</a:t>
+                      </a:r>
+                      <a:r>
+                        <a:rPr lang="en-US" sz="1200" b="0" dirty="0">
+                          <a:solidFill>
+                            <a:schemeClr val="tx1"/>
+                          </a:solidFill>
+                          <a:latin typeface="+mn-lt"/>
+                          <a:cs typeface="Times New Roman Bold" panose="02020503050405090304" charset="0"/>
+                        </a:rPr>
+                        <a:t>": "SMXXXXXXXXXXXXXXXXXXXXXXXXXXXXXXXX", </a:t>
+                      </a:r>
+                    </a:p>
+                    <a:p>
+                      <a:pPr>
+                        <a:buNone/>
+                      </a:pPr>
+                      <a:r>
+                        <a:rPr lang="en-US" sz="1200" b="0" dirty="0">
+                          <a:solidFill>
+                            <a:schemeClr val="tx1"/>
+                          </a:solidFill>
+                          <a:latin typeface="+mn-lt"/>
+                          <a:cs typeface="Times New Roman Bold" panose="02020503050405090304" charset="0"/>
+                        </a:rPr>
+                        <a:t> "status": "sent",  </a:t>
+                      </a:r>
+                    </a:p>
+                    <a:p>
+                      <a:pPr>
+                        <a:buNone/>
+                      </a:pPr>
+                      <a:r>
+                        <a:rPr lang="en-US" sz="1200" b="0" dirty="0">
+                          <a:solidFill>
+                            <a:schemeClr val="tx1"/>
+                          </a:solidFill>
+                          <a:latin typeface="+mn-lt"/>
+                          <a:cs typeface="Times New Roman Bold" panose="02020503050405090304" charset="0"/>
+                        </a:rPr>
+                        <a:t>"</a:t>
+                      </a:r>
+                      <a:r>
+                        <a:rPr lang="en-US" sz="1200" b="0" dirty="0" err="1">
+                          <a:solidFill>
+                            <a:schemeClr val="tx1"/>
+                          </a:solidFill>
+                          <a:latin typeface="+mn-lt"/>
+                          <a:cs typeface="Times New Roman Bold" panose="02020503050405090304" charset="0"/>
+                        </a:rPr>
+                        <a:t>subresource_uris</a:t>
+                      </a:r>
+                      <a:r>
+                        <a:rPr lang="en-US" sz="1200" b="0" dirty="0">
+                          <a:solidFill>
+                            <a:schemeClr val="tx1"/>
+                          </a:solidFill>
+                          <a:latin typeface="+mn-lt"/>
+                          <a:cs typeface="Times New Roman Bold" panose="02020503050405090304" charset="0"/>
+                        </a:rPr>
+                        <a:t>": {    "media": "/2010-04-01/Accounts/ACXXXXXXXXXXXXXXXXXXXXXXXXXXXXXXXX/Messages/SMXXXXXXXXXXXXXXXXXXXXXXXXXXXXXXXX/</a:t>
+                      </a:r>
+                      <a:r>
+                        <a:rPr lang="en-US" sz="1200" b="0" dirty="0" err="1">
+                          <a:solidFill>
+                            <a:schemeClr val="tx1"/>
+                          </a:solidFill>
+                          <a:latin typeface="+mn-lt"/>
+                          <a:cs typeface="Times New Roman Bold" panose="02020503050405090304" charset="0"/>
+                        </a:rPr>
+                        <a:t>Media.json</a:t>
+                      </a:r>
+                      <a:r>
+                        <a:rPr lang="en-US" sz="1200" b="0" dirty="0">
+                          <a:solidFill>
+                            <a:schemeClr val="tx1"/>
+                          </a:solidFill>
+                          <a:latin typeface="+mn-lt"/>
+                          <a:cs typeface="Times New Roman Bold" panose="02020503050405090304" charset="0"/>
+                        </a:rPr>
+                        <a:t>"  },  "to": "+14155552345",  "</a:t>
+                      </a:r>
+                      <a:r>
+                        <a:rPr lang="en-US" sz="1200" b="0" dirty="0" err="1">
+                          <a:solidFill>
+                            <a:schemeClr val="tx1"/>
+                          </a:solidFill>
+                          <a:latin typeface="+mn-lt"/>
+                          <a:cs typeface="Times New Roman Bold" panose="02020503050405090304" charset="0"/>
+                        </a:rPr>
+                        <a:t>uri</a:t>
+                      </a:r>
+                      <a:r>
+                        <a:rPr lang="en-US" sz="1200" b="0" dirty="0">
+                          <a:solidFill>
+                            <a:schemeClr val="tx1"/>
+                          </a:solidFill>
+                          <a:latin typeface="+mn-lt"/>
+                          <a:cs typeface="Times New Roman Bold" panose="02020503050405090304" charset="0"/>
+                        </a:rPr>
+                        <a:t>": "/2010-04-01/Accounts/ACXXXXXXXXXXXXXXXXXXXXXXXXXXXXXXXX/Messages/</a:t>
+                      </a:r>
+                      <a:r>
+                        <a:rPr lang="en-US" sz="1200" b="0" dirty="0" err="1">
+                          <a:solidFill>
+                            <a:schemeClr val="tx1"/>
+                          </a:solidFill>
+                          <a:latin typeface="+mn-lt"/>
+                          <a:cs typeface="Times New Roman Bold" panose="02020503050405090304" charset="0"/>
+                        </a:rPr>
+                        <a:t>SMXXXXXXXXXXXXXXXXXXXXXXXXXXXXXXXX.json</a:t>
+                      </a:r>
+                      <a:r>
+                        <a:rPr lang="en-US" sz="1200" b="0" dirty="0">
+                          <a:solidFill>
+                            <a:schemeClr val="tx1"/>
+                          </a:solidFill>
+                          <a:latin typeface="+mn-lt"/>
+                          <a:cs typeface="Times New Roman Bold" panose="02020503050405090304" charset="0"/>
+                        </a:rPr>
+                        <a:t>"}</a:t>
+                      </a:r>
+                    </a:p>
+                  </a:txBody>
+                  <a:tcPr/>
+                </a:tc>
+                <a:tc>
+                  <a:txBody>
+                    <a:bodyPr/>
+                    <a:lstStyle/>
+                    <a:p>
+                      <a:pPr>
+                        <a:buNone/>
+                      </a:pPr>
+                      <a:r>
+                        <a:rPr lang="en-US" sz="1600" dirty="0"/>
+                        <a:t>Parameters from the output of the message from the </a:t>
+                      </a:r>
+                      <a:r>
+                        <a:rPr lang="en-US" sz="1600" dirty="0" err="1"/>
+                        <a:t>twilio</a:t>
+                      </a:r>
+                      <a:r>
+                        <a:rPr lang="en-US" sz="1600" dirty="0"/>
+                        <a:t> message received by the user is described in the snippet.                                              </a:t>
+                      </a:r>
+                    </a:p>
+                  </a:txBody>
+                  <a:tcPr/>
+                </a:tc>
+                <a:extLst>
+                  <a:ext uri="{0D108BD9-81ED-4DB2-BD59-A6C34878D82A}">
+                    <a16:rowId xmlns:a16="http://schemas.microsoft.com/office/drawing/2014/main" val="10001"/>
+                  </a:ext>
+                </a:extLst>
+              </a:tr>
+            </a:tbl>
+          </a:graphicData>
+        </a:graphic>
+      </p:graphicFrame>
+    </p:spTree>
+    <p:extLst>
+      <p:ext uri="{BB962C8B-B14F-4D97-AF65-F5344CB8AC3E}">
+        <p14:creationId xmlns:p14="http://schemas.microsoft.com/office/powerpoint/2010/main" val="1540522922"/>
+      </p:ext>
+    </p:extLst>
+  </p:cSld>
+  <p:clrMapOvr>
+    <a:masterClrMapping/>
+  </p:clrMapOvr>
+  <p:transition>
+    <p:dissolve/>
+  </p:transition>
+</p:sld>
+</file>
+
+<file path=ppt/slides/slide52.xml><?xml version="1.0" encoding="utf-8"?>
+<p:sld xmlns:a="http://schemas.openxmlformats.org/drawingml/2006/main" xmlns:r="http://schemas.openxmlformats.org/officeDocument/2006/relationships" xmlns:p="http://schemas.openxmlformats.org/presentationml/2006/main">
+  <p:cSld>
+    <p:spTree>
+      <p:nvGrpSpPr>
+        <p:cNvPr id="1" name=""/>
+        <p:cNvGrpSpPr/>
+        <p:nvPr/>
+      </p:nvGrpSpPr>
+      <p:grpSpPr>
+        <a:xfrm>
+          <a:off x="0" y="0"/>
+          <a:ext cx="0" cy="0"/>
+          <a:chOff x="0" y="0"/>
+          <a:chExt cx="0" cy="0"/>
+        </a:xfrm>
+      </p:grpSpPr>
+      <p:sp>
+        <p:nvSpPr>
+          <p:cNvPr id="2" name="Title 1"/>
+          <p:cNvSpPr>
+            <a:spLocks noGrp="1"/>
+          </p:cNvSpPr>
+          <p:nvPr>
+            <p:ph type="title"/>
+          </p:nvPr>
+        </p:nvSpPr>
+        <p:spPr/>
+        <p:txBody>
+          <a:bodyPr/>
+          <a:lstStyle/>
+          <a:p>
+            <a:r>
+              <a:rPr lang="en-US" dirty="0"/>
+              <a:t>Inter-Agent communication(contd.)</a:t>
+            </a:r>
+          </a:p>
+        </p:txBody>
+      </p:sp>
+      <p:sp>
+        <p:nvSpPr>
+          <p:cNvPr id="3" name="Content Placeholder 2"/>
+          <p:cNvSpPr>
+            <a:spLocks noGrp="1"/>
+          </p:cNvSpPr>
+          <p:nvPr>
+            <p:ph idx="1"/>
+          </p:nvPr>
+        </p:nvSpPr>
+        <p:spPr/>
+        <p:txBody>
+          <a:bodyPr/>
+          <a:lstStyle/>
+          <a:p>
+            <a:r>
+              <a:rPr lang="en-US" dirty="0"/>
+              <a:t>Appointment ➜ email Agent communication</a:t>
+            </a:r>
+          </a:p>
+        </p:txBody>
+      </p:sp>
+      <p:sp>
+        <p:nvSpPr>
+          <p:cNvPr id="4" name="Date Placeholder 3"/>
+          <p:cNvSpPr>
+            <a:spLocks noGrp="1"/>
+          </p:cNvSpPr>
+          <p:nvPr>
+            <p:ph type="dt" sz="half" idx="10"/>
+          </p:nvPr>
+        </p:nvSpPr>
+        <p:spPr/>
+        <p:txBody>
+          <a:bodyPr/>
+          <a:lstStyle/>
+          <a:p>
+            <a:r>
+              <a:rPr lang="en-US"/>
+              <a:t>SENG697 (Fall 2007)</a:t>
+            </a:r>
+            <a:endParaRPr lang="en-US" altLang="ja-JP"/>
+          </a:p>
+        </p:txBody>
+      </p:sp>
+      <p:sp>
+        <p:nvSpPr>
+          <p:cNvPr id="5" name="Footer Placeholder 4"/>
+          <p:cNvSpPr>
+            <a:spLocks noGrp="1"/>
+          </p:cNvSpPr>
+          <p:nvPr>
+            <p:ph type="ftr" sz="quarter" idx="11"/>
+          </p:nvPr>
+        </p:nvSpPr>
+        <p:spPr/>
+        <p:txBody>
+          <a:bodyPr/>
+          <a:lstStyle/>
+          <a:p>
+            <a:r>
+              <a:rPr lang="ja-JP" altLang="en-US"/>
+              <a:t>far@ucalgary.ca</a:t>
+            </a:r>
+            <a:endParaRPr lang="en-US" altLang="ja-JP"/>
+          </a:p>
+        </p:txBody>
+      </p:sp>
+      <p:sp>
+        <p:nvSpPr>
+          <p:cNvPr id="6" name="Slide Number Placeholder 5"/>
+          <p:cNvSpPr>
+            <a:spLocks noGrp="1"/>
+          </p:cNvSpPr>
+          <p:nvPr>
+            <p:ph type="sldNum" sz="quarter" idx="12"/>
+          </p:nvPr>
+        </p:nvSpPr>
+        <p:spPr/>
+        <p:txBody>
+          <a:bodyPr/>
+          <a:lstStyle/>
+          <a:p>
+            <a:fld id="{A4BAB868-1E00-44C6-B1AB-DFCC5F9865BA}" type="slidenum">
+              <a:rPr lang="ja-JP" altLang="en-US"/>
+              <a:t>52</a:t>
+            </a:fld>
+            <a:endParaRPr lang="en-US" altLang="ja-JP"/>
+          </a:p>
+        </p:txBody>
+      </p:sp>
+      <p:graphicFrame>
+        <p:nvGraphicFramePr>
+          <p:cNvPr id="7" name="Table 6"/>
+          <p:cNvGraphicFramePr/>
+          <p:nvPr>
+            <p:custDataLst>
+              <p:tags r:id="rId1"/>
+            </p:custDataLst>
+            <p:extLst>
+              <p:ext uri="{D42A27DB-BD31-4B8C-83A1-F6EECF244321}">
+                <p14:modId xmlns:p14="http://schemas.microsoft.com/office/powerpoint/2010/main" val="2116030697"/>
+              </p:ext>
+            </p:extLst>
+          </p:nvPr>
+        </p:nvGraphicFramePr>
+        <p:xfrm>
+          <a:off x="1614170" y="2175509"/>
+          <a:ext cx="9169400" cy="3793345"/>
+        </p:xfrm>
+        <a:graphic>
+          <a:graphicData uri="http://schemas.openxmlformats.org/drawingml/2006/table">
+            <a:tbl>
+              <a:tblPr firstRow="1" bandRow="1">
+                <a:tableStyleId>{5C22544A-7EE6-4342-B048-85BDC9FD1C3A}</a:tableStyleId>
+              </a:tblPr>
+              <a:tblGrid>
+                <a:gridCol w="6842125">
+                  <a:extLst>
+                    <a:ext uri="{9D8B030D-6E8A-4147-A177-3AD203B41FA5}">
+                      <a16:colId xmlns:a16="http://schemas.microsoft.com/office/drawing/2014/main" val="20000"/>
+                    </a:ext>
+                  </a:extLst>
+                </a:gridCol>
+                <a:gridCol w="2327275">
+                  <a:extLst>
+                    <a:ext uri="{9D8B030D-6E8A-4147-A177-3AD203B41FA5}">
+                      <a16:colId xmlns:a16="http://schemas.microsoft.com/office/drawing/2014/main" val="20001"/>
+                    </a:ext>
+                  </a:extLst>
+                </a:gridCol>
+              </a:tblGrid>
+              <a:tr h="511420">
+                <a:tc>
+                  <a:txBody>
+                    <a:bodyPr/>
+                    <a:lstStyle/>
+                    <a:p>
+                      <a:pPr>
+                        <a:buNone/>
+                      </a:pPr>
+                      <a:r>
+                        <a:rPr lang="en-US" sz="2400"/>
+                        <a:t>Parameters</a:t>
+                      </a:r>
+                    </a:p>
+                  </a:txBody>
+                  <a:tcPr/>
+                </a:tc>
+                <a:tc>
+                  <a:txBody>
+                    <a:bodyPr/>
+                    <a:lstStyle/>
+                    <a:p>
+                      <a:pPr>
+                        <a:buNone/>
+                      </a:pPr>
+                      <a:r>
+                        <a:rPr lang="en-US" sz="2400"/>
+                        <a:t>Description</a:t>
+                      </a:r>
+                    </a:p>
+                  </a:txBody>
+                  <a:tcPr/>
+                </a:tc>
+                <a:extLst>
+                  <a:ext uri="{0D108BD9-81ED-4DB2-BD59-A6C34878D82A}">
+                    <a16:rowId xmlns:a16="http://schemas.microsoft.com/office/drawing/2014/main" val="10000"/>
+                  </a:ext>
+                </a:extLst>
+              </a:tr>
+              <a:tr h="3281925">
+                <a:tc>
+                  <a:txBody>
+                    <a:bodyPr/>
+                    <a:lstStyle/>
+                    <a:p>
+                      <a:pPr>
+                        <a:buNone/>
+                      </a:pPr>
+                      <a:r>
+                        <a:rPr lang="en-US" sz="1600" b="0" dirty="0">
+                          <a:solidFill>
+                            <a:schemeClr val="tx1"/>
+                          </a:solidFill>
+                          <a:latin typeface="+mn-lt"/>
+                          <a:cs typeface="Times New Roman Bold" panose="02020503050405090304" charset="0"/>
+                        </a:rPr>
+                        <a:t>Sample Appointment Object :-</a:t>
+                      </a:r>
+                    </a:p>
+                    <a:p>
+                      <a:pPr>
+                        <a:buNone/>
+                      </a:pPr>
+                      <a:r>
+                        <a:rPr lang="en-US" sz="1600" b="0" dirty="0">
+                          <a:solidFill>
+                            <a:schemeClr val="tx1"/>
+                          </a:solidFill>
+                          <a:latin typeface="+mn-lt"/>
+                          <a:cs typeface="Times New Roman Bold" panose="02020503050405090304" charset="0"/>
+                        </a:rPr>
+                        <a:t>Appointment{id=85, client=Client{,FirstName=</a:t>
+                      </a:r>
+                      <a:r>
+                        <a:rPr lang="en-US" sz="1600" b="0" dirty="0" err="1">
+                          <a:solidFill>
+                            <a:schemeClr val="tx1"/>
+                          </a:solidFill>
+                          <a:latin typeface="+mn-lt"/>
+                          <a:cs typeface="Times New Roman Bold" panose="02020503050405090304" charset="0"/>
+                        </a:rPr>
+                        <a:t>Anish,LastName</a:t>
+                      </a:r>
+                      <a:r>
+                        <a:rPr lang="en-US" sz="1600" b="0" dirty="0">
+                          <a:solidFill>
+                            <a:schemeClr val="tx1"/>
+                          </a:solidFill>
+                          <a:latin typeface="+mn-lt"/>
+                          <a:cs typeface="Times New Roman Bold" panose="02020503050405090304" charset="0"/>
+                        </a:rPr>
+                        <a:t>=</a:t>
+                      </a:r>
+                      <a:r>
+                        <a:rPr lang="en-US" sz="1600" b="0" dirty="0" err="1">
+                          <a:solidFill>
+                            <a:schemeClr val="tx1"/>
+                          </a:solidFill>
+                          <a:latin typeface="+mn-lt"/>
+                          <a:cs typeface="Times New Roman Bold" panose="02020503050405090304" charset="0"/>
+                        </a:rPr>
+                        <a:t>Mukherjeeid</a:t>
+                      </a:r>
+                      <a:r>
+                        <a:rPr lang="en-US" sz="1600" b="0" dirty="0">
+                          <a:solidFill>
+                            <a:schemeClr val="tx1"/>
+                          </a:solidFill>
+                          <a:latin typeface="+mn-lt"/>
+                          <a:cs typeface="Times New Roman Bold" panose="02020503050405090304" charset="0"/>
+                        </a:rPr>
+                        <a:t>=1,phone=5875985499,email=anish09.mail@gmail.com,username=anish123,password=null'}, doctor=Doctor{id=1234567894,First Name=</a:t>
+                      </a:r>
+                      <a:r>
+                        <a:rPr lang="en-US" sz="1600" b="0" dirty="0" err="1">
+                          <a:solidFill>
+                            <a:schemeClr val="tx1"/>
+                          </a:solidFill>
+                          <a:latin typeface="+mn-lt"/>
+                          <a:cs typeface="Times New Roman Bold" panose="02020503050405090304" charset="0"/>
+                        </a:rPr>
+                        <a:t>Dr.Sam,Last</a:t>
+                      </a:r>
+                      <a:r>
+                        <a:rPr lang="en-US" sz="1600" b="0" dirty="0">
+                          <a:solidFill>
+                            <a:schemeClr val="tx1"/>
+                          </a:solidFill>
+                          <a:latin typeface="+mn-lt"/>
+                          <a:cs typeface="Times New Roman Bold" panose="02020503050405090304" charset="0"/>
+                        </a:rPr>
+                        <a:t> Name=</a:t>
+                      </a:r>
+                      <a:r>
+                        <a:rPr lang="en-US" sz="1600" b="0" dirty="0" err="1">
+                          <a:solidFill>
+                            <a:schemeClr val="tx1"/>
+                          </a:solidFill>
+                          <a:latin typeface="+mn-lt"/>
+                          <a:cs typeface="Times New Roman Bold" panose="02020503050405090304" charset="0"/>
+                        </a:rPr>
+                        <a:t>Wilkins,username</a:t>
+                      </a:r>
+                      <a:r>
+                        <a:rPr lang="en-US" sz="1600" b="0" dirty="0">
+                          <a:solidFill>
+                            <a:schemeClr val="tx1"/>
+                          </a:solidFill>
+                          <a:latin typeface="+mn-lt"/>
+                          <a:cs typeface="Times New Roman Bold" panose="02020503050405090304" charset="0"/>
+                        </a:rPr>
+                        <a:t>=</a:t>
+                      </a:r>
+                      <a:r>
+                        <a:rPr lang="en-US" sz="1600" b="0" dirty="0" err="1">
+                          <a:solidFill>
+                            <a:schemeClr val="tx1"/>
+                          </a:solidFill>
+                          <a:latin typeface="+mn-lt"/>
+                          <a:cs typeface="Times New Roman Bold" panose="02020503050405090304" charset="0"/>
+                        </a:rPr>
+                        <a:t>doctorD,phone</a:t>
+                      </a:r>
+                      <a:r>
+                        <a:rPr lang="en-US" sz="1600" b="0" dirty="0">
+                          <a:solidFill>
+                            <a:schemeClr val="tx1"/>
+                          </a:solidFill>
+                          <a:latin typeface="+mn-lt"/>
+                          <a:cs typeface="Times New Roman Bold" panose="02020503050405090304" charset="0"/>
+                        </a:rPr>
+                        <a:t>=1234567883,</a:t>
+                      </a:r>
+                    </a:p>
+                    <a:p>
+                      <a:pPr>
+                        <a:buNone/>
+                      </a:pPr>
+                      <a:r>
+                        <a:rPr lang="en-US" sz="1600" b="0" dirty="0">
+                          <a:solidFill>
+                            <a:schemeClr val="tx1"/>
+                          </a:solidFill>
+                          <a:latin typeface="+mn-lt"/>
+                          <a:cs typeface="Times New Roman Bold" panose="02020503050405090304" charset="0"/>
+                        </a:rPr>
+                        <a:t>email=talk2anish@gmail.com,specialty=null’}, </a:t>
+                      </a:r>
+                    </a:p>
+                    <a:p>
+                      <a:pPr>
+                        <a:buNone/>
+                      </a:pPr>
+                      <a:r>
+                        <a:rPr lang="en-US" sz="1600" b="0" dirty="0" err="1">
+                          <a:solidFill>
+                            <a:schemeClr val="tx1"/>
+                          </a:solidFill>
+                          <a:latin typeface="+mn-lt"/>
+                          <a:cs typeface="Times New Roman Bold" panose="02020503050405090304" charset="0"/>
+                        </a:rPr>
+                        <a:t>dateTime</a:t>
+                      </a:r>
+                      <a:r>
+                        <a:rPr lang="en-US" sz="1600" b="0" dirty="0">
+                          <a:solidFill>
+                            <a:schemeClr val="tx1"/>
+                          </a:solidFill>
+                          <a:latin typeface="+mn-lt"/>
+                          <a:cs typeface="Times New Roman Bold" panose="02020503050405090304" charset="0"/>
+                        </a:rPr>
+                        <a:t>=2021-12-10 09:00:00.0, </a:t>
+                      </a:r>
+                    </a:p>
+                    <a:p>
+                      <a:pPr>
+                        <a:buNone/>
+                      </a:pPr>
+                      <a:r>
+                        <a:rPr lang="en-US" sz="1600" b="0" dirty="0">
+                          <a:solidFill>
+                            <a:schemeClr val="tx1"/>
+                          </a:solidFill>
+                          <a:latin typeface="+mn-lt"/>
+                          <a:cs typeface="Times New Roman Bold" panose="02020503050405090304" charset="0"/>
+                        </a:rPr>
+                        <a:t>description='The Dog is ill', notes='', criticality=1, </a:t>
+                      </a:r>
+                    </a:p>
+                    <a:p>
+                      <a:pPr>
+                        <a:buNone/>
+                      </a:pPr>
+                      <a:r>
+                        <a:rPr lang="en-US" sz="1600" b="0" dirty="0">
+                          <a:solidFill>
+                            <a:schemeClr val="tx1"/>
+                          </a:solidFill>
+                          <a:latin typeface="+mn-lt"/>
+                          <a:cs typeface="Times New Roman Bold" panose="02020503050405090304" charset="0"/>
+                        </a:rPr>
+                        <a:t>status='Scheduled', email='yes’, </a:t>
+                      </a:r>
+                    </a:p>
+                    <a:p>
+                      <a:pPr>
+                        <a:buNone/>
+                      </a:pPr>
+                      <a:r>
+                        <a:rPr lang="en-US" sz="1600" b="0" dirty="0" err="1">
+                          <a:solidFill>
+                            <a:schemeClr val="tx1"/>
+                          </a:solidFill>
+                          <a:latin typeface="+mn-lt"/>
+                          <a:cs typeface="Times New Roman Bold" panose="02020503050405090304" charset="0"/>
+                        </a:rPr>
+                        <a:t>sms</a:t>
+                      </a:r>
+                      <a:r>
+                        <a:rPr lang="en-US" sz="1600" b="0" dirty="0">
+                          <a:solidFill>
+                            <a:schemeClr val="tx1"/>
+                          </a:solidFill>
+                          <a:latin typeface="+mn-lt"/>
+                          <a:cs typeface="Times New Roman Bold" panose="02020503050405090304" charset="0"/>
+                        </a:rPr>
+                        <a:t>='null', feedback='null', age='5’,</a:t>
+                      </a:r>
+                    </a:p>
+                    <a:p>
+                      <a:pPr>
+                        <a:buNone/>
+                      </a:pPr>
+                      <a:r>
+                        <a:rPr lang="en-US" sz="1600" b="0" dirty="0">
+                          <a:solidFill>
+                            <a:schemeClr val="tx1"/>
+                          </a:solidFill>
+                          <a:latin typeface="+mn-lt"/>
+                          <a:cs typeface="Times New Roman Bold" panose="02020503050405090304" charset="0"/>
+                        </a:rPr>
+                        <a:t> breed='</a:t>
+                      </a:r>
+                      <a:r>
+                        <a:rPr lang="en-US" sz="1600" b="0" dirty="0" err="1">
+                          <a:solidFill>
+                            <a:schemeClr val="tx1"/>
+                          </a:solidFill>
+                          <a:latin typeface="+mn-lt"/>
+                          <a:cs typeface="Times New Roman Bold" panose="02020503050405090304" charset="0"/>
+                        </a:rPr>
+                        <a:t>Pomerenian</a:t>
+                      </a:r>
+                      <a:r>
+                        <a:rPr lang="en-US" sz="1600" b="0" dirty="0">
+                          <a:solidFill>
+                            <a:schemeClr val="tx1"/>
+                          </a:solidFill>
+                          <a:latin typeface="+mn-lt"/>
+                          <a:cs typeface="Times New Roman Bold" panose="02020503050405090304" charset="0"/>
+                        </a:rPr>
+                        <a:t>'}</a:t>
+                      </a:r>
+                    </a:p>
+                  </a:txBody>
+                  <a:tcPr/>
+                </a:tc>
+                <a:tc>
+                  <a:txBody>
+                    <a:bodyPr/>
+                    <a:lstStyle/>
+                    <a:p>
+                      <a:pPr>
+                        <a:buNone/>
+                      </a:pPr>
+                      <a:r>
+                        <a:rPr lang="en-US" sz="1600" dirty="0"/>
+                        <a:t>Appointment details such as we book appointment of doctor. Username, Password, phone of doctor.</a:t>
+                      </a:r>
+                    </a:p>
+                  </a:txBody>
+                  <a:tcPr/>
+                </a:tc>
+                <a:extLst>
+                  <a:ext uri="{0D108BD9-81ED-4DB2-BD59-A6C34878D82A}">
+                    <a16:rowId xmlns:a16="http://schemas.microsoft.com/office/drawing/2014/main" val="10001"/>
+                  </a:ext>
+                </a:extLst>
+              </a:tr>
+            </a:tbl>
+          </a:graphicData>
+        </a:graphic>
+      </p:graphicFrame>
+    </p:spTree>
+    <p:extLst>
+      <p:ext uri="{BB962C8B-B14F-4D97-AF65-F5344CB8AC3E}">
+        <p14:creationId xmlns:p14="http://schemas.microsoft.com/office/powerpoint/2010/main" val="849537188"/>
+      </p:ext>
+    </p:extLst>
   </p:cSld>
   <p:clrMapOvr>
     <a:masterClrMapping/>
@@ -40633,6 +42987,24 @@
 </p:tagLst>
 </file>
 
+<file path=ppt/tags/tag4.xml><?xml version="1.0" encoding="utf-8"?>
+<p:tagLst xmlns:a="http://schemas.openxmlformats.org/drawingml/2006/main" xmlns:r="http://schemas.openxmlformats.org/officeDocument/2006/relationships" xmlns:p="http://schemas.openxmlformats.org/presentationml/2006/main">
+  <p:tag name="KSO_WM_UNIT_TABLE_BEAUTIFY" val="smartTable{663554d3-cd4b-4c2e-86e1-6d6dbbf29a51}"/>
+</p:tagLst>
+</file>
+
+<file path=ppt/tags/tag5.xml><?xml version="1.0" encoding="utf-8"?>
+<p:tagLst xmlns:a="http://schemas.openxmlformats.org/drawingml/2006/main" xmlns:r="http://schemas.openxmlformats.org/officeDocument/2006/relationships" xmlns:p="http://schemas.openxmlformats.org/presentationml/2006/main">
+  <p:tag name="KSO_WM_UNIT_TABLE_BEAUTIFY" val="smartTable{663554d3-cd4b-4c2e-86e1-6d6dbbf29a51}"/>
+</p:tagLst>
+</file>
+
+<file path=ppt/tags/tag6.xml><?xml version="1.0" encoding="utf-8"?>
+<p:tagLst xmlns:a="http://schemas.openxmlformats.org/drawingml/2006/main" xmlns:r="http://schemas.openxmlformats.org/officeDocument/2006/relationships" xmlns:p="http://schemas.openxmlformats.org/presentationml/2006/main">
+  <p:tag name="KSO_WM_UNIT_TABLE_BEAUTIFY" val="smartTable{663554d3-cd4b-4c2e-86e1-6d6dbbf29a51}"/>
+</p:tagLst>
+</file>
+
 <file path=ppt/theme/theme1.xml><?xml version="1.0" encoding="utf-8"?>
 <a:theme xmlns:a="http://schemas.openxmlformats.org/drawingml/2006/main" name="UofC_template">
   <a:themeElements>
